--- a/search_small_agent.pptx
+++ b/search_small_agent.pptx
@@ -9,16 +9,18 @@
   </p:notesMasterIdLst>
   <p:sldIdLst>
     <p:sldId id="256" r:id="rId6"/>
+    <p:sldId id="257" r:id="rId7"/>
+    <p:sldId id="258" r:id="rId8"/>
   </p:sldIdLst>
   <p:sldSz cy="5143500" cx="9144000"/>
   <p:notesSz cx="6858000" cy="9144000"/>
   <p:embeddedFontLst>
     <p:embeddedFont>
       <p:font typeface="Proxima Nova"/>
-      <p:regular r:id="rId7"/>
-      <p:bold r:id="rId8"/>
-      <p:italic r:id="rId9"/>
-      <p:boldItalic r:id="rId10"/>
+      <p:regular r:id="rId9"/>
+      <p:bold r:id="rId10"/>
+      <p:italic r:id="rId11"/>
+      <p:boldItalic r:id="rId12"/>
     </p:embeddedFont>
   </p:embeddedFontLst>
   <p:defaultTextStyle>
@@ -750,6 +752,204 @@
       <p:sp>
         <p:nvSpPr>
           <p:cNvPr id="57" name="Google Shape;57;g2b3cd56f974_0_118:notes"/>
+          <p:cNvSpPr txBox="1"/>
+          <p:nvPr>
+            <p:ph idx="1" type="body"/>
+          </p:nvPr>
+        </p:nvSpPr>
+        <p:spPr>
+          <a:xfrm>
+            <a:off x="685800" y="4343400"/>
+            <a:ext cx="5486400" cy="4114800"/>
+          </a:xfrm>
+          <a:prstGeom prst="rect">
+            <a:avLst/>
+          </a:prstGeom>
+        </p:spPr>
+        <p:txBody>
+          <a:bodyPr anchorCtr="0" anchor="t" bIns="91425" lIns="91425" spcFirstLastPara="1" rIns="91425" wrap="square" tIns="91425">
+            <a:noAutofit/>
+          </a:bodyPr>
+          <a:lstStyle/>
+          <a:p>
+            <a:pPr indent="0" lvl="0" marL="0" rtl="0" algn="l">
+              <a:spcBef>
+                <a:spcPts val="0"/>
+              </a:spcBef>
+              <a:spcAft>
+                <a:spcPts val="0"/>
+              </a:spcAft>
+              <a:buNone/>
+            </a:pPr>
+            <a:r>
+              <a:t/>
+            </a:r>
+            <a:endParaRPr/>
+          </a:p>
+        </p:txBody>
+      </p:sp>
+    </p:spTree>
+  </p:cSld>
+  <p:clrMapOvr>
+    <a:masterClrMapping/>
+  </p:clrMapOvr>
+</p:notes>
+</file>
+
+<file path=ppt/notesSlides/notesSlide2.xml><?xml version="1.0" encoding="utf-8"?>
+<p:notes xmlns:a="http://schemas.openxmlformats.org/drawingml/2006/main" xmlns:r="http://schemas.openxmlformats.org/officeDocument/2006/relationships" xmlns:mc="http://schemas.openxmlformats.org/markup-compatibility/2006" xmlns:mv="urn:schemas-microsoft-com:mac:vml" xmlns:p="http://schemas.openxmlformats.org/presentationml/2006/main" xmlns:c="http://schemas.openxmlformats.org/drawingml/2006/chart" xmlns:dgm="http://schemas.openxmlformats.org/drawingml/2006/diagram" xmlns:o="urn:schemas-microsoft-com:office:office" xmlns:v="urn:schemas-microsoft-com:vml" xmlns:pvml="urn:schemas-microsoft-com:office:powerpoint" xmlns:com="http://schemas.openxmlformats.org/drawingml/2006/compatibility" xmlns:p14="http://schemas.microsoft.com/office/powerpoint/2010/main" xmlns:p15="http://schemas.microsoft.com/office/powerpoint/2012/main" xmlns:ahyp="http://schemas.microsoft.com/office/drawing/2018/hyperlinkcolor" showMasterPhAnim="0" showMasterSp="0">
+  <p:cSld>
+    <p:spTree>
+      <p:nvGrpSpPr>
+        <p:cNvPr id="69" name="Shape 69"/>
+        <p:cNvGrpSpPr/>
+        <p:nvPr/>
+      </p:nvGrpSpPr>
+      <p:grpSpPr>
+        <a:xfrm>
+          <a:off x="0" y="0"/>
+          <a:ext cx="0" cy="0"/>
+          <a:chOff x="0" y="0"/>
+          <a:chExt cx="0" cy="0"/>
+        </a:xfrm>
+      </p:grpSpPr>
+      <p:sp>
+        <p:nvSpPr>
+          <p:cNvPr id="70" name="Google Shape;70;g2b83f55de8e_0_0:notes"/>
+          <p:cNvSpPr/>
+          <p:nvPr>
+            <p:ph idx="2" type="sldImg"/>
+          </p:nvPr>
+        </p:nvSpPr>
+        <p:spPr>
+          <a:xfrm>
+            <a:off x="381300" y="685800"/>
+            <a:ext cx="6096000" cy="3429000"/>
+          </a:xfrm>
+          <a:custGeom>
+            <a:rect b="b" l="l" r="r" t="t"/>
+            <a:pathLst>
+              <a:path extrusionOk="0" h="120000" w="120000">
+                <a:moveTo>
+                  <a:pt x="0" y="0"/>
+                </a:moveTo>
+                <a:lnTo>
+                  <a:pt x="120000" y="0"/>
+                </a:lnTo>
+                <a:lnTo>
+                  <a:pt x="120000" y="120000"/>
+                </a:lnTo>
+                <a:lnTo>
+                  <a:pt x="0" y="120000"/>
+                </a:lnTo>
+                <a:close/>
+              </a:path>
+            </a:pathLst>
+          </a:custGeom>
+        </p:spPr>
+      </p:sp>
+      <p:sp>
+        <p:nvSpPr>
+          <p:cNvPr id="71" name="Google Shape;71;g2b83f55de8e_0_0:notes"/>
+          <p:cNvSpPr txBox="1"/>
+          <p:nvPr>
+            <p:ph idx="1" type="body"/>
+          </p:nvPr>
+        </p:nvSpPr>
+        <p:spPr>
+          <a:xfrm>
+            <a:off x="685800" y="4343400"/>
+            <a:ext cx="5486400" cy="4114800"/>
+          </a:xfrm>
+          <a:prstGeom prst="rect">
+            <a:avLst/>
+          </a:prstGeom>
+        </p:spPr>
+        <p:txBody>
+          <a:bodyPr anchorCtr="0" anchor="t" bIns="91425" lIns="91425" spcFirstLastPara="1" rIns="91425" wrap="square" tIns="91425">
+            <a:noAutofit/>
+          </a:bodyPr>
+          <a:lstStyle/>
+          <a:p>
+            <a:pPr indent="0" lvl="0" marL="0" rtl="0" algn="l">
+              <a:spcBef>
+                <a:spcPts val="0"/>
+              </a:spcBef>
+              <a:spcAft>
+                <a:spcPts val="0"/>
+              </a:spcAft>
+              <a:buNone/>
+            </a:pPr>
+            <a:r>
+              <a:t/>
+            </a:r>
+            <a:endParaRPr/>
+          </a:p>
+        </p:txBody>
+      </p:sp>
+    </p:spTree>
+  </p:cSld>
+  <p:clrMapOvr>
+    <a:masterClrMapping/>
+  </p:clrMapOvr>
+</p:notes>
+</file>
+
+<file path=ppt/notesSlides/notesSlide3.xml><?xml version="1.0" encoding="utf-8"?>
+<p:notes xmlns:a="http://schemas.openxmlformats.org/drawingml/2006/main" xmlns:r="http://schemas.openxmlformats.org/officeDocument/2006/relationships" xmlns:mc="http://schemas.openxmlformats.org/markup-compatibility/2006" xmlns:mv="urn:schemas-microsoft-com:mac:vml" xmlns:p="http://schemas.openxmlformats.org/presentationml/2006/main" xmlns:c="http://schemas.openxmlformats.org/drawingml/2006/chart" xmlns:dgm="http://schemas.openxmlformats.org/drawingml/2006/diagram" xmlns:o="urn:schemas-microsoft-com:office:office" xmlns:v="urn:schemas-microsoft-com:vml" xmlns:pvml="urn:schemas-microsoft-com:office:powerpoint" xmlns:com="http://schemas.openxmlformats.org/drawingml/2006/compatibility" xmlns:p14="http://schemas.microsoft.com/office/powerpoint/2010/main" xmlns:p15="http://schemas.microsoft.com/office/powerpoint/2012/main" xmlns:ahyp="http://schemas.microsoft.com/office/drawing/2018/hyperlinkcolor" showMasterPhAnim="0" showMasterSp="0">
+  <p:cSld>
+    <p:spTree>
+      <p:nvGrpSpPr>
+        <p:cNvPr id="89" name="Shape 89"/>
+        <p:cNvGrpSpPr/>
+        <p:nvPr/>
+      </p:nvGrpSpPr>
+      <p:grpSpPr>
+        <a:xfrm>
+          <a:off x="0" y="0"/>
+          <a:ext cx="0" cy="0"/>
+          <a:chOff x="0" y="0"/>
+          <a:chExt cx="0" cy="0"/>
+        </a:xfrm>
+      </p:grpSpPr>
+      <p:sp>
+        <p:nvSpPr>
+          <p:cNvPr id="90" name="Google Shape;90;g2b940b2b6ab_0_0:notes"/>
+          <p:cNvSpPr/>
+          <p:nvPr>
+            <p:ph idx="2" type="sldImg"/>
+          </p:nvPr>
+        </p:nvSpPr>
+        <p:spPr>
+          <a:xfrm>
+            <a:off x="381300" y="685800"/>
+            <a:ext cx="6096000" cy="3429000"/>
+          </a:xfrm>
+          <a:custGeom>
+            <a:rect b="b" l="l" r="r" t="t"/>
+            <a:pathLst>
+              <a:path extrusionOk="0" h="120000" w="120000">
+                <a:moveTo>
+                  <a:pt x="0" y="0"/>
+                </a:moveTo>
+                <a:lnTo>
+                  <a:pt x="120000" y="0"/>
+                </a:lnTo>
+                <a:lnTo>
+                  <a:pt x="120000" y="120000"/>
+                </a:lnTo>
+                <a:lnTo>
+                  <a:pt x="0" y="120000"/>
+                </a:lnTo>
+                <a:close/>
+              </a:path>
+            </a:pathLst>
+          </a:custGeom>
+        </p:spPr>
+      </p:sp>
+      <p:sp>
+        <p:nvSpPr>
+          <p:cNvPr id="91" name="Google Shape;91;g2b940b2b6ab_0_0:notes"/>
           <p:cNvSpPr txBox="1"/>
           <p:nvPr>
             <p:ph idx="1" type="body"/>
@@ -6710,7 +6910,2480 @@
 </p:sld>
 </file>
 
+<file path=ppt/slides/slide2.xml><?xml version="1.0" encoding="utf-8"?>
+<p:sld xmlns:a="http://schemas.openxmlformats.org/drawingml/2006/main" xmlns:r="http://schemas.openxmlformats.org/officeDocument/2006/relationships" xmlns:mc="http://schemas.openxmlformats.org/markup-compatibility/2006" xmlns:mv="urn:schemas-microsoft-com:mac:vml" xmlns:p="http://schemas.openxmlformats.org/presentationml/2006/main" xmlns:c="http://schemas.openxmlformats.org/drawingml/2006/chart" xmlns:dgm="http://schemas.openxmlformats.org/drawingml/2006/diagram" xmlns:o="urn:schemas-microsoft-com:office:office" xmlns:v="urn:schemas-microsoft-com:vml" xmlns:pvml="urn:schemas-microsoft-com:office:powerpoint" xmlns:com="http://schemas.openxmlformats.org/drawingml/2006/compatibility" xmlns:p14="http://schemas.microsoft.com/office/powerpoint/2010/main" xmlns:p15="http://schemas.microsoft.com/office/powerpoint/2012/main" xmlns:ahyp="http://schemas.microsoft.com/office/drawing/2018/hyperlinkcolor">
+  <p:cSld>
+    <p:spTree>
+      <p:nvGrpSpPr>
+        <p:cNvPr id="72" name="Shape 72"/>
+        <p:cNvGrpSpPr/>
+        <p:nvPr/>
+      </p:nvGrpSpPr>
+      <p:grpSpPr>
+        <a:xfrm>
+          <a:off x="0" y="0"/>
+          <a:ext cx="0" cy="0"/>
+          <a:chOff x="0" y="0"/>
+          <a:chExt cx="0" cy="0"/>
+        </a:xfrm>
+      </p:grpSpPr>
+      <p:sp>
+        <p:nvSpPr>
+          <p:cNvPr id="73" name="Google Shape;73;p14"/>
+          <p:cNvSpPr/>
+          <p:nvPr/>
+        </p:nvSpPr>
+        <p:spPr>
+          <a:xfrm>
+            <a:off x="1197450" y="1594100"/>
+            <a:ext cx="6980700" cy="2410500"/>
+          </a:xfrm>
+          <a:prstGeom prst="roundRect">
+            <a:avLst>
+              <a:gd fmla="val 16667" name="adj"/>
+            </a:avLst>
+          </a:prstGeom>
+          <a:noFill/>
+          <a:ln cap="flat" cmpd="sng" w="38100">
+            <a:solidFill>
+              <a:srgbClr val="0000FF"/>
+            </a:solidFill>
+            <a:prstDash val="dash"/>
+            <a:round/>
+            <a:headEnd len="sm" w="sm" type="none"/>
+            <a:tailEnd len="sm" w="sm" type="none"/>
+          </a:ln>
+        </p:spPr>
+        <p:txBody>
+          <a:bodyPr anchorCtr="0" anchor="t" bIns="91425" lIns="91425" spcFirstLastPara="1" rIns="91425" wrap="square" tIns="91425">
+            <a:noAutofit/>
+          </a:bodyPr>
+          <a:lstStyle/>
+          <a:p>
+            <a:pPr indent="0" lvl="0" marL="0" rtl="0" algn="l">
+              <a:spcBef>
+                <a:spcPts val="0"/>
+              </a:spcBef>
+              <a:spcAft>
+                <a:spcPts val="0"/>
+              </a:spcAft>
+              <a:buNone/>
+            </a:pPr>
+            <a:r>
+              <a:rPr b="1" lang="ja">
+                <a:solidFill>
+                  <a:schemeClr val="accent3"/>
+                </a:solidFill>
+                <a:latin typeface="Proxima Nova"/>
+                <a:ea typeface="Proxima Nova"/>
+                <a:cs typeface="Proxima Nova"/>
+                <a:sym typeface="Proxima Nova"/>
+              </a:rPr>
+              <a:t>Agent</a:t>
+            </a:r>
+            <a:endParaRPr b="1">
+              <a:solidFill>
+                <a:schemeClr val="accent3"/>
+              </a:solidFill>
+              <a:latin typeface="Proxima Nova"/>
+              <a:ea typeface="Proxima Nova"/>
+              <a:cs typeface="Proxima Nova"/>
+              <a:sym typeface="Proxima Nova"/>
+            </a:endParaRPr>
+          </a:p>
+        </p:txBody>
+      </p:sp>
+      <p:sp>
+        <p:nvSpPr>
+          <p:cNvPr id="74" name="Google Shape;74;p14"/>
+          <p:cNvSpPr/>
+          <p:nvPr/>
+        </p:nvSpPr>
+        <p:spPr>
+          <a:xfrm>
+            <a:off x="1787775" y="631575"/>
+            <a:ext cx="1457700" cy="381000"/>
+          </a:xfrm>
+          <a:prstGeom prst="roundRect">
+            <a:avLst>
+              <a:gd fmla="val 16667" name="adj"/>
+            </a:avLst>
+          </a:prstGeom>
+          <a:solidFill>
+            <a:srgbClr val="0000FF"/>
+          </a:solidFill>
+          <a:ln cap="flat" cmpd="sng" w="9525">
+            <a:solidFill>
+              <a:srgbClr val="0000FF"/>
+            </a:solidFill>
+            <a:prstDash val="solid"/>
+            <a:round/>
+            <a:headEnd len="sm" w="sm" type="none"/>
+            <a:tailEnd len="sm" w="sm" type="none"/>
+          </a:ln>
+        </p:spPr>
+        <p:txBody>
+          <a:bodyPr anchorCtr="0" anchor="ctr" bIns="91425" lIns="91425" spcFirstLastPara="1" rIns="91425" wrap="square" tIns="91425">
+            <a:noAutofit/>
+          </a:bodyPr>
+          <a:lstStyle/>
+          <a:p>
+            <a:pPr indent="0" lvl="0" marL="0" rtl="0" algn="ctr">
+              <a:spcBef>
+                <a:spcPts val="0"/>
+              </a:spcBef>
+              <a:spcAft>
+                <a:spcPts val="0"/>
+              </a:spcAft>
+              <a:buNone/>
+            </a:pPr>
+            <a:r>
+              <a:rPr b="1" lang="ja">
+                <a:solidFill>
+                  <a:schemeClr val="lt1"/>
+                </a:solidFill>
+                <a:latin typeface="Proxima Nova"/>
+                <a:ea typeface="Proxima Nova"/>
+                <a:cs typeface="Proxima Nova"/>
+                <a:sym typeface="Proxima Nova"/>
+              </a:rPr>
+              <a:t>User</a:t>
+            </a:r>
+            <a:endParaRPr b="1">
+              <a:solidFill>
+                <a:schemeClr val="lt1"/>
+              </a:solidFill>
+              <a:latin typeface="Proxima Nova"/>
+              <a:ea typeface="Proxima Nova"/>
+              <a:cs typeface="Proxima Nova"/>
+              <a:sym typeface="Proxima Nova"/>
+            </a:endParaRPr>
+          </a:p>
+        </p:txBody>
+      </p:sp>
+      <p:cxnSp>
+        <p:nvCxnSpPr>
+          <p:cNvPr id="75" name="Google Shape;75;p14"/>
+          <p:cNvCxnSpPr/>
+          <p:nvPr/>
+        </p:nvCxnSpPr>
+        <p:spPr>
+          <a:xfrm>
+            <a:off x="2249375" y="1019900"/>
+            <a:ext cx="14700" cy="2410500"/>
+          </a:xfrm>
+          <a:prstGeom prst="straightConnector1">
+            <a:avLst/>
+          </a:prstGeom>
+          <a:noFill/>
+          <a:ln cap="flat" cmpd="sng" w="38100">
+            <a:solidFill>
+              <a:srgbClr val="0000FF"/>
+            </a:solidFill>
+            <a:prstDash val="solid"/>
+            <a:round/>
+            <a:headEnd len="med" w="med" type="none"/>
+            <a:tailEnd len="med" w="med" type="triangle"/>
+          </a:ln>
+        </p:spPr>
+      </p:cxnSp>
+      <p:cxnSp>
+        <p:nvCxnSpPr>
+          <p:cNvPr id="76" name="Google Shape;76;p14"/>
+          <p:cNvCxnSpPr>
+            <a:stCxn id="77" idx="0"/>
+          </p:cNvCxnSpPr>
+          <p:nvPr/>
+        </p:nvCxnSpPr>
+        <p:spPr>
+          <a:xfrm flipH="1" rot="10800000">
+            <a:off x="2860325" y="1019900"/>
+            <a:ext cx="4500" cy="747300"/>
+          </a:xfrm>
+          <a:prstGeom prst="straightConnector1">
+            <a:avLst/>
+          </a:prstGeom>
+          <a:noFill/>
+          <a:ln cap="flat" cmpd="sng" w="38100">
+            <a:solidFill>
+              <a:srgbClr val="0000FF"/>
+            </a:solidFill>
+            <a:prstDash val="solid"/>
+            <a:round/>
+            <a:headEnd len="med" w="med" type="none"/>
+            <a:tailEnd len="med" w="med" type="triangle"/>
+          </a:ln>
+        </p:spPr>
+      </p:cxnSp>
+      <p:sp>
+        <p:nvSpPr>
+          <p:cNvPr id="77" name="Google Shape;77;p14"/>
+          <p:cNvSpPr/>
+          <p:nvPr/>
+        </p:nvSpPr>
+        <p:spPr>
+          <a:xfrm>
+            <a:off x="2439875" y="1767200"/>
+            <a:ext cx="840900" cy="381000"/>
+          </a:xfrm>
+          <a:prstGeom prst="roundRect">
+            <a:avLst>
+              <a:gd fmla="val 16667" name="adj"/>
+            </a:avLst>
+          </a:prstGeom>
+          <a:solidFill>
+            <a:srgbClr val="0000FF"/>
+          </a:solidFill>
+          <a:ln cap="flat" cmpd="sng" w="9525">
+            <a:solidFill>
+              <a:srgbClr val="0000FF"/>
+            </a:solidFill>
+            <a:prstDash val="solid"/>
+            <a:round/>
+            <a:headEnd len="sm" w="sm" type="none"/>
+            <a:tailEnd len="sm" w="sm" type="none"/>
+          </a:ln>
+        </p:spPr>
+        <p:txBody>
+          <a:bodyPr anchorCtr="0" anchor="ctr" bIns="91425" lIns="91425" spcFirstLastPara="1" rIns="91425" wrap="square" tIns="91425">
+            <a:noAutofit/>
+          </a:bodyPr>
+          <a:lstStyle/>
+          <a:p>
+            <a:pPr indent="0" lvl="0" marL="0" rtl="0" algn="ctr">
+              <a:spcBef>
+                <a:spcPts val="0"/>
+              </a:spcBef>
+              <a:spcAft>
+                <a:spcPts val="0"/>
+              </a:spcAft>
+              <a:buNone/>
+            </a:pPr>
+            <a:r>
+              <a:rPr b="1" lang="ja">
+                <a:solidFill>
+                  <a:schemeClr val="lt1"/>
+                </a:solidFill>
+                <a:latin typeface="Proxima Nova"/>
+                <a:ea typeface="Proxima Nova"/>
+                <a:cs typeface="Proxima Nova"/>
+                <a:sym typeface="Proxima Nova"/>
+              </a:rPr>
+              <a:t>QA</a:t>
+            </a:r>
+            <a:endParaRPr b="1">
+              <a:solidFill>
+                <a:schemeClr val="lt1"/>
+              </a:solidFill>
+              <a:latin typeface="Proxima Nova"/>
+              <a:ea typeface="Proxima Nova"/>
+              <a:cs typeface="Proxima Nova"/>
+              <a:sym typeface="Proxima Nova"/>
+            </a:endParaRPr>
+          </a:p>
+        </p:txBody>
+      </p:sp>
+      <p:cxnSp>
+        <p:nvCxnSpPr>
+          <p:cNvPr id="78" name="Google Shape;78;p14"/>
+          <p:cNvCxnSpPr/>
+          <p:nvPr/>
+        </p:nvCxnSpPr>
+        <p:spPr>
+          <a:xfrm rot="10800000">
+            <a:off x="2856600" y="2148325"/>
+            <a:ext cx="0" cy="1287900"/>
+          </a:xfrm>
+          <a:prstGeom prst="straightConnector1">
+            <a:avLst/>
+          </a:prstGeom>
+          <a:noFill/>
+          <a:ln cap="flat" cmpd="sng" w="38100">
+            <a:solidFill>
+              <a:srgbClr val="0000FF"/>
+            </a:solidFill>
+            <a:prstDash val="solid"/>
+            <a:round/>
+            <a:headEnd len="med" w="med" type="none"/>
+            <a:tailEnd len="med" w="med" type="triangle"/>
+          </a:ln>
+        </p:spPr>
+      </p:cxnSp>
+      <p:sp>
+        <p:nvSpPr>
+          <p:cNvPr id="79" name="Google Shape;79;p14"/>
+          <p:cNvSpPr/>
+          <p:nvPr/>
+        </p:nvSpPr>
+        <p:spPr>
+          <a:xfrm>
+            <a:off x="1822950" y="3436225"/>
+            <a:ext cx="1457700" cy="381000"/>
+          </a:xfrm>
+          <a:prstGeom prst="roundRect">
+            <a:avLst>
+              <a:gd fmla="val 16667" name="adj"/>
+            </a:avLst>
+          </a:prstGeom>
+          <a:solidFill>
+            <a:srgbClr val="0000FF"/>
+          </a:solidFill>
+          <a:ln cap="flat" cmpd="sng" w="9525">
+            <a:solidFill>
+              <a:srgbClr val="0000FF"/>
+            </a:solidFill>
+            <a:prstDash val="solid"/>
+            <a:round/>
+            <a:headEnd len="sm" w="sm" type="none"/>
+            <a:tailEnd len="sm" w="sm" type="none"/>
+          </a:ln>
+        </p:spPr>
+        <p:txBody>
+          <a:bodyPr anchorCtr="0" anchor="ctr" bIns="91425" lIns="91425" spcFirstLastPara="1" rIns="91425" wrap="square" tIns="91425">
+            <a:noAutofit/>
+          </a:bodyPr>
+          <a:lstStyle/>
+          <a:p>
+            <a:pPr indent="0" lvl="0" marL="0" rtl="0" algn="ctr">
+              <a:spcBef>
+                <a:spcPts val="0"/>
+              </a:spcBef>
+              <a:spcAft>
+                <a:spcPts val="0"/>
+              </a:spcAft>
+              <a:buNone/>
+            </a:pPr>
+            <a:r>
+              <a:rPr b="1" lang="ja">
+                <a:solidFill>
+                  <a:schemeClr val="lt1"/>
+                </a:solidFill>
+                <a:latin typeface="Proxima Nova"/>
+                <a:ea typeface="Proxima Nova"/>
+                <a:cs typeface="Proxima Nova"/>
+                <a:sym typeface="Proxima Nova"/>
+              </a:rPr>
+              <a:t>Research</a:t>
+            </a:r>
+            <a:endParaRPr b="1">
+              <a:solidFill>
+                <a:schemeClr val="lt1"/>
+              </a:solidFill>
+              <a:latin typeface="Proxima Nova"/>
+              <a:ea typeface="Proxima Nova"/>
+              <a:cs typeface="Proxima Nova"/>
+              <a:sym typeface="Proxima Nova"/>
+            </a:endParaRPr>
+          </a:p>
+        </p:txBody>
+      </p:sp>
+      <p:sp>
+        <p:nvSpPr>
+          <p:cNvPr id="80" name="Google Shape;80;p14"/>
+          <p:cNvSpPr/>
+          <p:nvPr/>
+        </p:nvSpPr>
+        <p:spPr>
+          <a:xfrm>
+            <a:off x="2996700" y="2549000"/>
+            <a:ext cx="2037000" cy="500700"/>
+          </a:xfrm>
+          <a:prstGeom prst="roundRect">
+            <a:avLst>
+              <a:gd fmla="val 16667" name="adj"/>
+            </a:avLst>
+          </a:prstGeom>
+          <a:solidFill>
+            <a:schemeClr val="lt1"/>
+          </a:solidFill>
+          <a:ln cap="flat" cmpd="sng" w="9525">
+            <a:solidFill>
+              <a:schemeClr val="lt1"/>
+            </a:solidFill>
+            <a:prstDash val="solid"/>
+            <a:round/>
+            <a:headEnd len="sm" w="sm" type="none"/>
+            <a:tailEnd len="sm" w="sm" type="none"/>
+          </a:ln>
+        </p:spPr>
+        <p:txBody>
+          <a:bodyPr anchorCtr="0" anchor="ctr" bIns="91425" lIns="91425" spcFirstLastPara="1" rIns="91425" wrap="square" tIns="91425">
+            <a:noAutofit/>
+          </a:bodyPr>
+          <a:lstStyle/>
+          <a:p>
+            <a:pPr indent="0" lvl="0" marL="0" rtl="0" algn="ctr">
+              <a:spcBef>
+                <a:spcPts val="0"/>
+              </a:spcBef>
+              <a:spcAft>
+                <a:spcPts val="0"/>
+              </a:spcAft>
+              <a:buNone/>
+            </a:pPr>
+            <a:r>
+              <a:rPr b="1" lang="ja">
+                <a:solidFill>
+                  <a:schemeClr val="accent3"/>
+                </a:solidFill>
+                <a:latin typeface="Proxima Nova"/>
+                <a:ea typeface="Proxima Nova"/>
+                <a:cs typeface="Proxima Nova"/>
+                <a:sym typeface="Proxima Nova"/>
+              </a:rPr>
+              <a:t>route</a:t>
+            </a:r>
+            <a:endParaRPr b="1">
+              <a:solidFill>
+                <a:schemeClr val="accent3"/>
+              </a:solidFill>
+              <a:latin typeface="Proxima Nova"/>
+              <a:ea typeface="Proxima Nova"/>
+              <a:cs typeface="Proxima Nova"/>
+              <a:sym typeface="Proxima Nova"/>
+            </a:endParaRPr>
+          </a:p>
+          <a:p>
+            <a:pPr indent="0" lvl="0" marL="0" rtl="0" algn="ctr">
+              <a:spcBef>
+                <a:spcPts val="0"/>
+              </a:spcBef>
+              <a:spcAft>
+                <a:spcPts val="0"/>
+              </a:spcAft>
+              <a:buNone/>
+            </a:pPr>
+            <a:r>
+              <a:rPr b="1" lang="ja">
+                <a:solidFill>
+                  <a:schemeClr val="accent3"/>
+                </a:solidFill>
+                <a:latin typeface="Proxima Nova"/>
+                <a:ea typeface="Proxima Nova"/>
+                <a:cs typeface="Proxima Nova"/>
+                <a:sym typeface="Proxima Nova"/>
+              </a:rPr>
+              <a:t>make_research_query</a:t>
+            </a:r>
+            <a:endParaRPr b="1">
+              <a:solidFill>
+                <a:schemeClr val="accent3"/>
+              </a:solidFill>
+              <a:latin typeface="Proxima Nova"/>
+              <a:ea typeface="Proxima Nova"/>
+              <a:cs typeface="Proxima Nova"/>
+              <a:sym typeface="Proxima Nova"/>
+            </a:endParaRPr>
+          </a:p>
+        </p:txBody>
+      </p:sp>
+      <p:cxnSp>
+        <p:nvCxnSpPr>
+          <p:cNvPr id="81" name="Google Shape;81;p14"/>
+          <p:cNvCxnSpPr>
+            <a:stCxn id="77" idx="3"/>
+            <a:endCxn id="80" idx="0"/>
+          </p:cNvCxnSpPr>
+          <p:nvPr/>
+        </p:nvCxnSpPr>
+        <p:spPr>
+          <a:xfrm>
+            <a:off x="3280775" y="1957700"/>
+            <a:ext cx="734400" cy="591300"/>
+          </a:xfrm>
+          <a:prstGeom prst="curvedConnector2">
+            <a:avLst/>
+          </a:prstGeom>
+          <a:noFill/>
+          <a:ln cap="flat" cmpd="sng" w="38100">
+            <a:solidFill>
+              <a:srgbClr val="0000FF"/>
+            </a:solidFill>
+            <a:prstDash val="dash"/>
+            <a:round/>
+            <a:headEnd len="med" w="med" type="none"/>
+            <a:tailEnd len="med" w="med" type="none"/>
+          </a:ln>
+        </p:spPr>
+      </p:cxnSp>
+      <p:cxnSp>
+        <p:nvCxnSpPr>
+          <p:cNvPr id="82" name="Google Shape;82;p14"/>
+          <p:cNvCxnSpPr>
+            <a:stCxn id="80" idx="2"/>
+            <a:endCxn id="79" idx="3"/>
+          </p:cNvCxnSpPr>
+          <p:nvPr/>
+        </p:nvCxnSpPr>
+        <p:spPr>
+          <a:xfrm rot="5400000">
+            <a:off x="3359550" y="2970950"/>
+            <a:ext cx="576900" cy="734400"/>
+          </a:xfrm>
+          <a:prstGeom prst="curvedConnector2">
+            <a:avLst/>
+          </a:prstGeom>
+          <a:noFill/>
+          <a:ln cap="flat" cmpd="sng" w="38100">
+            <a:solidFill>
+              <a:srgbClr val="0000FF"/>
+            </a:solidFill>
+            <a:prstDash val="dash"/>
+            <a:round/>
+            <a:headEnd len="med" w="med" type="none"/>
+            <a:tailEnd len="med" w="med" type="triangle"/>
+          </a:ln>
+        </p:spPr>
+      </p:cxnSp>
+      <p:sp>
+        <p:nvSpPr>
+          <p:cNvPr id="83" name="Google Shape;83;p14"/>
+          <p:cNvSpPr/>
+          <p:nvPr/>
+        </p:nvSpPr>
+        <p:spPr>
+          <a:xfrm>
+            <a:off x="5222250" y="2605825"/>
+            <a:ext cx="1653900" cy="291600"/>
+          </a:xfrm>
+          <a:prstGeom prst="roundRect">
+            <a:avLst>
+              <a:gd fmla="val 16667" name="adj"/>
+            </a:avLst>
+          </a:prstGeom>
+          <a:solidFill>
+            <a:schemeClr val="lt1"/>
+          </a:solidFill>
+          <a:ln cap="flat" cmpd="sng" w="9525">
+            <a:solidFill>
+              <a:schemeClr val="lt1"/>
+            </a:solidFill>
+            <a:prstDash val="solid"/>
+            <a:round/>
+            <a:headEnd len="sm" w="sm" type="none"/>
+            <a:tailEnd len="sm" w="sm" type="none"/>
+          </a:ln>
+        </p:spPr>
+        <p:txBody>
+          <a:bodyPr anchorCtr="0" anchor="ctr" bIns="91425" lIns="91425" spcFirstLastPara="1" rIns="91425" wrap="square" tIns="91425">
+            <a:noAutofit/>
+          </a:bodyPr>
+          <a:lstStyle/>
+          <a:p>
+            <a:pPr indent="0" lvl="0" marL="0" rtl="0" algn="ctr">
+              <a:spcBef>
+                <a:spcPts val="0"/>
+              </a:spcBef>
+              <a:spcAft>
+                <a:spcPts val="0"/>
+              </a:spcAft>
+              <a:buNone/>
+            </a:pPr>
+            <a:r>
+              <a:rPr b="1" lang="ja">
+                <a:solidFill>
+                  <a:schemeClr val="accent3"/>
+                </a:solidFill>
+                <a:latin typeface="Proxima Nova"/>
+                <a:ea typeface="Proxima Nova"/>
+                <a:cs typeface="Proxima Nova"/>
+                <a:sym typeface="Proxima Nova"/>
+              </a:rPr>
+              <a:t>+  </a:t>
+            </a:r>
+            <a:r>
+              <a:rPr b="1" lang="ja">
+                <a:solidFill>
+                  <a:schemeClr val="accent3"/>
+                </a:solidFill>
+                <a:latin typeface="Proxima Nova"/>
+                <a:ea typeface="Proxima Nova"/>
+                <a:cs typeface="Proxima Nova"/>
+                <a:sym typeface="Proxima Nova"/>
+              </a:rPr>
+              <a:t>function calling</a:t>
+            </a:r>
+            <a:endParaRPr b="1">
+              <a:solidFill>
+                <a:schemeClr val="accent3"/>
+              </a:solidFill>
+              <a:latin typeface="Proxima Nova"/>
+              <a:ea typeface="Proxima Nova"/>
+              <a:cs typeface="Proxima Nova"/>
+              <a:sym typeface="Proxima Nova"/>
+            </a:endParaRPr>
+          </a:p>
+        </p:txBody>
+      </p:sp>
+      <p:cxnSp>
+        <p:nvCxnSpPr>
+          <p:cNvPr id="84" name="Google Shape;84;p14"/>
+          <p:cNvCxnSpPr>
+            <a:stCxn id="77" idx="3"/>
+            <a:endCxn id="83" idx="0"/>
+          </p:cNvCxnSpPr>
+          <p:nvPr/>
+        </p:nvCxnSpPr>
+        <p:spPr>
+          <a:xfrm>
+            <a:off x="3280775" y="1957700"/>
+            <a:ext cx="2768400" cy="648000"/>
+          </a:xfrm>
+          <a:prstGeom prst="curvedConnector2">
+            <a:avLst/>
+          </a:prstGeom>
+          <a:noFill/>
+          <a:ln cap="flat" cmpd="sng" w="38100">
+            <a:solidFill>
+              <a:srgbClr val="0000FF"/>
+            </a:solidFill>
+            <a:prstDash val="dash"/>
+            <a:round/>
+            <a:headEnd len="med" w="med" type="none"/>
+            <a:tailEnd len="med" w="med" type="none"/>
+          </a:ln>
+        </p:spPr>
+      </p:cxnSp>
+      <p:cxnSp>
+        <p:nvCxnSpPr>
+          <p:cNvPr id="85" name="Google Shape;85;p14"/>
+          <p:cNvCxnSpPr>
+            <a:stCxn id="83" idx="2"/>
+            <a:endCxn id="79" idx="3"/>
+          </p:cNvCxnSpPr>
+          <p:nvPr/>
+        </p:nvCxnSpPr>
+        <p:spPr>
+          <a:xfrm rot="5400000">
+            <a:off x="4300350" y="1877875"/>
+            <a:ext cx="729300" cy="2768400"/>
+          </a:xfrm>
+          <a:prstGeom prst="curvedConnector2">
+            <a:avLst/>
+          </a:prstGeom>
+          <a:noFill/>
+          <a:ln cap="flat" cmpd="sng" w="38100">
+            <a:solidFill>
+              <a:srgbClr val="0000FF"/>
+            </a:solidFill>
+            <a:prstDash val="dash"/>
+            <a:round/>
+            <a:headEnd len="med" w="med" type="none"/>
+            <a:tailEnd len="med" w="med" type="triangle"/>
+          </a:ln>
+        </p:spPr>
+      </p:cxnSp>
+      <p:sp>
+        <p:nvSpPr>
+          <p:cNvPr id="86" name="Google Shape;86;p14"/>
+          <p:cNvSpPr txBox="1"/>
+          <p:nvPr/>
+        </p:nvSpPr>
+        <p:spPr>
+          <a:xfrm>
+            <a:off x="4014150" y="2148200"/>
+            <a:ext cx="1208100" cy="400200"/>
+          </a:xfrm>
+          <a:prstGeom prst="rect">
+            <a:avLst/>
+          </a:prstGeom>
+          <a:noFill/>
+          <a:ln>
+            <a:noFill/>
+          </a:ln>
+        </p:spPr>
+        <p:txBody>
+          <a:bodyPr anchorCtr="0" anchor="t" bIns="91425" lIns="91425" spcFirstLastPara="1" rIns="91425" wrap="square" tIns="91425">
+            <a:spAutoFit/>
+          </a:bodyPr>
+          <a:lstStyle/>
+          <a:p>
+            <a:pPr indent="0" lvl="0" marL="0" rtl="0" algn="l">
+              <a:spcBef>
+                <a:spcPts val="0"/>
+              </a:spcBef>
+              <a:spcAft>
+                <a:spcPts val="0"/>
+              </a:spcAft>
+              <a:buNone/>
+            </a:pPr>
+            <a:r>
+              <a:rPr b="1" lang="ja">
+                <a:solidFill>
+                  <a:schemeClr val="accent3"/>
+                </a:solidFill>
+                <a:latin typeface="Proxima Nova"/>
+                <a:ea typeface="Proxima Nova"/>
+                <a:cs typeface="Proxima Nova"/>
+                <a:sym typeface="Proxima Nova"/>
+              </a:rPr>
+              <a:t>first route</a:t>
+            </a:r>
+            <a:endParaRPr/>
+          </a:p>
+        </p:txBody>
+      </p:sp>
+      <p:sp>
+        <p:nvSpPr>
+          <p:cNvPr id="87" name="Google Shape;87;p14"/>
+          <p:cNvSpPr txBox="1"/>
+          <p:nvPr/>
+        </p:nvSpPr>
+        <p:spPr>
+          <a:xfrm>
+            <a:off x="6004800" y="2148200"/>
+            <a:ext cx="1837200" cy="400200"/>
+          </a:xfrm>
+          <a:prstGeom prst="rect">
+            <a:avLst/>
+          </a:prstGeom>
+          <a:noFill/>
+          <a:ln>
+            <a:noFill/>
+          </a:ln>
+        </p:spPr>
+        <p:txBody>
+          <a:bodyPr anchorCtr="0" anchor="t" bIns="91425" lIns="91425" spcFirstLastPara="1" rIns="91425" wrap="square" tIns="91425">
+            <a:spAutoFit/>
+          </a:bodyPr>
+          <a:lstStyle/>
+          <a:p>
+            <a:pPr indent="0" lvl="0" marL="0" rtl="0" algn="l">
+              <a:spcBef>
+                <a:spcPts val="0"/>
+              </a:spcBef>
+              <a:spcAft>
+                <a:spcPts val="0"/>
+              </a:spcAft>
+              <a:buNone/>
+            </a:pPr>
+            <a:r>
+              <a:rPr b="1" lang="ja">
+                <a:solidFill>
+                  <a:schemeClr val="accent3"/>
+                </a:solidFill>
+                <a:latin typeface="Proxima Nova"/>
+                <a:ea typeface="Proxima Nova"/>
+                <a:cs typeface="Proxima Nova"/>
+                <a:sym typeface="Proxima Nova"/>
+              </a:rPr>
+              <a:t>subsequent routes</a:t>
+            </a:r>
+            <a:endParaRPr/>
+          </a:p>
+        </p:txBody>
+      </p:sp>
+      <p:sp>
+        <p:nvSpPr>
+          <p:cNvPr id="88" name="Google Shape;88;p14"/>
+          <p:cNvSpPr/>
+          <p:nvPr/>
+        </p:nvSpPr>
+        <p:spPr>
+          <a:xfrm>
+            <a:off x="5958175" y="2858700"/>
+            <a:ext cx="2107500" cy="291600"/>
+          </a:xfrm>
+          <a:prstGeom prst="roundRect">
+            <a:avLst>
+              <a:gd fmla="val 16667" name="adj"/>
+            </a:avLst>
+          </a:prstGeom>
+          <a:noFill/>
+          <a:ln>
+            <a:noFill/>
+          </a:ln>
+        </p:spPr>
+        <p:txBody>
+          <a:bodyPr anchorCtr="0" anchor="ctr" bIns="91425" lIns="91425" spcFirstLastPara="1" rIns="91425" wrap="square" tIns="91425">
+            <a:noAutofit/>
+          </a:bodyPr>
+          <a:lstStyle/>
+          <a:p>
+            <a:pPr indent="0" lvl="0" marL="0" rtl="0" algn="l">
+              <a:spcBef>
+                <a:spcPts val="0"/>
+              </a:spcBef>
+              <a:spcAft>
+                <a:spcPts val="0"/>
+              </a:spcAft>
+              <a:buNone/>
+            </a:pPr>
+            <a:r>
+              <a:rPr b="1" lang="ja">
+                <a:solidFill>
+                  <a:schemeClr val="accent3"/>
+                </a:solidFill>
+                <a:latin typeface="Proxima Nova"/>
+                <a:ea typeface="Proxima Nova"/>
+                <a:cs typeface="Proxima Nova"/>
+                <a:sym typeface="Proxima Nova"/>
+              </a:rPr>
+              <a:t>・</a:t>
+            </a:r>
+            <a:r>
+              <a:rPr b="1" lang="ja">
+                <a:solidFill>
+                  <a:schemeClr val="accent3"/>
+                </a:solidFill>
+                <a:latin typeface="Proxima Nova"/>
+                <a:ea typeface="Proxima Nova"/>
+                <a:cs typeface="Proxima Nova"/>
+                <a:sym typeface="Proxima Nova"/>
+              </a:rPr>
+              <a:t>d</a:t>
+            </a:r>
+            <a:r>
+              <a:rPr b="1" lang="ja">
+                <a:solidFill>
+                  <a:schemeClr val="accent3"/>
+                </a:solidFill>
+                <a:latin typeface="Proxima Nova"/>
+                <a:ea typeface="Proxima Nova"/>
+                <a:cs typeface="Proxima Nova"/>
+                <a:sym typeface="Proxima Nova"/>
+              </a:rPr>
+              <a:t>ate_range_updated</a:t>
+            </a:r>
+            <a:endParaRPr b="1">
+              <a:solidFill>
+                <a:schemeClr val="accent3"/>
+              </a:solidFill>
+              <a:latin typeface="Proxima Nova"/>
+              <a:ea typeface="Proxima Nova"/>
+              <a:cs typeface="Proxima Nova"/>
+              <a:sym typeface="Proxima Nova"/>
+            </a:endParaRPr>
+          </a:p>
+        </p:txBody>
+      </p:sp>
+    </p:spTree>
+  </p:cSld>
+  <p:clrMapOvr>
+    <a:masterClrMapping/>
+  </p:clrMapOvr>
+</p:sld>
+</file>
+
+<file path=ppt/slides/slide3.xml><?xml version="1.0" encoding="utf-8"?>
+<p:sld xmlns:a="http://schemas.openxmlformats.org/drawingml/2006/main" xmlns:r="http://schemas.openxmlformats.org/officeDocument/2006/relationships" xmlns:mc="http://schemas.openxmlformats.org/markup-compatibility/2006" xmlns:mv="urn:schemas-microsoft-com:mac:vml" xmlns:p="http://schemas.openxmlformats.org/presentationml/2006/main" xmlns:c="http://schemas.openxmlformats.org/drawingml/2006/chart" xmlns:dgm="http://schemas.openxmlformats.org/drawingml/2006/diagram" xmlns:o="urn:schemas-microsoft-com:office:office" xmlns:v="urn:schemas-microsoft-com:vml" xmlns:pvml="urn:schemas-microsoft-com:office:powerpoint" xmlns:com="http://schemas.openxmlformats.org/drawingml/2006/compatibility" xmlns:p14="http://schemas.microsoft.com/office/powerpoint/2010/main" xmlns:p15="http://schemas.microsoft.com/office/powerpoint/2012/main" xmlns:ahyp="http://schemas.microsoft.com/office/drawing/2018/hyperlinkcolor">
+  <p:cSld>
+    <p:spTree>
+      <p:nvGrpSpPr>
+        <p:cNvPr id="92" name="Shape 92"/>
+        <p:cNvGrpSpPr/>
+        <p:nvPr/>
+      </p:nvGrpSpPr>
+      <p:grpSpPr>
+        <a:xfrm>
+          <a:off x="0" y="0"/>
+          <a:ext cx="0" cy="0"/>
+          <a:chOff x="0" y="0"/>
+          <a:chExt cx="0" cy="0"/>
+        </a:xfrm>
+      </p:grpSpPr>
+      <p:sp>
+        <p:nvSpPr>
+          <p:cNvPr id="93" name="Google Shape;93;p15"/>
+          <p:cNvSpPr/>
+          <p:nvPr/>
+        </p:nvSpPr>
+        <p:spPr>
+          <a:xfrm>
+            <a:off x="54450" y="1594100"/>
+            <a:ext cx="9031500" cy="2410500"/>
+          </a:xfrm>
+          <a:prstGeom prst="roundRect">
+            <a:avLst>
+              <a:gd fmla="val 16667" name="adj"/>
+            </a:avLst>
+          </a:prstGeom>
+          <a:noFill/>
+          <a:ln cap="flat" cmpd="sng" w="38100">
+            <a:solidFill>
+              <a:srgbClr val="0000FF"/>
+            </a:solidFill>
+            <a:prstDash val="dash"/>
+            <a:round/>
+            <a:headEnd len="sm" w="sm" type="none"/>
+            <a:tailEnd len="sm" w="sm" type="none"/>
+          </a:ln>
+        </p:spPr>
+        <p:txBody>
+          <a:bodyPr anchorCtr="0" anchor="t" bIns="91425" lIns="91425" spcFirstLastPara="1" rIns="91425" wrap="square" tIns="91425">
+            <a:noAutofit/>
+          </a:bodyPr>
+          <a:lstStyle/>
+          <a:p>
+            <a:pPr indent="0" lvl="0" marL="0" rtl="0" algn="l">
+              <a:spcBef>
+                <a:spcPts val="0"/>
+              </a:spcBef>
+              <a:spcAft>
+                <a:spcPts val="0"/>
+              </a:spcAft>
+              <a:buNone/>
+            </a:pPr>
+            <a:r>
+              <a:rPr b="1" lang="ja">
+                <a:solidFill>
+                  <a:schemeClr val="accent3"/>
+                </a:solidFill>
+                <a:latin typeface="Proxima Nova"/>
+                <a:ea typeface="Proxima Nova"/>
+                <a:cs typeface="Proxima Nova"/>
+                <a:sym typeface="Proxima Nova"/>
+              </a:rPr>
+              <a:t>Agent</a:t>
+            </a:r>
+            <a:endParaRPr b="1">
+              <a:solidFill>
+                <a:schemeClr val="accent3"/>
+              </a:solidFill>
+              <a:latin typeface="Proxima Nova"/>
+              <a:ea typeface="Proxima Nova"/>
+              <a:cs typeface="Proxima Nova"/>
+              <a:sym typeface="Proxima Nova"/>
+            </a:endParaRPr>
+          </a:p>
+        </p:txBody>
+      </p:sp>
+      <p:sp>
+        <p:nvSpPr>
+          <p:cNvPr id="94" name="Google Shape;94;p15"/>
+          <p:cNvSpPr/>
+          <p:nvPr/>
+        </p:nvSpPr>
+        <p:spPr>
+          <a:xfrm>
+            <a:off x="7365625" y="2653400"/>
+            <a:ext cx="1653900" cy="243900"/>
+          </a:xfrm>
+          <a:prstGeom prst="roundRect">
+            <a:avLst>
+              <a:gd fmla="val 16667" name="adj"/>
+            </a:avLst>
+          </a:prstGeom>
+          <a:solidFill>
+            <a:schemeClr val="lt1"/>
+          </a:solidFill>
+          <a:ln cap="flat" cmpd="sng" w="9525">
+            <a:solidFill>
+              <a:schemeClr val="lt1"/>
+            </a:solidFill>
+            <a:prstDash val="solid"/>
+            <a:round/>
+            <a:headEnd len="sm" w="sm" type="none"/>
+            <a:tailEnd len="sm" w="sm" type="none"/>
+          </a:ln>
+        </p:spPr>
+        <p:txBody>
+          <a:bodyPr anchorCtr="0" anchor="ctr" bIns="91425" lIns="91425" spcFirstLastPara="1" rIns="91425" wrap="square" tIns="91425">
+            <a:noAutofit/>
+          </a:bodyPr>
+          <a:lstStyle/>
+          <a:p>
+            <a:pPr indent="0" lvl="0" marL="0" rtl="0" algn="ctr">
+              <a:spcBef>
+                <a:spcPts val="0"/>
+              </a:spcBef>
+              <a:spcAft>
+                <a:spcPts val="0"/>
+              </a:spcAft>
+              <a:buNone/>
+            </a:pPr>
+            <a:r>
+              <a:rPr b="1" lang="ja">
+                <a:solidFill>
+                  <a:schemeClr val="accent3"/>
+                </a:solidFill>
+                <a:latin typeface="Proxima Nova"/>
+                <a:ea typeface="Proxima Nova"/>
+                <a:cs typeface="Proxima Nova"/>
+                <a:sym typeface="Proxima Nova"/>
+              </a:rPr>
+              <a:t>+  function calling</a:t>
+            </a:r>
+            <a:endParaRPr b="1">
+              <a:solidFill>
+                <a:schemeClr val="accent3"/>
+              </a:solidFill>
+              <a:latin typeface="Proxima Nova"/>
+              <a:ea typeface="Proxima Nova"/>
+              <a:cs typeface="Proxima Nova"/>
+              <a:sym typeface="Proxima Nova"/>
+            </a:endParaRPr>
+          </a:p>
+        </p:txBody>
+      </p:sp>
+      <p:sp>
+        <p:nvSpPr>
+          <p:cNvPr id="95" name="Google Shape;95;p15"/>
+          <p:cNvSpPr/>
+          <p:nvPr/>
+        </p:nvSpPr>
+        <p:spPr>
+          <a:xfrm>
+            <a:off x="644775" y="631575"/>
+            <a:ext cx="1457700" cy="381000"/>
+          </a:xfrm>
+          <a:prstGeom prst="roundRect">
+            <a:avLst>
+              <a:gd fmla="val 16667" name="adj"/>
+            </a:avLst>
+          </a:prstGeom>
+          <a:solidFill>
+            <a:srgbClr val="0000FF"/>
+          </a:solidFill>
+          <a:ln cap="flat" cmpd="sng" w="9525">
+            <a:solidFill>
+              <a:srgbClr val="0000FF"/>
+            </a:solidFill>
+            <a:prstDash val="solid"/>
+            <a:round/>
+            <a:headEnd len="sm" w="sm" type="none"/>
+            <a:tailEnd len="sm" w="sm" type="none"/>
+          </a:ln>
+        </p:spPr>
+        <p:txBody>
+          <a:bodyPr anchorCtr="0" anchor="ctr" bIns="91425" lIns="91425" spcFirstLastPara="1" rIns="91425" wrap="square" tIns="91425">
+            <a:noAutofit/>
+          </a:bodyPr>
+          <a:lstStyle/>
+          <a:p>
+            <a:pPr indent="0" lvl="0" marL="0" rtl="0" algn="ctr">
+              <a:spcBef>
+                <a:spcPts val="0"/>
+              </a:spcBef>
+              <a:spcAft>
+                <a:spcPts val="0"/>
+              </a:spcAft>
+              <a:buNone/>
+            </a:pPr>
+            <a:r>
+              <a:rPr b="1" lang="ja">
+                <a:solidFill>
+                  <a:schemeClr val="lt1"/>
+                </a:solidFill>
+                <a:latin typeface="Proxima Nova"/>
+                <a:ea typeface="Proxima Nova"/>
+                <a:cs typeface="Proxima Nova"/>
+                <a:sym typeface="Proxima Nova"/>
+              </a:rPr>
+              <a:t>User</a:t>
+            </a:r>
+            <a:endParaRPr b="1">
+              <a:solidFill>
+                <a:schemeClr val="lt1"/>
+              </a:solidFill>
+              <a:latin typeface="Proxima Nova"/>
+              <a:ea typeface="Proxima Nova"/>
+              <a:cs typeface="Proxima Nova"/>
+              <a:sym typeface="Proxima Nova"/>
+            </a:endParaRPr>
+          </a:p>
+        </p:txBody>
+      </p:sp>
+      <p:cxnSp>
+        <p:nvCxnSpPr>
+          <p:cNvPr id="96" name="Google Shape;96;p15"/>
+          <p:cNvCxnSpPr/>
+          <p:nvPr/>
+        </p:nvCxnSpPr>
+        <p:spPr>
+          <a:xfrm>
+            <a:off x="1106375" y="1019900"/>
+            <a:ext cx="14700" cy="2410500"/>
+          </a:xfrm>
+          <a:prstGeom prst="straightConnector1">
+            <a:avLst/>
+          </a:prstGeom>
+          <a:noFill/>
+          <a:ln cap="flat" cmpd="sng" w="38100">
+            <a:solidFill>
+              <a:srgbClr val="0000FF"/>
+            </a:solidFill>
+            <a:prstDash val="solid"/>
+            <a:round/>
+            <a:headEnd len="med" w="med" type="none"/>
+            <a:tailEnd len="med" w="med" type="triangle"/>
+          </a:ln>
+        </p:spPr>
+      </p:cxnSp>
+      <p:cxnSp>
+        <p:nvCxnSpPr>
+          <p:cNvPr id="97" name="Google Shape;97;p15"/>
+          <p:cNvCxnSpPr>
+            <a:stCxn id="98" idx="0"/>
+          </p:cNvCxnSpPr>
+          <p:nvPr/>
+        </p:nvCxnSpPr>
+        <p:spPr>
+          <a:xfrm flipH="1" rot="10800000">
+            <a:off x="1717325" y="1019900"/>
+            <a:ext cx="4500" cy="747300"/>
+          </a:xfrm>
+          <a:prstGeom prst="straightConnector1">
+            <a:avLst/>
+          </a:prstGeom>
+          <a:noFill/>
+          <a:ln cap="flat" cmpd="sng" w="38100">
+            <a:solidFill>
+              <a:srgbClr val="0000FF"/>
+            </a:solidFill>
+            <a:prstDash val="solid"/>
+            <a:round/>
+            <a:headEnd len="med" w="med" type="none"/>
+            <a:tailEnd len="med" w="med" type="triangle"/>
+          </a:ln>
+        </p:spPr>
+      </p:cxnSp>
+      <p:sp>
+        <p:nvSpPr>
+          <p:cNvPr id="98" name="Google Shape;98;p15"/>
+          <p:cNvSpPr/>
+          <p:nvPr/>
+        </p:nvSpPr>
+        <p:spPr>
+          <a:xfrm>
+            <a:off x="1296875" y="1767200"/>
+            <a:ext cx="840900" cy="381000"/>
+          </a:xfrm>
+          <a:prstGeom prst="roundRect">
+            <a:avLst>
+              <a:gd fmla="val 16667" name="adj"/>
+            </a:avLst>
+          </a:prstGeom>
+          <a:solidFill>
+            <a:srgbClr val="0000FF"/>
+          </a:solidFill>
+          <a:ln cap="flat" cmpd="sng" w="9525">
+            <a:solidFill>
+              <a:srgbClr val="0000FF"/>
+            </a:solidFill>
+            <a:prstDash val="solid"/>
+            <a:round/>
+            <a:headEnd len="sm" w="sm" type="none"/>
+            <a:tailEnd len="sm" w="sm" type="none"/>
+          </a:ln>
+        </p:spPr>
+        <p:txBody>
+          <a:bodyPr anchorCtr="0" anchor="ctr" bIns="91425" lIns="91425" spcFirstLastPara="1" rIns="91425" wrap="square" tIns="91425">
+            <a:noAutofit/>
+          </a:bodyPr>
+          <a:lstStyle/>
+          <a:p>
+            <a:pPr indent="0" lvl="0" marL="0" rtl="0" algn="ctr">
+              <a:spcBef>
+                <a:spcPts val="0"/>
+              </a:spcBef>
+              <a:spcAft>
+                <a:spcPts val="0"/>
+              </a:spcAft>
+              <a:buNone/>
+            </a:pPr>
+            <a:r>
+              <a:rPr b="1" lang="ja">
+                <a:solidFill>
+                  <a:schemeClr val="lt1"/>
+                </a:solidFill>
+                <a:latin typeface="Proxima Nova"/>
+                <a:ea typeface="Proxima Nova"/>
+                <a:cs typeface="Proxima Nova"/>
+                <a:sym typeface="Proxima Nova"/>
+              </a:rPr>
+              <a:t>QA</a:t>
+            </a:r>
+            <a:endParaRPr b="1">
+              <a:solidFill>
+                <a:schemeClr val="lt1"/>
+              </a:solidFill>
+              <a:latin typeface="Proxima Nova"/>
+              <a:ea typeface="Proxima Nova"/>
+              <a:cs typeface="Proxima Nova"/>
+              <a:sym typeface="Proxima Nova"/>
+            </a:endParaRPr>
+          </a:p>
+        </p:txBody>
+      </p:sp>
+      <p:cxnSp>
+        <p:nvCxnSpPr>
+          <p:cNvPr id="99" name="Google Shape;99;p15"/>
+          <p:cNvCxnSpPr/>
+          <p:nvPr/>
+        </p:nvCxnSpPr>
+        <p:spPr>
+          <a:xfrm rot="10800000">
+            <a:off x="1713600" y="2148325"/>
+            <a:ext cx="0" cy="1287900"/>
+          </a:xfrm>
+          <a:prstGeom prst="straightConnector1">
+            <a:avLst/>
+          </a:prstGeom>
+          <a:noFill/>
+          <a:ln cap="flat" cmpd="sng" w="38100">
+            <a:solidFill>
+              <a:srgbClr val="0000FF"/>
+            </a:solidFill>
+            <a:prstDash val="solid"/>
+            <a:round/>
+            <a:headEnd len="med" w="med" type="none"/>
+            <a:tailEnd len="med" w="med" type="triangle"/>
+          </a:ln>
+        </p:spPr>
+      </p:cxnSp>
+      <p:sp>
+        <p:nvSpPr>
+          <p:cNvPr id="100" name="Google Shape;100;p15"/>
+          <p:cNvSpPr/>
+          <p:nvPr/>
+        </p:nvSpPr>
+        <p:spPr>
+          <a:xfrm>
+            <a:off x="679950" y="3436225"/>
+            <a:ext cx="1457700" cy="381000"/>
+          </a:xfrm>
+          <a:prstGeom prst="roundRect">
+            <a:avLst>
+              <a:gd fmla="val 16667" name="adj"/>
+            </a:avLst>
+          </a:prstGeom>
+          <a:solidFill>
+            <a:srgbClr val="0000FF"/>
+          </a:solidFill>
+          <a:ln cap="flat" cmpd="sng" w="9525">
+            <a:solidFill>
+              <a:srgbClr val="0000FF"/>
+            </a:solidFill>
+            <a:prstDash val="solid"/>
+            <a:round/>
+            <a:headEnd len="sm" w="sm" type="none"/>
+            <a:tailEnd len="sm" w="sm" type="none"/>
+          </a:ln>
+        </p:spPr>
+        <p:txBody>
+          <a:bodyPr anchorCtr="0" anchor="ctr" bIns="91425" lIns="91425" spcFirstLastPara="1" rIns="91425" wrap="square" tIns="91425">
+            <a:noAutofit/>
+          </a:bodyPr>
+          <a:lstStyle/>
+          <a:p>
+            <a:pPr indent="0" lvl="0" marL="0" rtl="0" algn="ctr">
+              <a:spcBef>
+                <a:spcPts val="0"/>
+              </a:spcBef>
+              <a:spcAft>
+                <a:spcPts val="0"/>
+              </a:spcAft>
+              <a:buNone/>
+            </a:pPr>
+            <a:r>
+              <a:rPr b="1" lang="ja">
+                <a:solidFill>
+                  <a:schemeClr val="lt1"/>
+                </a:solidFill>
+                <a:latin typeface="Proxima Nova"/>
+                <a:ea typeface="Proxima Nova"/>
+                <a:cs typeface="Proxima Nova"/>
+                <a:sym typeface="Proxima Nova"/>
+              </a:rPr>
+              <a:t>Research</a:t>
+            </a:r>
+            <a:endParaRPr b="1">
+              <a:solidFill>
+                <a:schemeClr val="lt1"/>
+              </a:solidFill>
+              <a:latin typeface="Proxima Nova"/>
+              <a:ea typeface="Proxima Nova"/>
+              <a:cs typeface="Proxima Nova"/>
+              <a:sym typeface="Proxima Nova"/>
+            </a:endParaRPr>
+          </a:p>
+        </p:txBody>
+      </p:sp>
+      <p:sp>
+        <p:nvSpPr>
+          <p:cNvPr id="101" name="Google Shape;101;p15"/>
+          <p:cNvSpPr/>
+          <p:nvPr/>
+        </p:nvSpPr>
+        <p:spPr>
+          <a:xfrm>
+            <a:off x="1853700" y="2549000"/>
+            <a:ext cx="2037000" cy="500700"/>
+          </a:xfrm>
+          <a:prstGeom prst="roundRect">
+            <a:avLst>
+              <a:gd fmla="val 16667" name="adj"/>
+            </a:avLst>
+          </a:prstGeom>
+          <a:solidFill>
+            <a:schemeClr val="lt1"/>
+          </a:solidFill>
+          <a:ln cap="flat" cmpd="sng" w="9525">
+            <a:solidFill>
+              <a:schemeClr val="lt1"/>
+            </a:solidFill>
+            <a:prstDash val="solid"/>
+            <a:round/>
+            <a:headEnd len="sm" w="sm" type="none"/>
+            <a:tailEnd len="sm" w="sm" type="none"/>
+          </a:ln>
+        </p:spPr>
+        <p:txBody>
+          <a:bodyPr anchorCtr="0" anchor="ctr" bIns="91425" lIns="91425" spcFirstLastPara="1" rIns="91425" wrap="square" tIns="91425">
+            <a:noAutofit/>
+          </a:bodyPr>
+          <a:lstStyle/>
+          <a:p>
+            <a:pPr indent="0" lvl="0" marL="0" rtl="0" algn="ctr">
+              <a:spcBef>
+                <a:spcPts val="0"/>
+              </a:spcBef>
+              <a:spcAft>
+                <a:spcPts val="0"/>
+              </a:spcAft>
+              <a:buNone/>
+            </a:pPr>
+            <a:r>
+              <a:rPr b="1" lang="ja">
+                <a:solidFill>
+                  <a:schemeClr val="accent3"/>
+                </a:solidFill>
+                <a:latin typeface="Proxima Nova"/>
+                <a:ea typeface="Proxima Nova"/>
+                <a:cs typeface="Proxima Nova"/>
+                <a:sym typeface="Proxima Nova"/>
+              </a:rPr>
+              <a:t>route</a:t>
+            </a:r>
+            <a:endParaRPr b="1">
+              <a:solidFill>
+                <a:schemeClr val="accent3"/>
+              </a:solidFill>
+              <a:latin typeface="Proxima Nova"/>
+              <a:ea typeface="Proxima Nova"/>
+              <a:cs typeface="Proxima Nova"/>
+              <a:sym typeface="Proxima Nova"/>
+            </a:endParaRPr>
+          </a:p>
+          <a:p>
+            <a:pPr indent="0" lvl="0" marL="0" rtl="0" algn="ctr">
+              <a:spcBef>
+                <a:spcPts val="0"/>
+              </a:spcBef>
+              <a:spcAft>
+                <a:spcPts val="0"/>
+              </a:spcAft>
+              <a:buNone/>
+            </a:pPr>
+            <a:r>
+              <a:rPr b="1" lang="ja">
+                <a:solidFill>
+                  <a:schemeClr val="accent3"/>
+                </a:solidFill>
+                <a:latin typeface="Proxima Nova"/>
+                <a:ea typeface="Proxima Nova"/>
+                <a:cs typeface="Proxima Nova"/>
+                <a:sym typeface="Proxima Nova"/>
+              </a:rPr>
+              <a:t>make_research_query</a:t>
+            </a:r>
+            <a:endParaRPr b="1">
+              <a:solidFill>
+                <a:schemeClr val="accent3"/>
+              </a:solidFill>
+              <a:latin typeface="Proxima Nova"/>
+              <a:ea typeface="Proxima Nova"/>
+              <a:cs typeface="Proxima Nova"/>
+              <a:sym typeface="Proxima Nova"/>
+            </a:endParaRPr>
+          </a:p>
+        </p:txBody>
+      </p:sp>
+      <p:cxnSp>
+        <p:nvCxnSpPr>
+          <p:cNvPr id="102" name="Google Shape;102;p15"/>
+          <p:cNvCxnSpPr>
+            <a:stCxn id="98" idx="3"/>
+            <a:endCxn id="101" idx="0"/>
+          </p:cNvCxnSpPr>
+          <p:nvPr/>
+        </p:nvCxnSpPr>
+        <p:spPr>
+          <a:xfrm>
+            <a:off x="2137775" y="1957700"/>
+            <a:ext cx="734400" cy="591300"/>
+          </a:xfrm>
+          <a:prstGeom prst="curvedConnector2">
+            <a:avLst/>
+          </a:prstGeom>
+          <a:noFill/>
+          <a:ln cap="flat" cmpd="sng" w="38100">
+            <a:solidFill>
+              <a:srgbClr val="0000FF"/>
+            </a:solidFill>
+            <a:prstDash val="dash"/>
+            <a:round/>
+            <a:headEnd len="med" w="med" type="none"/>
+            <a:tailEnd len="med" w="med" type="none"/>
+          </a:ln>
+        </p:spPr>
+      </p:cxnSp>
+      <p:cxnSp>
+        <p:nvCxnSpPr>
+          <p:cNvPr id="103" name="Google Shape;103;p15"/>
+          <p:cNvCxnSpPr>
+            <a:stCxn id="101" idx="2"/>
+            <a:endCxn id="100" idx="3"/>
+          </p:cNvCxnSpPr>
+          <p:nvPr/>
+        </p:nvCxnSpPr>
+        <p:spPr>
+          <a:xfrm rot="5400000">
+            <a:off x="2216550" y="2970950"/>
+            <a:ext cx="576900" cy="734400"/>
+          </a:xfrm>
+          <a:prstGeom prst="curvedConnector2">
+            <a:avLst/>
+          </a:prstGeom>
+          <a:noFill/>
+          <a:ln cap="flat" cmpd="sng" w="38100">
+            <a:solidFill>
+              <a:srgbClr val="0000FF"/>
+            </a:solidFill>
+            <a:prstDash val="dash"/>
+            <a:round/>
+            <a:headEnd len="med" w="med" type="none"/>
+            <a:tailEnd len="med" w="med" type="triangle"/>
+          </a:ln>
+        </p:spPr>
+      </p:cxnSp>
+      <p:sp>
+        <p:nvSpPr>
+          <p:cNvPr id="104" name="Google Shape;104;p15"/>
+          <p:cNvSpPr/>
+          <p:nvPr/>
+        </p:nvSpPr>
+        <p:spPr>
+          <a:xfrm>
+            <a:off x="3434082" y="2653325"/>
+            <a:ext cx="2155800" cy="349200"/>
+          </a:xfrm>
+          <a:prstGeom prst="roundRect">
+            <a:avLst>
+              <a:gd fmla="val 16667" name="adj"/>
+            </a:avLst>
+          </a:prstGeom>
+          <a:noFill/>
+          <a:ln>
+            <a:noFill/>
+          </a:ln>
+        </p:spPr>
+        <p:txBody>
+          <a:bodyPr anchorCtr="0" anchor="ctr" bIns="91425" lIns="91425" spcFirstLastPara="1" rIns="91425" wrap="square" tIns="91425">
+            <a:noAutofit/>
+          </a:bodyPr>
+          <a:lstStyle/>
+          <a:p>
+            <a:pPr indent="0" lvl="0" marL="0" rtl="0" algn="ctr">
+              <a:spcBef>
+                <a:spcPts val="0"/>
+              </a:spcBef>
+              <a:spcAft>
+                <a:spcPts val="0"/>
+              </a:spcAft>
+              <a:buNone/>
+            </a:pPr>
+            <a:r>
+              <a:rPr b="1" lang="ja">
+                <a:solidFill>
+                  <a:schemeClr val="accent3"/>
+                </a:solidFill>
+                <a:latin typeface="Proxima Nova"/>
+                <a:ea typeface="Proxima Nova"/>
+                <a:cs typeface="Proxima Nova"/>
+                <a:sym typeface="Proxima Nova"/>
+              </a:rPr>
+              <a:t>+  </a:t>
+            </a:r>
+            <a:r>
+              <a:rPr b="1" lang="ja">
+                <a:solidFill>
+                  <a:schemeClr val="accent3"/>
+                </a:solidFill>
+                <a:latin typeface="Proxima Nova"/>
+                <a:ea typeface="Proxima Nova"/>
+                <a:cs typeface="Proxima Nova"/>
+                <a:sym typeface="Proxima Nova"/>
+              </a:rPr>
+              <a:t>date_range_updated</a:t>
+            </a:r>
+            <a:endParaRPr b="1">
+              <a:solidFill>
+                <a:schemeClr val="accent3"/>
+              </a:solidFill>
+              <a:latin typeface="Proxima Nova"/>
+              <a:ea typeface="Proxima Nova"/>
+              <a:cs typeface="Proxima Nova"/>
+              <a:sym typeface="Proxima Nova"/>
+            </a:endParaRPr>
+          </a:p>
+          <a:p>
+            <a:pPr indent="0" lvl="0" marL="0" rtl="0" algn="ctr">
+              <a:spcBef>
+                <a:spcPts val="0"/>
+              </a:spcBef>
+              <a:spcAft>
+                <a:spcPts val="0"/>
+              </a:spcAft>
+              <a:buNone/>
+            </a:pPr>
+            <a:r>
+              <a:rPr b="1" lang="ja" sz="1000">
+                <a:solidFill>
+                  <a:schemeClr val="accent3"/>
+                </a:solidFill>
+                <a:latin typeface="Proxima Nova"/>
+                <a:ea typeface="Proxima Nova"/>
+                <a:cs typeface="Proxima Nova"/>
+                <a:sym typeface="Proxima Nova"/>
+              </a:rPr>
+              <a:t>(その他クエリ変換)</a:t>
+            </a:r>
+            <a:endParaRPr b="1" sz="1000">
+              <a:solidFill>
+                <a:schemeClr val="accent3"/>
+              </a:solidFill>
+              <a:latin typeface="Proxima Nova"/>
+              <a:ea typeface="Proxima Nova"/>
+              <a:cs typeface="Proxima Nova"/>
+              <a:sym typeface="Proxima Nova"/>
+            </a:endParaRPr>
+          </a:p>
+        </p:txBody>
+      </p:sp>
+      <p:cxnSp>
+        <p:nvCxnSpPr>
+          <p:cNvPr id="105" name="Google Shape;105;p15"/>
+          <p:cNvCxnSpPr>
+            <a:stCxn id="98" idx="3"/>
+            <a:endCxn id="104" idx="0"/>
+          </p:cNvCxnSpPr>
+          <p:nvPr/>
+        </p:nvCxnSpPr>
+        <p:spPr>
+          <a:xfrm>
+            <a:off x="2137775" y="1957700"/>
+            <a:ext cx="2374200" cy="695700"/>
+          </a:xfrm>
+          <a:prstGeom prst="curvedConnector2">
+            <a:avLst/>
+          </a:prstGeom>
+          <a:noFill/>
+          <a:ln cap="flat" cmpd="sng" w="38100">
+            <a:solidFill>
+              <a:srgbClr val="0000FF"/>
+            </a:solidFill>
+            <a:prstDash val="dash"/>
+            <a:round/>
+            <a:headEnd len="med" w="med" type="none"/>
+            <a:tailEnd len="med" w="med" type="none"/>
+          </a:ln>
+        </p:spPr>
+      </p:cxnSp>
+      <p:cxnSp>
+        <p:nvCxnSpPr>
+          <p:cNvPr id="106" name="Google Shape;106;p15"/>
+          <p:cNvCxnSpPr>
+            <a:stCxn id="104" idx="2"/>
+            <a:endCxn id="100" idx="3"/>
+          </p:cNvCxnSpPr>
+          <p:nvPr/>
+        </p:nvCxnSpPr>
+        <p:spPr>
+          <a:xfrm rot="5400000">
+            <a:off x="3012732" y="2127575"/>
+            <a:ext cx="624300" cy="2374200"/>
+          </a:xfrm>
+          <a:prstGeom prst="curvedConnector2">
+            <a:avLst/>
+          </a:prstGeom>
+          <a:noFill/>
+          <a:ln cap="flat" cmpd="sng" w="38100">
+            <a:solidFill>
+              <a:srgbClr val="0000FF"/>
+            </a:solidFill>
+            <a:prstDash val="dash"/>
+            <a:round/>
+            <a:headEnd len="med" w="med" type="none"/>
+            <a:tailEnd len="med" w="med" type="triangle"/>
+          </a:ln>
+        </p:spPr>
+      </p:cxnSp>
+      <p:sp>
+        <p:nvSpPr>
+          <p:cNvPr id="107" name="Google Shape;107;p15"/>
+          <p:cNvSpPr txBox="1"/>
+          <p:nvPr/>
+        </p:nvSpPr>
+        <p:spPr>
+          <a:xfrm>
+            <a:off x="2871150" y="2148200"/>
+            <a:ext cx="1208100" cy="400200"/>
+          </a:xfrm>
+          <a:prstGeom prst="rect">
+            <a:avLst/>
+          </a:prstGeom>
+          <a:noFill/>
+          <a:ln>
+            <a:noFill/>
+          </a:ln>
+        </p:spPr>
+        <p:txBody>
+          <a:bodyPr anchorCtr="0" anchor="t" bIns="91425" lIns="91425" spcFirstLastPara="1" rIns="91425" wrap="square" tIns="91425">
+            <a:spAutoFit/>
+          </a:bodyPr>
+          <a:lstStyle/>
+          <a:p>
+            <a:pPr indent="0" lvl="0" marL="0" rtl="0" algn="l">
+              <a:spcBef>
+                <a:spcPts val="0"/>
+              </a:spcBef>
+              <a:spcAft>
+                <a:spcPts val="0"/>
+              </a:spcAft>
+              <a:buNone/>
+            </a:pPr>
+            <a:r>
+              <a:rPr b="1" lang="ja">
+                <a:solidFill>
+                  <a:schemeClr val="accent3"/>
+                </a:solidFill>
+                <a:latin typeface="Proxima Nova"/>
+                <a:ea typeface="Proxima Nova"/>
+                <a:cs typeface="Proxima Nova"/>
+                <a:sym typeface="Proxima Nova"/>
+              </a:rPr>
+              <a:t>2</a:t>
+            </a:r>
+            <a:r>
+              <a:rPr b="1" lang="ja">
+                <a:solidFill>
+                  <a:schemeClr val="accent3"/>
+                </a:solidFill>
+                <a:latin typeface="Proxima Nova"/>
+                <a:ea typeface="Proxima Nova"/>
+                <a:cs typeface="Proxima Nova"/>
+                <a:sym typeface="Proxima Nova"/>
+              </a:rPr>
+              <a:t>th+</a:t>
+            </a:r>
+            <a:endParaRPr/>
+          </a:p>
+        </p:txBody>
+      </p:sp>
+      <p:sp>
+        <p:nvSpPr>
+          <p:cNvPr id="108" name="Google Shape;108;p15"/>
+          <p:cNvSpPr txBox="1"/>
+          <p:nvPr/>
+        </p:nvSpPr>
+        <p:spPr>
+          <a:xfrm>
+            <a:off x="4511975" y="2148200"/>
+            <a:ext cx="1339500" cy="400200"/>
+          </a:xfrm>
+          <a:prstGeom prst="rect">
+            <a:avLst/>
+          </a:prstGeom>
+          <a:noFill/>
+          <a:ln>
+            <a:noFill/>
+          </a:ln>
+        </p:spPr>
+        <p:txBody>
+          <a:bodyPr anchorCtr="0" anchor="t" bIns="91425" lIns="91425" spcFirstLastPara="1" rIns="91425" wrap="square" tIns="91425">
+            <a:spAutoFit/>
+          </a:bodyPr>
+          <a:lstStyle/>
+          <a:p>
+            <a:pPr indent="0" lvl="0" marL="0" rtl="0" algn="l">
+              <a:spcBef>
+                <a:spcPts val="0"/>
+              </a:spcBef>
+              <a:spcAft>
+                <a:spcPts val="0"/>
+              </a:spcAft>
+              <a:buNone/>
+            </a:pPr>
+            <a:r>
+              <a:rPr b="1" lang="ja">
+                <a:solidFill>
+                  <a:schemeClr val="accent3"/>
+                </a:solidFill>
+                <a:latin typeface="Proxima Nova"/>
+                <a:ea typeface="Proxima Nova"/>
+                <a:cs typeface="Proxima Nova"/>
+                <a:sym typeface="Proxima Nova"/>
+              </a:rPr>
+              <a:t>3</a:t>
+            </a:r>
+            <a:r>
+              <a:rPr b="1" lang="ja">
+                <a:solidFill>
+                  <a:schemeClr val="accent3"/>
+                </a:solidFill>
+                <a:latin typeface="Proxima Nova"/>
+                <a:ea typeface="Proxima Nova"/>
+                <a:cs typeface="Proxima Nova"/>
+                <a:sym typeface="Proxima Nova"/>
+              </a:rPr>
+              <a:t>th+</a:t>
+            </a:r>
+            <a:endParaRPr b="1">
+              <a:solidFill>
+                <a:schemeClr val="accent3"/>
+              </a:solidFill>
+              <a:latin typeface="Proxima Nova"/>
+              <a:ea typeface="Proxima Nova"/>
+              <a:cs typeface="Proxima Nova"/>
+              <a:sym typeface="Proxima Nova"/>
+            </a:endParaRPr>
+          </a:p>
+        </p:txBody>
+      </p:sp>
+      <p:sp>
+        <p:nvSpPr>
+          <p:cNvPr id="109" name="Google Shape;109;p15"/>
+          <p:cNvSpPr/>
+          <p:nvPr/>
+        </p:nvSpPr>
+        <p:spPr>
+          <a:xfrm>
+            <a:off x="5450850" y="2605825"/>
+            <a:ext cx="1653900" cy="291600"/>
+          </a:xfrm>
+          <a:prstGeom prst="roundRect">
+            <a:avLst>
+              <a:gd fmla="val 16667" name="adj"/>
+            </a:avLst>
+          </a:prstGeom>
+          <a:solidFill>
+            <a:schemeClr val="lt1"/>
+          </a:solidFill>
+          <a:ln cap="flat" cmpd="sng" w="9525">
+            <a:solidFill>
+              <a:schemeClr val="lt1"/>
+            </a:solidFill>
+            <a:prstDash val="solid"/>
+            <a:round/>
+            <a:headEnd len="sm" w="sm" type="none"/>
+            <a:tailEnd len="sm" w="sm" type="none"/>
+          </a:ln>
+        </p:spPr>
+        <p:txBody>
+          <a:bodyPr anchorCtr="0" anchor="ctr" bIns="91425" lIns="91425" spcFirstLastPara="1" rIns="91425" wrap="square" tIns="91425">
+            <a:noAutofit/>
+          </a:bodyPr>
+          <a:lstStyle/>
+          <a:p>
+            <a:pPr indent="0" lvl="0" marL="0" rtl="0" algn="ctr">
+              <a:spcBef>
+                <a:spcPts val="0"/>
+              </a:spcBef>
+              <a:spcAft>
+                <a:spcPts val="0"/>
+              </a:spcAft>
+              <a:buNone/>
+            </a:pPr>
+            <a:r>
+              <a:rPr b="1" lang="ja">
+                <a:solidFill>
+                  <a:schemeClr val="accent3"/>
+                </a:solidFill>
+                <a:latin typeface="Proxima Nova"/>
+                <a:ea typeface="Proxima Nova"/>
+                <a:cs typeface="Proxima Nova"/>
+                <a:sym typeface="Proxima Nova"/>
+              </a:rPr>
+              <a:t>  function calling</a:t>
+            </a:r>
+            <a:endParaRPr b="1">
+              <a:solidFill>
+                <a:schemeClr val="accent3"/>
+              </a:solidFill>
+              <a:latin typeface="Proxima Nova"/>
+              <a:ea typeface="Proxima Nova"/>
+              <a:cs typeface="Proxima Nova"/>
+              <a:sym typeface="Proxima Nova"/>
+            </a:endParaRPr>
+          </a:p>
+        </p:txBody>
+      </p:sp>
+      <p:cxnSp>
+        <p:nvCxnSpPr>
+          <p:cNvPr id="110" name="Google Shape;110;p15"/>
+          <p:cNvCxnSpPr>
+            <a:stCxn id="98" idx="3"/>
+            <a:endCxn id="109" idx="0"/>
+          </p:cNvCxnSpPr>
+          <p:nvPr/>
+        </p:nvCxnSpPr>
+        <p:spPr>
+          <a:xfrm>
+            <a:off x="2137775" y="1957700"/>
+            <a:ext cx="4140000" cy="648000"/>
+          </a:xfrm>
+          <a:prstGeom prst="curvedConnector2">
+            <a:avLst/>
+          </a:prstGeom>
+          <a:noFill/>
+          <a:ln cap="flat" cmpd="sng" w="38100">
+            <a:solidFill>
+              <a:srgbClr val="0000FF"/>
+            </a:solidFill>
+            <a:prstDash val="dash"/>
+            <a:round/>
+            <a:headEnd len="med" w="med" type="none"/>
+            <a:tailEnd len="med" w="med" type="none"/>
+          </a:ln>
+        </p:spPr>
+      </p:cxnSp>
+      <p:cxnSp>
+        <p:nvCxnSpPr>
+          <p:cNvPr id="111" name="Google Shape;111;p15"/>
+          <p:cNvCxnSpPr>
+            <a:stCxn id="109" idx="2"/>
+            <a:endCxn id="100" idx="3"/>
+          </p:cNvCxnSpPr>
+          <p:nvPr/>
+        </p:nvCxnSpPr>
+        <p:spPr>
+          <a:xfrm rot="5400000">
+            <a:off x="3843150" y="1192075"/>
+            <a:ext cx="729300" cy="4140000"/>
+          </a:xfrm>
+          <a:prstGeom prst="curvedConnector2">
+            <a:avLst/>
+          </a:prstGeom>
+          <a:noFill/>
+          <a:ln cap="flat" cmpd="sng" w="38100">
+            <a:solidFill>
+              <a:srgbClr val="0000FF"/>
+            </a:solidFill>
+            <a:prstDash val="dash"/>
+            <a:round/>
+            <a:headEnd len="med" w="med" type="none"/>
+            <a:tailEnd len="med" w="med" type="triangle"/>
+          </a:ln>
+        </p:spPr>
+      </p:cxnSp>
+      <p:sp>
+        <p:nvSpPr>
+          <p:cNvPr id="112" name="Google Shape;112;p15"/>
+          <p:cNvSpPr/>
+          <p:nvPr/>
+        </p:nvSpPr>
+        <p:spPr>
+          <a:xfrm>
+            <a:off x="6157825" y="2850800"/>
+            <a:ext cx="1412100" cy="291600"/>
+          </a:xfrm>
+          <a:prstGeom prst="roundRect">
+            <a:avLst>
+              <a:gd fmla="val 16667" name="adj"/>
+            </a:avLst>
+          </a:prstGeom>
+          <a:noFill/>
+          <a:ln>
+            <a:noFill/>
+          </a:ln>
+        </p:spPr>
+        <p:txBody>
+          <a:bodyPr anchorCtr="0" anchor="ctr" bIns="91425" lIns="91425" spcFirstLastPara="1" rIns="91425" wrap="square" tIns="91425">
+            <a:noAutofit/>
+          </a:bodyPr>
+          <a:lstStyle/>
+          <a:p>
+            <a:pPr indent="0" lvl="0" marL="0" rtl="0" algn="l">
+              <a:spcBef>
+                <a:spcPts val="0"/>
+              </a:spcBef>
+              <a:spcAft>
+                <a:spcPts val="0"/>
+              </a:spcAft>
+              <a:buNone/>
+            </a:pPr>
+            <a:r>
+              <a:rPr b="1" lang="ja">
+                <a:solidFill>
+                  <a:schemeClr val="accent3"/>
+                </a:solidFill>
+                <a:latin typeface="Proxima Nova"/>
+                <a:ea typeface="Proxima Nova"/>
+                <a:cs typeface="Proxima Nova"/>
+                <a:sym typeface="Proxima Nova"/>
+              </a:rPr>
+              <a:t>・qa+q2_doc</a:t>
+            </a:r>
+            <a:endParaRPr b="1">
+              <a:solidFill>
+                <a:schemeClr val="accent3"/>
+              </a:solidFill>
+              <a:latin typeface="Proxima Nova"/>
+              <a:ea typeface="Proxima Nova"/>
+              <a:cs typeface="Proxima Nova"/>
+              <a:sym typeface="Proxima Nova"/>
+            </a:endParaRPr>
+          </a:p>
+        </p:txBody>
+      </p:sp>
+      <p:sp>
+        <p:nvSpPr>
+          <p:cNvPr id="113" name="Google Shape;113;p15"/>
+          <p:cNvSpPr txBox="1"/>
+          <p:nvPr/>
+        </p:nvSpPr>
+        <p:spPr>
+          <a:xfrm>
+            <a:off x="6289500" y="2148200"/>
+            <a:ext cx="1208100" cy="400200"/>
+          </a:xfrm>
+          <a:prstGeom prst="rect">
+            <a:avLst/>
+          </a:prstGeom>
+          <a:noFill/>
+          <a:ln>
+            <a:noFill/>
+          </a:ln>
+        </p:spPr>
+        <p:txBody>
+          <a:bodyPr anchorCtr="0" anchor="t" bIns="91425" lIns="91425" spcFirstLastPara="1" rIns="91425" wrap="square" tIns="91425">
+            <a:spAutoFit/>
+          </a:bodyPr>
+          <a:lstStyle/>
+          <a:p>
+            <a:pPr indent="0" lvl="0" marL="0" rtl="0" algn="l">
+              <a:spcBef>
+                <a:spcPts val="0"/>
+              </a:spcBef>
+              <a:spcAft>
+                <a:spcPts val="0"/>
+              </a:spcAft>
+              <a:buNone/>
+            </a:pPr>
+            <a:r>
+              <a:rPr b="1" lang="ja">
+                <a:solidFill>
+                  <a:schemeClr val="accent3"/>
+                </a:solidFill>
+                <a:latin typeface="Proxima Nova"/>
+                <a:ea typeface="Proxima Nova"/>
+                <a:cs typeface="Proxima Nova"/>
+                <a:sym typeface="Proxima Nova"/>
+              </a:rPr>
+              <a:t>4</a:t>
+            </a:r>
+            <a:r>
+              <a:rPr b="1" lang="ja">
+                <a:solidFill>
+                  <a:schemeClr val="accent3"/>
+                </a:solidFill>
+                <a:latin typeface="Proxima Nova"/>
+                <a:ea typeface="Proxima Nova"/>
+                <a:cs typeface="Proxima Nova"/>
+                <a:sym typeface="Proxima Nova"/>
+              </a:rPr>
+              <a:t>th</a:t>
+            </a:r>
+            <a:endParaRPr b="1">
+              <a:solidFill>
+                <a:schemeClr val="accent3"/>
+              </a:solidFill>
+              <a:latin typeface="Proxima Nova"/>
+              <a:ea typeface="Proxima Nova"/>
+              <a:cs typeface="Proxima Nova"/>
+              <a:sym typeface="Proxima Nova"/>
+            </a:endParaRPr>
+          </a:p>
+        </p:txBody>
+      </p:sp>
+      <p:cxnSp>
+        <p:nvCxnSpPr>
+          <p:cNvPr id="114" name="Google Shape;114;p15"/>
+          <p:cNvCxnSpPr>
+            <a:stCxn id="98" idx="3"/>
+            <a:endCxn id="94" idx="0"/>
+          </p:cNvCxnSpPr>
+          <p:nvPr/>
+        </p:nvCxnSpPr>
+        <p:spPr>
+          <a:xfrm>
+            <a:off x="2137775" y="1957700"/>
+            <a:ext cx="6054900" cy="695700"/>
+          </a:xfrm>
+          <a:prstGeom prst="curvedConnector2">
+            <a:avLst/>
+          </a:prstGeom>
+          <a:noFill/>
+          <a:ln cap="flat" cmpd="sng" w="38100">
+            <a:solidFill>
+              <a:srgbClr val="0000FF"/>
+            </a:solidFill>
+            <a:prstDash val="dash"/>
+            <a:round/>
+            <a:headEnd len="med" w="med" type="none"/>
+            <a:tailEnd len="med" w="med" type="none"/>
+          </a:ln>
+        </p:spPr>
+      </p:cxnSp>
+      <p:cxnSp>
+        <p:nvCxnSpPr>
+          <p:cNvPr id="115" name="Google Shape;115;p15"/>
+          <p:cNvCxnSpPr>
+            <a:stCxn id="94" idx="2"/>
+            <a:endCxn id="100" idx="3"/>
+          </p:cNvCxnSpPr>
+          <p:nvPr/>
+        </p:nvCxnSpPr>
+        <p:spPr>
+          <a:xfrm rot="5400000">
+            <a:off x="4800475" y="234500"/>
+            <a:ext cx="729300" cy="6054900"/>
+          </a:xfrm>
+          <a:prstGeom prst="curvedConnector2">
+            <a:avLst/>
+          </a:prstGeom>
+          <a:noFill/>
+          <a:ln cap="flat" cmpd="sng" w="38100">
+            <a:solidFill>
+              <a:srgbClr val="0000FF"/>
+            </a:solidFill>
+            <a:prstDash val="dash"/>
+            <a:round/>
+            <a:headEnd len="med" w="med" type="none"/>
+            <a:tailEnd len="med" w="med" type="triangle"/>
+          </a:ln>
+        </p:spPr>
+      </p:cxnSp>
+      <p:sp>
+        <p:nvSpPr>
+          <p:cNvPr id="116" name="Google Shape;116;p15"/>
+          <p:cNvSpPr/>
+          <p:nvPr/>
+        </p:nvSpPr>
+        <p:spPr>
+          <a:xfrm>
+            <a:off x="8062825" y="2850800"/>
+            <a:ext cx="1005000" cy="291600"/>
+          </a:xfrm>
+          <a:prstGeom prst="roundRect">
+            <a:avLst>
+              <a:gd fmla="val 16667" name="adj"/>
+            </a:avLst>
+          </a:prstGeom>
+          <a:noFill/>
+          <a:ln>
+            <a:noFill/>
+          </a:ln>
+        </p:spPr>
+        <p:txBody>
+          <a:bodyPr anchorCtr="0" anchor="ctr" bIns="91425" lIns="91425" spcFirstLastPara="1" rIns="91425" wrap="square" tIns="91425">
+            <a:noAutofit/>
+          </a:bodyPr>
+          <a:lstStyle/>
+          <a:p>
+            <a:pPr indent="0" lvl="0" marL="0" rtl="0" algn="l">
+              <a:spcBef>
+                <a:spcPts val="0"/>
+              </a:spcBef>
+              <a:spcAft>
+                <a:spcPts val="0"/>
+              </a:spcAft>
+              <a:buNone/>
+            </a:pPr>
+            <a:r>
+              <a:rPr b="1" lang="ja">
+                <a:solidFill>
+                  <a:schemeClr val="accent3"/>
+                </a:solidFill>
+                <a:latin typeface="Proxima Nova"/>
+                <a:ea typeface="Proxima Nova"/>
+                <a:cs typeface="Proxima Nova"/>
+                <a:sym typeface="Proxima Nova"/>
+              </a:rPr>
+              <a:t>・q2_doc</a:t>
+            </a:r>
+            <a:endParaRPr b="1">
+              <a:solidFill>
+                <a:schemeClr val="accent3"/>
+              </a:solidFill>
+              <a:latin typeface="Proxima Nova"/>
+              <a:ea typeface="Proxima Nova"/>
+              <a:cs typeface="Proxima Nova"/>
+              <a:sym typeface="Proxima Nova"/>
+            </a:endParaRPr>
+          </a:p>
+        </p:txBody>
+      </p:sp>
+      <p:sp>
+        <p:nvSpPr>
+          <p:cNvPr id="117" name="Google Shape;117;p15"/>
+          <p:cNvSpPr txBox="1"/>
+          <p:nvPr/>
+        </p:nvSpPr>
+        <p:spPr>
+          <a:xfrm>
+            <a:off x="8062825" y="2148200"/>
+            <a:ext cx="616200" cy="400200"/>
+          </a:xfrm>
+          <a:prstGeom prst="rect">
+            <a:avLst/>
+          </a:prstGeom>
+          <a:noFill/>
+          <a:ln>
+            <a:noFill/>
+          </a:ln>
+        </p:spPr>
+        <p:txBody>
+          <a:bodyPr anchorCtr="0" anchor="t" bIns="91425" lIns="91425" spcFirstLastPara="1" rIns="91425" wrap="square" tIns="91425">
+            <a:spAutoFit/>
+          </a:bodyPr>
+          <a:lstStyle/>
+          <a:p>
+            <a:pPr indent="0" lvl="0" marL="0" rtl="0" algn="l">
+              <a:spcBef>
+                <a:spcPts val="0"/>
+              </a:spcBef>
+              <a:spcAft>
+                <a:spcPts val="0"/>
+              </a:spcAft>
+              <a:buNone/>
+            </a:pPr>
+            <a:r>
+              <a:rPr b="1" lang="ja">
+                <a:solidFill>
+                  <a:schemeClr val="accent3"/>
+                </a:solidFill>
+                <a:latin typeface="Proxima Nova"/>
+                <a:ea typeface="Proxima Nova"/>
+                <a:cs typeface="Proxima Nova"/>
+                <a:sym typeface="Proxima Nova"/>
+              </a:rPr>
+              <a:t>5</a:t>
+            </a:r>
+            <a:r>
+              <a:rPr b="1" lang="ja">
+                <a:solidFill>
+                  <a:schemeClr val="accent3"/>
+                </a:solidFill>
+                <a:latin typeface="Proxima Nova"/>
+                <a:ea typeface="Proxima Nova"/>
+                <a:cs typeface="Proxima Nova"/>
+                <a:sym typeface="Proxima Nova"/>
+              </a:rPr>
+              <a:t>th+</a:t>
+            </a:r>
+            <a:endParaRPr b="1">
+              <a:solidFill>
+                <a:schemeClr val="accent3"/>
+              </a:solidFill>
+              <a:latin typeface="Proxima Nova"/>
+              <a:ea typeface="Proxima Nova"/>
+              <a:cs typeface="Proxima Nova"/>
+              <a:sym typeface="Proxima Nova"/>
+            </a:endParaRPr>
+          </a:p>
+        </p:txBody>
+      </p:sp>
+    </p:spTree>
+  </p:cSld>
+  <p:clrMapOvr>
+    <a:masterClrMapping/>
+  </p:clrMapOvr>
+</p:sld>
+</file>
+
 <file path=ppt/theme/theme1.xml><?xml version="1.0" encoding="utf-8"?>
+<a:theme xmlns:a="http://schemas.openxmlformats.org/drawingml/2006/main" xmlns:r="http://schemas.openxmlformats.org/officeDocument/2006/relationships">
+  <a:themeElements>
+    <a:clrScheme name="Default">
+      <a:dk1>
+        <a:srgbClr val="000000"/>
+      </a:dk1>
+      <a:lt1>
+        <a:srgbClr val="FFFFFF"/>
+      </a:lt1>
+      <a:dk2>
+        <a:srgbClr val="158158"/>
+      </a:dk2>
+      <a:lt2>
+        <a:srgbClr val="F3F3F3"/>
+      </a:lt2>
+      <a:accent1>
+        <a:srgbClr val="058DC7"/>
+      </a:accent1>
+      <a:accent2>
+        <a:srgbClr val="50B432"/>
+      </a:accent2>
+      <a:accent3>
+        <a:srgbClr val="ED561B"/>
+      </a:accent3>
+      <a:accent4>
+        <a:srgbClr val="EDEF00"/>
+      </a:accent4>
+      <a:accent5>
+        <a:srgbClr val="24CBE5"/>
+      </a:accent5>
+      <a:accent6>
+        <a:srgbClr val="64E572"/>
+      </a:accent6>
+      <a:hlink>
+        <a:srgbClr val="2200CC"/>
+      </a:hlink>
+      <a:folHlink>
+        <a:srgbClr val="551A8B"/>
+      </a:folHlink>
+    </a:clrScheme>
+    <a:fontScheme name="Office">
+      <a:majorFont>
+        <a:latin typeface="Arial"/>
+        <a:ea typeface=""/>
+        <a:cs typeface=""/>
+        <a:font script="Jpan" typeface="ＭＳ Ｐゴシック"/>
+        <a:font script="Hang" typeface="맑은 고딕"/>
+        <a:font script="Hans" typeface="宋体"/>
+        <a:font script="Hant" typeface="新細明體"/>
+        <a:font script="Arab" typeface="Times New Roman"/>
+        <a:font script="Hebr" typeface="Times New Roman"/>
+        <a:font script="Thai" typeface="Angsana New"/>
+        <a:font script="Ethi" typeface="Nyala"/>
+        <a:font script="Beng" typeface="Vrinda"/>
+        <a:font script="Gujr" typeface="Shruti"/>
+        <a:font script="Khmr" typeface="MoolBoran"/>
+        <a:font script="Knda" typeface="Tunga"/>
+        <a:font script="Guru" typeface="Raavi"/>
+        <a:font script="Cans" typeface="Euphemia"/>
+        <a:font script="Cher" typeface="Plantagenet Cherokee"/>
+        <a:font script="Yiii" typeface="Microsoft Yi Baiti"/>
+        <a:font script="Tibt" typeface="Microsoft Himalaya"/>
+        <a:font script="Thaa" typeface="MV Boli"/>
+        <a:font script="Deva" typeface="Mangal"/>
+        <a:font script="Telu" typeface="Gautami"/>
+        <a:font script="Taml" typeface="Latha"/>
+        <a:font script="Syrc" typeface="Estrangelo Edessa"/>
+        <a:font script="Orya" typeface="Kalinga"/>
+        <a:font script="Mlym" typeface="Kartika"/>
+        <a:font script="Laoo" typeface="DokChampa"/>
+        <a:font script="Sinh" typeface="Iskoola Pota"/>
+        <a:font script="Mong" typeface="Mongolian Baiti"/>
+        <a:font script="Viet" typeface="Times New Roman"/>
+        <a:font script="Uigh" typeface="Microsoft Uighur"/>
+        <a:font script="Geor" typeface="Sylfaen"/>
+      </a:majorFont>
+      <a:minorFont>
+        <a:latin typeface="Arial"/>
+        <a:ea typeface=""/>
+        <a:cs typeface=""/>
+        <a:font script="Jpan" typeface="ＭＳ Ｐゴシック"/>
+        <a:font script="Hang" typeface="맑은 고딕"/>
+        <a:font script="Hans" typeface="宋体"/>
+        <a:font script="Hant" typeface="新細明體"/>
+        <a:font script="Arab" typeface="Arial"/>
+        <a:font script="Hebr" typeface="Arial"/>
+        <a:font script="Thai" typeface="Cordia New"/>
+        <a:font script="Ethi" typeface="Nyala"/>
+        <a:font script="Beng" typeface="Vrinda"/>
+        <a:font script="Gujr" typeface="Shruti"/>
+        <a:font script="Khmr" typeface="DaunPenh"/>
+        <a:font script="Knda" typeface="Tunga"/>
+        <a:font script="Guru" typeface="Raavi"/>
+        <a:font script="Cans" typeface="Euphemia"/>
+        <a:font script="Cher" typeface="Plantagenet Cherokee"/>
+        <a:font script="Yiii" typeface="Microsoft Yi Baiti"/>
+        <a:font script="Tibt" typeface="Microsoft Himalaya"/>
+        <a:font script="Thaa" typeface="MV Boli"/>
+        <a:font script="Deva" typeface="Mangal"/>
+        <a:font script="Telu" typeface="Gautami"/>
+        <a:font script="Taml" typeface="Latha"/>
+        <a:font script="Syrc" typeface="Estrangelo Edessa"/>
+        <a:font script="Orya" typeface="Kalinga"/>
+        <a:font script="Mlym" typeface="Kartika"/>
+        <a:font script="Laoo" typeface="DokChampa"/>
+        <a:font script="Sinh" typeface="Iskoola Pota"/>
+        <a:font script="Mong" typeface="Mongolian Baiti"/>
+        <a:font script="Viet" typeface="Arial"/>
+        <a:font script="Uigh" typeface="Microsoft Uighur"/>
+        <a:font script="Geor" typeface="Sylfaen"/>
+      </a:minorFont>
+    </a:fontScheme>
+    <a:fmtScheme name="Office">
+      <a:fillStyleLst>
+        <a:solidFill>
+          <a:schemeClr val="phClr"/>
+        </a:solidFill>
+        <a:gradFill rotWithShape="1">
+          <a:gsLst>
+            <a:gs pos="0">
+              <a:schemeClr val="phClr">
+                <a:tint val="50000"/>
+                <a:satMod val="300000"/>
+              </a:schemeClr>
+            </a:gs>
+            <a:gs pos="35000">
+              <a:schemeClr val="phClr">
+                <a:tint val="37000"/>
+                <a:satMod val="300000"/>
+              </a:schemeClr>
+            </a:gs>
+            <a:gs pos="100000">
+              <a:schemeClr val="phClr">
+                <a:tint val="15000"/>
+                <a:satMod val="350000"/>
+              </a:schemeClr>
+            </a:gs>
+          </a:gsLst>
+          <a:lin ang="16200000" scaled="1"/>
+        </a:gradFill>
+        <a:gradFill rotWithShape="1">
+          <a:gsLst>
+            <a:gs pos="0">
+              <a:schemeClr val="phClr">
+                <a:tint val="100000"/>
+                <a:shade val="100000"/>
+                <a:satMod val="130000"/>
+              </a:schemeClr>
+            </a:gs>
+            <a:gs pos="100000">
+              <a:schemeClr val="phClr">
+                <a:tint val="50000"/>
+                <a:shade val="100000"/>
+                <a:satMod val="350000"/>
+              </a:schemeClr>
+            </a:gs>
+          </a:gsLst>
+          <a:lin ang="16200000" scaled="0"/>
+        </a:gradFill>
+      </a:fillStyleLst>
+      <a:lnStyleLst>
+        <a:ln w="9525" cap="flat" cmpd="sng" algn="ctr">
+          <a:solidFill>
+            <a:schemeClr val="phClr">
+              <a:shade val="95000"/>
+              <a:satMod val="105000"/>
+            </a:schemeClr>
+          </a:solidFill>
+          <a:prstDash val="solid"/>
+        </a:ln>
+        <a:ln w="25400" cap="flat" cmpd="sng" algn="ctr">
+          <a:solidFill>
+            <a:schemeClr val="phClr"/>
+          </a:solidFill>
+          <a:prstDash val="solid"/>
+        </a:ln>
+        <a:ln w="38100" cap="flat" cmpd="sng" algn="ctr">
+          <a:solidFill>
+            <a:schemeClr val="phClr"/>
+          </a:solidFill>
+          <a:prstDash val="solid"/>
+        </a:ln>
+      </a:lnStyleLst>
+      <a:effectStyleLst>
+        <a:effectStyle>
+          <a:effectLst>
+            <a:outerShdw blurRad="40000" dist="20000" dir="5400000" rotWithShape="0">
+              <a:srgbClr val="000000">
+                <a:alpha val="38000"/>
+              </a:srgbClr>
+            </a:outerShdw>
+          </a:effectLst>
+        </a:effectStyle>
+        <a:effectStyle>
+          <a:effectLst>
+            <a:outerShdw blurRad="40000" dist="23000" dir="5400000" rotWithShape="0">
+              <a:srgbClr val="000000">
+                <a:alpha val="35000"/>
+              </a:srgbClr>
+            </a:outerShdw>
+          </a:effectLst>
+        </a:effectStyle>
+        <a:effectStyle>
+          <a:effectLst>
+            <a:outerShdw blurRad="40000" dist="23000" dir="5400000" rotWithShape="0">
+              <a:srgbClr val="000000">
+                <a:alpha val="35000"/>
+              </a:srgbClr>
+            </a:outerShdw>
+          </a:effectLst>
+          <a:scene3d>
+            <a:camera prst="orthographicFront">
+              <a:rot lat="0" lon="0" rev="0"/>
+            </a:camera>
+            <a:lightRig rig="threePt" dir="t">
+              <a:rot lat="0" lon="0" rev="1200000"/>
+            </a:lightRig>
+          </a:scene3d>
+          <a:sp3d>
+            <a:bevelT w="63500" h="25400"/>
+          </a:sp3d>
+        </a:effectStyle>
+      </a:effectStyleLst>
+      <a:bgFillStyleLst>
+        <a:solidFill>
+          <a:schemeClr val="phClr"/>
+        </a:solidFill>
+        <a:gradFill rotWithShape="1">
+          <a:gsLst>
+            <a:gs pos="0">
+              <a:schemeClr val="phClr">
+                <a:tint val="40000"/>
+                <a:satMod val="350000"/>
+              </a:schemeClr>
+            </a:gs>
+            <a:gs pos="40000">
+              <a:schemeClr val="phClr">
+                <a:tint val="45000"/>
+                <a:shade val="99000"/>
+                <a:satMod val="350000"/>
+              </a:schemeClr>
+            </a:gs>
+            <a:gs pos="100000">
+              <a:schemeClr val="phClr">
+                <a:shade val="20000"/>
+                <a:satMod val="255000"/>
+              </a:schemeClr>
+            </a:gs>
+          </a:gsLst>
+          <a:path path="circle">
+            <a:fillToRect l="50000" t="-80000" r="50000" b="180000"/>
+          </a:path>
+        </a:gradFill>
+        <a:gradFill rotWithShape="1">
+          <a:gsLst>
+            <a:gs pos="0">
+              <a:schemeClr val="phClr">
+                <a:tint val="80000"/>
+                <a:satMod val="300000"/>
+              </a:schemeClr>
+            </a:gs>
+            <a:gs pos="100000">
+              <a:schemeClr val="phClr">
+                <a:shade val="30000"/>
+                <a:satMod val="200000"/>
+              </a:schemeClr>
+            </a:gs>
+          </a:gsLst>
+          <a:path path="circle">
+            <a:fillToRect l="50000" t="50000" r="50000" b="50000"/>
+          </a:path>
+        </a:gradFill>
+      </a:bgFillStyleLst>
+    </a:fmtScheme>
+  </a:themeElements>
+</a:theme>
+</file>
+
+<file path=ppt/theme/theme2.xml><?xml version="1.0" encoding="utf-8"?>
 <a:theme xmlns:a="http://schemas.openxmlformats.org/drawingml/2006/main" xmlns:r="http://schemas.openxmlformats.org/officeDocument/2006/relationships" name="Spearmint">
   <a:themeElements>
     <a:clrScheme name="Spearmint">
@@ -6987,283 +9660,4 @@
     </a:fmtScheme>
   </a:themeElements>
 </a:theme>
-</file>
-
-<file path=ppt/theme/theme2.xml><?xml version="1.0" encoding="utf-8"?>
-<a:theme xmlns:a="http://schemas.openxmlformats.org/drawingml/2006/main" xmlns:r="http://schemas.openxmlformats.org/officeDocument/2006/relationships">
-  <a:themeElements>
-    <a:clrScheme name="Default">
-      <a:dk1>
-        <a:srgbClr val="000000"/>
-      </a:dk1>
-      <a:lt1>
-        <a:srgbClr val="FFFFFF"/>
-      </a:lt1>
-      <a:dk2>
-        <a:srgbClr val="158158"/>
-      </a:dk2>
-      <a:lt2>
-        <a:srgbClr val="F3F3F3"/>
-      </a:lt2>
-      <a:accent1>
-        <a:srgbClr val="058DC7"/>
-      </a:accent1>
-      <a:accent2>
-        <a:srgbClr val="50B432"/>
-      </a:accent2>
-      <a:accent3>
-        <a:srgbClr val="ED561B"/>
-      </a:accent3>
-      <a:accent4>
-        <a:srgbClr val="EDEF00"/>
-      </a:accent4>
-      <a:accent5>
-        <a:srgbClr val="24CBE5"/>
-      </a:accent5>
-      <a:accent6>
-        <a:srgbClr val="64E572"/>
-      </a:accent6>
-      <a:hlink>
-        <a:srgbClr val="2200CC"/>
-      </a:hlink>
-      <a:folHlink>
-        <a:srgbClr val="551A8B"/>
-      </a:folHlink>
-    </a:clrScheme>
-    <a:fontScheme name="Office">
-      <a:majorFont>
-        <a:latin typeface="Arial"/>
-        <a:ea typeface=""/>
-        <a:cs typeface=""/>
-        <a:font script="Jpan" typeface="ＭＳ Ｐゴシック"/>
-        <a:font script="Hang" typeface="맑은 고딕"/>
-        <a:font script="Hans" typeface="宋体"/>
-        <a:font script="Hant" typeface="新細明體"/>
-        <a:font script="Arab" typeface="Times New Roman"/>
-        <a:font script="Hebr" typeface="Times New Roman"/>
-        <a:font script="Thai" typeface="Angsana New"/>
-        <a:font script="Ethi" typeface="Nyala"/>
-        <a:font script="Beng" typeface="Vrinda"/>
-        <a:font script="Gujr" typeface="Shruti"/>
-        <a:font script="Khmr" typeface="MoolBoran"/>
-        <a:font script="Knda" typeface="Tunga"/>
-        <a:font script="Guru" typeface="Raavi"/>
-        <a:font script="Cans" typeface="Euphemia"/>
-        <a:font script="Cher" typeface="Plantagenet Cherokee"/>
-        <a:font script="Yiii" typeface="Microsoft Yi Baiti"/>
-        <a:font script="Tibt" typeface="Microsoft Himalaya"/>
-        <a:font script="Thaa" typeface="MV Boli"/>
-        <a:font script="Deva" typeface="Mangal"/>
-        <a:font script="Telu" typeface="Gautami"/>
-        <a:font script="Taml" typeface="Latha"/>
-        <a:font script="Syrc" typeface="Estrangelo Edessa"/>
-        <a:font script="Orya" typeface="Kalinga"/>
-        <a:font script="Mlym" typeface="Kartika"/>
-        <a:font script="Laoo" typeface="DokChampa"/>
-        <a:font script="Sinh" typeface="Iskoola Pota"/>
-        <a:font script="Mong" typeface="Mongolian Baiti"/>
-        <a:font script="Viet" typeface="Times New Roman"/>
-        <a:font script="Uigh" typeface="Microsoft Uighur"/>
-        <a:font script="Geor" typeface="Sylfaen"/>
-      </a:majorFont>
-      <a:minorFont>
-        <a:latin typeface="Arial"/>
-        <a:ea typeface=""/>
-        <a:cs typeface=""/>
-        <a:font script="Jpan" typeface="ＭＳ Ｐゴシック"/>
-        <a:font script="Hang" typeface="맑은 고딕"/>
-        <a:font script="Hans" typeface="宋体"/>
-        <a:font script="Hant" typeface="新細明體"/>
-        <a:font script="Arab" typeface="Arial"/>
-        <a:font script="Hebr" typeface="Arial"/>
-        <a:font script="Thai" typeface="Cordia New"/>
-        <a:font script="Ethi" typeface="Nyala"/>
-        <a:font script="Beng" typeface="Vrinda"/>
-        <a:font script="Gujr" typeface="Shruti"/>
-        <a:font script="Khmr" typeface="DaunPenh"/>
-        <a:font script="Knda" typeface="Tunga"/>
-        <a:font script="Guru" typeface="Raavi"/>
-        <a:font script="Cans" typeface="Euphemia"/>
-        <a:font script="Cher" typeface="Plantagenet Cherokee"/>
-        <a:font script="Yiii" typeface="Microsoft Yi Baiti"/>
-        <a:font script="Tibt" typeface="Microsoft Himalaya"/>
-        <a:font script="Thaa" typeface="MV Boli"/>
-        <a:font script="Deva" typeface="Mangal"/>
-        <a:font script="Telu" typeface="Gautami"/>
-        <a:font script="Taml" typeface="Latha"/>
-        <a:font script="Syrc" typeface="Estrangelo Edessa"/>
-        <a:font script="Orya" typeface="Kalinga"/>
-        <a:font script="Mlym" typeface="Kartika"/>
-        <a:font script="Laoo" typeface="DokChampa"/>
-        <a:font script="Sinh" typeface="Iskoola Pota"/>
-        <a:font script="Mong" typeface="Mongolian Baiti"/>
-        <a:font script="Viet" typeface="Arial"/>
-        <a:font script="Uigh" typeface="Microsoft Uighur"/>
-        <a:font script="Geor" typeface="Sylfaen"/>
-      </a:minorFont>
-    </a:fontScheme>
-    <a:fmtScheme name="Office">
-      <a:fillStyleLst>
-        <a:solidFill>
-          <a:schemeClr val="phClr"/>
-        </a:solidFill>
-        <a:gradFill rotWithShape="1">
-          <a:gsLst>
-            <a:gs pos="0">
-              <a:schemeClr val="phClr">
-                <a:tint val="50000"/>
-                <a:satMod val="300000"/>
-              </a:schemeClr>
-            </a:gs>
-            <a:gs pos="35000">
-              <a:schemeClr val="phClr">
-                <a:tint val="37000"/>
-                <a:satMod val="300000"/>
-              </a:schemeClr>
-            </a:gs>
-            <a:gs pos="100000">
-              <a:schemeClr val="phClr">
-                <a:tint val="15000"/>
-                <a:satMod val="350000"/>
-              </a:schemeClr>
-            </a:gs>
-          </a:gsLst>
-          <a:lin ang="16200000" scaled="1"/>
-        </a:gradFill>
-        <a:gradFill rotWithShape="1">
-          <a:gsLst>
-            <a:gs pos="0">
-              <a:schemeClr val="phClr">
-                <a:tint val="100000"/>
-                <a:shade val="100000"/>
-                <a:satMod val="130000"/>
-              </a:schemeClr>
-            </a:gs>
-            <a:gs pos="100000">
-              <a:schemeClr val="phClr">
-                <a:tint val="50000"/>
-                <a:shade val="100000"/>
-                <a:satMod val="350000"/>
-              </a:schemeClr>
-            </a:gs>
-          </a:gsLst>
-          <a:lin ang="16200000" scaled="0"/>
-        </a:gradFill>
-      </a:fillStyleLst>
-      <a:lnStyleLst>
-        <a:ln w="9525" cap="flat" cmpd="sng" algn="ctr">
-          <a:solidFill>
-            <a:schemeClr val="phClr">
-              <a:shade val="95000"/>
-              <a:satMod val="105000"/>
-            </a:schemeClr>
-          </a:solidFill>
-          <a:prstDash val="solid"/>
-        </a:ln>
-        <a:ln w="25400" cap="flat" cmpd="sng" algn="ctr">
-          <a:solidFill>
-            <a:schemeClr val="phClr"/>
-          </a:solidFill>
-          <a:prstDash val="solid"/>
-        </a:ln>
-        <a:ln w="38100" cap="flat" cmpd="sng" algn="ctr">
-          <a:solidFill>
-            <a:schemeClr val="phClr"/>
-          </a:solidFill>
-          <a:prstDash val="solid"/>
-        </a:ln>
-      </a:lnStyleLst>
-      <a:effectStyleLst>
-        <a:effectStyle>
-          <a:effectLst>
-            <a:outerShdw blurRad="40000" dist="20000" dir="5400000" rotWithShape="0">
-              <a:srgbClr val="000000">
-                <a:alpha val="38000"/>
-              </a:srgbClr>
-            </a:outerShdw>
-          </a:effectLst>
-        </a:effectStyle>
-        <a:effectStyle>
-          <a:effectLst>
-            <a:outerShdw blurRad="40000" dist="23000" dir="5400000" rotWithShape="0">
-              <a:srgbClr val="000000">
-                <a:alpha val="35000"/>
-              </a:srgbClr>
-            </a:outerShdw>
-          </a:effectLst>
-        </a:effectStyle>
-        <a:effectStyle>
-          <a:effectLst>
-            <a:outerShdw blurRad="40000" dist="23000" dir="5400000" rotWithShape="0">
-              <a:srgbClr val="000000">
-                <a:alpha val="35000"/>
-              </a:srgbClr>
-            </a:outerShdw>
-          </a:effectLst>
-          <a:scene3d>
-            <a:camera prst="orthographicFront">
-              <a:rot lat="0" lon="0" rev="0"/>
-            </a:camera>
-            <a:lightRig rig="threePt" dir="t">
-              <a:rot lat="0" lon="0" rev="1200000"/>
-            </a:lightRig>
-          </a:scene3d>
-          <a:sp3d>
-            <a:bevelT w="63500" h="25400"/>
-          </a:sp3d>
-        </a:effectStyle>
-      </a:effectStyleLst>
-      <a:bgFillStyleLst>
-        <a:solidFill>
-          <a:schemeClr val="phClr"/>
-        </a:solidFill>
-        <a:gradFill rotWithShape="1">
-          <a:gsLst>
-            <a:gs pos="0">
-              <a:schemeClr val="phClr">
-                <a:tint val="40000"/>
-                <a:satMod val="350000"/>
-              </a:schemeClr>
-            </a:gs>
-            <a:gs pos="40000">
-              <a:schemeClr val="phClr">
-                <a:tint val="45000"/>
-                <a:shade val="99000"/>
-                <a:satMod val="350000"/>
-              </a:schemeClr>
-            </a:gs>
-            <a:gs pos="100000">
-              <a:schemeClr val="phClr">
-                <a:shade val="20000"/>
-                <a:satMod val="255000"/>
-              </a:schemeClr>
-            </a:gs>
-          </a:gsLst>
-          <a:path path="circle">
-            <a:fillToRect l="50000" t="-80000" r="50000" b="180000"/>
-          </a:path>
-        </a:gradFill>
-        <a:gradFill rotWithShape="1">
-          <a:gsLst>
-            <a:gs pos="0">
-              <a:schemeClr val="phClr">
-                <a:tint val="80000"/>
-                <a:satMod val="300000"/>
-              </a:schemeClr>
-            </a:gs>
-            <a:gs pos="100000">
-              <a:schemeClr val="phClr">
-                <a:shade val="30000"/>
-                <a:satMod val="200000"/>
-              </a:schemeClr>
-            </a:gs>
-          </a:gsLst>
-          <a:path path="circle">
-            <a:fillToRect l="50000" t="50000" r="50000" b="50000"/>
-          </a:path>
-        </a:gradFill>
-      </a:bgFillStyleLst>
-    </a:fmtScheme>
-  </a:themeElements>
-</a:theme>
 </file>
--- a/search_small_agent.pptx
+++ b/search_small_agent.pptx
@@ -11,16 +11,19 @@
     <p:sldId id="256" r:id="rId6"/>
     <p:sldId id="257" r:id="rId7"/>
     <p:sldId id="258" r:id="rId8"/>
+    <p:sldId id="259" r:id="rId9"/>
+    <p:sldId id="260" r:id="rId10"/>
+    <p:sldId id="261" r:id="rId11"/>
   </p:sldIdLst>
   <p:sldSz cy="5143500" cx="9144000"/>
   <p:notesSz cx="6858000" cy="9144000"/>
   <p:embeddedFontLst>
     <p:embeddedFont>
       <p:font typeface="Proxima Nova"/>
-      <p:regular r:id="rId9"/>
-      <p:bold r:id="rId10"/>
-      <p:italic r:id="rId11"/>
-      <p:boldItalic r:id="rId12"/>
+      <p:regular r:id="rId12"/>
+      <p:bold r:id="rId13"/>
+      <p:italic r:id="rId14"/>
+      <p:boldItalic r:id="rId15"/>
     </p:embeddedFont>
   </p:embeddedFontLst>
   <p:defaultTextStyle>
@@ -914,7 +917,7 @@
       </p:grpSpPr>
       <p:sp>
         <p:nvSpPr>
-          <p:cNvPr id="90" name="Google Shape;90;g2b940b2b6ab_0_0:notes"/>
+          <p:cNvPr id="90" name="Google Shape;90;g269e7035825_0_0:notes"/>
           <p:cNvSpPr/>
           <p:nvPr>
             <p:ph idx="2" type="sldImg"/>
@@ -949,7 +952,304 @@
       </p:sp>
       <p:sp>
         <p:nvSpPr>
-          <p:cNvPr id="91" name="Google Shape;91;g2b940b2b6ab_0_0:notes"/>
+          <p:cNvPr id="91" name="Google Shape;91;g269e7035825_0_0:notes"/>
+          <p:cNvSpPr txBox="1"/>
+          <p:nvPr>
+            <p:ph idx="1" type="body"/>
+          </p:nvPr>
+        </p:nvSpPr>
+        <p:spPr>
+          <a:xfrm>
+            <a:off x="685800" y="4343400"/>
+            <a:ext cx="5486400" cy="4114800"/>
+          </a:xfrm>
+          <a:prstGeom prst="rect">
+            <a:avLst/>
+          </a:prstGeom>
+        </p:spPr>
+        <p:txBody>
+          <a:bodyPr anchorCtr="0" anchor="t" bIns="91425" lIns="91425" spcFirstLastPara="1" rIns="91425" wrap="square" tIns="91425">
+            <a:noAutofit/>
+          </a:bodyPr>
+          <a:lstStyle/>
+          <a:p>
+            <a:pPr indent="0" lvl="0" marL="0" rtl="0" algn="l">
+              <a:spcBef>
+                <a:spcPts val="0"/>
+              </a:spcBef>
+              <a:spcAft>
+                <a:spcPts val="0"/>
+              </a:spcAft>
+              <a:buNone/>
+            </a:pPr>
+            <a:r>
+              <a:t/>
+            </a:r>
+            <a:endParaRPr/>
+          </a:p>
+        </p:txBody>
+      </p:sp>
+    </p:spTree>
+  </p:cSld>
+  <p:clrMapOvr>
+    <a:masterClrMapping/>
+  </p:clrMapOvr>
+</p:notes>
+</file>
+
+<file path=ppt/notesSlides/notesSlide4.xml><?xml version="1.0" encoding="utf-8"?>
+<p:notes xmlns:a="http://schemas.openxmlformats.org/drawingml/2006/main" xmlns:r="http://schemas.openxmlformats.org/officeDocument/2006/relationships" xmlns:mc="http://schemas.openxmlformats.org/markup-compatibility/2006" xmlns:mv="urn:schemas-microsoft-com:mac:vml" xmlns:p="http://schemas.openxmlformats.org/presentationml/2006/main" xmlns:c="http://schemas.openxmlformats.org/drawingml/2006/chart" xmlns:dgm="http://schemas.openxmlformats.org/drawingml/2006/diagram" xmlns:o="urn:schemas-microsoft-com:office:office" xmlns:v="urn:schemas-microsoft-com:vml" xmlns:pvml="urn:schemas-microsoft-com:office:powerpoint" xmlns:com="http://schemas.openxmlformats.org/drawingml/2006/compatibility" xmlns:p14="http://schemas.microsoft.com/office/powerpoint/2010/main" xmlns:p15="http://schemas.microsoft.com/office/powerpoint/2012/main" xmlns:ahyp="http://schemas.microsoft.com/office/drawing/2018/hyperlinkcolor" showMasterPhAnim="0" showMasterSp="0">
+  <p:cSld>
+    <p:spTree>
+      <p:nvGrpSpPr>
+        <p:cNvPr id="104" name="Shape 104"/>
+        <p:cNvGrpSpPr/>
+        <p:nvPr/>
+      </p:nvGrpSpPr>
+      <p:grpSpPr>
+        <a:xfrm>
+          <a:off x="0" y="0"/>
+          <a:ext cx="0" cy="0"/>
+          <a:chOff x="0" y="0"/>
+          <a:chExt cx="0" cy="0"/>
+        </a:xfrm>
+      </p:grpSpPr>
+      <p:sp>
+        <p:nvSpPr>
+          <p:cNvPr id="105" name="Google Shape;105;g269fb043959_1_0:notes"/>
+          <p:cNvSpPr/>
+          <p:nvPr>
+            <p:ph idx="2" type="sldImg"/>
+          </p:nvPr>
+        </p:nvSpPr>
+        <p:spPr>
+          <a:xfrm>
+            <a:off x="381300" y="685800"/>
+            <a:ext cx="6096000" cy="3429000"/>
+          </a:xfrm>
+          <a:custGeom>
+            <a:rect b="b" l="l" r="r" t="t"/>
+            <a:pathLst>
+              <a:path extrusionOk="0" h="120000" w="120000">
+                <a:moveTo>
+                  <a:pt x="0" y="0"/>
+                </a:moveTo>
+                <a:lnTo>
+                  <a:pt x="120000" y="0"/>
+                </a:lnTo>
+                <a:lnTo>
+                  <a:pt x="120000" y="120000"/>
+                </a:lnTo>
+                <a:lnTo>
+                  <a:pt x="0" y="120000"/>
+                </a:lnTo>
+                <a:close/>
+              </a:path>
+            </a:pathLst>
+          </a:custGeom>
+        </p:spPr>
+      </p:sp>
+      <p:sp>
+        <p:nvSpPr>
+          <p:cNvPr id="106" name="Google Shape;106;g269fb043959_1_0:notes"/>
+          <p:cNvSpPr txBox="1"/>
+          <p:nvPr>
+            <p:ph idx="1" type="body"/>
+          </p:nvPr>
+        </p:nvSpPr>
+        <p:spPr>
+          <a:xfrm>
+            <a:off x="685800" y="4343400"/>
+            <a:ext cx="5486400" cy="4114800"/>
+          </a:xfrm>
+          <a:prstGeom prst="rect">
+            <a:avLst/>
+          </a:prstGeom>
+        </p:spPr>
+        <p:txBody>
+          <a:bodyPr anchorCtr="0" anchor="t" bIns="91425" lIns="91425" spcFirstLastPara="1" rIns="91425" wrap="square" tIns="91425">
+            <a:noAutofit/>
+          </a:bodyPr>
+          <a:lstStyle/>
+          <a:p>
+            <a:pPr indent="0" lvl="0" marL="0" rtl="0" algn="l">
+              <a:spcBef>
+                <a:spcPts val="0"/>
+              </a:spcBef>
+              <a:spcAft>
+                <a:spcPts val="0"/>
+              </a:spcAft>
+              <a:buNone/>
+            </a:pPr>
+            <a:r>
+              <a:t/>
+            </a:r>
+            <a:endParaRPr/>
+          </a:p>
+        </p:txBody>
+      </p:sp>
+    </p:spTree>
+  </p:cSld>
+  <p:clrMapOvr>
+    <a:masterClrMapping/>
+  </p:clrMapOvr>
+</p:notes>
+</file>
+
+<file path=ppt/notesSlides/notesSlide5.xml><?xml version="1.0" encoding="utf-8"?>
+<p:notes xmlns:a="http://schemas.openxmlformats.org/drawingml/2006/main" xmlns:r="http://schemas.openxmlformats.org/officeDocument/2006/relationships" xmlns:mc="http://schemas.openxmlformats.org/markup-compatibility/2006" xmlns:mv="urn:schemas-microsoft-com:mac:vml" xmlns:p="http://schemas.openxmlformats.org/presentationml/2006/main" xmlns:c="http://schemas.openxmlformats.org/drawingml/2006/chart" xmlns:dgm="http://schemas.openxmlformats.org/drawingml/2006/diagram" xmlns:o="urn:schemas-microsoft-com:office:office" xmlns:v="urn:schemas-microsoft-com:vml" xmlns:pvml="urn:schemas-microsoft-com:office:powerpoint" xmlns:com="http://schemas.openxmlformats.org/drawingml/2006/compatibility" xmlns:p14="http://schemas.microsoft.com/office/powerpoint/2010/main" xmlns:p15="http://schemas.microsoft.com/office/powerpoint/2012/main" xmlns:ahyp="http://schemas.microsoft.com/office/drawing/2018/hyperlinkcolor" showMasterPhAnim="0" showMasterSp="0">
+  <p:cSld>
+    <p:spTree>
+      <p:nvGrpSpPr>
+        <p:cNvPr id="122" name="Shape 122"/>
+        <p:cNvGrpSpPr/>
+        <p:nvPr/>
+      </p:nvGrpSpPr>
+      <p:grpSpPr>
+        <a:xfrm>
+          <a:off x="0" y="0"/>
+          <a:ext cx="0" cy="0"/>
+          <a:chOff x="0" y="0"/>
+          <a:chExt cx="0" cy="0"/>
+        </a:xfrm>
+      </p:grpSpPr>
+      <p:sp>
+        <p:nvSpPr>
+          <p:cNvPr id="123" name="Google Shape;123;g2b940b2b6ab_0_0:notes"/>
+          <p:cNvSpPr/>
+          <p:nvPr>
+            <p:ph idx="2" type="sldImg"/>
+          </p:nvPr>
+        </p:nvSpPr>
+        <p:spPr>
+          <a:xfrm>
+            <a:off x="381300" y="685800"/>
+            <a:ext cx="6096000" cy="3429000"/>
+          </a:xfrm>
+          <a:custGeom>
+            <a:rect b="b" l="l" r="r" t="t"/>
+            <a:pathLst>
+              <a:path extrusionOk="0" h="120000" w="120000">
+                <a:moveTo>
+                  <a:pt x="0" y="0"/>
+                </a:moveTo>
+                <a:lnTo>
+                  <a:pt x="120000" y="0"/>
+                </a:lnTo>
+                <a:lnTo>
+                  <a:pt x="120000" y="120000"/>
+                </a:lnTo>
+                <a:lnTo>
+                  <a:pt x="0" y="120000"/>
+                </a:lnTo>
+                <a:close/>
+              </a:path>
+            </a:pathLst>
+          </a:custGeom>
+        </p:spPr>
+      </p:sp>
+      <p:sp>
+        <p:nvSpPr>
+          <p:cNvPr id="124" name="Google Shape;124;g2b940b2b6ab_0_0:notes"/>
+          <p:cNvSpPr txBox="1"/>
+          <p:nvPr>
+            <p:ph idx="1" type="body"/>
+          </p:nvPr>
+        </p:nvSpPr>
+        <p:spPr>
+          <a:xfrm>
+            <a:off x="685800" y="4343400"/>
+            <a:ext cx="5486400" cy="4114800"/>
+          </a:xfrm>
+          <a:prstGeom prst="rect">
+            <a:avLst/>
+          </a:prstGeom>
+        </p:spPr>
+        <p:txBody>
+          <a:bodyPr anchorCtr="0" anchor="t" bIns="91425" lIns="91425" spcFirstLastPara="1" rIns="91425" wrap="square" tIns="91425">
+            <a:noAutofit/>
+          </a:bodyPr>
+          <a:lstStyle/>
+          <a:p>
+            <a:pPr indent="0" lvl="0" marL="0" rtl="0" algn="l">
+              <a:spcBef>
+                <a:spcPts val="0"/>
+              </a:spcBef>
+              <a:spcAft>
+                <a:spcPts val="0"/>
+              </a:spcAft>
+              <a:buNone/>
+            </a:pPr>
+            <a:r>
+              <a:t/>
+            </a:r>
+            <a:endParaRPr/>
+          </a:p>
+        </p:txBody>
+      </p:sp>
+    </p:spTree>
+  </p:cSld>
+  <p:clrMapOvr>
+    <a:masterClrMapping/>
+  </p:clrMapOvr>
+</p:notes>
+</file>
+
+<file path=ppt/notesSlides/notesSlide6.xml><?xml version="1.0" encoding="utf-8"?>
+<p:notes xmlns:a="http://schemas.openxmlformats.org/drawingml/2006/main" xmlns:r="http://schemas.openxmlformats.org/officeDocument/2006/relationships" xmlns:mc="http://schemas.openxmlformats.org/markup-compatibility/2006" xmlns:mv="urn:schemas-microsoft-com:mac:vml" xmlns:p="http://schemas.openxmlformats.org/presentationml/2006/main" xmlns:c="http://schemas.openxmlformats.org/drawingml/2006/chart" xmlns:dgm="http://schemas.openxmlformats.org/drawingml/2006/diagram" xmlns:o="urn:schemas-microsoft-com:office:office" xmlns:v="urn:schemas-microsoft-com:vml" xmlns:pvml="urn:schemas-microsoft-com:office:powerpoint" xmlns:com="http://schemas.openxmlformats.org/drawingml/2006/compatibility" xmlns:p14="http://schemas.microsoft.com/office/powerpoint/2010/main" xmlns:p15="http://schemas.microsoft.com/office/powerpoint/2012/main" xmlns:ahyp="http://schemas.microsoft.com/office/drawing/2018/hyperlinkcolor" showMasterPhAnim="0" showMasterSp="0">
+  <p:cSld>
+    <p:spTree>
+      <p:nvGrpSpPr>
+        <p:cNvPr id="154" name="Shape 154"/>
+        <p:cNvGrpSpPr/>
+        <p:nvPr/>
+      </p:nvGrpSpPr>
+      <p:grpSpPr>
+        <a:xfrm>
+          <a:off x="0" y="0"/>
+          <a:ext cx="0" cy="0"/>
+          <a:chOff x="0" y="0"/>
+          <a:chExt cx="0" cy="0"/>
+        </a:xfrm>
+      </p:grpSpPr>
+      <p:sp>
+        <p:nvSpPr>
+          <p:cNvPr id="155" name="Google Shape;155;g269e7035825_0_26:notes"/>
+          <p:cNvSpPr/>
+          <p:nvPr>
+            <p:ph idx="2" type="sldImg"/>
+          </p:nvPr>
+        </p:nvSpPr>
+        <p:spPr>
+          <a:xfrm>
+            <a:off x="381300" y="685800"/>
+            <a:ext cx="6096000" cy="3429000"/>
+          </a:xfrm>
+          <a:custGeom>
+            <a:rect b="b" l="l" r="r" t="t"/>
+            <a:pathLst>
+              <a:path extrusionOk="0" h="120000" w="120000">
+                <a:moveTo>
+                  <a:pt x="0" y="0"/>
+                </a:moveTo>
+                <a:lnTo>
+                  <a:pt x="120000" y="0"/>
+                </a:lnTo>
+                <a:lnTo>
+                  <a:pt x="120000" y="120000"/>
+                </a:lnTo>
+                <a:lnTo>
+                  <a:pt x="0" y="120000"/>
+                </a:lnTo>
+                <a:close/>
+              </a:path>
+            </a:pathLst>
+          </a:custGeom>
+        </p:spPr>
+      </p:sp>
+      <p:sp>
+        <p:nvSpPr>
+          <p:cNvPr id="156" name="Google Shape;156;g269e7035825_0_26:notes"/>
           <p:cNvSpPr txBox="1"/>
           <p:nvPr>
             <p:ph idx="1" type="body"/>
@@ -7790,8 +8090,1320 @@
         </p:nvSpPr>
         <p:spPr>
           <a:xfrm>
-            <a:off x="54450" y="1594100"/>
-            <a:ext cx="9031500" cy="2410500"/>
+            <a:off x="3843150" y="546600"/>
+            <a:ext cx="1457700" cy="381000"/>
+          </a:xfrm>
+          <a:prstGeom prst="roundRect">
+            <a:avLst>
+              <a:gd fmla="val 16667" name="adj"/>
+            </a:avLst>
+          </a:prstGeom>
+          <a:solidFill>
+            <a:srgbClr val="EFEFEF"/>
+          </a:solidFill>
+          <a:ln cap="flat" cmpd="sng" w="9525">
+            <a:solidFill>
+              <a:srgbClr val="0000FF"/>
+            </a:solidFill>
+            <a:prstDash val="solid"/>
+            <a:round/>
+            <a:headEnd len="sm" w="sm" type="none"/>
+            <a:tailEnd len="sm" w="sm" type="none"/>
+          </a:ln>
+        </p:spPr>
+        <p:txBody>
+          <a:bodyPr anchorCtr="0" anchor="ctr" bIns="91425" lIns="91425" spcFirstLastPara="1" rIns="91425" wrap="square" tIns="91425">
+            <a:noAutofit/>
+          </a:bodyPr>
+          <a:lstStyle/>
+          <a:p>
+            <a:pPr indent="0" lvl="0" marL="0" rtl="0" algn="ctr">
+              <a:spcBef>
+                <a:spcPts val="0"/>
+              </a:spcBef>
+              <a:spcAft>
+                <a:spcPts val="0"/>
+              </a:spcAft>
+              <a:buNone/>
+            </a:pPr>
+            <a:r>
+              <a:rPr b="1" lang="ja">
+                <a:solidFill>
+                  <a:schemeClr val="accent2"/>
+                </a:solidFill>
+                <a:latin typeface="Proxima Nova"/>
+                <a:ea typeface="Proxima Nova"/>
+                <a:cs typeface="Proxima Nova"/>
+                <a:sym typeface="Proxima Nova"/>
+              </a:rPr>
+              <a:t>Input</a:t>
+            </a:r>
+            <a:endParaRPr b="1">
+              <a:solidFill>
+                <a:schemeClr val="accent2"/>
+              </a:solidFill>
+              <a:latin typeface="Proxima Nova"/>
+              <a:ea typeface="Proxima Nova"/>
+              <a:cs typeface="Proxima Nova"/>
+              <a:sym typeface="Proxima Nova"/>
+            </a:endParaRPr>
+          </a:p>
+        </p:txBody>
+      </p:sp>
+      <p:sp>
+        <p:nvSpPr>
+          <p:cNvPr id="94" name="Google Shape;94;p15"/>
+          <p:cNvSpPr/>
+          <p:nvPr/>
+        </p:nvSpPr>
+        <p:spPr>
+          <a:xfrm>
+            <a:off x="3843150" y="1601675"/>
+            <a:ext cx="1457700" cy="381000"/>
+          </a:xfrm>
+          <a:prstGeom prst="roundRect">
+            <a:avLst>
+              <a:gd fmla="val 16667" name="adj"/>
+            </a:avLst>
+          </a:prstGeom>
+          <a:solidFill>
+            <a:srgbClr val="0000FF"/>
+          </a:solidFill>
+          <a:ln cap="flat" cmpd="sng" w="9525">
+            <a:solidFill>
+              <a:srgbClr val="0000FF"/>
+            </a:solidFill>
+            <a:prstDash val="solid"/>
+            <a:round/>
+            <a:headEnd len="sm" w="sm" type="none"/>
+            <a:tailEnd len="sm" w="sm" type="none"/>
+          </a:ln>
+        </p:spPr>
+        <p:txBody>
+          <a:bodyPr anchorCtr="0" anchor="ctr" bIns="91425" lIns="91425" spcFirstLastPara="1" rIns="91425" wrap="square" tIns="91425">
+            <a:noAutofit/>
+          </a:bodyPr>
+          <a:lstStyle/>
+          <a:p>
+            <a:pPr indent="0" lvl="0" marL="0" rtl="0" algn="ctr">
+              <a:spcBef>
+                <a:spcPts val="0"/>
+              </a:spcBef>
+              <a:spcAft>
+                <a:spcPts val="0"/>
+              </a:spcAft>
+              <a:buNone/>
+            </a:pPr>
+            <a:r>
+              <a:rPr b="1" lang="ja">
+                <a:solidFill>
+                  <a:schemeClr val="lt1"/>
+                </a:solidFill>
+                <a:latin typeface="Proxima Nova"/>
+                <a:ea typeface="Proxima Nova"/>
+                <a:cs typeface="Proxima Nova"/>
+                <a:sym typeface="Proxima Nova"/>
+              </a:rPr>
+              <a:t>Judgment</a:t>
+            </a:r>
+            <a:endParaRPr b="1">
+              <a:solidFill>
+                <a:schemeClr val="lt1"/>
+              </a:solidFill>
+              <a:latin typeface="Proxima Nova"/>
+              <a:ea typeface="Proxima Nova"/>
+              <a:cs typeface="Proxima Nova"/>
+              <a:sym typeface="Proxima Nova"/>
+            </a:endParaRPr>
+          </a:p>
+        </p:txBody>
+      </p:sp>
+      <p:cxnSp>
+        <p:nvCxnSpPr>
+          <p:cNvPr id="95" name="Google Shape;95;p15"/>
+          <p:cNvCxnSpPr>
+            <a:stCxn id="93" idx="2"/>
+            <a:endCxn id="94" idx="0"/>
+          </p:cNvCxnSpPr>
+          <p:nvPr/>
+        </p:nvCxnSpPr>
+        <p:spPr>
+          <a:xfrm>
+            <a:off x="4572000" y="927600"/>
+            <a:ext cx="0" cy="674100"/>
+          </a:xfrm>
+          <a:prstGeom prst="straightConnector1">
+            <a:avLst/>
+          </a:prstGeom>
+          <a:noFill/>
+          <a:ln cap="flat" cmpd="sng" w="38100">
+            <a:solidFill>
+              <a:srgbClr val="0000FF"/>
+            </a:solidFill>
+            <a:prstDash val="solid"/>
+            <a:round/>
+            <a:headEnd len="med" w="med" type="none"/>
+            <a:tailEnd len="med" w="med" type="triangle"/>
+          </a:ln>
+        </p:spPr>
+      </p:cxnSp>
+      <p:cxnSp>
+        <p:nvCxnSpPr>
+          <p:cNvPr id="96" name="Google Shape;96;p15"/>
+          <p:cNvCxnSpPr>
+            <a:stCxn id="94" idx="2"/>
+            <a:endCxn id="97" idx="0"/>
+          </p:cNvCxnSpPr>
+          <p:nvPr/>
+        </p:nvCxnSpPr>
+        <p:spPr>
+          <a:xfrm flipH="1" rot="-5400000">
+            <a:off x="4814850" y="1739825"/>
+            <a:ext cx="863100" cy="1348800"/>
+          </a:xfrm>
+          <a:prstGeom prst="bentConnector3">
+            <a:avLst>
+              <a:gd fmla="val 50000" name="adj1"/>
+            </a:avLst>
+          </a:prstGeom>
+          <a:noFill/>
+          <a:ln cap="flat" cmpd="sng" w="38100">
+            <a:solidFill>
+              <a:srgbClr val="0000FF"/>
+            </a:solidFill>
+            <a:prstDash val="solid"/>
+            <a:round/>
+            <a:headEnd len="med" w="med" type="none"/>
+            <a:tailEnd len="med" w="med" type="triangle"/>
+          </a:ln>
+        </p:spPr>
+      </p:cxnSp>
+      <p:cxnSp>
+        <p:nvCxnSpPr>
+          <p:cNvPr id="98" name="Google Shape;98;p15"/>
+          <p:cNvCxnSpPr>
+            <a:stCxn id="94" idx="2"/>
+            <a:endCxn id="99" idx="0"/>
+          </p:cNvCxnSpPr>
+          <p:nvPr/>
+        </p:nvCxnSpPr>
+        <p:spPr>
+          <a:xfrm rot="5400000">
+            <a:off x="3466050" y="1739825"/>
+            <a:ext cx="863100" cy="1348800"/>
+          </a:xfrm>
+          <a:prstGeom prst="bentConnector3">
+            <a:avLst>
+              <a:gd fmla="val 49999" name="adj1"/>
+            </a:avLst>
+          </a:prstGeom>
+          <a:noFill/>
+          <a:ln cap="flat" cmpd="sng" w="38100">
+            <a:solidFill>
+              <a:srgbClr val="0000FF"/>
+            </a:solidFill>
+            <a:prstDash val="solid"/>
+            <a:round/>
+            <a:headEnd len="med" w="med" type="none"/>
+            <a:tailEnd len="med" w="med" type="triangle"/>
+          </a:ln>
+        </p:spPr>
+      </p:cxnSp>
+      <p:sp>
+        <p:nvSpPr>
+          <p:cNvPr id="97" name="Google Shape;97;p15"/>
+          <p:cNvSpPr/>
+          <p:nvPr/>
+        </p:nvSpPr>
+        <p:spPr>
+          <a:xfrm>
+            <a:off x="5192050" y="2845775"/>
+            <a:ext cx="1457700" cy="381000"/>
+          </a:xfrm>
+          <a:prstGeom prst="roundRect">
+            <a:avLst>
+              <a:gd fmla="val 16667" name="adj"/>
+            </a:avLst>
+          </a:prstGeom>
+          <a:solidFill>
+            <a:srgbClr val="0000FF"/>
+          </a:solidFill>
+          <a:ln cap="flat" cmpd="sng" w="9525">
+            <a:solidFill>
+              <a:srgbClr val="0000FF"/>
+            </a:solidFill>
+            <a:prstDash val="solid"/>
+            <a:round/>
+            <a:headEnd len="sm" w="sm" type="none"/>
+            <a:tailEnd len="sm" w="sm" type="none"/>
+          </a:ln>
+        </p:spPr>
+        <p:txBody>
+          <a:bodyPr anchorCtr="0" anchor="ctr" bIns="91425" lIns="91425" spcFirstLastPara="1" rIns="91425" wrap="square" tIns="91425">
+            <a:noAutofit/>
+          </a:bodyPr>
+          <a:lstStyle/>
+          <a:p>
+            <a:pPr indent="0" lvl="0" marL="0" rtl="0" algn="ctr">
+              <a:spcBef>
+                <a:spcPts val="0"/>
+              </a:spcBef>
+              <a:spcAft>
+                <a:spcPts val="0"/>
+              </a:spcAft>
+              <a:buNone/>
+            </a:pPr>
+            <a:r>
+              <a:rPr b="1" lang="ja">
+                <a:solidFill>
+                  <a:schemeClr val="lt1"/>
+                </a:solidFill>
+                <a:latin typeface="Proxima Nova"/>
+                <a:ea typeface="Proxima Nova"/>
+                <a:cs typeface="Proxima Nova"/>
+                <a:sym typeface="Proxima Nova"/>
+              </a:rPr>
+              <a:t>S</a:t>
+            </a:r>
+            <a:r>
+              <a:rPr b="1" lang="ja">
+                <a:solidFill>
+                  <a:schemeClr val="lt1"/>
+                </a:solidFill>
+                <a:latin typeface="Proxima Nova"/>
+                <a:ea typeface="Proxima Nova"/>
+                <a:cs typeface="Proxima Nova"/>
+                <a:sym typeface="Proxima Nova"/>
+              </a:rPr>
+              <a:t>earch Agent</a:t>
+            </a:r>
+            <a:endParaRPr b="1">
+              <a:solidFill>
+                <a:schemeClr val="lt1"/>
+              </a:solidFill>
+              <a:latin typeface="Proxima Nova"/>
+              <a:ea typeface="Proxima Nova"/>
+              <a:cs typeface="Proxima Nova"/>
+              <a:sym typeface="Proxima Nova"/>
+            </a:endParaRPr>
+          </a:p>
+        </p:txBody>
+      </p:sp>
+      <p:sp>
+        <p:nvSpPr>
+          <p:cNvPr id="99" name="Google Shape;99;p15"/>
+          <p:cNvSpPr/>
+          <p:nvPr/>
+        </p:nvSpPr>
+        <p:spPr>
+          <a:xfrm>
+            <a:off x="2494250" y="2845763"/>
+            <a:ext cx="1457700" cy="426300"/>
+          </a:xfrm>
+          <a:prstGeom prst="roundRect">
+            <a:avLst>
+              <a:gd fmla="val 16667" name="adj"/>
+            </a:avLst>
+          </a:prstGeom>
+          <a:solidFill>
+            <a:srgbClr val="0000FF"/>
+          </a:solidFill>
+          <a:ln cap="flat" cmpd="sng" w="9525">
+            <a:solidFill>
+              <a:srgbClr val="0000FF"/>
+            </a:solidFill>
+            <a:prstDash val="solid"/>
+            <a:round/>
+            <a:headEnd len="sm" w="sm" type="none"/>
+            <a:tailEnd len="sm" w="sm" type="none"/>
+          </a:ln>
+        </p:spPr>
+        <p:txBody>
+          <a:bodyPr anchorCtr="0" anchor="ctr" bIns="91425" lIns="91425" spcFirstLastPara="1" rIns="91425" wrap="square" tIns="91425">
+            <a:noAutofit/>
+          </a:bodyPr>
+          <a:lstStyle/>
+          <a:p>
+            <a:pPr indent="0" lvl="0" marL="0" rtl="0" algn="ctr">
+              <a:spcBef>
+                <a:spcPts val="0"/>
+              </a:spcBef>
+              <a:spcAft>
+                <a:spcPts val="0"/>
+              </a:spcAft>
+              <a:buNone/>
+            </a:pPr>
+            <a:r>
+              <a:rPr b="1" lang="ja">
+                <a:solidFill>
+                  <a:schemeClr val="lt1"/>
+                </a:solidFill>
+                <a:latin typeface="Proxima Nova"/>
+                <a:ea typeface="Proxima Nova"/>
+                <a:cs typeface="Proxima Nova"/>
+                <a:sym typeface="Proxima Nova"/>
+              </a:rPr>
+              <a:t>Normal conversation</a:t>
+            </a:r>
+            <a:endParaRPr b="1">
+              <a:solidFill>
+                <a:schemeClr val="lt1"/>
+              </a:solidFill>
+              <a:latin typeface="Proxima Nova"/>
+              <a:ea typeface="Proxima Nova"/>
+              <a:cs typeface="Proxima Nova"/>
+              <a:sym typeface="Proxima Nova"/>
+            </a:endParaRPr>
+          </a:p>
+        </p:txBody>
+      </p:sp>
+      <p:sp>
+        <p:nvSpPr>
+          <p:cNvPr id="100" name="Google Shape;100;p15"/>
+          <p:cNvSpPr/>
+          <p:nvPr/>
+        </p:nvSpPr>
+        <p:spPr>
+          <a:xfrm>
+            <a:off x="2494250" y="3783488"/>
+            <a:ext cx="1457700" cy="381000"/>
+          </a:xfrm>
+          <a:prstGeom prst="roundRect">
+            <a:avLst>
+              <a:gd fmla="val 16667" name="adj"/>
+            </a:avLst>
+          </a:prstGeom>
+          <a:solidFill>
+            <a:srgbClr val="EFEFEF"/>
+          </a:solidFill>
+          <a:ln cap="flat" cmpd="sng" w="9525">
+            <a:solidFill>
+              <a:srgbClr val="0000FF"/>
+            </a:solidFill>
+            <a:prstDash val="solid"/>
+            <a:round/>
+            <a:headEnd len="sm" w="sm" type="none"/>
+            <a:tailEnd len="sm" w="sm" type="none"/>
+          </a:ln>
+        </p:spPr>
+        <p:txBody>
+          <a:bodyPr anchorCtr="0" anchor="ctr" bIns="91425" lIns="91425" spcFirstLastPara="1" rIns="91425" wrap="square" tIns="91425">
+            <a:noAutofit/>
+          </a:bodyPr>
+          <a:lstStyle/>
+          <a:p>
+            <a:pPr indent="0" lvl="0" marL="0" rtl="0" algn="ctr">
+              <a:spcBef>
+                <a:spcPts val="0"/>
+              </a:spcBef>
+              <a:spcAft>
+                <a:spcPts val="0"/>
+              </a:spcAft>
+              <a:buNone/>
+            </a:pPr>
+            <a:r>
+              <a:rPr b="1" lang="ja">
+                <a:solidFill>
+                  <a:schemeClr val="accent2"/>
+                </a:solidFill>
+                <a:latin typeface="Proxima Nova"/>
+                <a:ea typeface="Proxima Nova"/>
+                <a:cs typeface="Proxima Nova"/>
+                <a:sym typeface="Proxima Nova"/>
+              </a:rPr>
+              <a:t>Out</a:t>
+            </a:r>
+            <a:r>
+              <a:rPr b="1" lang="ja">
+                <a:solidFill>
+                  <a:schemeClr val="accent2"/>
+                </a:solidFill>
+                <a:latin typeface="Proxima Nova"/>
+                <a:ea typeface="Proxima Nova"/>
+                <a:cs typeface="Proxima Nova"/>
+                <a:sym typeface="Proxima Nova"/>
+              </a:rPr>
+              <a:t>put</a:t>
+            </a:r>
+            <a:endParaRPr b="1">
+              <a:solidFill>
+                <a:schemeClr val="accent2"/>
+              </a:solidFill>
+              <a:latin typeface="Proxima Nova"/>
+              <a:ea typeface="Proxima Nova"/>
+              <a:cs typeface="Proxima Nova"/>
+              <a:sym typeface="Proxima Nova"/>
+            </a:endParaRPr>
+          </a:p>
+        </p:txBody>
+      </p:sp>
+      <p:cxnSp>
+        <p:nvCxnSpPr>
+          <p:cNvPr id="101" name="Google Shape;101;p15"/>
+          <p:cNvCxnSpPr>
+            <a:stCxn id="99" idx="2"/>
+            <a:endCxn id="100" idx="0"/>
+          </p:cNvCxnSpPr>
+          <p:nvPr/>
+        </p:nvCxnSpPr>
+        <p:spPr>
+          <a:xfrm>
+            <a:off x="3223100" y="3272063"/>
+            <a:ext cx="0" cy="511500"/>
+          </a:xfrm>
+          <a:prstGeom prst="straightConnector1">
+            <a:avLst/>
+          </a:prstGeom>
+          <a:noFill/>
+          <a:ln cap="flat" cmpd="sng" w="38100">
+            <a:solidFill>
+              <a:srgbClr val="0000FF"/>
+            </a:solidFill>
+            <a:prstDash val="solid"/>
+            <a:round/>
+            <a:headEnd len="med" w="med" type="none"/>
+            <a:tailEnd len="med" w="med" type="triangle"/>
+          </a:ln>
+        </p:spPr>
+      </p:cxnSp>
+      <p:sp>
+        <p:nvSpPr>
+          <p:cNvPr id="102" name="Google Shape;102;p15"/>
+          <p:cNvSpPr/>
+          <p:nvPr/>
+        </p:nvSpPr>
+        <p:spPr>
+          <a:xfrm>
+            <a:off x="5192050" y="3783500"/>
+            <a:ext cx="1457700" cy="381000"/>
+          </a:xfrm>
+          <a:prstGeom prst="roundRect">
+            <a:avLst>
+              <a:gd fmla="val 16667" name="adj"/>
+            </a:avLst>
+          </a:prstGeom>
+          <a:solidFill>
+            <a:srgbClr val="EFEFEF"/>
+          </a:solidFill>
+          <a:ln cap="flat" cmpd="sng" w="9525">
+            <a:solidFill>
+              <a:srgbClr val="0000FF"/>
+            </a:solidFill>
+            <a:prstDash val="solid"/>
+            <a:round/>
+            <a:headEnd len="sm" w="sm" type="none"/>
+            <a:tailEnd len="sm" w="sm" type="none"/>
+          </a:ln>
+        </p:spPr>
+        <p:txBody>
+          <a:bodyPr anchorCtr="0" anchor="ctr" bIns="91425" lIns="91425" spcFirstLastPara="1" rIns="91425" wrap="square" tIns="91425">
+            <a:noAutofit/>
+          </a:bodyPr>
+          <a:lstStyle/>
+          <a:p>
+            <a:pPr indent="0" lvl="0" marL="0" rtl="0" algn="ctr">
+              <a:spcBef>
+                <a:spcPts val="0"/>
+              </a:spcBef>
+              <a:spcAft>
+                <a:spcPts val="0"/>
+              </a:spcAft>
+              <a:buNone/>
+            </a:pPr>
+            <a:r>
+              <a:rPr b="1" lang="ja">
+                <a:solidFill>
+                  <a:schemeClr val="accent2"/>
+                </a:solidFill>
+                <a:latin typeface="Proxima Nova"/>
+                <a:ea typeface="Proxima Nova"/>
+                <a:cs typeface="Proxima Nova"/>
+                <a:sym typeface="Proxima Nova"/>
+              </a:rPr>
+              <a:t>Output</a:t>
+            </a:r>
+            <a:endParaRPr b="1">
+              <a:solidFill>
+                <a:schemeClr val="accent2"/>
+              </a:solidFill>
+              <a:latin typeface="Proxima Nova"/>
+              <a:ea typeface="Proxima Nova"/>
+              <a:cs typeface="Proxima Nova"/>
+              <a:sym typeface="Proxima Nova"/>
+            </a:endParaRPr>
+          </a:p>
+        </p:txBody>
+      </p:sp>
+      <p:cxnSp>
+        <p:nvCxnSpPr>
+          <p:cNvPr id="103" name="Google Shape;103;p15"/>
+          <p:cNvCxnSpPr>
+            <a:stCxn id="97" idx="2"/>
+            <a:endCxn id="102" idx="0"/>
+          </p:cNvCxnSpPr>
+          <p:nvPr/>
+        </p:nvCxnSpPr>
+        <p:spPr>
+          <a:xfrm>
+            <a:off x="5920900" y="3226775"/>
+            <a:ext cx="0" cy="556800"/>
+          </a:xfrm>
+          <a:prstGeom prst="straightConnector1">
+            <a:avLst/>
+          </a:prstGeom>
+          <a:noFill/>
+          <a:ln cap="flat" cmpd="sng" w="38100">
+            <a:solidFill>
+              <a:srgbClr val="0000FF"/>
+            </a:solidFill>
+            <a:prstDash val="solid"/>
+            <a:round/>
+            <a:headEnd len="med" w="med" type="none"/>
+            <a:tailEnd len="med" w="med" type="triangle"/>
+          </a:ln>
+        </p:spPr>
+      </p:cxnSp>
+    </p:spTree>
+  </p:cSld>
+  <p:clrMapOvr>
+    <a:masterClrMapping/>
+  </p:clrMapOvr>
+</p:sld>
+</file>
+
+<file path=ppt/slides/slide4.xml><?xml version="1.0" encoding="utf-8"?>
+<p:sld xmlns:a="http://schemas.openxmlformats.org/drawingml/2006/main" xmlns:r="http://schemas.openxmlformats.org/officeDocument/2006/relationships" xmlns:mc="http://schemas.openxmlformats.org/markup-compatibility/2006" xmlns:mv="urn:schemas-microsoft-com:mac:vml" xmlns:p="http://schemas.openxmlformats.org/presentationml/2006/main" xmlns:c="http://schemas.openxmlformats.org/drawingml/2006/chart" xmlns:dgm="http://schemas.openxmlformats.org/drawingml/2006/diagram" xmlns:o="urn:schemas-microsoft-com:office:office" xmlns:v="urn:schemas-microsoft-com:vml" xmlns:pvml="urn:schemas-microsoft-com:office:powerpoint" xmlns:com="http://schemas.openxmlformats.org/drawingml/2006/compatibility" xmlns:p14="http://schemas.microsoft.com/office/powerpoint/2010/main" xmlns:p15="http://schemas.microsoft.com/office/powerpoint/2012/main" xmlns:ahyp="http://schemas.microsoft.com/office/drawing/2018/hyperlinkcolor">
+  <p:cSld>
+    <p:spTree>
+      <p:nvGrpSpPr>
+        <p:cNvPr id="107" name="Shape 107"/>
+        <p:cNvGrpSpPr/>
+        <p:nvPr/>
+      </p:nvGrpSpPr>
+      <p:grpSpPr>
+        <a:xfrm>
+          <a:off x="0" y="0"/>
+          <a:ext cx="0" cy="0"/>
+          <a:chOff x="0" y="0"/>
+          <a:chExt cx="0" cy="0"/>
+        </a:xfrm>
+      </p:grpSpPr>
+      <p:sp>
+        <p:nvSpPr>
+          <p:cNvPr id="108" name="Google Shape;108;p16"/>
+          <p:cNvSpPr/>
+          <p:nvPr/>
+        </p:nvSpPr>
+        <p:spPr>
+          <a:xfrm>
+            <a:off x="3843150" y="546600"/>
+            <a:ext cx="1457700" cy="381000"/>
+          </a:xfrm>
+          <a:prstGeom prst="roundRect">
+            <a:avLst>
+              <a:gd fmla="val 16667" name="adj"/>
+            </a:avLst>
+          </a:prstGeom>
+          <a:solidFill>
+            <a:srgbClr val="EFEFEF"/>
+          </a:solidFill>
+          <a:ln cap="flat" cmpd="sng" w="9525">
+            <a:solidFill>
+              <a:srgbClr val="0000FF"/>
+            </a:solidFill>
+            <a:prstDash val="solid"/>
+            <a:round/>
+            <a:headEnd len="sm" w="sm" type="none"/>
+            <a:tailEnd len="sm" w="sm" type="none"/>
+          </a:ln>
+        </p:spPr>
+        <p:txBody>
+          <a:bodyPr anchorCtr="0" anchor="ctr" bIns="91425" lIns="91425" spcFirstLastPara="1" rIns="91425" wrap="square" tIns="91425">
+            <a:noAutofit/>
+          </a:bodyPr>
+          <a:lstStyle/>
+          <a:p>
+            <a:pPr indent="0" lvl="0" marL="0" rtl="0" algn="ctr">
+              <a:spcBef>
+                <a:spcPts val="0"/>
+              </a:spcBef>
+              <a:spcAft>
+                <a:spcPts val="0"/>
+              </a:spcAft>
+              <a:buNone/>
+            </a:pPr>
+            <a:r>
+              <a:rPr b="1" lang="ja">
+                <a:solidFill>
+                  <a:schemeClr val="accent2"/>
+                </a:solidFill>
+                <a:latin typeface="Proxima Nova"/>
+                <a:ea typeface="Proxima Nova"/>
+                <a:cs typeface="Proxima Nova"/>
+                <a:sym typeface="Proxima Nova"/>
+              </a:rPr>
+              <a:t>Input</a:t>
+            </a:r>
+            <a:endParaRPr b="1">
+              <a:solidFill>
+                <a:schemeClr val="accent2"/>
+              </a:solidFill>
+              <a:latin typeface="Proxima Nova"/>
+              <a:ea typeface="Proxima Nova"/>
+              <a:cs typeface="Proxima Nova"/>
+              <a:sym typeface="Proxima Nova"/>
+            </a:endParaRPr>
+          </a:p>
+        </p:txBody>
+      </p:sp>
+      <p:sp>
+        <p:nvSpPr>
+          <p:cNvPr id="109" name="Google Shape;109;p16"/>
+          <p:cNvSpPr/>
+          <p:nvPr/>
+        </p:nvSpPr>
+        <p:spPr>
+          <a:xfrm>
+            <a:off x="3843150" y="1601675"/>
+            <a:ext cx="1457700" cy="381000"/>
+          </a:xfrm>
+          <a:prstGeom prst="roundRect">
+            <a:avLst>
+              <a:gd fmla="val 16667" name="adj"/>
+            </a:avLst>
+          </a:prstGeom>
+          <a:solidFill>
+            <a:srgbClr val="0000FF"/>
+          </a:solidFill>
+          <a:ln cap="flat" cmpd="sng" w="9525">
+            <a:solidFill>
+              <a:srgbClr val="0000FF"/>
+            </a:solidFill>
+            <a:prstDash val="solid"/>
+            <a:round/>
+            <a:headEnd len="sm" w="sm" type="none"/>
+            <a:tailEnd len="sm" w="sm" type="none"/>
+          </a:ln>
+        </p:spPr>
+        <p:txBody>
+          <a:bodyPr anchorCtr="0" anchor="ctr" bIns="91425" lIns="91425" spcFirstLastPara="1" rIns="91425" wrap="square" tIns="91425">
+            <a:noAutofit/>
+          </a:bodyPr>
+          <a:lstStyle/>
+          <a:p>
+            <a:pPr indent="0" lvl="0" marL="0" rtl="0" algn="ctr">
+              <a:spcBef>
+                <a:spcPts val="0"/>
+              </a:spcBef>
+              <a:spcAft>
+                <a:spcPts val="0"/>
+              </a:spcAft>
+              <a:buNone/>
+            </a:pPr>
+            <a:r>
+              <a:rPr b="1" lang="ja">
+                <a:solidFill>
+                  <a:schemeClr val="lt1"/>
+                </a:solidFill>
+                <a:latin typeface="Proxima Nova"/>
+                <a:ea typeface="Proxima Nova"/>
+                <a:cs typeface="Proxima Nova"/>
+                <a:sym typeface="Proxima Nova"/>
+              </a:rPr>
+              <a:t>Judgment</a:t>
+            </a:r>
+            <a:endParaRPr b="1">
+              <a:solidFill>
+                <a:schemeClr val="lt1"/>
+              </a:solidFill>
+              <a:latin typeface="Proxima Nova"/>
+              <a:ea typeface="Proxima Nova"/>
+              <a:cs typeface="Proxima Nova"/>
+              <a:sym typeface="Proxima Nova"/>
+            </a:endParaRPr>
+          </a:p>
+        </p:txBody>
+      </p:sp>
+      <p:cxnSp>
+        <p:nvCxnSpPr>
+          <p:cNvPr id="110" name="Google Shape;110;p16"/>
+          <p:cNvCxnSpPr>
+            <a:stCxn id="108" idx="2"/>
+            <a:endCxn id="109" idx="0"/>
+          </p:cNvCxnSpPr>
+          <p:nvPr/>
+        </p:nvCxnSpPr>
+        <p:spPr>
+          <a:xfrm>
+            <a:off x="4572000" y="927600"/>
+            <a:ext cx="0" cy="674100"/>
+          </a:xfrm>
+          <a:prstGeom prst="straightConnector1">
+            <a:avLst/>
+          </a:prstGeom>
+          <a:noFill/>
+          <a:ln cap="flat" cmpd="sng" w="38100">
+            <a:solidFill>
+              <a:srgbClr val="0000FF"/>
+            </a:solidFill>
+            <a:prstDash val="solid"/>
+            <a:round/>
+            <a:headEnd len="med" w="med" type="none"/>
+            <a:tailEnd len="med" w="med" type="triangle"/>
+          </a:ln>
+        </p:spPr>
+      </p:cxnSp>
+      <p:cxnSp>
+        <p:nvCxnSpPr>
+          <p:cNvPr id="111" name="Google Shape;111;p16"/>
+          <p:cNvCxnSpPr>
+            <a:stCxn id="109" idx="2"/>
+            <a:endCxn id="112" idx="0"/>
+          </p:cNvCxnSpPr>
+          <p:nvPr/>
+        </p:nvCxnSpPr>
+        <p:spPr>
+          <a:xfrm flipH="1" rot="-5400000">
+            <a:off x="4814850" y="1739825"/>
+            <a:ext cx="863100" cy="1348800"/>
+          </a:xfrm>
+          <a:prstGeom prst="bentConnector3">
+            <a:avLst>
+              <a:gd fmla="val 50000" name="adj1"/>
+            </a:avLst>
+          </a:prstGeom>
+          <a:noFill/>
+          <a:ln cap="flat" cmpd="sng" w="38100">
+            <a:solidFill>
+              <a:srgbClr val="0000FF"/>
+            </a:solidFill>
+            <a:prstDash val="solid"/>
+            <a:round/>
+            <a:headEnd len="med" w="med" type="none"/>
+            <a:tailEnd len="med" w="med" type="triangle"/>
+          </a:ln>
+        </p:spPr>
+      </p:cxnSp>
+      <p:cxnSp>
+        <p:nvCxnSpPr>
+          <p:cNvPr id="113" name="Google Shape;113;p16"/>
+          <p:cNvCxnSpPr>
+            <a:stCxn id="109" idx="2"/>
+            <a:endCxn id="114" idx="0"/>
+          </p:cNvCxnSpPr>
+          <p:nvPr/>
+        </p:nvCxnSpPr>
+        <p:spPr>
+          <a:xfrm rot="5400000">
+            <a:off x="3466050" y="1739825"/>
+            <a:ext cx="863100" cy="1348800"/>
+          </a:xfrm>
+          <a:prstGeom prst="bentConnector3">
+            <a:avLst>
+              <a:gd fmla="val 49999" name="adj1"/>
+            </a:avLst>
+          </a:prstGeom>
+          <a:noFill/>
+          <a:ln cap="flat" cmpd="sng" w="38100">
+            <a:solidFill>
+              <a:srgbClr val="0000FF"/>
+            </a:solidFill>
+            <a:prstDash val="solid"/>
+            <a:round/>
+            <a:headEnd len="med" w="med" type="none"/>
+            <a:tailEnd len="med" w="med" type="triangle"/>
+          </a:ln>
+        </p:spPr>
+      </p:cxnSp>
+      <p:sp>
+        <p:nvSpPr>
+          <p:cNvPr id="112" name="Google Shape;112;p16"/>
+          <p:cNvSpPr/>
+          <p:nvPr/>
+        </p:nvSpPr>
+        <p:spPr>
+          <a:xfrm>
+            <a:off x="5192050" y="2845775"/>
+            <a:ext cx="1457700" cy="381000"/>
+          </a:xfrm>
+          <a:prstGeom prst="roundRect">
+            <a:avLst>
+              <a:gd fmla="val 16667" name="adj"/>
+            </a:avLst>
+          </a:prstGeom>
+          <a:solidFill>
+            <a:srgbClr val="0000FF"/>
+          </a:solidFill>
+          <a:ln cap="flat" cmpd="sng" w="9525">
+            <a:solidFill>
+              <a:srgbClr val="0000FF"/>
+            </a:solidFill>
+            <a:prstDash val="solid"/>
+            <a:round/>
+            <a:headEnd len="sm" w="sm" type="none"/>
+            <a:tailEnd len="sm" w="sm" type="none"/>
+          </a:ln>
+        </p:spPr>
+        <p:txBody>
+          <a:bodyPr anchorCtr="0" anchor="ctr" bIns="91425" lIns="91425" spcFirstLastPara="1" rIns="91425" wrap="square" tIns="91425">
+            <a:noAutofit/>
+          </a:bodyPr>
+          <a:lstStyle/>
+          <a:p>
+            <a:pPr indent="0" lvl="0" marL="0" rtl="0" algn="ctr">
+              <a:spcBef>
+                <a:spcPts val="0"/>
+              </a:spcBef>
+              <a:spcAft>
+                <a:spcPts val="0"/>
+              </a:spcAft>
+              <a:buNone/>
+            </a:pPr>
+            <a:r>
+              <a:rPr b="1" lang="ja">
+                <a:solidFill>
+                  <a:schemeClr val="lt1"/>
+                </a:solidFill>
+                <a:latin typeface="Proxima Nova"/>
+                <a:ea typeface="Proxima Nova"/>
+                <a:cs typeface="Proxima Nova"/>
+                <a:sym typeface="Proxima Nova"/>
+              </a:rPr>
+              <a:t>Search Agent</a:t>
+            </a:r>
+            <a:endParaRPr b="1">
+              <a:solidFill>
+                <a:schemeClr val="lt1"/>
+              </a:solidFill>
+              <a:latin typeface="Proxima Nova"/>
+              <a:ea typeface="Proxima Nova"/>
+              <a:cs typeface="Proxima Nova"/>
+              <a:sym typeface="Proxima Nova"/>
+            </a:endParaRPr>
+          </a:p>
+        </p:txBody>
+      </p:sp>
+      <p:sp>
+        <p:nvSpPr>
+          <p:cNvPr id="114" name="Google Shape;114;p16"/>
+          <p:cNvSpPr/>
+          <p:nvPr/>
+        </p:nvSpPr>
+        <p:spPr>
+          <a:xfrm>
+            <a:off x="2494250" y="2845763"/>
+            <a:ext cx="1457700" cy="426300"/>
+          </a:xfrm>
+          <a:prstGeom prst="roundRect">
+            <a:avLst>
+              <a:gd fmla="val 16667" name="adj"/>
+            </a:avLst>
+          </a:prstGeom>
+          <a:solidFill>
+            <a:srgbClr val="0000FF"/>
+          </a:solidFill>
+          <a:ln cap="flat" cmpd="sng" w="9525">
+            <a:solidFill>
+              <a:srgbClr val="0000FF"/>
+            </a:solidFill>
+            <a:prstDash val="solid"/>
+            <a:round/>
+            <a:headEnd len="sm" w="sm" type="none"/>
+            <a:tailEnd len="sm" w="sm" type="none"/>
+          </a:ln>
+        </p:spPr>
+        <p:txBody>
+          <a:bodyPr anchorCtr="0" anchor="ctr" bIns="91425" lIns="91425" spcFirstLastPara="1" rIns="91425" wrap="square" tIns="91425">
+            <a:noAutofit/>
+          </a:bodyPr>
+          <a:lstStyle/>
+          <a:p>
+            <a:pPr indent="0" lvl="0" marL="0" rtl="0" algn="ctr">
+              <a:spcBef>
+                <a:spcPts val="0"/>
+              </a:spcBef>
+              <a:spcAft>
+                <a:spcPts val="0"/>
+              </a:spcAft>
+              <a:buNone/>
+            </a:pPr>
+            <a:r>
+              <a:rPr b="1" lang="ja">
+                <a:solidFill>
+                  <a:schemeClr val="lt1"/>
+                </a:solidFill>
+                <a:latin typeface="Proxima Nova"/>
+                <a:ea typeface="Proxima Nova"/>
+                <a:cs typeface="Proxima Nova"/>
+                <a:sym typeface="Proxima Nova"/>
+              </a:rPr>
+              <a:t>Normal conversation</a:t>
+            </a:r>
+            <a:endParaRPr b="1">
+              <a:solidFill>
+                <a:schemeClr val="lt1"/>
+              </a:solidFill>
+              <a:latin typeface="Proxima Nova"/>
+              <a:ea typeface="Proxima Nova"/>
+              <a:cs typeface="Proxima Nova"/>
+              <a:sym typeface="Proxima Nova"/>
+            </a:endParaRPr>
+          </a:p>
+        </p:txBody>
+      </p:sp>
+      <p:sp>
+        <p:nvSpPr>
+          <p:cNvPr id="115" name="Google Shape;115;p16"/>
+          <p:cNvSpPr/>
+          <p:nvPr/>
+        </p:nvSpPr>
+        <p:spPr>
+          <a:xfrm>
+            <a:off x="2494250" y="3783488"/>
+            <a:ext cx="1457700" cy="381000"/>
+          </a:xfrm>
+          <a:prstGeom prst="roundRect">
+            <a:avLst>
+              <a:gd fmla="val 16667" name="adj"/>
+            </a:avLst>
+          </a:prstGeom>
+          <a:solidFill>
+            <a:srgbClr val="EFEFEF"/>
+          </a:solidFill>
+          <a:ln cap="flat" cmpd="sng" w="9525">
+            <a:solidFill>
+              <a:srgbClr val="0000FF"/>
+            </a:solidFill>
+            <a:prstDash val="solid"/>
+            <a:round/>
+            <a:headEnd len="sm" w="sm" type="none"/>
+            <a:tailEnd len="sm" w="sm" type="none"/>
+          </a:ln>
+        </p:spPr>
+        <p:txBody>
+          <a:bodyPr anchorCtr="0" anchor="ctr" bIns="91425" lIns="91425" spcFirstLastPara="1" rIns="91425" wrap="square" tIns="91425">
+            <a:noAutofit/>
+          </a:bodyPr>
+          <a:lstStyle/>
+          <a:p>
+            <a:pPr indent="0" lvl="0" marL="0" rtl="0" algn="ctr">
+              <a:spcBef>
+                <a:spcPts val="0"/>
+              </a:spcBef>
+              <a:spcAft>
+                <a:spcPts val="0"/>
+              </a:spcAft>
+              <a:buNone/>
+            </a:pPr>
+            <a:r>
+              <a:rPr b="1" lang="ja">
+                <a:solidFill>
+                  <a:schemeClr val="accent2"/>
+                </a:solidFill>
+                <a:latin typeface="Proxima Nova"/>
+                <a:ea typeface="Proxima Nova"/>
+                <a:cs typeface="Proxima Nova"/>
+                <a:sym typeface="Proxima Nova"/>
+              </a:rPr>
+              <a:t>Output</a:t>
+            </a:r>
+            <a:endParaRPr b="1">
+              <a:solidFill>
+                <a:schemeClr val="accent2"/>
+              </a:solidFill>
+              <a:latin typeface="Proxima Nova"/>
+              <a:ea typeface="Proxima Nova"/>
+              <a:cs typeface="Proxima Nova"/>
+              <a:sym typeface="Proxima Nova"/>
+            </a:endParaRPr>
+          </a:p>
+        </p:txBody>
+      </p:sp>
+      <p:cxnSp>
+        <p:nvCxnSpPr>
+          <p:cNvPr id="116" name="Google Shape;116;p16"/>
+          <p:cNvCxnSpPr>
+            <a:stCxn id="114" idx="2"/>
+            <a:endCxn id="115" idx="0"/>
+          </p:cNvCxnSpPr>
+          <p:nvPr/>
+        </p:nvCxnSpPr>
+        <p:spPr>
+          <a:xfrm>
+            <a:off x="3223100" y="3272063"/>
+            <a:ext cx="0" cy="511500"/>
+          </a:xfrm>
+          <a:prstGeom prst="straightConnector1">
+            <a:avLst/>
+          </a:prstGeom>
+          <a:noFill/>
+          <a:ln cap="flat" cmpd="sng" w="38100">
+            <a:solidFill>
+              <a:srgbClr val="0000FF"/>
+            </a:solidFill>
+            <a:prstDash val="solid"/>
+            <a:round/>
+            <a:headEnd len="med" w="med" type="none"/>
+            <a:tailEnd len="med" w="med" type="triangle"/>
+          </a:ln>
+        </p:spPr>
+      </p:cxnSp>
+      <p:sp>
+        <p:nvSpPr>
+          <p:cNvPr id="117" name="Google Shape;117;p16"/>
+          <p:cNvSpPr/>
+          <p:nvPr/>
+        </p:nvSpPr>
+        <p:spPr>
+          <a:xfrm>
+            <a:off x="5192050" y="3783500"/>
+            <a:ext cx="1457700" cy="381000"/>
+          </a:xfrm>
+          <a:prstGeom prst="roundRect">
+            <a:avLst>
+              <a:gd fmla="val 16667" name="adj"/>
+            </a:avLst>
+          </a:prstGeom>
+          <a:solidFill>
+            <a:srgbClr val="EFEFEF"/>
+          </a:solidFill>
+          <a:ln cap="flat" cmpd="sng" w="9525">
+            <a:solidFill>
+              <a:srgbClr val="0000FF"/>
+            </a:solidFill>
+            <a:prstDash val="solid"/>
+            <a:round/>
+            <a:headEnd len="sm" w="sm" type="none"/>
+            <a:tailEnd len="sm" w="sm" type="none"/>
+          </a:ln>
+        </p:spPr>
+        <p:txBody>
+          <a:bodyPr anchorCtr="0" anchor="ctr" bIns="91425" lIns="91425" spcFirstLastPara="1" rIns="91425" wrap="square" tIns="91425">
+            <a:noAutofit/>
+          </a:bodyPr>
+          <a:lstStyle/>
+          <a:p>
+            <a:pPr indent="0" lvl="0" marL="0" rtl="0" algn="ctr">
+              <a:spcBef>
+                <a:spcPts val="0"/>
+              </a:spcBef>
+              <a:spcAft>
+                <a:spcPts val="0"/>
+              </a:spcAft>
+              <a:buNone/>
+            </a:pPr>
+            <a:r>
+              <a:rPr b="1" lang="ja">
+                <a:solidFill>
+                  <a:schemeClr val="accent2"/>
+                </a:solidFill>
+                <a:latin typeface="Proxima Nova"/>
+                <a:ea typeface="Proxima Nova"/>
+                <a:cs typeface="Proxima Nova"/>
+                <a:sym typeface="Proxima Nova"/>
+              </a:rPr>
+              <a:t>Output</a:t>
+            </a:r>
+            <a:endParaRPr b="1">
+              <a:solidFill>
+                <a:schemeClr val="accent2"/>
+              </a:solidFill>
+              <a:latin typeface="Proxima Nova"/>
+              <a:ea typeface="Proxima Nova"/>
+              <a:cs typeface="Proxima Nova"/>
+              <a:sym typeface="Proxima Nova"/>
+            </a:endParaRPr>
+          </a:p>
+        </p:txBody>
+      </p:sp>
+      <p:cxnSp>
+        <p:nvCxnSpPr>
+          <p:cNvPr id="118" name="Google Shape;118;p16"/>
+          <p:cNvCxnSpPr>
+            <a:stCxn id="112" idx="2"/>
+            <a:endCxn id="117" idx="0"/>
+          </p:cNvCxnSpPr>
+          <p:nvPr/>
+        </p:nvCxnSpPr>
+        <p:spPr>
+          <a:xfrm>
+            <a:off x="5920900" y="3226775"/>
+            <a:ext cx="0" cy="556800"/>
+          </a:xfrm>
+          <a:prstGeom prst="straightConnector1">
+            <a:avLst/>
+          </a:prstGeom>
+          <a:noFill/>
+          <a:ln cap="flat" cmpd="sng" w="38100">
+            <a:solidFill>
+              <a:srgbClr val="0000FF"/>
+            </a:solidFill>
+            <a:prstDash val="solid"/>
+            <a:round/>
+            <a:headEnd len="med" w="med" type="none"/>
+            <a:tailEnd len="med" w="med" type="triangle"/>
+          </a:ln>
+        </p:spPr>
+      </p:cxnSp>
+      <p:sp>
+        <p:nvSpPr>
+          <p:cNvPr id="119" name="Google Shape;119;p16"/>
+          <p:cNvSpPr/>
+          <p:nvPr/>
+        </p:nvSpPr>
+        <p:spPr>
+          <a:xfrm>
+            <a:off x="7123421" y="2845775"/>
+            <a:ext cx="772200" cy="381000"/>
+          </a:xfrm>
+          <a:prstGeom prst="roundRect">
+            <a:avLst>
+              <a:gd fmla="val 16667" name="adj"/>
+            </a:avLst>
+          </a:prstGeom>
+          <a:solidFill>
+            <a:srgbClr val="0000FF"/>
+          </a:solidFill>
+          <a:ln cap="flat" cmpd="sng" w="9525">
+            <a:solidFill>
+              <a:srgbClr val="0000FF"/>
+            </a:solidFill>
+            <a:prstDash val="solid"/>
+            <a:round/>
+            <a:headEnd len="sm" w="sm" type="none"/>
+            <a:tailEnd len="sm" w="sm" type="none"/>
+          </a:ln>
+        </p:spPr>
+        <p:txBody>
+          <a:bodyPr anchorCtr="0" anchor="ctr" bIns="91425" lIns="91425" spcFirstLastPara="1" rIns="91425" wrap="square" tIns="91425">
+            <a:noAutofit/>
+          </a:bodyPr>
+          <a:lstStyle/>
+          <a:p>
+            <a:pPr indent="0" lvl="0" marL="0" rtl="0" algn="ctr">
+              <a:spcBef>
+                <a:spcPts val="0"/>
+              </a:spcBef>
+              <a:spcAft>
+                <a:spcPts val="0"/>
+              </a:spcAft>
+              <a:buNone/>
+            </a:pPr>
+            <a:r>
+              <a:rPr b="1" lang="ja">
+                <a:solidFill>
+                  <a:schemeClr val="lt1"/>
+                </a:solidFill>
+                <a:latin typeface="Proxima Nova"/>
+                <a:ea typeface="Proxima Nova"/>
+                <a:cs typeface="Proxima Nova"/>
+                <a:sym typeface="Proxima Nova"/>
+              </a:rPr>
+              <a:t>ICSL</a:t>
+            </a:r>
+            <a:endParaRPr b="1">
+              <a:solidFill>
+                <a:schemeClr val="lt1"/>
+              </a:solidFill>
+              <a:latin typeface="Proxima Nova"/>
+              <a:ea typeface="Proxima Nova"/>
+              <a:cs typeface="Proxima Nova"/>
+              <a:sym typeface="Proxima Nova"/>
+            </a:endParaRPr>
+          </a:p>
+        </p:txBody>
+      </p:sp>
+      <p:cxnSp>
+        <p:nvCxnSpPr>
+          <p:cNvPr id="120" name="Google Shape;120;p16"/>
+          <p:cNvCxnSpPr/>
+          <p:nvPr/>
+        </p:nvCxnSpPr>
+        <p:spPr>
+          <a:xfrm rot="5400000">
+            <a:off x="6807175" y="2535275"/>
+            <a:ext cx="600" cy="1383600"/>
+          </a:xfrm>
+          <a:prstGeom prst="curvedConnector3">
+            <a:avLst>
+              <a:gd fmla="val 75225000" name="adj1"/>
+            </a:avLst>
+          </a:prstGeom>
+          <a:noFill/>
+          <a:ln cap="flat" cmpd="sng" w="38100">
+            <a:solidFill>
+              <a:srgbClr val="0000FF"/>
+            </a:solidFill>
+            <a:prstDash val="dash"/>
+            <a:round/>
+            <a:headEnd len="med" w="med" type="none"/>
+            <a:tailEnd len="med" w="med" type="none"/>
+          </a:ln>
+        </p:spPr>
+      </p:cxnSp>
+      <p:cxnSp>
+        <p:nvCxnSpPr>
+          <p:cNvPr id="121" name="Google Shape;121;p16"/>
+          <p:cNvCxnSpPr/>
+          <p:nvPr/>
+        </p:nvCxnSpPr>
+        <p:spPr>
+          <a:xfrm rot="5400000">
+            <a:off x="6807175" y="2154275"/>
+            <a:ext cx="600" cy="1383600"/>
+          </a:xfrm>
+          <a:prstGeom prst="curvedConnector3">
+            <a:avLst>
+              <a:gd fmla="val -77420833" name="adj1"/>
+            </a:avLst>
+          </a:prstGeom>
+          <a:noFill/>
+          <a:ln cap="flat" cmpd="sng" w="38100">
+            <a:solidFill>
+              <a:srgbClr val="0000FF"/>
+            </a:solidFill>
+            <a:prstDash val="dash"/>
+            <a:round/>
+            <a:headEnd len="med" w="med" type="none"/>
+            <a:tailEnd len="med" w="med" type="triangle"/>
+          </a:ln>
+        </p:spPr>
+      </p:cxnSp>
+    </p:spTree>
+  </p:cSld>
+  <p:clrMapOvr>
+    <a:masterClrMapping/>
+  </p:clrMapOvr>
+</p:sld>
+</file>
+
+<file path=ppt/slides/slide5.xml><?xml version="1.0" encoding="utf-8"?>
+<p:sld xmlns:a="http://schemas.openxmlformats.org/drawingml/2006/main" xmlns:r="http://schemas.openxmlformats.org/officeDocument/2006/relationships" xmlns:mc="http://schemas.openxmlformats.org/markup-compatibility/2006" xmlns:mv="urn:schemas-microsoft-com:mac:vml" xmlns:p="http://schemas.openxmlformats.org/presentationml/2006/main" xmlns:c="http://schemas.openxmlformats.org/drawingml/2006/chart" xmlns:dgm="http://schemas.openxmlformats.org/drawingml/2006/diagram" xmlns:o="urn:schemas-microsoft-com:office:office" xmlns:v="urn:schemas-microsoft-com:vml" xmlns:pvml="urn:schemas-microsoft-com:office:powerpoint" xmlns:com="http://schemas.openxmlformats.org/drawingml/2006/compatibility" xmlns:p14="http://schemas.microsoft.com/office/powerpoint/2010/main" xmlns:p15="http://schemas.microsoft.com/office/powerpoint/2012/main" xmlns:ahyp="http://schemas.microsoft.com/office/drawing/2018/hyperlinkcolor">
+  <p:cSld>
+    <p:spTree>
+      <p:nvGrpSpPr>
+        <p:cNvPr id="125" name="Shape 125"/>
+        <p:cNvGrpSpPr/>
+        <p:nvPr/>
+      </p:nvGrpSpPr>
+      <p:grpSpPr>
+        <a:xfrm>
+          <a:off x="0" y="0"/>
+          <a:ext cx="0" cy="0"/>
+          <a:chOff x="0" y="0"/>
+          <a:chExt cx="0" cy="0"/>
+        </a:xfrm>
+      </p:grpSpPr>
+      <p:sp>
+        <p:nvSpPr>
+          <p:cNvPr id="126" name="Google Shape;126;p17"/>
+          <p:cNvSpPr/>
+          <p:nvPr/>
+        </p:nvSpPr>
+        <p:spPr>
+          <a:xfrm>
+            <a:off x="1550379" y="865150"/>
+            <a:ext cx="6076800" cy="4000800"/>
           </a:xfrm>
           <a:prstGeom prst="roundRect">
             <a:avLst>
@@ -7814,6 +9426,38 @@
             <a:noAutofit/>
           </a:bodyPr>
           <a:lstStyle/>
+          <a:p>
+            <a:pPr indent="0" lvl="0" marL="0" rtl="0" algn="l">
+              <a:spcBef>
+                <a:spcPts val="0"/>
+              </a:spcBef>
+              <a:spcAft>
+                <a:spcPts val="0"/>
+              </a:spcAft>
+              <a:buNone/>
+            </a:pPr>
+            <a:r>
+              <a:rPr b="1" lang="ja">
+                <a:solidFill>
+                  <a:schemeClr val="accent3"/>
+                </a:solidFill>
+                <a:latin typeface="Proxima Nova"/>
+                <a:ea typeface="Proxima Nova"/>
+                <a:cs typeface="Proxima Nova"/>
+                <a:sym typeface="Proxima Nova"/>
+              </a:rPr>
+              <a:t>Search </a:t>
+            </a:r>
+            <a:endParaRPr b="1">
+              <a:solidFill>
+                <a:schemeClr val="accent3"/>
+              </a:solidFill>
+              <a:latin typeface="Proxima Nova"/>
+              <a:ea typeface="Proxima Nova"/>
+              <a:cs typeface="Proxima Nova"/>
+              <a:sym typeface="Proxima Nova"/>
+            </a:endParaRPr>
+          </a:p>
           <a:p>
             <a:pPr indent="0" lvl="0" marL="0" rtl="0" algn="l">
               <a:spcBef>
@@ -7850,13 +9494,127 @@
       </p:sp>
       <p:sp>
         <p:nvSpPr>
-          <p:cNvPr id="94" name="Google Shape;94;p15"/>
+          <p:cNvPr id="127" name="Google Shape;127;p17"/>
           <p:cNvSpPr/>
           <p:nvPr/>
         </p:nvSpPr>
         <p:spPr>
           <a:xfrm>
-            <a:off x="7365625" y="2653400"/>
+            <a:off x="5160700" y="3574700"/>
+            <a:ext cx="2290800" cy="801000"/>
+          </a:xfrm>
+          <a:prstGeom prst="roundRect">
+            <a:avLst>
+              <a:gd fmla="val 16667" name="adj"/>
+            </a:avLst>
+          </a:prstGeom>
+          <a:noFill/>
+          <a:ln cap="flat" cmpd="sng" w="38100">
+            <a:solidFill>
+              <a:srgbClr val="0000FF"/>
+            </a:solidFill>
+            <a:prstDash val="solid"/>
+            <a:round/>
+            <a:headEnd len="sm" w="sm" type="none"/>
+            <a:tailEnd len="sm" w="sm" type="none"/>
+          </a:ln>
+        </p:spPr>
+        <p:txBody>
+          <a:bodyPr anchorCtr="0" anchor="t" bIns="91425" lIns="91425" spcFirstLastPara="1" rIns="91425" wrap="square" tIns="91425">
+            <a:noAutofit/>
+          </a:bodyPr>
+          <a:lstStyle/>
+          <a:p>
+            <a:pPr indent="0" lvl="0" marL="0" rtl="0" algn="l">
+              <a:spcBef>
+                <a:spcPts val="0"/>
+              </a:spcBef>
+              <a:spcAft>
+                <a:spcPts val="0"/>
+              </a:spcAft>
+              <a:buNone/>
+            </a:pPr>
+            <a:r>
+              <a:t/>
+            </a:r>
+            <a:endParaRPr b="1">
+              <a:solidFill>
+                <a:schemeClr val="accent3"/>
+              </a:solidFill>
+              <a:latin typeface="Proxima Nova"/>
+              <a:ea typeface="Proxima Nova"/>
+              <a:cs typeface="Proxima Nova"/>
+              <a:sym typeface="Proxima Nova"/>
+            </a:endParaRPr>
+          </a:p>
+        </p:txBody>
+      </p:sp>
+      <p:sp>
+        <p:nvSpPr>
+          <p:cNvPr id="128" name="Google Shape;128;p17"/>
+          <p:cNvSpPr/>
+          <p:nvPr/>
+        </p:nvSpPr>
+        <p:spPr>
+          <a:xfrm>
+            <a:off x="5610500" y="3572606"/>
+            <a:ext cx="1762500" cy="725400"/>
+          </a:xfrm>
+          <a:prstGeom prst="roundRect">
+            <a:avLst>
+              <a:gd fmla="val 16667" name="adj"/>
+            </a:avLst>
+          </a:prstGeom>
+          <a:noFill/>
+          <a:ln cap="flat" cmpd="sng" w="38100">
+            <a:solidFill>
+              <a:srgbClr val="0000FF"/>
+            </a:solidFill>
+            <a:prstDash val="solid"/>
+            <a:round/>
+            <a:headEnd len="sm" w="sm" type="none"/>
+            <a:tailEnd len="sm" w="sm" type="none"/>
+          </a:ln>
+        </p:spPr>
+        <p:txBody>
+          <a:bodyPr anchorCtr="0" anchor="t" bIns="91425" lIns="91425" spcFirstLastPara="1" rIns="91425" wrap="square" tIns="91425">
+            <a:noAutofit/>
+          </a:bodyPr>
+          <a:lstStyle/>
+          <a:p>
+            <a:pPr indent="0" lvl="0" marL="0" rtl="0" algn="l">
+              <a:spcBef>
+                <a:spcPts val="0"/>
+              </a:spcBef>
+              <a:spcAft>
+                <a:spcPts val="0"/>
+              </a:spcAft>
+              <a:buNone/>
+            </a:pPr>
+            <a:r>
+              <a:t/>
+            </a:r>
+            <a:endParaRPr b="1">
+              <a:solidFill>
+                <a:schemeClr val="accent3"/>
+              </a:solidFill>
+              <a:latin typeface="Proxima Nova"/>
+              <a:ea typeface="Proxima Nova"/>
+              <a:cs typeface="Proxima Nova"/>
+              <a:sym typeface="Proxima Nova"/>
+            </a:endParaRPr>
+          </a:p>
+        </p:txBody>
+      </p:sp>
+      <p:sp>
+        <p:nvSpPr>
+          <p:cNvPr id="129" name="Google Shape;129;p17"/>
+          <p:cNvSpPr/>
+          <p:nvPr/>
+        </p:nvSpPr>
+        <p:spPr>
+          <a:xfrm>
+            <a:off x="5681898" y="3804537"/>
             <a:ext cx="1653900" cy="243900"/>
           </a:xfrm>
           <a:prstGeom prst="roundRect">
@@ -7918,14 +9676,14 @@
       </p:sp>
       <p:sp>
         <p:nvSpPr>
-          <p:cNvPr id="95" name="Google Shape;95;p15"/>
+          <p:cNvPr id="130" name="Google Shape;130;p17"/>
           <p:cNvSpPr/>
           <p:nvPr/>
         </p:nvSpPr>
         <p:spPr>
           <a:xfrm>
-            <a:off x="644775" y="631575"/>
-            <a:ext cx="1457700" cy="381000"/>
+            <a:off x="3037729" y="98175"/>
+            <a:ext cx="1005000" cy="381000"/>
           </a:xfrm>
           <a:prstGeom prst="roundRect">
             <a:avLst>
@@ -7933,7 +9691,7 @@
             </a:avLst>
           </a:prstGeom>
           <a:solidFill>
-            <a:srgbClr val="0000FF"/>
+            <a:srgbClr val="EFEFEF"/>
           </a:solidFill>
           <a:ln cap="flat" cmpd="sng" w="9525">
             <a:solidFill>
@@ -7963,18 +9721,18 @@
             <a:r>
               <a:rPr b="1" lang="ja">
                 <a:solidFill>
-                  <a:schemeClr val="lt1"/>
+                  <a:schemeClr val="accent2"/>
                 </a:solidFill>
                 <a:latin typeface="Proxima Nova"/>
                 <a:ea typeface="Proxima Nova"/>
                 <a:cs typeface="Proxima Nova"/>
                 <a:sym typeface="Proxima Nova"/>
               </a:rPr>
-              <a:t>User</a:t>
+              <a:t>Output</a:t>
             </a:r>
             <a:endParaRPr b="1">
               <a:solidFill>
-                <a:schemeClr val="lt1"/>
+                <a:schemeClr val="accent2"/>
               </a:solidFill>
               <a:latin typeface="Proxima Nova"/>
               <a:ea typeface="Proxima Nova"/>
@@ -7986,14 +9744,17 @@
       </p:sp>
       <p:cxnSp>
         <p:nvCxnSpPr>
-          <p:cNvPr id="96" name="Google Shape;96;p15"/>
-          <p:cNvCxnSpPr/>
+          <p:cNvPr id="131" name="Google Shape;131;p17"/>
+          <p:cNvCxnSpPr>
+            <a:stCxn id="132" idx="2"/>
+            <a:endCxn id="133" idx="0"/>
+          </p:cNvCxnSpPr>
           <p:nvPr/>
         </p:nvCxnSpPr>
         <p:spPr>
           <a:xfrm>
-            <a:off x="1106375" y="1019900"/>
-            <a:ext cx="14700" cy="2410500"/>
+            <a:off x="2502829" y="479175"/>
+            <a:ext cx="0" cy="3864300"/>
           </a:xfrm>
           <a:prstGeom prst="straightConnector1">
             <a:avLst/>
@@ -8012,16 +9773,14 @@
       </p:cxnSp>
       <p:cxnSp>
         <p:nvCxnSpPr>
-          <p:cNvPr id="97" name="Google Shape;97;p15"/>
-          <p:cNvCxnSpPr>
-            <a:stCxn id="98" idx="0"/>
-          </p:cNvCxnSpPr>
+          <p:cNvPr id="134" name="Google Shape;134;p17"/>
+          <p:cNvCxnSpPr/>
           <p:nvPr/>
         </p:nvCxnSpPr>
         <p:spPr>
-          <a:xfrm flipH="1" rot="10800000">
-            <a:off x="1717325" y="1019900"/>
-            <a:ext cx="4500" cy="747300"/>
+          <a:xfrm rot="10800000">
+            <a:off x="3359379" y="483575"/>
+            <a:ext cx="0" cy="535200"/>
           </a:xfrm>
           <a:prstGeom prst="straightConnector1">
             <a:avLst/>
@@ -8040,14 +9799,14 @@
       </p:cxnSp>
       <p:sp>
         <p:nvSpPr>
-          <p:cNvPr id="98" name="Google Shape;98;p15"/>
+          <p:cNvPr id="135" name="Google Shape;135;p17"/>
           <p:cNvSpPr/>
           <p:nvPr/>
         </p:nvSpPr>
         <p:spPr>
           <a:xfrm>
-            <a:off x="1296875" y="1767200"/>
-            <a:ext cx="840900" cy="381000"/>
+            <a:off x="2595379" y="1018775"/>
+            <a:ext cx="1068000" cy="381000"/>
           </a:xfrm>
           <a:prstGeom prst="roundRect">
             <a:avLst>
@@ -8108,14 +9867,14 @@
       </p:sp>
       <p:cxnSp>
         <p:nvCxnSpPr>
-          <p:cNvPr id="99" name="Google Shape;99;p15"/>
+          <p:cNvPr id="136" name="Google Shape;136;p17"/>
           <p:cNvCxnSpPr/>
           <p:nvPr/>
         </p:nvCxnSpPr>
         <p:spPr>
           <a:xfrm rot="10800000">
-            <a:off x="1713600" y="2148325"/>
-            <a:ext cx="0" cy="1287900"/>
+            <a:off x="2822904" y="1390900"/>
+            <a:ext cx="0" cy="2961300"/>
           </a:xfrm>
           <a:prstGeom prst="straightConnector1">
             <a:avLst/>
@@ -8134,14 +9893,14 @@
       </p:cxnSp>
       <p:sp>
         <p:nvSpPr>
-          <p:cNvPr id="100" name="Google Shape;100;p15"/>
+          <p:cNvPr id="137" name="Google Shape;137;p17"/>
           <p:cNvSpPr/>
           <p:nvPr/>
         </p:nvSpPr>
         <p:spPr>
           <a:xfrm>
-            <a:off x="679950" y="3436225"/>
-            <a:ext cx="1457700" cy="381000"/>
+            <a:off x="3135929" y="4343425"/>
+            <a:ext cx="1714500" cy="381000"/>
           </a:xfrm>
           <a:prstGeom prst="roundRect">
             <a:avLst>
@@ -8186,7 +9945,19 @@
                 <a:cs typeface="Proxima Nova"/>
                 <a:sym typeface="Proxima Nova"/>
               </a:rPr>
-              <a:t>Research</a:t>
+              <a:t>Reas</a:t>
+            </a:r>
+            <a:r>
+              <a:rPr b="1" lang="ja">
+                <a:solidFill>
+                  <a:schemeClr val="lt1"/>
+                </a:solidFill>
+                <a:latin typeface="Proxima Nova"/>
+                <a:ea typeface="Proxima Nova"/>
+                <a:cs typeface="Proxima Nova"/>
+                <a:sym typeface="Proxima Nova"/>
+              </a:rPr>
+              <a:t>arch</a:t>
             </a:r>
             <a:endParaRPr b="1">
               <a:solidFill>
@@ -8202,14 +9973,14 @@
       </p:sp>
       <p:sp>
         <p:nvSpPr>
-          <p:cNvPr id="101" name="Google Shape;101;p15"/>
+          <p:cNvPr id="138" name="Google Shape;138;p17"/>
           <p:cNvSpPr/>
           <p:nvPr/>
         </p:nvSpPr>
         <p:spPr>
           <a:xfrm>
-            <a:off x="1853700" y="2549000"/>
-            <a:ext cx="2037000" cy="500700"/>
+            <a:off x="4539504" y="2649650"/>
+            <a:ext cx="2217600" cy="308700"/>
           </a:xfrm>
           <a:prstGeom prst="roundRect">
             <a:avLst>
@@ -8235,7 +10006,7 @@
           </a:bodyPr>
           <a:lstStyle/>
           <a:p>
-            <a:pPr indent="0" lvl="0" marL="0" rtl="0" algn="ctr">
+            <a:pPr indent="0" lvl="0" marL="0" rtl="0" algn="l">
               <a:spcBef>
                 <a:spcPts val="0"/>
               </a:spcBef>
@@ -8254,28 +10025,8 @@
                 <a:cs typeface="Proxima Nova"/>
                 <a:sym typeface="Proxima Nova"/>
               </a:rPr>
-              <a:t>route</a:t>
+              <a:t>+ </a:t>
             </a:r>
-            <a:endParaRPr b="1">
-              <a:solidFill>
-                <a:schemeClr val="accent3"/>
-              </a:solidFill>
-              <a:latin typeface="Proxima Nova"/>
-              <a:ea typeface="Proxima Nova"/>
-              <a:cs typeface="Proxima Nova"/>
-              <a:sym typeface="Proxima Nova"/>
-            </a:endParaRPr>
-          </a:p>
-          <a:p>
-            <a:pPr indent="0" lvl="0" marL="0" rtl="0" algn="ctr">
-              <a:spcBef>
-                <a:spcPts val="0"/>
-              </a:spcBef>
-              <a:spcAft>
-                <a:spcPts val="0"/>
-              </a:spcAft>
-              <a:buNone/>
-            </a:pPr>
             <a:r>
               <a:rPr b="1" lang="ja">
                 <a:solidFill>
@@ -8300,73 +10051,15 @@
           </a:p>
         </p:txBody>
       </p:sp>
-      <p:cxnSp>
-        <p:nvCxnSpPr>
-          <p:cNvPr id="102" name="Google Shape;102;p15"/>
-          <p:cNvCxnSpPr>
-            <a:stCxn id="98" idx="3"/>
-            <a:endCxn id="101" idx="0"/>
-          </p:cNvCxnSpPr>
-          <p:nvPr/>
-        </p:nvCxnSpPr>
-        <p:spPr>
-          <a:xfrm>
-            <a:off x="2137775" y="1957700"/>
-            <a:ext cx="734400" cy="591300"/>
-          </a:xfrm>
-          <a:prstGeom prst="curvedConnector2">
-            <a:avLst/>
-          </a:prstGeom>
-          <a:noFill/>
-          <a:ln cap="flat" cmpd="sng" w="38100">
-            <a:solidFill>
-              <a:srgbClr val="0000FF"/>
-            </a:solidFill>
-            <a:prstDash val="dash"/>
-            <a:round/>
-            <a:headEnd len="med" w="med" type="none"/>
-            <a:tailEnd len="med" w="med" type="none"/>
-          </a:ln>
-        </p:spPr>
-      </p:cxnSp>
-      <p:cxnSp>
-        <p:nvCxnSpPr>
-          <p:cNvPr id="103" name="Google Shape;103;p15"/>
-          <p:cNvCxnSpPr>
-            <a:stCxn id="101" idx="2"/>
-            <a:endCxn id="100" idx="3"/>
-          </p:cNvCxnSpPr>
-          <p:nvPr/>
-        </p:nvCxnSpPr>
-        <p:spPr>
-          <a:xfrm rot="5400000">
-            <a:off x="2216550" y="2970950"/>
-            <a:ext cx="576900" cy="734400"/>
-          </a:xfrm>
-          <a:prstGeom prst="curvedConnector2">
-            <a:avLst/>
-          </a:prstGeom>
-          <a:noFill/>
-          <a:ln cap="flat" cmpd="sng" w="38100">
-            <a:solidFill>
-              <a:srgbClr val="0000FF"/>
-            </a:solidFill>
-            <a:prstDash val="dash"/>
-            <a:round/>
-            <a:headEnd len="med" w="med" type="none"/>
-            <a:tailEnd len="med" w="med" type="triangle"/>
-          </a:ln>
-        </p:spPr>
-      </p:cxnSp>
       <p:sp>
         <p:nvSpPr>
-          <p:cNvPr id="104" name="Google Shape;104;p15"/>
+          <p:cNvPr id="139" name="Google Shape;139;p17"/>
           <p:cNvSpPr/>
           <p:nvPr/>
         </p:nvSpPr>
         <p:spPr>
           <a:xfrm>
-            <a:off x="3434082" y="2653325"/>
+            <a:off x="4896536" y="3186725"/>
             <a:ext cx="2155800" cy="349200"/>
           </a:xfrm>
           <a:prstGeom prst="roundRect">
@@ -8385,7 +10078,7 @@
           </a:bodyPr>
           <a:lstStyle/>
           <a:p>
-            <a:pPr indent="0" lvl="0" marL="0" rtl="0" algn="ctr">
+            <a:pPr indent="0" lvl="0" marL="0" rtl="0" algn="l">
               <a:spcBef>
                 <a:spcPts val="0"/>
               </a:spcBef>
@@ -8429,7 +10122,7 @@
             </a:endParaRPr>
           </a:p>
           <a:p>
-            <a:pPr indent="0" lvl="0" marL="0" rtl="0" algn="ctr">
+            <a:pPr indent="0" lvl="0" marL="0" rtl="0" algn="l">
               <a:spcBef>
                 <a:spcPts val="0"/>
               </a:spcBef>
@@ -8462,73 +10155,15 @@
           </a:p>
         </p:txBody>
       </p:sp>
-      <p:cxnSp>
-        <p:nvCxnSpPr>
-          <p:cNvPr id="105" name="Google Shape;105;p15"/>
-          <p:cNvCxnSpPr>
-            <a:stCxn id="98" idx="3"/>
-            <a:endCxn id="104" idx="0"/>
-          </p:cNvCxnSpPr>
-          <p:nvPr/>
-        </p:nvCxnSpPr>
-        <p:spPr>
-          <a:xfrm>
-            <a:off x="2137775" y="1957700"/>
-            <a:ext cx="2374200" cy="695700"/>
-          </a:xfrm>
-          <a:prstGeom prst="curvedConnector2">
-            <a:avLst/>
-          </a:prstGeom>
-          <a:noFill/>
-          <a:ln cap="flat" cmpd="sng" w="38100">
-            <a:solidFill>
-              <a:srgbClr val="0000FF"/>
-            </a:solidFill>
-            <a:prstDash val="dash"/>
-            <a:round/>
-            <a:headEnd len="med" w="med" type="none"/>
-            <a:tailEnd len="med" w="med" type="none"/>
-          </a:ln>
-        </p:spPr>
-      </p:cxnSp>
-      <p:cxnSp>
-        <p:nvCxnSpPr>
-          <p:cNvPr id="106" name="Google Shape;106;p15"/>
-          <p:cNvCxnSpPr>
-            <a:stCxn id="104" idx="2"/>
-            <a:endCxn id="100" idx="3"/>
-          </p:cNvCxnSpPr>
-          <p:nvPr/>
-        </p:nvCxnSpPr>
-        <p:spPr>
-          <a:xfrm rot="5400000">
-            <a:off x="3012732" y="2127575"/>
-            <a:ext cx="624300" cy="2374200"/>
-          </a:xfrm>
-          <a:prstGeom prst="curvedConnector2">
-            <a:avLst/>
-          </a:prstGeom>
-          <a:noFill/>
-          <a:ln cap="flat" cmpd="sng" w="38100">
-            <a:solidFill>
-              <a:srgbClr val="0000FF"/>
-            </a:solidFill>
-            <a:prstDash val="dash"/>
-            <a:round/>
-            <a:headEnd len="med" w="med" type="none"/>
-            <a:tailEnd len="med" w="med" type="triangle"/>
-          </a:ln>
-        </p:spPr>
-      </p:cxnSp>
       <p:sp>
         <p:nvSpPr>
-          <p:cNvPr id="107" name="Google Shape;107;p15"/>
+          <p:cNvPr id="140" name="Google Shape;140;p17"/>
           <p:cNvSpPr txBox="1"/>
           <p:nvPr/>
         </p:nvSpPr>
         <p:spPr>
           <a:xfrm>
-            <a:off x="2871150" y="2148200"/>
+            <a:off x="4465129" y="2415500"/>
             <a:ext cx="1208100" cy="400200"/>
           </a:xfrm>
           <a:prstGeom prst="rect">
@@ -8584,13 +10219,13 @@
       </p:sp>
       <p:sp>
         <p:nvSpPr>
-          <p:cNvPr id="108" name="Google Shape;108;p15"/>
+          <p:cNvPr id="141" name="Google Shape;141;p17"/>
           <p:cNvSpPr txBox="1"/>
           <p:nvPr/>
         </p:nvSpPr>
         <p:spPr>
           <a:xfrm>
-            <a:off x="4511975" y="2148200"/>
+            <a:off x="4844304" y="2882150"/>
             <a:ext cx="1339500" cy="400200"/>
           </a:xfrm>
           <a:prstGeom prst="rect">
@@ -8654,139 +10289,13 @@
       </p:sp>
       <p:sp>
         <p:nvSpPr>
-          <p:cNvPr id="109" name="Google Shape;109;p15"/>
+          <p:cNvPr id="142" name="Google Shape;142;p17"/>
           <p:cNvSpPr/>
           <p:nvPr/>
         </p:nvSpPr>
         <p:spPr>
           <a:xfrm>
-            <a:off x="5450850" y="2605825"/>
-            <a:ext cx="1653900" cy="291600"/>
-          </a:xfrm>
-          <a:prstGeom prst="roundRect">
-            <a:avLst>
-              <a:gd fmla="val 16667" name="adj"/>
-            </a:avLst>
-          </a:prstGeom>
-          <a:solidFill>
-            <a:schemeClr val="lt1"/>
-          </a:solidFill>
-          <a:ln cap="flat" cmpd="sng" w="9525">
-            <a:solidFill>
-              <a:schemeClr val="lt1"/>
-            </a:solidFill>
-            <a:prstDash val="solid"/>
-            <a:round/>
-            <a:headEnd len="sm" w="sm" type="none"/>
-            <a:tailEnd len="sm" w="sm" type="none"/>
-          </a:ln>
-        </p:spPr>
-        <p:txBody>
-          <a:bodyPr anchorCtr="0" anchor="ctr" bIns="91425" lIns="91425" spcFirstLastPara="1" rIns="91425" wrap="square" tIns="91425">
-            <a:noAutofit/>
-          </a:bodyPr>
-          <a:lstStyle/>
-          <a:p>
-            <a:pPr indent="0" lvl="0" marL="0" rtl="0" algn="ctr">
-              <a:spcBef>
-                <a:spcPts val="0"/>
-              </a:spcBef>
-              <a:spcAft>
-                <a:spcPts val="0"/>
-              </a:spcAft>
-              <a:buNone/>
-            </a:pPr>
-            <a:r>
-              <a:rPr b="1" lang="ja">
-                <a:solidFill>
-                  <a:schemeClr val="accent3"/>
-                </a:solidFill>
-                <a:latin typeface="Proxima Nova"/>
-                <a:ea typeface="Proxima Nova"/>
-                <a:cs typeface="Proxima Nova"/>
-                <a:sym typeface="Proxima Nova"/>
-              </a:rPr>
-              <a:t>  function calling</a:t>
-            </a:r>
-            <a:endParaRPr b="1">
-              <a:solidFill>
-                <a:schemeClr val="accent3"/>
-              </a:solidFill>
-              <a:latin typeface="Proxima Nova"/>
-              <a:ea typeface="Proxima Nova"/>
-              <a:cs typeface="Proxima Nova"/>
-              <a:sym typeface="Proxima Nova"/>
-            </a:endParaRPr>
-          </a:p>
-        </p:txBody>
-      </p:sp>
-      <p:cxnSp>
-        <p:nvCxnSpPr>
-          <p:cNvPr id="110" name="Google Shape;110;p15"/>
-          <p:cNvCxnSpPr>
-            <a:stCxn id="98" idx="3"/>
-            <a:endCxn id="109" idx="0"/>
-          </p:cNvCxnSpPr>
-          <p:nvPr/>
-        </p:nvCxnSpPr>
-        <p:spPr>
-          <a:xfrm>
-            <a:off x="2137775" y="1957700"/>
-            <a:ext cx="4140000" cy="648000"/>
-          </a:xfrm>
-          <a:prstGeom prst="curvedConnector2">
-            <a:avLst/>
-          </a:prstGeom>
-          <a:noFill/>
-          <a:ln cap="flat" cmpd="sng" w="38100">
-            <a:solidFill>
-              <a:srgbClr val="0000FF"/>
-            </a:solidFill>
-            <a:prstDash val="dash"/>
-            <a:round/>
-            <a:headEnd len="med" w="med" type="none"/>
-            <a:tailEnd len="med" w="med" type="none"/>
-          </a:ln>
-        </p:spPr>
-      </p:cxnSp>
-      <p:cxnSp>
-        <p:nvCxnSpPr>
-          <p:cNvPr id="111" name="Google Shape;111;p15"/>
-          <p:cNvCxnSpPr>
-            <a:stCxn id="109" idx="2"/>
-            <a:endCxn id="100" idx="3"/>
-          </p:cNvCxnSpPr>
-          <p:nvPr/>
-        </p:nvCxnSpPr>
-        <p:spPr>
-          <a:xfrm rot="5400000">
-            <a:off x="3843150" y="1192075"/>
-            <a:ext cx="729300" cy="4140000"/>
-          </a:xfrm>
-          <a:prstGeom prst="curvedConnector2">
-            <a:avLst/>
-          </a:prstGeom>
-          <a:noFill/>
-          <a:ln cap="flat" cmpd="sng" w="38100">
-            <a:solidFill>
-              <a:srgbClr val="0000FF"/>
-            </a:solidFill>
-            <a:prstDash val="dash"/>
-            <a:round/>
-            <a:headEnd len="med" w="med" type="none"/>
-            <a:tailEnd len="med" w="med" type="triangle"/>
-          </a:ln>
-        </p:spPr>
-      </p:cxnSp>
-      <p:sp>
-        <p:nvSpPr>
-          <p:cNvPr id="112" name="Google Shape;112;p15"/>
-          <p:cNvSpPr/>
-          <p:nvPr/>
-        </p:nvSpPr>
-        <p:spPr>
-          <a:xfrm>
-            <a:off x="6157825" y="2850800"/>
+            <a:off x="5258079" y="3757873"/>
             <a:ext cx="1412100" cy="291600"/>
           </a:xfrm>
           <a:prstGeom prst="roundRect">
@@ -8824,7 +10333,7 @@
                 <a:cs typeface="Proxima Nova"/>
                 <a:sym typeface="Proxima Nova"/>
               </a:rPr>
-              <a:t>・qa+q2_doc</a:t>
+              <a:t>qa</a:t>
             </a:r>
             <a:endParaRPr b="1">
               <a:solidFill>
@@ -8840,13 +10349,13 @@
       </p:sp>
       <p:sp>
         <p:nvSpPr>
-          <p:cNvPr id="113" name="Google Shape;113;p15"/>
+          <p:cNvPr id="143" name="Google Shape;143;p17"/>
           <p:cNvSpPr txBox="1"/>
           <p:nvPr/>
         </p:nvSpPr>
         <p:spPr>
           <a:xfrm>
-            <a:off x="6289500" y="2148200"/>
+            <a:off x="5161154" y="3516004"/>
             <a:ext cx="1208100" cy="400200"/>
           </a:xfrm>
           <a:prstGeom prst="rect">
@@ -8908,73 +10417,15 @@
           </a:p>
         </p:txBody>
       </p:sp>
-      <p:cxnSp>
-        <p:nvCxnSpPr>
-          <p:cNvPr id="114" name="Google Shape;114;p15"/>
-          <p:cNvCxnSpPr>
-            <a:stCxn id="98" idx="3"/>
-            <a:endCxn id="94" idx="0"/>
-          </p:cNvCxnSpPr>
-          <p:nvPr/>
-        </p:nvCxnSpPr>
-        <p:spPr>
-          <a:xfrm>
-            <a:off x="2137775" y="1957700"/>
-            <a:ext cx="6054900" cy="695700"/>
-          </a:xfrm>
-          <a:prstGeom prst="curvedConnector2">
-            <a:avLst/>
-          </a:prstGeom>
-          <a:noFill/>
-          <a:ln cap="flat" cmpd="sng" w="38100">
-            <a:solidFill>
-              <a:srgbClr val="0000FF"/>
-            </a:solidFill>
-            <a:prstDash val="dash"/>
-            <a:round/>
-            <a:headEnd len="med" w="med" type="none"/>
-            <a:tailEnd len="med" w="med" type="none"/>
-          </a:ln>
-        </p:spPr>
-      </p:cxnSp>
-      <p:cxnSp>
-        <p:nvCxnSpPr>
-          <p:cNvPr id="115" name="Google Shape;115;p15"/>
-          <p:cNvCxnSpPr>
-            <a:stCxn id="94" idx="2"/>
-            <a:endCxn id="100" idx="3"/>
-          </p:cNvCxnSpPr>
-          <p:nvPr/>
-        </p:nvCxnSpPr>
-        <p:spPr>
-          <a:xfrm rot="5400000">
-            <a:off x="4800475" y="234500"/>
-            <a:ext cx="729300" cy="6054900"/>
-          </a:xfrm>
-          <a:prstGeom prst="curvedConnector2">
-            <a:avLst/>
-          </a:prstGeom>
-          <a:noFill/>
-          <a:ln cap="flat" cmpd="sng" w="38100">
-            <a:solidFill>
-              <a:srgbClr val="0000FF"/>
-            </a:solidFill>
-            <a:prstDash val="dash"/>
-            <a:round/>
-            <a:headEnd len="med" w="med" type="none"/>
-            <a:tailEnd len="med" w="med" type="triangle"/>
-          </a:ln>
-        </p:spPr>
-      </p:cxnSp>
       <p:sp>
         <p:nvSpPr>
-          <p:cNvPr id="116" name="Google Shape;116;p15"/>
+          <p:cNvPr id="144" name="Google Shape;144;p17"/>
           <p:cNvSpPr/>
           <p:nvPr/>
         </p:nvSpPr>
         <p:spPr>
           <a:xfrm>
-            <a:off x="8062825" y="2850800"/>
+            <a:off x="6379098" y="4001937"/>
             <a:ext cx="1005000" cy="291600"/>
           </a:xfrm>
           <a:prstGeom prst="roundRect">
@@ -9028,13 +10479,13 @@
       </p:sp>
       <p:sp>
         <p:nvSpPr>
-          <p:cNvPr id="117" name="Google Shape;117;p15"/>
+          <p:cNvPr id="145" name="Google Shape;145;p17"/>
           <p:cNvSpPr txBox="1"/>
           <p:nvPr/>
         </p:nvSpPr>
         <p:spPr>
           <a:xfrm>
-            <a:off x="8062825" y="2148200"/>
+            <a:off x="5610498" y="3517952"/>
             <a:ext cx="616200" cy="400200"/>
           </a:xfrm>
           <a:prstGeom prst="rect">
@@ -9096,6 +10547,2205 @@
           </a:p>
         </p:txBody>
       </p:sp>
+      <p:cxnSp>
+        <p:nvCxnSpPr>
+          <p:cNvPr id="146" name="Google Shape;146;p17"/>
+          <p:cNvCxnSpPr>
+            <a:stCxn id="132" idx="2"/>
+          </p:cNvCxnSpPr>
+          <p:nvPr/>
+        </p:nvCxnSpPr>
+        <p:spPr>
+          <a:xfrm flipH="1" rot="-5400000">
+            <a:off x="1200229" y="1781775"/>
+            <a:ext cx="3858300" cy="1253100"/>
+          </a:xfrm>
+          <a:prstGeom prst="bentConnector3">
+            <a:avLst>
+              <a:gd fmla="val 76644" name="adj1"/>
+            </a:avLst>
+          </a:prstGeom>
+          <a:noFill/>
+          <a:ln cap="flat" cmpd="sng" w="38100">
+            <a:solidFill>
+              <a:srgbClr val="0000FF"/>
+            </a:solidFill>
+            <a:prstDash val="dash"/>
+            <a:round/>
+            <a:headEnd len="med" w="med" type="none"/>
+            <a:tailEnd len="med" w="med" type="triangle"/>
+          </a:ln>
+        </p:spPr>
+      </p:cxnSp>
+      <p:sp>
+        <p:nvSpPr>
+          <p:cNvPr id="132" name="Google Shape;132;p17"/>
+          <p:cNvSpPr/>
+          <p:nvPr/>
+        </p:nvSpPr>
+        <p:spPr>
+          <a:xfrm>
+            <a:off x="2082379" y="98175"/>
+            <a:ext cx="840900" cy="381000"/>
+          </a:xfrm>
+          <a:prstGeom prst="roundRect">
+            <a:avLst>
+              <a:gd fmla="val 16667" name="adj"/>
+            </a:avLst>
+          </a:prstGeom>
+          <a:solidFill>
+            <a:srgbClr val="EFEFEF"/>
+          </a:solidFill>
+          <a:ln cap="flat" cmpd="sng" w="9525">
+            <a:solidFill>
+              <a:srgbClr val="0000FF"/>
+            </a:solidFill>
+            <a:prstDash val="solid"/>
+            <a:round/>
+            <a:headEnd len="sm" w="sm" type="none"/>
+            <a:tailEnd len="sm" w="sm" type="none"/>
+          </a:ln>
+        </p:spPr>
+        <p:txBody>
+          <a:bodyPr anchorCtr="0" anchor="ctr" bIns="91425" lIns="91425" spcFirstLastPara="1" rIns="91425" wrap="square" tIns="91425">
+            <a:noAutofit/>
+          </a:bodyPr>
+          <a:lstStyle/>
+          <a:p>
+            <a:pPr indent="0" lvl="0" marL="0" rtl="0" algn="ctr">
+              <a:spcBef>
+                <a:spcPts val="0"/>
+              </a:spcBef>
+              <a:spcAft>
+                <a:spcPts val="0"/>
+              </a:spcAft>
+              <a:buNone/>
+            </a:pPr>
+            <a:r>
+              <a:rPr b="1" lang="ja">
+                <a:solidFill>
+                  <a:schemeClr val="accent2"/>
+                </a:solidFill>
+                <a:latin typeface="Proxima Nova"/>
+                <a:ea typeface="Proxima Nova"/>
+                <a:cs typeface="Proxima Nova"/>
+                <a:sym typeface="Proxima Nova"/>
+              </a:rPr>
+              <a:t>Input</a:t>
+            </a:r>
+            <a:endParaRPr b="1">
+              <a:solidFill>
+                <a:schemeClr val="accent2"/>
+              </a:solidFill>
+              <a:latin typeface="Proxima Nova"/>
+              <a:ea typeface="Proxima Nova"/>
+              <a:cs typeface="Proxima Nova"/>
+              <a:sym typeface="Proxima Nova"/>
+            </a:endParaRPr>
+          </a:p>
+        </p:txBody>
+      </p:sp>
+      <p:cxnSp>
+        <p:nvCxnSpPr>
+          <p:cNvPr id="147" name="Google Shape;147;p17"/>
+          <p:cNvCxnSpPr>
+            <a:stCxn id="148" idx="2"/>
+          </p:cNvCxnSpPr>
+          <p:nvPr/>
+        </p:nvCxnSpPr>
+        <p:spPr>
+          <a:xfrm>
+            <a:off x="4162429" y="2413038"/>
+            <a:ext cx="3600" cy="1917300"/>
+          </a:xfrm>
+          <a:prstGeom prst="straightConnector1">
+            <a:avLst/>
+          </a:prstGeom>
+          <a:noFill/>
+          <a:ln cap="flat" cmpd="sng" w="38100">
+            <a:solidFill>
+              <a:srgbClr val="0000FF"/>
+            </a:solidFill>
+            <a:prstDash val="dash"/>
+            <a:round/>
+            <a:headEnd len="med" w="med" type="none"/>
+            <a:tailEnd len="med" w="med" type="triangle"/>
+          </a:ln>
+        </p:spPr>
+      </p:cxnSp>
+      <p:cxnSp>
+        <p:nvCxnSpPr>
+          <p:cNvPr id="149" name="Google Shape;149;p17"/>
+          <p:cNvCxnSpPr/>
+          <p:nvPr/>
+        </p:nvCxnSpPr>
+        <p:spPr>
+          <a:xfrm flipH="1" rot="10800000">
+            <a:off x="3356979" y="1400775"/>
+            <a:ext cx="4800" cy="2944200"/>
+          </a:xfrm>
+          <a:prstGeom prst="straightConnector1">
+            <a:avLst/>
+          </a:prstGeom>
+          <a:noFill/>
+          <a:ln cap="flat" cmpd="sng" w="38100">
+            <a:solidFill>
+              <a:srgbClr val="0000FF"/>
+            </a:solidFill>
+            <a:prstDash val="solid"/>
+            <a:round/>
+            <a:headEnd len="med" w="med" type="none"/>
+            <a:tailEnd len="med" w="med" type="triangle"/>
+          </a:ln>
+        </p:spPr>
+      </p:cxnSp>
+      <p:sp>
+        <p:nvSpPr>
+          <p:cNvPr id="150" name="Google Shape;150;p17"/>
+          <p:cNvSpPr txBox="1"/>
+          <p:nvPr/>
+        </p:nvSpPr>
+        <p:spPr>
+          <a:xfrm>
+            <a:off x="2792979" y="1616975"/>
+            <a:ext cx="1208100" cy="400200"/>
+          </a:xfrm>
+          <a:prstGeom prst="rect">
+            <a:avLst/>
+          </a:prstGeom>
+          <a:noFill/>
+          <a:ln>
+            <a:noFill/>
+          </a:ln>
+        </p:spPr>
+        <p:txBody>
+          <a:bodyPr anchorCtr="0" anchor="t" bIns="91425" lIns="91425" spcFirstLastPara="1" rIns="91425" wrap="square" tIns="91425">
+            <a:spAutoFit/>
+          </a:bodyPr>
+          <a:lstStyle/>
+          <a:p>
+            <a:pPr indent="0" lvl="0" marL="0" rtl="0" algn="l">
+              <a:spcBef>
+                <a:spcPts val="0"/>
+              </a:spcBef>
+              <a:spcAft>
+                <a:spcPts val="0"/>
+              </a:spcAft>
+              <a:buNone/>
+            </a:pPr>
+            <a:r>
+              <a:rPr b="1" lang="ja">
+                <a:solidFill>
+                  <a:schemeClr val="accent3"/>
+                </a:solidFill>
+                <a:latin typeface="Proxima Nova"/>
+                <a:ea typeface="Proxima Nova"/>
+                <a:cs typeface="Proxima Nova"/>
+                <a:sym typeface="Proxima Nova"/>
+              </a:rPr>
+              <a:t>1</a:t>
+            </a:r>
+            <a:r>
+              <a:rPr b="1" lang="ja">
+                <a:solidFill>
+                  <a:schemeClr val="accent3"/>
+                </a:solidFill>
+                <a:latin typeface="Proxima Nova"/>
+                <a:ea typeface="Proxima Nova"/>
+                <a:cs typeface="Proxima Nova"/>
+                <a:sym typeface="Proxima Nova"/>
+              </a:rPr>
+              <a:t>th</a:t>
+            </a:r>
+            <a:endParaRPr/>
+          </a:p>
+        </p:txBody>
+      </p:sp>
+      <p:sp>
+        <p:nvSpPr>
+          <p:cNvPr id="148" name="Google Shape;148;p17"/>
+          <p:cNvSpPr/>
+          <p:nvPr/>
+        </p:nvSpPr>
+        <p:spPr>
+          <a:xfrm>
+            <a:off x="3433579" y="2032038"/>
+            <a:ext cx="1457700" cy="381000"/>
+          </a:xfrm>
+          <a:prstGeom prst="roundRect">
+            <a:avLst>
+              <a:gd fmla="val 16667" name="adj"/>
+            </a:avLst>
+          </a:prstGeom>
+          <a:solidFill>
+            <a:srgbClr val="0000FF"/>
+          </a:solidFill>
+          <a:ln cap="flat" cmpd="sng" w="9525">
+            <a:solidFill>
+              <a:srgbClr val="0000FF"/>
+            </a:solidFill>
+            <a:prstDash val="solid"/>
+            <a:round/>
+            <a:headEnd len="sm" w="sm" type="none"/>
+            <a:tailEnd len="sm" w="sm" type="none"/>
+          </a:ln>
+        </p:spPr>
+        <p:txBody>
+          <a:bodyPr anchorCtr="0" anchor="ctr" bIns="91425" lIns="91425" spcFirstLastPara="1" rIns="91425" wrap="square" tIns="91425">
+            <a:noAutofit/>
+          </a:bodyPr>
+          <a:lstStyle/>
+          <a:p>
+            <a:pPr indent="0" lvl="0" marL="0" rtl="0" algn="ctr">
+              <a:spcBef>
+                <a:spcPts val="0"/>
+              </a:spcBef>
+              <a:spcAft>
+                <a:spcPts val="0"/>
+              </a:spcAft>
+              <a:buNone/>
+            </a:pPr>
+            <a:r>
+              <a:rPr b="1" lang="ja">
+                <a:solidFill>
+                  <a:schemeClr val="lt1"/>
+                </a:solidFill>
+                <a:latin typeface="Proxima Nova"/>
+                <a:ea typeface="Proxima Nova"/>
+                <a:cs typeface="Proxima Nova"/>
+                <a:sym typeface="Proxima Nova"/>
+              </a:rPr>
+              <a:t>S</a:t>
+            </a:r>
+            <a:r>
+              <a:rPr b="1" lang="ja">
+                <a:solidFill>
+                  <a:schemeClr val="lt1"/>
+                </a:solidFill>
+                <a:latin typeface="Proxima Nova"/>
+                <a:ea typeface="Proxima Nova"/>
+                <a:cs typeface="Proxima Nova"/>
+                <a:sym typeface="Proxima Nova"/>
+              </a:rPr>
+              <a:t>earch query</a:t>
+            </a:r>
+            <a:endParaRPr b="1">
+              <a:solidFill>
+                <a:schemeClr val="lt1"/>
+              </a:solidFill>
+              <a:latin typeface="Proxima Nova"/>
+              <a:ea typeface="Proxima Nova"/>
+              <a:cs typeface="Proxima Nova"/>
+              <a:sym typeface="Proxima Nova"/>
+            </a:endParaRPr>
+          </a:p>
+        </p:txBody>
+      </p:sp>
+      <p:sp>
+        <p:nvSpPr>
+          <p:cNvPr id="133" name="Google Shape;133;p17"/>
+          <p:cNvSpPr/>
+          <p:nvPr/>
+        </p:nvSpPr>
+        <p:spPr>
+          <a:xfrm>
+            <a:off x="1968829" y="4343425"/>
+            <a:ext cx="1068000" cy="381000"/>
+          </a:xfrm>
+          <a:prstGeom prst="roundRect">
+            <a:avLst>
+              <a:gd fmla="val 16667" name="adj"/>
+            </a:avLst>
+          </a:prstGeom>
+          <a:solidFill>
+            <a:srgbClr val="EFEFEF"/>
+          </a:solidFill>
+          <a:ln cap="flat" cmpd="sng" w="9525">
+            <a:solidFill>
+              <a:srgbClr val="0000FF"/>
+            </a:solidFill>
+            <a:prstDash val="solid"/>
+            <a:round/>
+            <a:headEnd len="sm" w="sm" type="none"/>
+            <a:tailEnd len="sm" w="sm" type="none"/>
+          </a:ln>
+        </p:spPr>
+        <p:txBody>
+          <a:bodyPr anchorCtr="0" anchor="ctr" bIns="91425" lIns="91425" spcFirstLastPara="1" rIns="91425" wrap="square" tIns="91425">
+            <a:noAutofit/>
+          </a:bodyPr>
+          <a:lstStyle/>
+          <a:p>
+            <a:pPr indent="0" lvl="0" marL="0" rtl="0" algn="ctr">
+              <a:spcBef>
+                <a:spcPts val="0"/>
+              </a:spcBef>
+              <a:spcAft>
+                <a:spcPts val="0"/>
+              </a:spcAft>
+              <a:buNone/>
+            </a:pPr>
+            <a:r>
+              <a:rPr b="1" lang="ja">
+                <a:solidFill>
+                  <a:schemeClr val="accent2"/>
+                </a:solidFill>
+                <a:latin typeface="Proxima Nova"/>
+                <a:ea typeface="Proxima Nova"/>
+                <a:cs typeface="Proxima Nova"/>
+                <a:sym typeface="Proxima Nova"/>
+              </a:rPr>
+              <a:t>s</a:t>
+            </a:r>
+            <a:r>
+              <a:rPr b="1" lang="ja">
+                <a:solidFill>
+                  <a:schemeClr val="accent2"/>
+                </a:solidFill>
+                <a:latin typeface="Proxima Nova"/>
+                <a:ea typeface="Proxima Nova"/>
+                <a:cs typeface="Proxima Nova"/>
+                <a:sym typeface="Proxima Nova"/>
+              </a:rPr>
+              <a:t>earch</a:t>
+            </a:r>
+            <a:endParaRPr b="1">
+              <a:solidFill>
+                <a:schemeClr val="accent2"/>
+              </a:solidFill>
+              <a:latin typeface="Proxima Nova"/>
+              <a:ea typeface="Proxima Nova"/>
+              <a:cs typeface="Proxima Nova"/>
+              <a:sym typeface="Proxima Nova"/>
+            </a:endParaRPr>
+          </a:p>
+        </p:txBody>
+      </p:sp>
+      <p:sp>
+        <p:nvSpPr>
+          <p:cNvPr id="151" name="Google Shape;151;p17"/>
+          <p:cNvSpPr/>
+          <p:nvPr/>
+        </p:nvSpPr>
+        <p:spPr>
+          <a:xfrm>
+            <a:off x="4465129" y="2415500"/>
+            <a:ext cx="2217600" cy="535200"/>
+          </a:xfrm>
+          <a:prstGeom prst="roundRect">
+            <a:avLst>
+              <a:gd fmla="val 16667" name="adj"/>
+            </a:avLst>
+          </a:prstGeom>
+          <a:noFill/>
+          <a:ln cap="flat" cmpd="sng" w="38100">
+            <a:solidFill>
+              <a:srgbClr val="0000FF"/>
+            </a:solidFill>
+            <a:prstDash val="solid"/>
+            <a:round/>
+            <a:headEnd len="sm" w="sm" type="none"/>
+            <a:tailEnd len="sm" w="sm" type="none"/>
+          </a:ln>
+        </p:spPr>
+        <p:txBody>
+          <a:bodyPr anchorCtr="0" anchor="t" bIns="91425" lIns="91425" spcFirstLastPara="1" rIns="91425" wrap="square" tIns="91425">
+            <a:noAutofit/>
+          </a:bodyPr>
+          <a:lstStyle/>
+          <a:p>
+            <a:pPr indent="0" lvl="0" marL="0" rtl="0" algn="l">
+              <a:spcBef>
+                <a:spcPts val="0"/>
+              </a:spcBef>
+              <a:spcAft>
+                <a:spcPts val="0"/>
+              </a:spcAft>
+              <a:buNone/>
+            </a:pPr>
+            <a:r>
+              <a:t/>
+            </a:r>
+            <a:endParaRPr b="1">
+              <a:solidFill>
+                <a:schemeClr val="accent3"/>
+              </a:solidFill>
+              <a:latin typeface="Proxima Nova"/>
+              <a:ea typeface="Proxima Nova"/>
+              <a:cs typeface="Proxima Nova"/>
+              <a:sym typeface="Proxima Nova"/>
+            </a:endParaRPr>
+          </a:p>
+        </p:txBody>
+      </p:sp>
+      <p:sp>
+        <p:nvSpPr>
+          <p:cNvPr id="152" name="Google Shape;152;p17"/>
+          <p:cNvSpPr/>
+          <p:nvPr/>
+        </p:nvSpPr>
+        <p:spPr>
+          <a:xfrm>
+            <a:off x="4833925" y="2949550"/>
+            <a:ext cx="2155800" cy="622500"/>
+          </a:xfrm>
+          <a:prstGeom prst="roundRect">
+            <a:avLst>
+              <a:gd fmla="val 16667" name="adj"/>
+            </a:avLst>
+          </a:prstGeom>
+          <a:noFill/>
+          <a:ln cap="flat" cmpd="sng" w="38100">
+            <a:solidFill>
+              <a:srgbClr val="0000FF"/>
+            </a:solidFill>
+            <a:prstDash val="solid"/>
+            <a:round/>
+            <a:headEnd len="sm" w="sm" type="none"/>
+            <a:tailEnd len="sm" w="sm" type="none"/>
+          </a:ln>
+        </p:spPr>
+        <p:txBody>
+          <a:bodyPr anchorCtr="0" anchor="t" bIns="91425" lIns="91425" spcFirstLastPara="1" rIns="91425" wrap="square" tIns="91425">
+            <a:noAutofit/>
+          </a:bodyPr>
+          <a:lstStyle/>
+          <a:p>
+            <a:pPr indent="0" lvl="0" marL="0" rtl="0" algn="l">
+              <a:spcBef>
+                <a:spcPts val="0"/>
+              </a:spcBef>
+              <a:spcAft>
+                <a:spcPts val="0"/>
+              </a:spcAft>
+              <a:buNone/>
+            </a:pPr>
+            <a:r>
+              <a:t/>
+            </a:r>
+            <a:endParaRPr b="1">
+              <a:solidFill>
+                <a:schemeClr val="accent3"/>
+              </a:solidFill>
+              <a:latin typeface="Proxima Nova"/>
+              <a:ea typeface="Proxima Nova"/>
+              <a:cs typeface="Proxima Nova"/>
+              <a:sym typeface="Proxima Nova"/>
+            </a:endParaRPr>
+          </a:p>
+        </p:txBody>
+      </p:sp>
+      <p:cxnSp>
+        <p:nvCxnSpPr>
+          <p:cNvPr id="153" name="Google Shape;153;p17"/>
+          <p:cNvCxnSpPr>
+            <a:stCxn id="135" idx="3"/>
+            <a:endCxn id="148" idx="0"/>
+          </p:cNvCxnSpPr>
+          <p:nvPr/>
+        </p:nvCxnSpPr>
+        <p:spPr>
+          <a:xfrm>
+            <a:off x="3663379" y="1209275"/>
+            <a:ext cx="499200" cy="822900"/>
+          </a:xfrm>
+          <a:prstGeom prst="bentConnector2">
+            <a:avLst/>
+          </a:prstGeom>
+          <a:noFill/>
+          <a:ln cap="flat" cmpd="sng" w="38100">
+            <a:solidFill>
+              <a:srgbClr val="0000FF"/>
+            </a:solidFill>
+            <a:prstDash val="dash"/>
+            <a:round/>
+            <a:headEnd len="med" w="med" type="none"/>
+            <a:tailEnd len="med" w="med" type="none"/>
+          </a:ln>
+        </p:spPr>
+      </p:cxnSp>
+    </p:spTree>
+  </p:cSld>
+  <p:clrMapOvr>
+    <a:masterClrMapping/>
+  </p:clrMapOvr>
+</p:sld>
+</file>
+
+<file path=ppt/slides/slide6.xml><?xml version="1.0" encoding="utf-8"?>
+<p:sld xmlns:a="http://schemas.openxmlformats.org/drawingml/2006/main" xmlns:r="http://schemas.openxmlformats.org/officeDocument/2006/relationships" xmlns:mc="http://schemas.openxmlformats.org/markup-compatibility/2006" xmlns:mv="urn:schemas-microsoft-com:mac:vml" xmlns:p="http://schemas.openxmlformats.org/presentationml/2006/main" xmlns:c="http://schemas.openxmlformats.org/drawingml/2006/chart" xmlns:dgm="http://schemas.openxmlformats.org/drawingml/2006/diagram" xmlns:o="urn:schemas-microsoft-com:office:office" xmlns:v="urn:schemas-microsoft-com:vml" xmlns:pvml="urn:schemas-microsoft-com:office:powerpoint" xmlns:com="http://schemas.openxmlformats.org/drawingml/2006/compatibility" xmlns:p14="http://schemas.microsoft.com/office/powerpoint/2010/main" xmlns:p15="http://schemas.microsoft.com/office/powerpoint/2012/main" xmlns:ahyp="http://schemas.microsoft.com/office/drawing/2018/hyperlinkcolor">
+  <p:cSld>
+    <p:spTree>
+      <p:nvGrpSpPr>
+        <p:cNvPr id="157" name="Shape 157"/>
+        <p:cNvGrpSpPr/>
+        <p:nvPr/>
+      </p:nvGrpSpPr>
+      <p:grpSpPr>
+        <a:xfrm>
+          <a:off x="0" y="0"/>
+          <a:ext cx="0" cy="0"/>
+          <a:chOff x="0" y="0"/>
+          <a:chExt cx="0" cy="0"/>
+        </a:xfrm>
+      </p:grpSpPr>
+      <p:sp>
+        <p:nvSpPr>
+          <p:cNvPr id="158" name="Google Shape;158;p18"/>
+          <p:cNvSpPr/>
+          <p:nvPr/>
+        </p:nvSpPr>
+        <p:spPr>
+          <a:xfrm>
+            <a:off x="1557000" y="578825"/>
+            <a:ext cx="6030000" cy="3685500"/>
+          </a:xfrm>
+          <a:prstGeom prst="roundRect">
+            <a:avLst>
+              <a:gd fmla="val 16667" name="adj"/>
+            </a:avLst>
+          </a:prstGeom>
+          <a:noFill/>
+          <a:ln cap="flat" cmpd="sng" w="38100">
+            <a:solidFill>
+              <a:srgbClr val="0000FF"/>
+            </a:solidFill>
+            <a:prstDash val="dash"/>
+            <a:round/>
+            <a:headEnd len="sm" w="sm" type="none"/>
+            <a:tailEnd len="sm" w="sm" type="none"/>
+          </a:ln>
+        </p:spPr>
+        <p:txBody>
+          <a:bodyPr anchorCtr="0" anchor="t" bIns="91425" lIns="91425" spcFirstLastPara="1" rIns="91425" wrap="square" tIns="91425">
+            <a:noAutofit/>
+          </a:bodyPr>
+          <a:lstStyle/>
+          <a:p>
+            <a:pPr indent="0" lvl="0" marL="0" rtl="0" algn="l">
+              <a:spcBef>
+                <a:spcPts val="0"/>
+              </a:spcBef>
+              <a:spcAft>
+                <a:spcPts val="0"/>
+              </a:spcAft>
+              <a:buNone/>
+            </a:pPr>
+            <a:r>
+              <a:rPr b="1" lang="ja">
+                <a:solidFill>
+                  <a:schemeClr val="accent3"/>
+                </a:solidFill>
+                <a:latin typeface="Proxima Nova"/>
+                <a:ea typeface="Proxima Nova"/>
+                <a:cs typeface="Proxima Nova"/>
+                <a:sym typeface="Proxima Nova"/>
+              </a:rPr>
+              <a:t>Research</a:t>
+            </a:r>
+            <a:r>
+              <a:rPr b="1" lang="ja">
+                <a:solidFill>
+                  <a:schemeClr val="accent3"/>
+                </a:solidFill>
+                <a:latin typeface="Proxima Nova"/>
+                <a:ea typeface="Proxima Nova"/>
+                <a:cs typeface="Proxima Nova"/>
+                <a:sym typeface="Proxima Nova"/>
+              </a:rPr>
+              <a:t> </a:t>
+            </a:r>
+            <a:r>
+              <a:rPr b="1" lang="ja">
+                <a:solidFill>
+                  <a:schemeClr val="accent3"/>
+                </a:solidFill>
+                <a:latin typeface="Proxima Nova"/>
+                <a:ea typeface="Proxima Nova"/>
+                <a:cs typeface="Proxima Nova"/>
+                <a:sym typeface="Proxima Nova"/>
+              </a:rPr>
+              <a:t>node</a:t>
+            </a:r>
+            <a:endParaRPr b="1">
+              <a:solidFill>
+                <a:schemeClr val="accent3"/>
+              </a:solidFill>
+              <a:latin typeface="Proxima Nova"/>
+              <a:ea typeface="Proxima Nova"/>
+              <a:cs typeface="Proxima Nova"/>
+              <a:sym typeface="Proxima Nova"/>
+            </a:endParaRPr>
+          </a:p>
+        </p:txBody>
+      </p:sp>
+      <p:sp>
+        <p:nvSpPr>
+          <p:cNvPr id="159" name="Google Shape;159;p18"/>
+          <p:cNvSpPr/>
+          <p:nvPr/>
+        </p:nvSpPr>
+        <p:spPr>
+          <a:xfrm>
+            <a:off x="4197550" y="1094600"/>
+            <a:ext cx="1200300" cy="381000"/>
+          </a:xfrm>
+          <a:prstGeom prst="roundRect">
+            <a:avLst>
+              <a:gd fmla="val 16667" name="adj"/>
+            </a:avLst>
+          </a:prstGeom>
+          <a:solidFill>
+            <a:srgbClr val="0000FF"/>
+          </a:solidFill>
+          <a:ln cap="flat" cmpd="sng" w="9525">
+            <a:solidFill>
+              <a:srgbClr val="0000FF"/>
+            </a:solidFill>
+            <a:prstDash val="solid"/>
+            <a:round/>
+            <a:headEnd len="sm" w="sm" type="none"/>
+            <a:tailEnd len="sm" w="sm" type="none"/>
+          </a:ln>
+        </p:spPr>
+        <p:txBody>
+          <a:bodyPr anchorCtr="0" anchor="ctr" bIns="91425" lIns="91425" spcFirstLastPara="1" rIns="91425" wrap="square" tIns="91425">
+            <a:noAutofit/>
+          </a:bodyPr>
+          <a:lstStyle/>
+          <a:p>
+            <a:pPr indent="0" lvl="0" marL="0" rtl="0" algn="ctr">
+              <a:spcBef>
+                <a:spcPts val="0"/>
+              </a:spcBef>
+              <a:spcAft>
+                <a:spcPts val="0"/>
+              </a:spcAft>
+              <a:buNone/>
+            </a:pPr>
+            <a:r>
+              <a:rPr b="1" lang="ja">
+                <a:solidFill>
+                  <a:schemeClr val="lt1"/>
+                </a:solidFill>
+                <a:latin typeface="Proxima Nova"/>
+                <a:ea typeface="Proxima Nova"/>
+                <a:cs typeface="Proxima Nova"/>
+                <a:sym typeface="Proxima Nova"/>
+              </a:rPr>
+              <a:t>Planning</a:t>
+            </a:r>
+            <a:endParaRPr b="1">
+              <a:solidFill>
+                <a:schemeClr val="lt1"/>
+              </a:solidFill>
+              <a:latin typeface="Proxima Nova"/>
+              <a:ea typeface="Proxima Nova"/>
+              <a:cs typeface="Proxima Nova"/>
+              <a:sym typeface="Proxima Nova"/>
+            </a:endParaRPr>
+          </a:p>
+        </p:txBody>
+      </p:sp>
+      <p:sp>
+        <p:nvSpPr>
+          <p:cNvPr id="160" name="Google Shape;160;p18"/>
+          <p:cNvSpPr/>
+          <p:nvPr/>
+        </p:nvSpPr>
+        <p:spPr>
+          <a:xfrm>
+            <a:off x="5228675" y="61492"/>
+            <a:ext cx="1457700" cy="381000"/>
+          </a:xfrm>
+          <a:prstGeom prst="roundRect">
+            <a:avLst>
+              <a:gd fmla="val 16667" name="adj"/>
+            </a:avLst>
+          </a:prstGeom>
+          <a:solidFill>
+            <a:srgbClr val="0000FF"/>
+          </a:solidFill>
+          <a:ln cap="flat" cmpd="sng" w="9525">
+            <a:solidFill>
+              <a:srgbClr val="0000FF"/>
+            </a:solidFill>
+            <a:prstDash val="solid"/>
+            <a:round/>
+            <a:headEnd len="sm" w="sm" type="none"/>
+            <a:tailEnd len="sm" w="sm" type="none"/>
+          </a:ln>
+        </p:spPr>
+        <p:txBody>
+          <a:bodyPr anchorCtr="0" anchor="ctr" bIns="91425" lIns="91425" spcFirstLastPara="1" rIns="91425" wrap="square" tIns="91425">
+            <a:noAutofit/>
+          </a:bodyPr>
+          <a:lstStyle/>
+          <a:p>
+            <a:pPr indent="0" lvl="0" marL="0" rtl="0" algn="ctr">
+              <a:spcBef>
+                <a:spcPts val="0"/>
+              </a:spcBef>
+              <a:spcAft>
+                <a:spcPts val="0"/>
+              </a:spcAft>
+              <a:buNone/>
+            </a:pPr>
+            <a:r>
+              <a:rPr b="1" lang="ja">
+                <a:solidFill>
+                  <a:schemeClr val="lt1"/>
+                </a:solidFill>
+                <a:latin typeface="Proxima Nova"/>
+                <a:ea typeface="Proxima Nova"/>
+                <a:cs typeface="Proxima Nova"/>
+                <a:sym typeface="Proxima Nova"/>
+              </a:rPr>
+              <a:t>S</a:t>
+            </a:r>
+            <a:r>
+              <a:rPr b="1" lang="ja">
+                <a:solidFill>
+                  <a:schemeClr val="lt1"/>
+                </a:solidFill>
+                <a:latin typeface="Proxima Nova"/>
+                <a:ea typeface="Proxima Nova"/>
+                <a:cs typeface="Proxima Nova"/>
+                <a:sym typeface="Proxima Nova"/>
+              </a:rPr>
+              <a:t>earch query</a:t>
+            </a:r>
+            <a:endParaRPr b="1">
+              <a:solidFill>
+                <a:schemeClr val="lt1"/>
+              </a:solidFill>
+              <a:latin typeface="Proxima Nova"/>
+              <a:ea typeface="Proxima Nova"/>
+              <a:cs typeface="Proxima Nova"/>
+              <a:sym typeface="Proxima Nova"/>
+            </a:endParaRPr>
+          </a:p>
+        </p:txBody>
+      </p:sp>
+      <p:sp>
+        <p:nvSpPr>
+          <p:cNvPr id="161" name="Google Shape;161;p18"/>
+          <p:cNvSpPr/>
+          <p:nvPr/>
+        </p:nvSpPr>
+        <p:spPr>
+          <a:xfrm>
+            <a:off x="2255950" y="2014617"/>
+            <a:ext cx="977400" cy="457500"/>
+          </a:xfrm>
+          <a:prstGeom prst="roundRect">
+            <a:avLst>
+              <a:gd fmla="val 16667" name="adj"/>
+            </a:avLst>
+          </a:prstGeom>
+          <a:solidFill>
+            <a:srgbClr val="EFEFEF"/>
+          </a:solidFill>
+          <a:ln cap="flat" cmpd="sng" w="9525">
+            <a:solidFill>
+              <a:srgbClr val="0000FF"/>
+            </a:solidFill>
+            <a:prstDash val="solid"/>
+            <a:round/>
+            <a:headEnd len="sm" w="sm" type="none"/>
+            <a:tailEnd len="sm" w="sm" type="none"/>
+          </a:ln>
+        </p:spPr>
+        <p:txBody>
+          <a:bodyPr anchorCtr="0" anchor="ctr" bIns="91425" lIns="91425" spcFirstLastPara="1" rIns="91425" wrap="square" tIns="91425">
+            <a:noAutofit/>
+          </a:bodyPr>
+          <a:lstStyle/>
+          <a:p>
+            <a:pPr indent="0" lvl="0" marL="0" rtl="0" algn="ctr">
+              <a:spcBef>
+                <a:spcPts val="0"/>
+              </a:spcBef>
+              <a:spcAft>
+                <a:spcPts val="0"/>
+              </a:spcAft>
+              <a:buNone/>
+            </a:pPr>
+            <a:r>
+              <a:rPr b="1" lang="ja">
+                <a:solidFill>
+                  <a:schemeClr val="accent3"/>
+                </a:solidFill>
+                <a:latin typeface="Proxima Nova"/>
+                <a:ea typeface="Proxima Nova"/>
+                <a:cs typeface="Proxima Nova"/>
+                <a:sym typeface="Proxima Nova"/>
+              </a:rPr>
+              <a:t>search target 1</a:t>
+            </a:r>
+            <a:endParaRPr b="1">
+              <a:solidFill>
+                <a:schemeClr val="accent3"/>
+              </a:solidFill>
+              <a:latin typeface="Proxima Nova"/>
+              <a:ea typeface="Proxima Nova"/>
+              <a:cs typeface="Proxima Nova"/>
+              <a:sym typeface="Proxima Nova"/>
+            </a:endParaRPr>
+          </a:p>
+        </p:txBody>
+      </p:sp>
+      <p:sp>
+        <p:nvSpPr>
+          <p:cNvPr id="162" name="Google Shape;162;p18"/>
+          <p:cNvSpPr/>
+          <p:nvPr/>
+        </p:nvSpPr>
+        <p:spPr>
+          <a:xfrm>
+            <a:off x="3803400" y="2014617"/>
+            <a:ext cx="977400" cy="457500"/>
+          </a:xfrm>
+          <a:prstGeom prst="roundRect">
+            <a:avLst>
+              <a:gd fmla="val 16667" name="adj"/>
+            </a:avLst>
+          </a:prstGeom>
+          <a:solidFill>
+            <a:srgbClr val="EFEFEF"/>
+          </a:solidFill>
+          <a:ln cap="flat" cmpd="sng" w="9525">
+            <a:solidFill>
+              <a:srgbClr val="0000FF"/>
+            </a:solidFill>
+            <a:prstDash val="solid"/>
+            <a:round/>
+            <a:headEnd len="sm" w="sm" type="none"/>
+            <a:tailEnd len="sm" w="sm" type="none"/>
+          </a:ln>
+        </p:spPr>
+        <p:txBody>
+          <a:bodyPr anchorCtr="0" anchor="ctr" bIns="91425" lIns="91425" spcFirstLastPara="1" rIns="91425" wrap="square" tIns="91425">
+            <a:noAutofit/>
+          </a:bodyPr>
+          <a:lstStyle/>
+          <a:p>
+            <a:pPr indent="0" lvl="0" marL="0" rtl="0" algn="ctr">
+              <a:spcBef>
+                <a:spcPts val="0"/>
+              </a:spcBef>
+              <a:spcAft>
+                <a:spcPts val="0"/>
+              </a:spcAft>
+              <a:buNone/>
+            </a:pPr>
+            <a:r>
+              <a:rPr b="1" lang="ja">
+                <a:solidFill>
+                  <a:schemeClr val="accent3"/>
+                </a:solidFill>
+                <a:latin typeface="Proxima Nova"/>
+                <a:ea typeface="Proxima Nova"/>
+                <a:cs typeface="Proxima Nova"/>
+                <a:sym typeface="Proxima Nova"/>
+              </a:rPr>
+              <a:t>search target 2</a:t>
+            </a:r>
+            <a:endParaRPr b="1">
+              <a:solidFill>
+                <a:schemeClr val="accent3"/>
+              </a:solidFill>
+              <a:latin typeface="Proxima Nova"/>
+              <a:ea typeface="Proxima Nova"/>
+              <a:cs typeface="Proxima Nova"/>
+              <a:sym typeface="Proxima Nova"/>
+            </a:endParaRPr>
+          </a:p>
+        </p:txBody>
+      </p:sp>
+      <p:sp>
+        <p:nvSpPr>
+          <p:cNvPr id="163" name="Google Shape;163;p18"/>
+          <p:cNvSpPr/>
+          <p:nvPr/>
+        </p:nvSpPr>
+        <p:spPr>
+          <a:xfrm>
+            <a:off x="5059225" y="2173167"/>
+            <a:ext cx="102600" cy="109800"/>
+          </a:xfrm>
+          <a:prstGeom prst="ellipse">
+            <a:avLst/>
+          </a:prstGeom>
+          <a:solidFill>
+            <a:srgbClr val="0000FF"/>
+          </a:solidFill>
+          <a:ln cap="flat" cmpd="sng" w="9525">
+            <a:solidFill>
+              <a:srgbClr val="0000FF"/>
+            </a:solidFill>
+            <a:prstDash val="solid"/>
+            <a:round/>
+            <a:headEnd len="sm" w="sm" type="none"/>
+            <a:tailEnd len="sm" w="sm" type="none"/>
+          </a:ln>
+        </p:spPr>
+        <p:txBody>
+          <a:bodyPr anchorCtr="0" anchor="ctr" bIns="91425" lIns="91425" spcFirstLastPara="1" rIns="91425" wrap="square" tIns="91425">
+            <a:noAutofit/>
+          </a:bodyPr>
+          <a:lstStyle/>
+          <a:p>
+            <a:pPr indent="0" lvl="0" marL="0" rtl="0" algn="ctr">
+              <a:spcBef>
+                <a:spcPts val="0"/>
+              </a:spcBef>
+              <a:spcAft>
+                <a:spcPts val="0"/>
+              </a:spcAft>
+              <a:buNone/>
+            </a:pPr>
+            <a:r>
+              <a:t/>
+            </a:r>
+            <a:endParaRPr>
+              <a:latin typeface="Proxima Nova"/>
+              <a:ea typeface="Proxima Nova"/>
+              <a:cs typeface="Proxima Nova"/>
+              <a:sym typeface="Proxima Nova"/>
+            </a:endParaRPr>
+          </a:p>
+        </p:txBody>
+      </p:sp>
+      <p:sp>
+        <p:nvSpPr>
+          <p:cNvPr id="164" name="Google Shape;164;p18"/>
+          <p:cNvSpPr/>
+          <p:nvPr/>
+        </p:nvSpPr>
+        <p:spPr>
+          <a:xfrm>
+            <a:off x="6278450" y="2014617"/>
+            <a:ext cx="977400" cy="457500"/>
+          </a:xfrm>
+          <a:prstGeom prst="roundRect">
+            <a:avLst>
+              <a:gd fmla="val 16667" name="adj"/>
+            </a:avLst>
+          </a:prstGeom>
+          <a:solidFill>
+            <a:srgbClr val="EFEFEF"/>
+          </a:solidFill>
+          <a:ln cap="flat" cmpd="sng" w="9525">
+            <a:solidFill>
+              <a:srgbClr val="0000FF"/>
+            </a:solidFill>
+            <a:prstDash val="solid"/>
+            <a:round/>
+            <a:headEnd len="sm" w="sm" type="none"/>
+            <a:tailEnd len="sm" w="sm" type="none"/>
+          </a:ln>
+        </p:spPr>
+        <p:txBody>
+          <a:bodyPr anchorCtr="0" anchor="ctr" bIns="91425" lIns="91425" spcFirstLastPara="1" rIns="91425" wrap="square" tIns="91425">
+            <a:noAutofit/>
+          </a:bodyPr>
+          <a:lstStyle/>
+          <a:p>
+            <a:pPr indent="0" lvl="0" marL="0" rtl="0" algn="ctr">
+              <a:spcBef>
+                <a:spcPts val="0"/>
+              </a:spcBef>
+              <a:spcAft>
+                <a:spcPts val="0"/>
+              </a:spcAft>
+              <a:buNone/>
+            </a:pPr>
+            <a:r>
+              <a:rPr b="1" lang="ja">
+                <a:solidFill>
+                  <a:schemeClr val="accent3"/>
+                </a:solidFill>
+                <a:latin typeface="Proxima Nova"/>
+                <a:ea typeface="Proxima Nova"/>
+                <a:cs typeface="Proxima Nova"/>
+                <a:sym typeface="Proxima Nova"/>
+              </a:rPr>
+              <a:t>search target n</a:t>
+            </a:r>
+            <a:endParaRPr b="1">
+              <a:solidFill>
+                <a:schemeClr val="accent3"/>
+              </a:solidFill>
+              <a:latin typeface="Proxima Nova"/>
+              <a:ea typeface="Proxima Nova"/>
+              <a:cs typeface="Proxima Nova"/>
+              <a:sym typeface="Proxima Nova"/>
+            </a:endParaRPr>
+          </a:p>
+        </p:txBody>
+      </p:sp>
+      <p:sp>
+        <p:nvSpPr>
+          <p:cNvPr id="165" name="Google Shape;165;p18"/>
+          <p:cNvSpPr/>
+          <p:nvPr/>
+        </p:nvSpPr>
+        <p:spPr>
+          <a:xfrm>
+            <a:off x="2255950" y="2842742"/>
+            <a:ext cx="977400" cy="381000"/>
+          </a:xfrm>
+          <a:prstGeom prst="roundRect">
+            <a:avLst>
+              <a:gd fmla="val 16667" name="adj"/>
+            </a:avLst>
+          </a:prstGeom>
+          <a:solidFill>
+            <a:srgbClr val="EFEFEF"/>
+          </a:solidFill>
+          <a:ln cap="flat" cmpd="sng" w="9525">
+            <a:solidFill>
+              <a:srgbClr val="0000FF"/>
+            </a:solidFill>
+            <a:prstDash val="solid"/>
+            <a:round/>
+            <a:headEnd len="sm" w="sm" type="none"/>
+            <a:tailEnd len="sm" w="sm" type="none"/>
+          </a:ln>
+        </p:spPr>
+        <p:txBody>
+          <a:bodyPr anchorCtr="0" anchor="ctr" bIns="91425" lIns="91425" spcFirstLastPara="1" rIns="91425" wrap="square" tIns="91425">
+            <a:noAutofit/>
+          </a:bodyPr>
+          <a:lstStyle/>
+          <a:p>
+            <a:pPr indent="0" lvl="0" marL="0" rtl="0" algn="ctr">
+              <a:spcBef>
+                <a:spcPts val="0"/>
+              </a:spcBef>
+              <a:spcAft>
+                <a:spcPts val="0"/>
+              </a:spcAft>
+              <a:buNone/>
+            </a:pPr>
+            <a:r>
+              <a:rPr b="1" lang="ja">
+                <a:solidFill>
+                  <a:schemeClr val="accent2"/>
+                </a:solidFill>
+                <a:latin typeface="Proxima Nova"/>
+                <a:ea typeface="Proxima Nova"/>
+                <a:cs typeface="Proxima Nova"/>
+                <a:sym typeface="Proxima Nova"/>
+              </a:rPr>
+              <a:t>search</a:t>
+            </a:r>
+            <a:endParaRPr b="1">
+              <a:solidFill>
+                <a:schemeClr val="accent2"/>
+              </a:solidFill>
+              <a:latin typeface="Proxima Nova"/>
+              <a:ea typeface="Proxima Nova"/>
+              <a:cs typeface="Proxima Nova"/>
+              <a:sym typeface="Proxima Nova"/>
+            </a:endParaRPr>
+          </a:p>
+        </p:txBody>
+      </p:sp>
+      <p:sp>
+        <p:nvSpPr>
+          <p:cNvPr id="166" name="Google Shape;166;p18"/>
+          <p:cNvSpPr/>
+          <p:nvPr/>
+        </p:nvSpPr>
+        <p:spPr>
+          <a:xfrm>
+            <a:off x="3803400" y="2842742"/>
+            <a:ext cx="977400" cy="381000"/>
+          </a:xfrm>
+          <a:prstGeom prst="roundRect">
+            <a:avLst>
+              <a:gd fmla="val 16667" name="adj"/>
+            </a:avLst>
+          </a:prstGeom>
+          <a:solidFill>
+            <a:srgbClr val="EFEFEF"/>
+          </a:solidFill>
+          <a:ln cap="flat" cmpd="sng" w="9525">
+            <a:solidFill>
+              <a:srgbClr val="0000FF"/>
+            </a:solidFill>
+            <a:prstDash val="solid"/>
+            <a:round/>
+            <a:headEnd len="sm" w="sm" type="none"/>
+            <a:tailEnd len="sm" w="sm" type="none"/>
+          </a:ln>
+        </p:spPr>
+        <p:txBody>
+          <a:bodyPr anchorCtr="0" anchor="ctr" bIns="91425" lIns="91425" spcFirstLastPara="1" rIns="91425" wrap="square" tIns="91425">
+            <a:noAutofit/>
+          </a:bodyPr>
+          <a:lstStyle/>
+          <a:p>
+            <a:pPr indent="0" lvl="0" marL="0" rtl="0" algn="ctr">
+              <a:spcBef>
+                <a:spcPts val="0"/>
+              </a:spcBef>
+              <a:spcAft>
+                <a:spcPts val="0"/>
+              </a:spcAft>
+              <a:buNone/>
+            </a:pPr>
+            <a:r>
+              <a:rPr b="1" lang="ja">
+                <a:solidFill>
+                  <a:schemeClr val="accent2"/>
+                </a:solidFill>
+                <a:latin typeface="Proxima Nova"/>
+                <a:ea typeface="Proxima Nova"/>
+                <a:cs typeface="Proxima Nova"/>
+                <a:sym typeface="Proxima Nova"/>
+              </a:rPr>
+              <a:t>search</a:t>
+            </a:r>
+            <a:endParaRPr b="1">
+              <a:solidFill>
+                <a:schemeClr val="accent2"/>
+              </a:solidFill>
+              <a:latin typeface="Proxima Nova"/>
+              <a:ea typeface="Proxima Nova"/>
+              <a:cs typeface="Proxima Nova"/>
+              <a:sym typeface="Proxima Nova"/>
+            </a:endParaRPr>
+          </a:p>
+        </p:txBody>
+      </p:sp>
+      <p:sp>
+        <p:nvSpPr>
+          <p:cNvPr id="167" name="Google Shape;167;p18"/>
+          <p:cNvSpPr/>
+          <p:nvPr/>
+        </p:nvSpPr>
+        <p:spPr>
+          <a:xfrm>
+            <a:off x="6278450" y="2842742"/>
+            <a:ext cx="977400" cy="381000"/>
+          </a:xfrm>
+          <a:prstGeom prst="roundRect">
+            <a:avLst>
+              <a:gd fmla="val 16667" name="adj"/>
+            </a:avLst>
+          </a:prstGeom>
+          <a:solidFill>
+            <a:srgbClr val="EFEFEF"/>
+          </a:solidFill>
+          <a:ln cap="flat" cmpd="sng" w="9525">
+            <a:solidFill>
+              <a:srgbClr val="0000FF"/>
+            </a:solidFill>
+            <a:prstDash val="solid"/>
+            <a:round/>
+            <a:headEnd len="sm" w="sm" type="none"/>
+            <a:tailEnd len="sm" w="sm" type="none"/>
+          </a:ln>
+        </p:spPr>
+        <p:txBody>
+          <a:bodyPr anchorCtr="0" anchor="ctr" bIns="91425" lIns="91425" spcFirstLastPara="1" rIns="91425" wrap="square" tIns="91425">
+            <a:noAutofit/>
+          </a:bodyPr>
+          <a:lstStyle/>
+          <a:p>
+            <a:pPr indent="0" lvl="0" marL="0" rtl="0" algn="ctr">
+              <a:spcBef>
+                <a:spcPts val="0"/>
+              </a:spcBef>
+              <a:spcAft>
+                <a:spcPts val="0"/>
+              </a:spcAft>
+              <a:buNone/>
+            </a:pPr>
+            <a:r>
+              <a:rPr b="1" lang="ja">
+                <a:solidFill>
+                  <a:schemeClr val="accent2"/>
+                </a:solidFill>
+                <a:latin typeface="Proxima Nova"/>
+                <a:ea typeface="Proxima Nova"/>
+                <a:cs typeface="Proxima Nova"/>
+                <a:sym typeface="Proxima Nova"/>
+              </a:rPr>
+              <a:t>search</a:t>
+            </a:r>
+            <a:endParaRPr b="1">
+              <a:solidFill>
+                <a:schemeClr val="accent2"/>
+              </a:solidFill>
+              <a:latin typeface="Proxima Nova"/>
+              <a:ea typeface="Proxima Nova"/>
+              <a:cs typeface="Proxima Nova"/>
+              <a:sym typeface="Proxima Nova"/>
+            </a:endParaRPr>
+          </a:p>
+        </p:txBody>
+      </p:sp>
+      <p:sp>
+        <p:nvSpPr>
+          <p:cNvPr id="168" name="Google Shape;168;p18"/>
+          <p:cNvSpPr/>
+          <p:nvPr/>
+        </p:nvSpPr>
+        <p:spPr>
+          <a:xfrm>
+            <a:off x="5059225" y="2980542"/>
+            <a:ext cx="102600" cy="109800"/>
+          </a:xfrm>
+          <a:prstGeom prst="ellipse">
+            <a:avLst/>
+          </a:prstGeom>
+          <a:solidFill>
+            <a:srgbClr val="0000FF"/>
+          </a:solidFill>
+          <a:ln cap="flat" cmpd="sng" w="9525">
+            <a:solidFill>
+              <a:srgbClr val="0000FF"/>
+            </a:solidFill>
+            <a:prstDash val="solid"/>
+            <a:round/>
+            <a:headEnd len="sm" w="sm" type="none"/>
+            <a:tailEnd len="sm" w="sm" type="none"/>
+          </a:ln>
+        </p:spPr>
+        <p:txBody>
+          <a:bodyPr anchorCtr="0" anchor="ctr" bIns="91425" lIns="91425" spcFirstLastPara="1" rIns="91425" wrap="square" tIns="91425">
+            <a:noAutofit/>
+          </a:bodyPr>
+          <a:lstStyle/>
+          <a:p>
+            <a:pPr indent="0" lvl="0" marL="0" rtl="0" algn="ctr">
+              <a:spcBef>
+                <a:spcPts val="0"/>
+              </a:spcBef>
+              <a:spcAft>
+                <a:spcPts val="0"/>
+              </a:spcAft>
+              <a:buNone/>
+            </a:pPr>
+            <a:r>
+              <a:t/>
+            </a:r>
+            <a:endParaRPr>
+              <a:latin typeface="Proxima Nova"/>
+              <a:ea typeface="Proxima Nova"/>
+              <a:cs typeface="Proxima Nova"/>
+              <a:sym typeface="Proxima Nova"/>
+            </a:endParaRPr>
+          </a:p>
+        </p:txBody>
+      </p:sp>
+      <p:cxnSp>
+        <p:nvCxnSpPr>
+          <p:cNvPr id="169" name="Google Shape;169;p18"/>
+          <p:cNvCxnSpPr>
+            <a:stCxn id="161" idx="2"/>
+            <a:endCxn id="165" idx="0"/>
+          </p:cNvCxnSpPr>
+          <p:nvPr/>
+        </p:nvCxnSpPr>
+        <p:spPr>
+          <a:xfrm>
+            <a:off x="2744650" y="2472117"/>
+            <a:ext cx="0" cy="370500"/>
+          </a:xfrm>
+          <a:prstGeom prst="straightConnector1">
+            <a:avLst/>
+          </a:prstGeom>
+          <a:noFill/>
+          <a:ln cap="flat" cmpd="sng" w="38100">
+            <a:solidFill>
+              <a:srgbClr val="0000FF"/>
+            </a:solidFill>
+            <a:prstDash val="solid"/>
+            <a:round/>
+            <a:headEnd len="med" w="med" type="none"/>
+            <a:tailEnd len="med" w="med" type="triangle"/>
+          </a:ln>
+        </p:spPr>
+      </p:cxnSp>
+      <p:sp>
+        <p:nvSpPr>
+          <p:cNvPr id="170" name="Google Shape;170;p18"/>
+          <p:cNvSpPr/>
+          <p:nvPr/>
+        </p:nvSpPr>
+        <p:spPr>
+          <a:xfrm>
+            <a:off x="4143065" y="3808267"/>
+            <a:ext cx="1267800" cy="381000"/>
+          </a:xfrm>
+          <a:prstGeom prst="roundRect">
+            <a:avLst>
+              <a:gd fmla="val 16667" name="adj"/>
+            </a:avLst>
+          </a:prstGeom>
+          <a:solidFill>
+            <a:srgbClr val="0000FF"/>
+          </a:solidFill>
+          <a:ln cap="flat" cmpd="sng" w="9525">
+            <a:solidFill>
+              <a:srgbClr val="0000FF"/>
+            </a:solidFill>
+            <a:prstDash val="solid"/>
+            <a:round/>
+            <a:headEnd len="sm" w="sm" type="none"/>
+            <a:tailEnd len="sm" w="sm" type="none"/>
+          </a:ln>
+        </p:spPr>
+        <p:txBody>
+          <a:bodyPr anchorCtr="0" anchor="ctr" bIns="91425" lIns="91425" spcFirstLastPara="1" rIns="91425" wrap="square" tIns="91425">
+            <a:noAutofit/>
+          </a:bodyPr>
+          <a:lstStyle/>
+          <a:p>
+            <a:pPr indent="0" lvl="0" marL="0" rtl="0" algn="ctr">
+              <a:spcBef>
+                <a:spcPts val="0"/>
+              </a:spcBef>
+              <a:spcAft>
+                <a:spcPts val="0"/>
+              </a:spcAft>
+              <a:buNone/>
+            </a:pPr>
+            <a:r>
+              <a:rPr b="1" lang="ja">
+                <a:solidFill>
+                  <a:schemeClr val="lt1"/>
+                </a:solidFill>
+                <a:latin typeface="Proxima Nova"/>
+                <a:ea typeface="Proxima Nova"/>
+                <a:cs typeface="Proxima Nova"/>
+                <a:sym typeface="Proxima Nova"/>
+              </a:rPr>
+              <a:t>Inference</a:t>
+            </a:r>
+            <a:endParaRPr b="1">
+              <a:solidFill>
+                <a:schemeClr val="lt1"/>
+              </a:solidFill>
+              <a:latin typeface="Proxima Nova"/>
+              <a:ea typeface="Proxima Nova"/>
+              <a:cs typeface="Proxima Nova"/>
+              <a:sym typeface="Proxima Nova"/>
+            </a:endParaRPr>
+          </a:p>
+        </p:txBody>
+      </p:sp>
+      <p:cxnSp>
+        <p:nvCxnSpPr>
+          <p:cNvPr id="171" name="Google Shape;171;p18"/>
+          <p:cNvCxnSpPr>
+            <a:stCxn id="159" idx="2"/>
+            <a:endCxn id="161" idx="0"/>
+          </p:cNvCxnSpPr>
+          <p:nvPr/>
+        </p:nvCxnSpPr>
+        <p:spPr>
+          <a:xfrm rot="5400000">
+            <a:off x="3501700" y="718700"/>
+            <a:ext cx="539100" cy="2052900"/>
+          </a:xfrm>
+          <a:prstGeom prst="bentConnector3">
+            <a:avLst>
+              <a:gd fmla="val 34799" name="adj1"/>
+            </a:avLst>
+          </a:prstGeom>
+          <a:noFill/>
+          <a:ln cap="flat" cmpd="sng" w="38100">
+            <a:solidFill>
+              <a:srgbClr val="0000FF"/>
+            </a:solidFill>
+            <a:prstDash val="solid"/>
+            <a:round/>
+            <a:headEnd len="med" w="med" type="none"/>
+            <a:tailEnd len="med" w="med" type="triangle"/>
+          </a:ln>
+        </p:spPr>
+      </p:cxnSp>
+      <p:cxnSp>
+        <p:nvCxnSpPr>
+          <p:cNvPr id="172" name="Google Shape;172;p18"/>
+          <p:cNvCxnSpPr>
+            <a:stCxn id="159" idx="2"/>
+            <a:endCxn id="162" idx="0"/>
+          </p:cNvCxnSpPr>
+          <p:nvPr/>
+        </p:nvCxnSpPr>
+        <p:spPr>
+          <a:xfrm rot="5400000">
+            <a:off x="4275400" y="1492400"/>
+            <a:ext cx="539100" cy="505500"/>
+          </a:xfrm>
+          <a:prstGeom prst="bentConnector3">
+            <a:avLst>
+              <a:gd fmla="val 34799" name="adj1"/>
+            </a:avLst>
+          </a:prstGeom>
+          <a:noFill/>
+          <a:ln cap="flat" cmpd="sng" w="38100">
+            <a:solidFill>
+              <a:srgbClr val="0000FF"/>
+            </a:solidFill>
+            <a:prstDash val="solid"/>
+            <a:round/>
+            <a:headEnd len="med" w="med" type="none"/>
+            <a:tailEnd len="med" w="med" type="triangle"/>
+          </a:ln>
+        </p:spPr>
+      </p:cxnSp>
+      <p:cxnSp>
+        <p:nvCxnSpPr>
+          <p:cNvPr id="173" name="Google Shape;173;p18"/>
+          <p:cNvCxnSpPr>
+            <a:stCxn id="159" idx="2"/>
+            <a:endCxn id="164" idx="0"/>
+          </p:cNvCxnSpPr>
+          <p:nvPr/>
+        </p:nvCxnSpPr>
+        <p:spPr>
+          <a:xfrm flipH="1" rot="-5400000">
+            <a:off x="5512900" y="760400"/>
+            <a:ext cx="539100" cy="1969500"/>
+          </a:xfrm>
+          <a:prstGeom prst="bentConnector3">
+            <a:avLst>
+              <a:gd fmla="val 34799" name="adj1"/>
+            </a:avLst>
+          </a:prstGeom>
+          <a:noFill/>
+          <a:ln cap="flat" cmpd="sng" w="38100">
+            <a:solidFill>
+              <a:srgbClr val="0000FF"/>
+            </a:solidFill>
+            <a:prstDash val="solid"/>
+            <a:round/>
+            <a:headEnd len="med" w="med" type="none"/>
+            <a:tailEnd len="med" w="med" type="triangle"/>
+          </a:ln>
+        </p:spPr>
+      </p:cxnSp>
+      <p:cxnSp>
+        <p:nvCxnSpPr>
+          <p:cNvPr id="174" name="Google Shape;174;p18"/>
+          <p:cNvCxnSpPr>
+            <a:stCxn id="165" idx="2"/>
+            <a:endCxn id="170" idx="0"/>
+          </p:cNvCxnSpPr>
+          <p:nvPr/>
+        </p:nvCxnSpPr>
+        <p:spPr>
+          <a:xfrm flipH="1" rot="-5400000">
+            <a:off x="3468550" y="2499842"/>
+            <a:ext cx="584400" cy="2032200"/>
+          </a:xfrm>
+          <a:prstGeom prst="bentConnector3">
+            <a:avLst>
+              <a:gd fmla="val 32616" name="adj1"/>
+            </a:avLst>
+          </a:prstGeom>
+          <a:noFill/>
+          <a:ln cap="flat" cmpd="sng" w="38100">
+            <a:solidFill>
+              <a:srgbClr val="0000FF"/>
+            </a:solidFill>
+            <a:prstDash val="solid"/>
+            <a:round/>
+            <a:headEnd len="med" w="med" type="none"/>
+            <a:tailEnd len="med" w="med" type="triangle"/>
+          </a:ln>
+        </p:spPr>
+      </p:cxnSp>
+      <p:cxnSp>
+        <p:nvCxnSpPr>
+          <p:cNvPr id="175" name="Google Shape;175;p18"/>
+          <p:cNvCxnSpPr>
+            <a:stCxn id="162" idx="2"/>
+            <a:endCxn id="166" idx="0"/>
+          </p:cNvCxnSpPr>
+          <p:nvPr/>
+        </p:nvCxnSpPr>
+        <p:spPr>
+          <a:xfrm>
+            <a:off x="4292100" y="2472117"/>
+            <a:ext cx="0" cy="370500"/>
+          </a:xfrm>
+          <a:prstGeom prst="straightConnector1">
+            <a:avLst/>
+          </a:prstGeom>
+          <a:noFill/>
+          <a:ln cap="flat" cmpd="sng" w="38100">
+            <a:solidFill>
+              <a:srgbClr val="0000FF"/>
+            </a:solidFill>
+            <a:prstDash val="solid"/>
+            <a:round/>
+            <a:headEnd len="med" w="med" type="none"/>
+            <a:tailEnd len="med" w="med" type="triangle"/>
+          </a:ln>
+        </p:spPr>
+      </p:cxnSp>
+      <p:cxnSp>
+        <p:nvCxnSpPr>
+          <p:cNvPr id="176" name="Google Shape;176;p18"/>
+          <p:cNvCxnSpPr>
+            <a:stCxn id="164" idx="2"/>
+            <a:endCxn id="167" idx="0"/>
+          </p:cNvCxnSpPr>
+          <p:nvPr/>
+        </p:nvCxnSpPr>
+        <p:spPr>
+          <a:xfrm>
+            <a:off x="6767150" y="2472117"/>
+            <a:ext cx="0" cy="370500"/>
+          </a:xfrm>
+          <a:prstGeom prst="straightConnector1">
+            <a:avLst/>
+          </a:prstGeom>
+          <a:noFill/>
+          <a:ln cap="flat" cmpd="sng" w="38100">
+            <a:solidFill>
+              <a:srgbClr val="0000FF"/>
+            </a:solidFill>
+            <a:prstDash val="solid"/>
+            <a:round/>
+            <a:headEnd len="med" w="med" type="none"/>
+            <a:tailEnd len="med" w="med" type="triangle"/>
+          </a:ln>
+        </p:spPr>
+      </p:cxnSp>
+      <p:cxnSp>
+        <p:nvCxnSpPr>
+          <p:cNvPr id="177" name="Google Shape;177;p18"/>
+          <p:cNvCxnSpPr>
+            <a:stCxn id="166" idx="2"/>
+            <a:endCxn id="170" idx="0"/>
+          </p:cNvCxnSpPr>
+          <p:nvPr/>
+        </p:nvCxnSpPr>
+        <p:spPr>
+          <a:xfrm flipH="1" rot="-5400000">
+            <a:off x="4242300" y="3273542"/>
+            <a:ext cx="584400" cy="484800"/>
+          </a:xfrm>
+          <a:prstGeom prst="bentConnector3">
+            <a:avLst>
+              <a:gd fmla="val 32616" name="adj1"/>
+            </a:avLst>
+          </a:prstGeom>
+          <a:noFill/>
+          <a:ln cap="flat" cmpd="sng" w="38100">
+            <a:solidFill>
+              <a:srgbClr val="0000FF"/>
+            </a:solidFill>
+            <a:prstDash val="solid"/>
+            <a:round/>
+            <a:headEnd len="med" w="med" type="none"/>
+            <a:tailEnd len="med" w="med" type="triangle"/>
+          </a:ln>
+        </p:spPr>
+      </p:cxnSp>
+      <p:cxnSp>
+        <p:nvCxnSpPr>
+          <p:cNvPr id="178" name="Google Shape;178;p18"/>
+          <p:cNvCxnSpPr>
+            <a:stCxn id="167" idx="2"/>
+            <a:endCxn id="170" idx="0"/>
+          </p:cNvCxnSpPr>
+          <p:nvPr/>
+        </p:nvCxnSpPr>
+        <p:spPr>
+          <a:xfrm rot="5400000">
+            <a:off x="5479850" y="2520842"/>
+            <a:ext cx="584400" cy="1990200"/>
+          </a:xfrm>
+          <a:prstGeom prst="bentConnector3">
+            <a:avLst>
+              <a:gd fmla="val 32616" name="adj1"/>
+            </a:avLst>
+          </a:prstGeom>
+          <a:noFill/>
+          <a:ln cap="flat" cmpd="sng" w="38100">
+            <a:solidFill>
+              <a:srgbClr val="0000FF"/>
+            </a:solidFill>
+            <a:prstDash val="solid"/>
+            <a:round/>
+            <a:headEnd len="med" w="med" type="none"/>
+            <a:tailEnd len="med" w="med" type="triangle"/>
+          </a:ln>
+        </p:spPr>
+      </p:cxnSp>
+      <p:sp>
+        <p:nvSpPr>
+          <p:cNvPr id="179" name="Google Shape;179;p18"/>
+          <p:cNvSpPr/>
+          <p:nvPr/>
+        </p:nvSpPr>
+        <p:spPr>
+          <a:xfrm>
+            <a:off x="3354250" y="61492"/>
+            <a:ext cx="840900" cy="381000"/>
+          </a:xfrm>
+          <a:prstGeom prst="roundRect">
+            <a:avLst>
+              <a:gd fmla="val 16667" name="adj"/>
+            </a:avLst>
+          </a:prstGeom>
+          <a:solidFill>
+            <a:srgbClr val="EFEFEF"/>
+          </a:solidFill>
+          <a:ln cap="flat" cmpd="sng" w="9525">
+            <a:solidFill>
+              <a:srgbClr val="0000FF"/>
+            </a:solidFill>
+            <a:prstDash val="solid"/>
+            <a:round/>
+            <a:headEnd len="sm" w="sm" type="none"/>
+            <a:tailEnd len="sm" w="sm" type="none"/>
+          </a:ln>
+        </p:spPr>
+        <p:txBody>
+          <a:bodyPr anchorCtr="0" anchor="ctr" bIns="91425" lIns="91425" spcFirstLastPara="1" rIns="91425" wrap="square" tIns="91425">
+            <a:noAutofit/>
+          </a:bodyPr>
+          <a:lstStyle/>
+          <a:p>
+            <a:pPr indent="0" lvl="0" marL="0" rtl="0" algn="ctr">
+              <a:spcBef>
+                <a:spcPts val="0"/>
+              </a:spcBef>
+              <a:spcAft>
+                <a:spcPts val="0"/>
+              </a:spcAft>
+              <a:buNone/>
+            </a:pPr>
+            <a:r>
+              <a:rPr b="1" lang="ja">
+                <a:solidFill>
+                  <a:schemeClr val="accent2"/>
+                </a:solidFill>
+                <a:latin typeface="Proxima Nova"/>
+                <a:ea typeface="Proxima Nova"/>
+                <a:cs typeface="Proxima Nova"/>
+                <a:sym typeface="Proxima Nova"/>
+              </a:rPr>
+              <a:t>Input</a:t>
+            </a:r>
+            <a:endParaRPr b="1">
+              <a:solidFill>
+                <a:schemeClr val="accent2"/>
+              </a:solidFill>
+              <a:latin typeface="Proxima Nova"/>
+              <a:ea typeface="Proxima Nova"/>
+              <a:cs typeface="Proxima Nova"/>
+              <a:sym typeface="Proxima Nova"/>
+            </a:endParaRPr>
+          </a:p>
+        </p:txBody>
+      </p:sp>
+      <p:cxnSp>
+        <p:nvCxnSpPr>
+          <p:cNvPr id="180" name="Google Shape;180;p18"/>
+          <p:cNvCxnSpPr>
+            <a:stCxn id="179" idx="2"/>
+            <a:endCxn id="159" idx="0"/>
+          </p:cNvCxnSpPr>
+          <p:nvPr/>
+        </p:nvCxnSpPr>
+        <p:spPr>
+          <a:xfrm flipH="1" rot="-5400000">
+            <a:off x="3960100" y="257092"/>
+            <a:ext cx="652200" cy="1023000"/>
+          </a:xfrm>
+          <a:prstGeom prst="bentConnector3">
+            <a:avLst>
+              <a:gd fmla="val 41124" name="adj1"/>
+            </a:avLst>
+          </a:prstGeom>
+          <a:noFill/>
+          <a:ln cap="flat" cmpd="sng" w="38100">
+            <a:solidFill>
+              <a:srgbClr val="0000FF"/>
+            </a:solidFill>
+            <a:prstDash val="solid"/>
+            <a:round/>
+            <a:headEnd len="med" w="med" type="none"/>
+            <a:tailEnd len="med" w="med" type="triangle"/>
+          </a:ln>
+        </p:spPr>
+      </p:cxnSp>
+      <p:cxnSp>
+        <p:nvCxnSpPr>
+          <p:cNvPr id="181" name="Google Shape;181;p18"/>
+          <p:cNvCxnSpPr>
+            <a:stCxn id="160" idx="2"/>
+            <a:endCxn id="159" idx="0"/>
+          </p:cNvCxnSpPr>
+          <p:nvPr/>
+        </p:nvCxnSpPr>
+        <p:spPr>
+          <a:xfrm rot="5400000">
+            <a:off x="5051525" y="188692"/>
+            <a:ext cx="652200" cy="1159800"/>
+          </a:xfrm>
+          <a:prstGeom prst="bentConnector3">
+            <a:avLst>
+              <a:gd fmla="val 41124" name="adj1"/>
+            </a:avLst>
+          </a:prstGeom>
+          <a:noFill/>
+          <a:ln cap="flat" cmpd="sng" w="38100">
+            <a:solidFill>
+              <a:srgbClr val="0000FF"/>
+            </a:solidFill>
+            <a:prstDash val="solid"/>
+            <a:round/>
+            <a:headEnd len="med" w="med" type="none"/>
+            <a:tailEnd len="med" w="med" type="triangle"/>
+          </a:ln>
+        </p:spPr>
+      </p:cxnSp>
+      <p:sp>
+        <p:nvSpPr>
+          <p:cNvPr id="182" name="Google Shape;182;p18"/>
+          <p:cNvSpPr/>
+          <p:nvPr/>
+        </p:nvSpPr>
+        <p:spPr>
+          <a:xfrm>
+            <a:off x="5487142" y="2173167"/>
+            <a:ext cx="102600" cy="109800"/>
+          </a:xfrm>
+          <a:prstGeom prst="ellipse">
+            <a:avLst/>
+          </a:prstGeom>
+          <a:solidFill>
+            <a:srgbClr val="0000FF"/>
+          </a:solidFill>
+          <a:ln cap="flat" cmpd="sng" w="9525">
+            <a:solidFill>
+              <a:srgbClr val="0000FF"/>
+            </a:solidFill>
+            <a:prstDash val="solid"/>
+            <a:round/>
+            <a:headEnd len="sm" w="sm" type="none"/>
+            <a:tailEnd len="sm" w="sm" type="none"/>
+          </a:ln>
+        </p:spPr>
+        <p:txBody>
+          <a:bodyPr anchorCtr="0" anchor="ctr" bIns="91425" lIns="91425" spcFirstLastPara="1" rIns="91425" wrap="square" tIns="91425">
+            <a:noAutofit/>
+          </a:bodyPr>
+          <a:lstStyle/>
+          <a:p>
+            <a:pPr indent="0" lvl="0" marL="0" rtl="0" algn="ctr">
+              <a:spcBef>
+                <a:spcPts val="0"/>
+              </a:spcBef>
+              <a:spcAft>
+                <a:spcPts val="0"/>
+              </a:spcAft>
+              <a:buNone/>
+            </a:pPr>
+            <a:r>
+              <a:t/>
+            </a:r>
+            <a:endParaRPr>
+              <a:latin typeface="Proxima Nova"/>
+              <a:ea typeface="Proxima Nova"/>
+              <a:cs typeface="Proxima Nova"/>
+              <a:sym typeface="Proxima Nova"/>
+            </a:endParaRPr>
+          </a:p>
+        </p:txBody>
+      </p:sp>
+      <p:sp>
+        <p:nvSpPr>
+          <p:cNvPr id="183" name="Google Shape;183;p18"/>
+          <p:cNvSpPr/>
+          <p:nvPr/>
+        </p:nvSpPr>
+        <p:spPr>
+          <a:xfrm>
+            <a:off x="5913188" y="2173167"/>
+            <a:ext cx="102600" cy="109800"/>
+          </a:xfrm>
+          <a:prstGeom prst="ellipse">
+            <a:avLst/>
+          </a:prstGeom>
+          <a:solidFill>
+            <a:srgbClr val="0000FF"/>
+          </a:solidFill>
+          <a:ln cap="flat" cmpd="sng" w="9525">
+            <a:solidFill>
+              <a:srgbClr val="0000FF"/>
+            </a:solidFill>
+            <a:prstDash val="solid"/>
+            <a:round/>
+            <a:headEnd len="sm" w="sm" type="none"/>
+            <a:tailEnd len="sm" w="sm" type="none"/>
+          </a:ln>
+        </p:spPr>
+        <p:txBody>
+          <a:bodyPr anchorCtr="0" anchor="ctr" bIns="91425" lIns="91425" spcFirstLastPara="1" rIns="91425" wrap="square" tIns="91425">
+            <a:noAutofit/>
+          </a:bodyPr>
+          <a:lstStyle/>
+          <a:p>
+            <a:pPr indent="0" lvl="0" marL="0" rtl="0" algn="ctr">
+              <a:spcBef>
+                <a:spcPts val="0"/>
+              </a:spcBef>
+              <a:spcAft>
+                <a:spcPts val="0"/>
+              </a:spcAft>
+              <a:buNone/>
+            </a:pPr>
+            <a:r>
+              <a:t/>
+            </a:r>
+            <a:endParaRPr>
+              <a:latin typeface="Proxima Nova"/>
+              <a:ea typeface="Proxima Nova"/>
+              <a:cs typeface="Proxima Nova"/>
+              <a:sym typeface="Proxima Nova"/>
+            </a:endParaRPr>
+          </a:p>
+        </p:txBody>
+      </p:sp>
+      <p:sp>
+        <p:nvSpPr>
+          <p:cNvPr id="184" name="Google Shape;184;p18"/>
+          <p:cNvSpPr/>
+          <p:nvPr/>
+        </p:nvSpPr>
+        <p:spPr>
+          <a:xfrm>
+            <a:off x="5487142" y="2980542"/>
+            <a:ext cx="102600" cy="109800"/>
+          </a:xfrm>
+          <a:prstGeom prst="ellipse">
+            <a:avLst/>
+          </a:prstGeom>
+          <a:solidFill>
+            <a:srgbClr val="0000FF"/>
+          </a:solidFill>
+          <a:ln cap="flat" cmpd="sng" w="9525">
+            <a:solidFill>
+              <a:srgbClr val="0000FF"/>
+            </a:solidFill>
+            <a:prstDash val="solid"/>
+            <a:round/>
+            <a:headEnd len="sm" w="sm" type="none"/>
+            <a:tailEnd len="sm" w="sm" type="none"/>
+          </a:ln>
+        </p:spPr>
+        <p:txBody>
+          <a:bodyPr anchorCtr="0" anchor="ctr" bIns="91425" lIns="91425" spcFirstLastPara="1" rIns="91425" wrap="square" tIns="91425">
+            <a:noAutofit/>
+          </a:bodyPr>
+          <a:lstStyle/>
+          <a:p>
+            <a:pPr indent="0" lvl="0" marL="0" rtl="0" algn="ctr">
+              <a:spcBef>
+                <a:spcPts val="0"/>
+              </a:spcBef>
+              <a:spcAft>
+                <a:spcPts val="0"/>
+              </a:spcAft>
+              <a:buNone/>
+            </a:pPr>
+            <a:r>
+              <a:t/>
+            </a:r>
+            <a:endParaRPr>
+              <a:latin typeface="Proxima Nova"/>
+              <a:ea typeface="Proxima Nova"/>
+              <a:cs typeface="Proxima Nova"/>
+              <a:sym typeface="Proxima Nova"/>
+            </a:endParaRPr>
+          </a:p>
+        </p:txBody>
+      </p:sp>
+      <p:sp>
+        <p:nvSpPr>
+          <p:cNvPr id="185" name="Google Shape;185;p18"/>
+          <p:cNvSpPr/>
+          <p:nvPr/>
+        </p:nvSpPr>
+        <p:spPr>
+          <a:xfrm>
+            <a:off x="5913188" y="2980542"/>
+            <a:ext cx="102600" cy="109800"/>
+          </a:xfrm>
+          <a:prstGeom prst="ellipse">
+            <a:avLst/>
+          </a:prstGeom>
+          <a:solidFill>
+            <a:srgbClr val="0000FF"/>
+          </a:solidFill>
+          <a:ln cap="flat" cmpd="sng" w="9525">
+            <a:solidFill>
+              <a:srgbClr val="0000FF"/>
+            </a:solidFill>
+            <a:prstDash val="solid"/>
+            <a:round/>
+            <a:headEnd len="sm" w="sm" type="none"/>
+            <a:tailEnd len="sm" w="sm" type="none"/>
+          </a:ln>
+        </p:spPr>
+        <p:txBody>
+          <a:bodyPr anchorCtr="0" anchor="ctr" bIns="91425" lIns="91425" spcFirstLastPara="1" rIns="91425" wrap="square" tIns="91425">
+            <a:noAutofit/>
+          </a:bodyPr>
+          <a:lstStyle/>
+          <a:p>
+            <a:pPr indent="0" lvl="0" marL="0" rtl="0" algn="ctr">
+              <a:spcBef>
+                <a:spcPts val="0"/>
+              </a:spcBef>
+              <a:spcAft>
+                <a:spcPts val="0"/>
+              </a:spcAft>
+              <a:buNone/>
+            </a:pPr>
+            <a:r>
+              <a:t/>
+            </a:r>
+            <a:endParaRPr>
+              <a:latin typeface="Proxima Nova"/>
+              <a:ea typeface="Proxima Nova"/>
+              <a:cs typeface="Proxima Nova"/>
+              <a:sym typeface="Proxima Nova"/>
+            </a:endParaRPr>
+          </a:p>
+        </p:txBody>
+      </p:sp>
+      <p:sp>
+        <p:nvSpPr>
+          <p:cNvPr id="186" name="Google Shape;186;p18"/>
+          <p:cNvSpPr/>
+          <p:nvPr/>
+        </p:nvSpPr>
+        <p:spPr>
+          <a:xfrm>
+            <a:off x="4048115" y="4617299"/>
+            <a:ext cx="1457700" cy="381000"/>
+          </a:xfrm>
+          <a:prstGeom prst="roundRect">
+            <a:avLst>
+              <a:gd fmla="val 16667" name="adj"/>
+            </a:avLst>
+          </a:prstGeom>
+          <a:solidFill>
+            <a:srgbClr val="EFEFEF"/>
+          </a:solidFill>
+          <a:ln cap="flat" cmpd="sng" w="9525">
+            <a:solidFill>
+              <a:srgbClr val="0000FF"/>
+            </a:solidFill>
+            <a:prstDash val="solid"/>
+            <a:round/>
+            <a:headEnd len="sm" w="sm" type="none"/>
+            <a:tailEnd len="sm" w="sm" type="none"/>
+          </a:ln>
+        </p:spPr>
+        <p:txBody>
+          <a:bodyPr anchorCtr="0" anchor="ctr" bIns="91425" lIns="91425" spcFirstLastPara="1" rIns="91425" wrap="square" tIns="91425">
+            <a:noAutofit/>
+          </a:bodyPr>
+          <a:lstStyle/>
+          <a:p>
+            <a:pPr indent="0" lvl="0" marL="0" rtl="0" algn="ctr">
+              <a:spcBef>
+                <a:spcPts val="0"/>
+              </a:spcBef>
+              <a:spcAft>
+                <a:spcPts val="0"/>
+              </a:spcAft>
+              <a:buNone/>
+            </a:pPr>
+            <a:r>
+              <a:rPr b="1" lang="ja">
+                <a:solidFill>
+                  <a:schemeClr val="accent2"/>
+                </a:solidFill>
+                <a:latin typeface="Proxima Nova"/>
+                <a:ea typeface="Proxima Nova"/>
+                <a:cs typeface="Proxima Nova"/>
+                <a:sym typeface="Proxima Nova"/>
+              </a:rPr>
+              <a:t>Output</a:t>
+            </a:r>
+            <a:endParaRPr b="1">
+              <a:solidFill>
+                <a:schemeClr val="accent2"/>
+              </a:solidFill>
+              <a:latin typeface="Proxima Nova"/>
+              <a:ea typeface="Proxima Nova"/>
+              <a:cs typeface="Proxima Nova"/>
+              <a:sym typeface="Proxima Nova"/>
+            </a:endParaRPr>
+          </a:p>
+        </p:txBody>
+      </p:sp>
+      <p:cxnSp>
+        <p:nvCxnSpPr>
+          <p:cNvPr id="187" name="Google Shape;187;p18"/>
+          <p:cNvCxnSpPr>
+            <a:stCxn id="170" idx="2"/>
+            <a:endCxn id="186" idx="0"/>
+          </p:cNvCxnSpPr>
+          <p:nvPr/>
+        </p:nvCxnSpPr>
+        <p:spPr>
+          <a:xfrm>
+            <a:off x="4776965" y="4189267"/>
+            <a:ext cx="0" cy="428100"/>
+          </a:xfrm>
+          <a:prstGeom prst="straightConnector1">
+            <a:avLst/>
+          </a:prstGeom>
+          <a:noFill/>
+          <a:ln cap="flat" cmpd="sng" w="38100">
+            <a:solidFill>
+              <a:srgbClr val="0000FF"/>
+            </a:solidFill>
+            <a:prstDash val="solid"/>
+            <a:round/>
+            <a:headEnd len="med" w="med" type="none"/>
+            <a:tailEnd len="med" w="med" type="triangle"/>
+          </a:ln>
+        </p:spPr>
+      </p:cxnSp>
+      <p:grpSp>
+        <p:nvGrpSpPr>
+          <p:cNvPr id="188" name="Google Shape;188;p18"/>
+          <p:cNvGrpSpPr/>
+          <p:nvPr/>
+        </p:nvGrpSpPr>
+        <p:grpSpPr>
+          <a:xfrm>
+            <a:off x="1905280" y="438730"/>
+            <a:ext cx="2229300" cy="3594620"/>
+            <a:chOff x="1458695" y="471800"/>
+            <a:chExt cx="2229300" cy="3594620"/>
+          </a:xfrm>
+        </p:grpSpPr>
+        <p:cxnSp>
+          <p:nvCxnSpPr>
+            <p:cNvPr id="189" name="Google Shape;189;p18"/>
+            <p:cNvCxnSpPr/>
+            <p:nvPr/>
+          </p:nvCxnSpPr>
+          <p:spPr>
+            <a:xfrm>
+              <a:off x="3327050" y="471800"/>
+              <a:ext cx="0" cy="883500"/>
+            </a:xfrm>
+            <a:prstGeom prst="straightConnector1">
+              <a:avLst/>
+            </a:prstGeom>
+            <a:noFill/>
+            <a:ln cap="flat" cmpd="sng" w="38100">
+              <a:solidFill>
+                <a:srgbClr val="0000FF"/>
+              </a:solidFill>
+              <a:prstDash val="solid"/>
+              <a:round/>
+              <a:headEnd len="med" w="med" type="none"/>
+              <a:tailEnd len="med" w="med" type="none"/>
+            </a:ln>
+          </p:spPr>
+        </p:cxnSp>
+        <p:cxnSp>
+          <p:nvCxnSpPr>
+            <p:cNvPr id="190" name="Google Shape;190;p18"/>
+            <p:cNvCxnSpPr/>
+            <p:nvPr/>
+          </p:nvCxnSpPr>
+          <p:spPr>
+            <a:xfrm>
+              <a:off x="1478254" y="1340835"/>
+              <a:ext cx="1855500" cy="0"/>
+            </a:xfrm>
+            <a:prstGeom prst="straightConnector1">
+              <a:avLst/>
+            </a:prstGeom>
+            <a:noFill/>
+            <a:ln cap="flat" cmpd="sng" w="38100">
+              <a:solidFill>
+                <a:srgbClr val="0000FF"/>
+              </a:solidFill>
+              <a:prstDash val="solid"/>
+              <a:round/>
+              <a:headEnd len="med" w="med" type="none"/>
+              <a:tailEnd len="med" w="med" type="none"/>
+            </a:ln>
+          </p:spPr>
+        </p:cxnSp>
+        <p:cxnSp>
+          <p:nvCxnSpPr>
+            <p:cNvPr id="191" name="Google Shape;191;p18"/>
+            <p:cNvCxnSpPr/>
+            <p:nvPr/>
+          </p:nvCxnSpPr>
+          <p:spPr>
+            <a:xfrm>
+              <a:off x="1466165" y="1322620"/>
+              <a:ext cx="0" cy="2743800"/>
+            </a:xfrm>
+            <a:prstGeom prst="straightConnector1">
+              <a:avLst/>
+            </a:prstGeom>
+            <a:noFill/>
+            <a:ln cap="flat" cmpd="sng" w="38100">
+              <a:solidFill>
+                <a:srgbClr val="0000FF"/>
+              </a:solidFill>
+              <a:prstDash val="solid"/>
+              <a:round/>
+              <a:headEnd len="med" w="med" type="none"/>
+              <a:tailEnd len="med" w="med" type="none"/>
+            </a:ln>
+          </p:spPr>
+        </p:cxnSp>
+        <p:cxnSp>
+          <p:nvCxnSpPr>
+            <p:cNvPr id="192" name="Google Shape;192;p18"/>
+            <p:cNvCxnSpPr/>
+            <p:nvPr/>
+          </p:nvCxnSpPr>
+          <p:spPr>
+            <a:xfrm>
+              <a:off x="1458695" y="4051860"/>
+              <a:ext cx="2229300" cy="0"/>
+            </a:xfrm>
+            <a:prstGeom prst="straightConnector1">
+              <a:avLst/>
+            </a:prstGeom>
+            <a:noFill/>
+            <a:ln cap="flat" cmpd="sng" w="38100">
+              <a:solidFill>
+                <a:srgbClr val="0000FF"/>
+              </a:solidFill>
+              <a:prstDash val="solid"/>
+              <a:round/>
+              <a:headEnd len="med" w="med" type="none"/>
+              <a:tailEnd len="med" w="med" type="triangle"/>
+            </a:ln>
+          </p:spPr>
+        </p:cxnSp>
+      </p:grpSp>
     </p:spTree>
   </p:cSld>
   <p:clrMapOvr>
@@ -9105,6 +12755,285 @@
 </file>
 
 <file path=ppt/theme/theme1.xml><?xml version="1.0" encoding="utf-8"?>
+<a:theme xmlns:a="http://schemas.openxmlformats.org/drawingml/2006/main" xmlns:r="http://schemas.openxmlformats.org/officeDocument/2006/relationships" name="Spearmint">
+  <a:themeElements>
+    <a:clrScheme name="Spearmint">
+      <a:dk1>
+        <a:srgbClr val="202729"/>
+      </a:dk1>
+      <a:lt1>
+        <a:srgbClr val="FFFFFF"/>
+      </a:lt1>
+      <a:dk2>
+        <a:srgbClr val="4BA173"/>
+      </a:dk2>
+      <a:lt2>
+        <a:srgbClr val="63D297"/>
+      </a:lt2>
+      <a:accent1>
+        <a:srgbClr val="353744"/>
+      </a:accent1>
+      <a:accent2>
+        <a:srgbClr val="424242"/>
+      </a:accent2>
+      <a:accent3>
+        <a:srgbClr val="616161"/>
+      </a:accent3>
+      <a:accent4>
+        <a:srgbClr val="F0F0F0"/>
+      </a:accent4>
+      <a:accent5>
+        <a:srgbClr val="FF5252"/>
+      </a:accent5>
+      <a:accent6>
+        <a:srgbClr val="FFF176"/>
+      </a:accent6>
+      <a:hlink>
+        <a:srgbClr val="FF5252"/>
+      </a:hlink>
+      <a:folHlink>
+        <a:srgbClr val="FF5252"/>
+      </a:folHlink>
+    </a:clrScheme>
+    <a:fontScheme name="Office">
+      <a:majorFont>
+        <a:latin typeface="Arial"/>
+        <a:ea typeface=""/>
+        <a:cs typeface=""/>
+        <a:font script="Jpan" typeface="ＭＳ Ｐゴシック"/>
+        <a:font script="Hang" typeface="맑은 고딕"/>
+        <a:font script="Hans" typeface="宋体"/>
+        <a:font script="Hant" typeface="新細明體"/>
+        <a:font script="Arab" typeface="Times New Roman"/>
+        <a:font script="Hebr" typeface="Times New Roman"/>
+        <a:font script="Thai" typeface="Angsana New"/>
+        <a:font script="Ethi" typeface="Nyala"/>
+        <a:font script="Beng" typeface="Vrinda"/>
+        <a:font script="Gujr" typeface="Shruti"/>
+        <a:font script="Khmr" typeface="MoolBoran"/>
+        <a:font script="Knda" typeface="Tunga"/>
+        <a:font script="Guru" typeface="Raavi"/>
+        <a:font script="Cans" typeface="Euphemia"/>
+        <a:font script="Cher" typeface="Plantagenet Cherokee"/>
+        <a:font script="Yiii" typeface="Microsoft Yi Baiti"/>
+        <a:font script="Tibt" typeface="Microsoft Himalaya"/>
+        <a:font script="Thaa" typeface="MV Boli"/>
+        <a:font script="Deva" typeface="Mangal"/>
+        <a:font script="Telu" typeface="Gautami"/>
+        <a:font script="Taml" typeface="Latha"/>
+        <a:font script="Syrc" typeface="Estrangelo Edessa"/>
+        <a:font script="Orya" typeface="Kalinga"/>
+        <a:font script="Mlym" typeface="Kartika"/>
+        <a:font script="Laoo" typeface="DokChampa"/>
+        <a:font script="Sinh" typeface="Iskoola Pota"/>
+        <a:font script="Mong" typeface="Mongolian Baiti"/>
+        <a:font script="Viet" typeface="Times New Roman"/>
+        <a:font script="Uigh" typeface="Microsoft Uighur"/>
+        <a:font script="Geor" typeface="Sylfaen"/>
+      </a:majorFont>
+      <a:minorFont>
+        <a:latin typeface="Arial"/>
+        <a:ea typeface=""/>
+        <a:cs typeface=""/>
+        <a:font script="Jpan" typeface="ＭＳ Ｐゴシック"/>
+        <a:font script="Hang" typeface="맑은 고딕"/>
+        <a:font script="Hans" typeface="宋体"/>
+        <a:font script="Hant" typeface="新細明體"/>
+        <a:font script="Arab" typeface="Arial"/>
+        <a:font script="Hebr" typeface="Arial"/>
+        <a:font script="Thai" typeface="Cordia New"/>
+        <a:font script="Ethi" typeface="Nyala"/>
+        <a:font script="Beng" typeface="Vrinda"/>
+        <a:font script="Gujr" typeface="Shruti"/>
+        <a:font script="Khmr" typeface="DaunPenh"/>
+        <a:font script="Knda" typeface="Tunga"/>
+        <a:font script="Guru" typeface="Raavi"/>
+        <a:font script="Cans" typeface="Euphemia"/>
+        <a:font script="Cher" typeface="Plantagenet Cherokee"/>
+        <a:font script="Yiii" typeface="Microsoft Yi Baiti"/>
+        <a:font script="Tibt" typeface="Microsoft Himalaya"/>
+        <a:font script="Thaa" typeface="MV Boli"/>
+        <a:font script="Deva" typeface="Mangal"/>
+        <a:font script="Telu" typeface="Gautami"/>
+        <a:font script="Taml" typeface="Latha"/>
+        <a:font script="Syrc" typeface="Estrangelo Edessa"/>
+        <a:font script="Orya" typeface="Kalinga"/>
+        <a:font script="Mlym" typeface="Kartika"/>
+        <a:font script="Laoo" typeface="DokChampa"/>
+        <a:font script="Sinh" typeface="Iskoola Pota"/>
+        <a:font script="Mong" typeface="Mongolian Baiti"/>
+        <a:font script="Viet" typeface="Arial"/>
+        <a:font script="Uigh" typeface="Microsoft Uighur"/>
+        <a:font script="Geor" typeface="Sylfaen"/>
+      </a:minorFont>
+    </a:fontScheme>
+    <a:fmtScheme name="Office">
+      <a:fillStyleLst>
+        <a:solidFill>
+          <a:schemeClr val="phClr"/>
+        </a:solidFill>
+        <a:gradFill rotWithShape="1">
+          <a:gsLst>
+            <a:gs pos="0">
+              <a:schemeClr val="phClr">
+                <a:tint val="50000"/>
+                <a:satMod val="300000"/>
+              </a:schemeClr>
+            </a:gs>
+            <a:gs pos="35000">
+              <a:schemeClr val="phClr">
+                <a:tint val="37000"/>
+                <a:satMod val="300000"/>
+              </a:schemeClr>
+            </a:gs>
+            <a:gs pos="100000">
+              <a:schemeClr val="phClr">
+                <a:tint val="15000"/>
+                <a:satMod val="350000"/>
+              </a:schemeClr>
+            </a:gs>
+          </a:gsLst>
+          <a:lin ang="16200000" scaled="1"/>
+        </a:gradFill>
+        <a:gradFill rotWithShape="1">
+          <a:gsLst>
+            <a:gs pos="0">
+              <a:schemeClr val="phClr">
+                <a:tint val="100000"/>
+                <a:shade val="100000"/>
+                <a:satMod val="130000"/>
+              </a:schemeClr>
+            </a:gs>
+            <a:gs pos="100000">
+              <a:schemeClr val="phClr">
+                <a:tint val="50000"/>
+                <a:shade val="100000"/>
+                <a:satMod val="350000"/>
+              </a:schemeClr>
+            </a:gs>
+          </a:gsLst>
+          <a:lin ang="16200000" scaled="0"/>
+        </a:gradFill>
+      </a:fillStyleLst>
+      <a:lnStyleLst>
+        <a:ln w="9525" cap="flat" cmpd="sng" algn="ctr">
+          <a:solidFill>
+            <a:schemeClr val="phClr">
+              <a:shade val="95000"/>
+              <a:satMod val="105000"/>
+            </a:schemeClr>
+          </a:solidFill>
+          <a:prstDash val="solid"/>
+        </a:ln>
+        <a:ln w="25400" cap="flat" cmpd="sng" algn="ctr">
+          <a:solidFill>
+            <a:schemeClr val="phClr"/>
+          </a:solidFill>
+          <a:prstDash val="solid"/>
+        </a:ln>
+        <a:ln w="38100" cap="flat" cmpd="sng" algn="ctr">
+          <a:solidFill>
+            <a:schemeClr val="phClr"/>
+          </a:solidFill>
+          <a:prstDash val="solid"/>
+        </a:ln>
+      </a:lnStyleLst>
+      <a:effectStyleLst>
+        <a:effectStyle>
+          <a:effectLst>
+            <a:outerShdw blurRad="40000" dist="20000" dir="5400000" rotWithShape="0">
+              <a:srgbClr val="000000">
+                <a:alpha val="38000"/>
+              </a:srgbClr>
+            </a:outerShdw>
+          </a:effectLst>
+        </a:effectStyle>
+        <a:effectStyle>
+          <a:effectLst>
+            <a:outerShdw blurRad="40000" dist="23000" dir="5400000" rotWithShape="0">
+              <a:srgbClr val="000000">
+                <a:alpha val="35000"/>
+              </a:srgbClr>
+            </a:outerShdw>
+          </a:effectLst>
+        </a:effectStyle>
+        <a:effectStyle>
+          <a:effectLst>
+            <a:outerShdw blurRad="40000" dist="23000" dir="5400000" rotWithShape="0">
+              <a:srgbClr val="000000">
+                <a:alpha val="35000"/>
+              </a:srgbClr>
+            </a:outerShdw>
+          </a:effectLst>
+          <a:scene3d>
+            <a:camera prst="orthographicFront">
+              <a:rot lat="0" lon="0" rev="0"/>
+            </a:camera>
+            <a:lightRig rig="threePt" dir="t">
+              <a:rot lat="0" lon="0" rev="1200000"/>
+            </a:lightRig>
+          </a:scene3d>
+          <a:sp3d>
+            <a:bevelT w="63500" h="25400"/>
+          </a:sp3d>
+        </a:effectStyle>
+      </a:effectStyleLst>
+      <a:bgFillStyleLst>
+        <a:solidFill>
+          <a:schemeClr val="phClr"/>
+        </a:solidFill>
+        <a:gradFill rotWithShape="1">
+          <a:gsLst>
+            <a:gs pos="0">
+              <a:schemeClr val="phClr">
+                <a:tint val="40000"/>
+                <a:satMod val="350000"/>
+              </a:schemeClr>
+            </a:gs>
+            <a:gs pos="40000">
+              <a:schemeClr val="phClr">
+                <a:tint val="45000"/>
+                <a:shade val="99000"/>
+                <a:satMod val="350000"/>
+              </a:schemeClr>
+            </a:gs>
+            <a:gs pos="100000">
+              <a:schemeClr val="phClr">
+                <a:shade val="20000"/>
+                <a:satMod val="255000"/>
+              </a:schemeClr>
+            </a:gs>
+          </a:gsLst>
+          <a:path path="circle">
+            <a:fillToRect l="50000" t="-80000" r="50000" b="180000"/>
+          </a:path>
+        </a:gradFill>
+        <a:gradFill rotWithShape="1">
+          <a:gsLst>
+            <a:gs pos="0">
+              <a:schemeClr val="phClr">
+                <a:tint val="80000"/>
+                <a:satMod val="300000"/>
+              </a:schemeClr>
+            </a:gs>
+            <a:gs pos="100000">
+              <a:schemeClr val="phClr">
+                <a:shade val="30000"/>
+                <a:satMod val="200000"/>
+              </a:schemeClr>
+            </a:gs>
+          </a:gsLst>
+          <a:path path="circle">
+            <a:fillToRect l="50000" t="50000" r="50000" b="50000"/>
+          </a:path>
+        </a:gradFill>
+      </a:bgFillStyleLst>
+    </a:fmtScheme>
+  </a:themeElements>
+</a:theme>
+</file>
+
+<file path=ppt/theme/theme2.xml><?xml version="1.0" encoding="utf-8"?>
 <a:theme xmlns:a="http://schemas.openxmlformats.org/drawingml/2006/main" xmlns:r="http://schemas.openxmlformats.org/officeDocument/2006/relationships">
   <a:themeElements>
     <a:clrScheme name="Default">
@@ -9381,283 +13310,4 @@
     </a:fmtScheme>
   </a:themeElements>
 </a:theme>
-</file>
-
-<file path=ppt/theme/theme2.xml><?xml version="1.0" encoding="utf-8"?>
-<a:theme xmlns:a="http://schemas.openxmlformats.org/drawingml/2006/main" xmlns:r="http://schemas.openxmlformats.org/officeDocument/2006/relationships" name="Spearmint">
-  <a:themeElements>
-    <a:clrScheme name="Spearmint">
-      <a:dk1>
-        <a:srgbClr val="202729"/>
-      </a:dk1>
-      <a:lt1>
-        <a:srgbClr val="FFFFFF"/>
-      </a:lt1>
-      <a:dk2>
-        <a:srgbClr val="4BA173"/>
-      </a:dk2>
-      <a:lt2>
-        <a:srgbClr val="63D297"/>
-      </a:lt2>
-      <a:accent1>
-        <a:srgbClr val="353744"/>
-      </a:accent1>
-      <a:accent2>
-        <a:srgbClr val="424242"/>
-      </a:accent2>
-      <a:accent3>
-        <a:srgbClr val="616161"/>
-      </a:accent3>
-      <a:accent4>
-        <a:srgbClr val="F0F0F0"/>
-      </a:accent4>
-      <a:accent5>
-        <a:srgbClr val="FF5252"/>
-      </a:accent5>
-      <a:accent6>
-        <a:srgbClr val="FFF176"/>
-      </a:accent6>
-      <a:hlink>
-        <a:srgbClr val="FF5252"/>
-      </a:hlink>
-      <a:folHlink>
-        <a:srgbClr val="FF5252"/>
-      </a:folHlink>
-    </a:clrScheme>
-    <a:fontScheme name="Office">
-      <a:majorFont>
-        <a:latin typeface="Arial"/>
-        <a:ea typeface=""/>
-        <a:cs typeface=""/>
-        <a:font script="Jpan" typeface="ＭＳ Ｐゴシック"/>
-        <a:font script="Hang" typeface="맑은 고딕"/>
-        <a:font script="Hans" typeface="宋体"/>
-        <a:font script="Hant" typeface="新細明體"/>
-        <a:font script="Arab" typeface="Times New Roman"/>
-        <a:font script="Hebr" typeface="Times New Roman"/>
-        <a:font script="Thai" typeface="Angsana New"/>
-        <a:font script="Ethi" typeface="Nyala"/>
-        <a:font script="Beng" typeface="Vrinda"/>
-        <a:font script="Gujr" typeface="Shruti"/>
-        <a:font script="Khmr" typeface="MoolBoran"/>
-        <a:font script="Knda" typeface="Tunga"/>
-        <a:font script="Guru" typeface="Raavi"/>
-        <a:font script="Cans" typeface="Euphemia"/>
-        <a:font script="Cher" typeface="Plantagenet Cherokee"/>
-        <a:font script="Yiii" typeface="Microsoft Yi Baiti"/>
-        <a:font script="Tibt" typeface="Microsoft Himalaya"/>
-        <a:font script="Thaa" typeface="MV Boli"/>
-        <a:font script="Deva" typeface="Mangal"/>
-        <a:font script="Telu" typeface="Gautami"/>
-        <a:font script="Taml" typeface="Latha"/>
-        <a:font script="Syrc" typeface="Estrangelo Edessa"/>
-        <a:font script="Orya" typeface="Kalinga"/>
-        <a:font script="Mlym" typeface="Kartika"/>
-        <a:font script="Laoo" typeface="DokChampa"/>
-        <a:font script="Sinh" typeface="Iskoola Pota"/>
-        <a:font script="Mong" typeface="Mongolian Baiti"/>
-        <a:font script="Viet" typeface="Times New Roman"/>
-        <a:font script="Uigh" typeface="Microsoft Uighur"/>
-        <a:font script="Geor" typeface="Sylfaen"/>
-      </a:majorFont>
-      <a:minorFont>
-        <a:latin typeface="Arial"/>
-        <a:ea typeface=""/>
-        <a:cs typeface=""/>
-        <a:font script="Jpan" typeface="ＭＳ Ｐゴシック"/>
-        <a:font script="Hang" typeface="맑은 고딕"/>
-        <a:font script="Hans" typeface="宋体"/>
-        <a:font script="Hant" typeface="新細明體"/>
-        <a:font script="Arab" typeface="Arial"/>
-        <a:font script="Hebr" typeface="Arial"/>
-        <a:font script="Thai" typeface="Cordia New"/>
-        <a:font script="Ethi" typeface="Nyala"/>
-        <a:font script="Beng" typeface="Vrinda"/>
-        <a:font script="Gujr" typeface="Shruti"/>
-        <a:font script="Khmr" typeface="DaunPenh"/>
-        <a:font script="Knda" typeface="Tunga"/>
-        <a:font script="Guru" typeface="Raavi"/>
-        <a:font script="Cans" typeface="Euphemia"/>
-        <a:font script="Cher" typeface="Plantagenet Cherokee"/>
-        <a:font script="Yiii" typeface="Microsoft Yi Baiti"/>
-        <a:font script="Tibt" typeface="Microsoft Himalaya"/>
-        <a:font script="Thaa" typeface="MV Boli"/>
-        <a:font script="Deva" typeface="Mangal"/>
-        <a:font script="Telu" typeface="Gautami"/>
-        <a:font script="Taml" typeface="Latha"/>
-        <a:font script="Syrc" typeface="Estrangelo Edessa"/>
-        <a:font script="Orya" typeface="Kalinga"/>
-        <a:font script="Mlym" typeface="Kartika"/>
-        <a:font script="Laoo" typeface="DokChampa"/>
-        <a:font script="Sinh" typeface="Iskoola Pota"/>
-        <a:font script="Mong" typeface="Mongolian Baiti"/>
-        <a:font script="Viet" typeface="Arial"/>
-        <a:font script="Uigh" typeface="Microsoft Uighur"/>
-        <a:font script="Geor" typeface="Sylfaen"/>
-      </a:minorFont>
-    </a:fontScheme>
-    <a:fmtScheme name="Office">
-      <a:fillStyleLst>
-        <a:solidFill>
-          <a:schemeClr val="phClr"/>
-        </a:solidFill>
-        <a:gradFill rotWithShape="1">
-          <a:gsLst>
-            <a:gs pos="0">
-              <a:schemeClr val="phClr">
-                <a:tint val="50000"/>
-                <a:satMod val="300000"/>
-              </a:schemeClr>
-            </a:gs>
-            <a:gs pos="35000">
-              <a:schemeClr val="phClr">
-                <a:tint val="37000"/>
-                <a:satMod val="300000"/>
-              </a:schemeClr>
-            </a:gs>
-            <a:gs pos="100000">
-              <a:schemeClr val="phClr">
-                <a:tint val="15000"/>
-                <a:satMod val="350000"/>
-              </a:schemeClr>
-            </a:gs>
-          </a:gsLst>
-          <a:lin ang="16200000" scaled="1"/>
-        </a:gradFill>
-        <a:gradFill rotWithShape="1">
-          <a:gsLst>
-            <a:gs pos="0">
-              <a:schemeClr val="phClr">
-                <a:tint val="100000"/>
-                <a:shade val="100000"/>
-                <a:satMod val="130000"/>
-              </a:schemeClr>
-            </a:gs>
-            <a:gs pos="100000">
-              <a:schemeClr val="phClr">
-                <a:tint val="50000"/>
-                <a:shade val="100000"/>
-                <a:satMod val="350000"/>
-              </a:schemeClr>
-            </a:gs>
-          </a:gsLst>
-          <a:lin ang="16200000" scaled="0"/>
-        </a:gradFill>
-      </a:fillStyleLst>
-      <a:lnStyleLst>
-        <a:ln w="9525" cap="flat" cmpd="sng" algn="ctr">
-          <a:solidFill>
-            <a:schemeClr val="phClr">
-              <a:shade val="95000"/>
-              <a:satMod val="105000"/>
-            </a:schemeClr>
-          </a:solidFill>
-          <a:prstDash val="solid"/>
-        </a:ln>
-        <a:ln w="25400" cap="flat" cmpd="sng" algn="ctr">
-          <a:solidFill>
-            <a:schemeClr val="phClr"/>
-          </a:solidFill>
-          <a:prstDash val="solid"/>
-        </a:ln>
-        <a:ln w="38100" cap="flat" cmpd="sng" algn="ctr">
-          <a:solidFill>
-            <a:schemeClr val="phClr"/>
-          </a:solidFill>
-          <a:prstDash val="solid"/>
-        </a:ln>
-      </a:lnStyleLst>
-      <a:effectStyleLst>
-        <a:effectStyle>
-          <a:effectLst>
-            <a:outerShdw blurRad="40000" dist="20000" dir="5400000" rotWithShape="0">
-              <a:srgbClr val="000000">
-                <a:alpha val="38000"/>
-              </a:srgbClr>
-            </a:outerShdw>
-          </a:effectLst>
-        </a:effectStyle>
-        <a:effectStyle>
-          <a:effectLst>
-            <a:outerShdw blurRad="40000" dist="23000" dir="5400000" rotWithShape="0">
-              <a:srgbClr val="000000">
-                <a:alpha val="35000"/>
-              </a:srgbClr>
-            </a:outerShdw>
-          </a:effectLst>
-        </a:effectStyle>
-        <a:effectStyle>
-          <a:effectLst>
-            <a:outerShdw blurRad="40000" dist="23000" dir="5400000" rotWithShape="0">
-              <a:srgbClr val="000000">
-                <a:alpha val="35000"/>
-              </a:srgbClr>
-            </a:outerShdw>
-          </a:effectLst>
-          <a:scene3d>
-            <a:camera prst="orthographicFront">
-              <a:rot lat="0" lon="0" rev="0"/>
-            </a:camera>
-            <a:lightRig rig="threePt" dir="t">
-              <a:rot lat="0" lon="0" rev="1200000"/>
-            </a:lightRig>
-          </a:scene3d>
-          <a:sp3d>
-            <a:bevelT w="63500" h="25400"/>
-          </a:sp3d>
-        </a:effectStyle>
-      </a:effectStyleLst>
-      <a:bgFillStyleLst>
-        <a:solidFill>
-          <a:schemeClr val="phClr"/>
-        </a:solidFill>
-        <a:gradFill rotWithShape="1">
-          <a:gsLst>
-            <a:gs pos="0">
-              <a:schemeClr val="phClr">
-                <a:tint val="40000"/>
-                <a:satMod val="350000"/>
-              </a:schemeClr>
-            </a:gs>
-            <a:gs pos="40000">
-              <a:schemeClr val="phClr">
-                <a:tint val="45000"/>
-                <a:shade val="99000"/>
-                <a:satMod val="350000"/>
-              </a:schemeClr>
-            </a:gs>
-            <a:gs pos="100000">
-              <a:schemeClr val="phClr">
-                <a:shade val="20000"/>
-                <a:satMod val="255000"/>
-              </a:schemeClr>
-            </a:gs>
-          </a:gsLst>
-          <a:path path="circle">
-            <a:fillToRect l="50000" t="-80000" r="50000" b="180000"/>
-          </a:path>
-        </a:gradFill>
-        <a:gradFill rotWithShape="1">
-          <a:gsLst>
-            <a:gs pos="0">
-              <a:schemeClr val="phClr">
-                <a:tint val="80000"/>
-                <a:satMod val="300000"/>
-              </a:schemeClr>
-            </a:gs>
-            <a:gs pos="100000">
-              <a:schemeClr val="phClr">
-                <a:shade val="30000"/>
-                <a:satMod val="200000"/>
-              </a:schemeClr>
-            </a:gs>
-          </a:gsLst>
-          <a:path path="circle">
-            <a:fillToRect l="50000" t="50000" r="50000" b="50000"/>
-          </a:path>
-        </a:gradFill>
-      </a:bgFillStyleLst>
-    </a:fmtScheme>
-  </a:themeElements>
-</a:theme>
 </file>
--- a/search_small_agent.pptx
+++ b/search_small_agent.pptx
@@ -14,16 +14,17 @@
     <p:sldId id="259" r:id="rId9"/>
     <p:sldId id="260" r:id="rId10"/>
     <p:sldId id="261" r:id="rId11"/>
+    <p:sldId id="262" r:id="rId12"/>
   </p:sldIdLst>
   <p:sldSz cy="5143500" cx="9144000"/>
   <p:notesSz cx="6858000" cy="9144000"/>
   <p:embeddedFontLst>
     <p:embeddedFont>
       <p:font typeface="Proxima Nova"/>
-      <p:regular r:id="rId12"/>
-      <p:bold r:id="rId13"/>
-      <p:italic r:id="rId14"/>
-      <p:boldItalic r:id="rId15"/>
+      <p:regular r:id="rId13"/>
+      <p:bold r:id="rId14"/>
+      <p:italic r:id="rId15"/>
+      <p:boldItalic r:id="rId16"/>
     </p:embeddedFont>
   </p:embeddedFontLst>
   <p:defaultTextStyle>
@@ -1101,7 +1102,7 @@
   <p:cSld>
     <p:spTree>
       <p:nvGrpSpPr>
-        <p:cNvPr id="122" name="Shape 122"/>
+        <p:cNvPr id="125" name="Shape 125"/>
         <p:cNvGrpSpPr/>
         <p:nvPr/>
       </p:nvGrpSpPr>
@@ -1115,7 +1116,7 @@
       </p:grpSpPr>
       <p:sp>
         <p:nvSpPr>
-          <p:cNvPr id="123" name="Google Shape;123;g2b940b2b6ab_0_0:notes"/>
+          <p:cNvPr id="126" name="Google Shape;126;g2b940b2b6ab_0_0:notes"/>
           <p:cNvSpPr/>
           <p:nvPr>
             <p:ph idx="2" type="sldImg"/>
@@ -1150,7 +1151,7 @@
       </p:sp>
       <p:sp>
         <p:nvSpPr>
-          <p:cNvPr id="124" name="Google Shape;124;g2b940b2b6ab_0_0:notes"/>
+          <p:cNvPr id="127" name="Google Shape;127;g2b940b2b6ab_0_0:notes"/>
           <p:cNvSpPr txBox="1"/>
           <p:nvPr>
             <p:ph idx="1" type="body"/>
@@ -1200,7 +1201,7 @@
   <p:cSld>
     <p:spTree>
       <p:nvGrpSpPr>
-        <p:cNvPr id="154" name="Shape 154"/>
+        <p:cNvPr id="157" name="Shape 157"/>
         <p:cNvGrpSpPr/>
         <p:nvPr/>
       </p:nvGrpSpPr>
@@ -1214,7 +1215,7 @@
       </p:grpSpPr>
       <p:sp>
         <p:nvSpPr>
-          <p:cNvPr id="155" name="Google Shape;155;g269e7035825_0_26:notes"/>
+          <p:cNvPr id="158" name="Google Shape;158;g2bc7c1b3449_0_10:notes"/>
           <p:cNvSpPr/>
           <p:nvPr>
             <p:ph idx="2" type="sldImg"/>
@@ -1249,7 +1250,106 @@
       </p:sp>
       <p:sp>
         <p:nvSpPr>
-          <p:cNvPr id="156" name="Google Shape;156;g269e7035825_0_26:notes"/>
+          <p:cNvPr id="159" name="Google Shape;159;g2bc7c1b3449_0_10:notes"/>
+          <p:cNvSpPr txBox="1"/>
+          <p:nvPr>
+            <p:ph idx="1" type="body"/>
+          </p:nvPr>
+        </p:nvSpPr>
+        <p:spPr>
+          <a:xfrm>
+            <a:off x="685800" y="4343400"/>
+            <a:ext cx="5486400" cy="4114800"/>
+          </a:xfrm>
+          <a:prstGeom prst="rect">
+            <a:avLst/>
+          </a:prstGeom>
+        </p:spPr>
+        <p:txBody>
+          <a:bodyPr anchorCtr="0" anchor="t" bIns="91425" lIns="91425" spcFirstLastPara="1" rIns="91425" wrap="square" tIns="91425">
+            <a:noAutofit/>
+          </a:bodyPr>
+          <a:lstStyle/>
+          <a:p>
+            <a:pPr indent="0" lvl="0" marL="0" rtl="0" algn="l">
+              <a:spcBef>
+                <a:spcPts val="0"/>
+              </a:spcBef>
+              <a:spcAft>
+                <a:spcPts val="0"/>
+              </a:spcAft>
+              <a:buNone/>
+            </a:pPr>
+            <a:r>
+              <a:t/>
+            </a:r>
+            <a:endParaRPr/>
+          </a:p>
+        </p:txBody>
+      </p:sp>
+    </p:spTree>
+  </p:cSld>
+  <p:clrMapOvr>
+    <a:masterClrMapping/>
+  </p:clrMapOvr>
+</p:notes>
+</file>
+
+<file path=ppt/notesSlides/notesSlide7.xml><?xml version="1.0" encoding="utf-8"?>
+<p:notes xmlns:a="http://schemas.openxmlformats.org/drawingml/2006/main" xmlns:r="http://schemas.openxmlformats.org/officeDocument/2006/relationships" xmlns:mc="http://schemas.openxmlformats.org/markup-compatibility/2006" xmlns:mv="urn:schemas-microsoft-com:mac:vml" xmlns:p="http://schemas.openxmlformats.org/presentationml/2006/main" xmlns:c="http://schemas.openxmlformats.org/drawingml/2006/chart" xmlns:dgm="http://schemas.openxmlformats.org/drawingml/2006/diagram" xmlns:o="urn:schemas-microsoft-com:office:office" xmlns:v="urn:schemas-microsoft-com:vml" xmlns:pvml="urn:schemas-microsoft-com:office:powerpoint" xmlns:com="http://schemas.openxmlformats.org/drawingml/2006/compatibility" xmlns:p14="http://schemas.microsoft.com/office/powerpoint/2010/main" xmlns:p15="http://schemas.microsoft.com/office/powerpoint/2012/main" xmlns:ahyp="http://schemas.microsoft.com/office/drawing/2018/hyperlinkcolor" showMasterPhAnim="0" showMasterSp="0">
+  <p:cSld>
+    <p:spTree>
+      <p:nvGrpSpPr>
+        <p:cNvPr id="194" name="Shape 194"/>
+        <p:cNvGrpSpPr/>
+        <p:nvPr/>
+      </p:nvGrpSpPr>
+      <p:grpSpPr>
+        <a:xfrm>
+          <a:off x="0" y="0"/>
+          <a:ext cx="0" cy="0"/>
+          <a:chOff x="0" y="0"/>
+          <a:chExt cx="0" cy="0"/>
+        </a:xfrm>
+      </p:grpSpPr>
+      <p:sp>
+        <p:nvSpPr>
+          <p:cNvPr id="195" name="Google Shape;195;g269e7035825_0_26:notes"/>
+          <p:cNvSpPr/>
+          <p:nvPr>
+            <p:ph idx="2" type="sldImg"/>
+          </p:nvPr>
+        </p:nvSpPr>
+        <p:spPr>
+          <a:xfrm>
+            <a:off x="381300" y="685800"/>
+            <a:ext cx="6096000" cy="3429000"/>
+          </a:xfrm>
+          <a:custGeom>
+            <a:rect b="b" l="l" r="r" t="t"/>
+            <a:pathLst>
+              <a:path extrusionOk="0" h="120000" w="120000">
+                <a:moveTo>
+                  <a:pt x="0" y="0"/>
+                </a:moveTo>
+                <a:lnTo>
+                  <a:pt x="120000" y="0"/>
+                </a:lnTo>
+                <a:lnTo>
+                  <a:pt x="120000" y="120000"/>
+                </a:lnTo>
+                <a:lnTo>
+                  <a:pt x="0" y="120000"/>
+                </a:lnTo>
+                <a:close/>
+              </a:path>
+            </a:pathLst>
+          </a:custGeom>
+        </p:spPr>
+      </p:sp>
+      <p:sp>
+        <p:nvSpPr>
+          <p:cNvPr id="196" name="Google Shape;196;g269e7035825_0_26:notes"/>
           <p:cNvSpPr txBox="1"/>
           <p:nvPr>
             <p:ph idx="1" type="body"/>
@@ -8696,7 +8796,7 @@
         </p:nvSpPr>
         <p:spPr>
           <a:xfrm>
-            <a:off x="3843150" y="546600"/>
+            <a:off x="3309750" y="470400"/>
             <a:ext cx="1457700" cy="381000"/>
           </a:xfrm>
           <a:prstGeom prst="roundRect">
@@ -8764,7 +8864,7 @@
         </p:nvSpPr>
         <p:spPr>
           <a:xfrm>
-            <a:off x="3843150" y="1601675"/>
+            <a:off x="3309750" y="1601675"/>
             <a:ext cx="1457700" cy="381000"/>
           </a:xfrm>
           <a:prstGeom prst="roundRect">
@@ -8835,8 +8935,8 @@
         </p:nvCxnSpPr>
         <p:spPr>
           <a:xfrm>
-            <a:off x="4572000" y="927600"/>
-            <a:ext cx="0" cy="674100"/>
+            <a:off x="4038600" y="851400"/>
+            <a:ext cx="0" cy="750300"/>
           </a:xfrm>
           <a:prstGeom prst="straightConnector1">
             <a:avLst/>
@@ -8864,8 +8964,8 @@
         </p:nvCxnSpPr>
         <p:spPr>
           <a:xfrm flipH="1" rot="-5400000">
-            <a:off x="4814850" y="1739825"/>
-            <a:ext cx="863100" cy="1348800"/>
+            <a:off x="4243350" y="1777925"/>
+            <a:ext cx="939300" cy="1348800"/>
           </a:xfrm>
           <a:prstGeom prst="bentConnector3">
             <a:avLst>
@@ -8895,8 +8995,8 @@
         </p:nvCxnSpPr>
         <p:spPr>
           <a:xfrm rot="5400000">
-            <a:off x="3466050" y="1739825"/>
-            <a:ext cx="863100" cy="1348800"/>
+            <a:off x="2894550" y="1777925"/>
+            <a:ext cx="939300" cy="1348800"/>
           </a:xfrm>
           <a:prstGeom prst="bentConnector3">
             <a:avLst>
@@ -8923,7 +9023,7 @@
         </p:nvSpPr>
         <p:spPr>
           <a:xfrm>
-            <a:off x="5192050" y="2845775"/>
+            <a:off x="4658650" y="2921975"/>
             <a:ext cx="1457700" cy="381000"/>
           </a:xfrm>
           <a:prstGeom prst="roundRect">
@@ -8991,7 +9091,7 @@
         </p:nvSpPr>
         <p:spPr>
           <a:xfrm>
-            <a:off x="2494250" y="2845763"/>
+            <a:off x="1960850" y="2921963"/>
             <a:ext cx="1457700" cy="426300"/>
           </a:xfrm>
           <a:prstGeom prst="roundRect">
@@ -9059,7 +9159,7 @@
         </p:nvSpPr>
         <p:spPr>
           <a:xfrm>
-            <a:off x="2494250" y="3783488"/>
+            <a:off x="1960850" y="3859688"/>
             <a:ext cx="1457700" cy="381000"/>
           </a:xfrm>
           <a:prstGeom prst="roundRect">
@@ -9130,7 +9230,7 @@
         </p:nvCxnSpPr>
         <p:spPr>
           <a:xfrm>
-            <a:off x="3223100" y="3272063"/>
+            <a:off x="2689700" y="3348263"/>
             <a:ext cx="0" cy="511500"/>
           </a:xfrm>
           <a:prstGeom prst="straightConnector1">
@@ -9156,7 +9256,7 @@
         </p:nvSpPr>
         <p:spPr>
           <a:xfrm>
-            <a:off x="5192050" y="3783500"/>
+            <a:off x="4658650" y="3859700"/>
             <a:ext cx="1457700" cy="381000"/>
           </a:xfrm>
           <a:prstGeom prst="roundRect">
@@ -9227,7 +9327,7 @@
         </p:nvCxnSpPr>
         <p:spPr>
           <a:xfrm>
-            <a:off x="5920900" y="3226775"/>
+            <a:off x="5387500" y="3302975"/>
             <a:ext cx="0" cy="556800"/>
           </a:xfrm>
           <a:prstGeom prst="straightConnector1">
@@ -9253,7 +9353,131 @@
         </p:nvSpPr>
         <p:spPr>
           <a:xfrm>
-            <a:off x="7123421" y="2845775"/>
+            <a:off x="6894821" y="2921975"/>
+            <a:ext cx="772200" cy="381000"/>
+          </a:xfrm>
+          <a:prstGeom prst="roundRect">
+            <a:avLst>
+              <a:gd fmla="val 16667" name="adj"/>
+            </a:avLst>
+          </a:prstGeom>
+          <a:solidFill>
+            <a:srgbClr val="0000FF"/>
+          </a:solidFill>
+          <a:ln cap="flat" cmpd="sng" w="9525">
+            <a:solidFill>
+              <a:srgbClr val="0000FF"/>
+            </a:solidFill>
+            <a:prstDash val="solid"/>
+            <a:round/>
+            <a:headEnd len="sm" w="sm" type="none"/>
+            <a:tailEnd len="sm" w="sm" type="none"/>
+          </a:ln>
+        </p:spPr>
+        <p:txBody>
+          <a:bodyPr anchorCtr="0" anchor="ctr" bIns="91425" lIns="91425" spcFirstLastPara="1" rIns="91425" wrap="square" tIns="91425">
+            <a:noAutofit/>
+          </a:bodyPr>
+          <a:lstStyle/>
+          <a:p>
+            <a:pPr indent="0" lvl="0" marL="0" rtl="0" algn="ctr">
+              <a:spcBef>
+                <a:spcPts val="0"/>
+              </a:spcBef>
+              <a:spcAft>
+                <a:spcPts val="0"/>
+              </a:spcAft>
+              <a:buNone/>
+            </a:pPr>
+            <a:r>
+              <a:rPr b="1" lang="ja">
+                <a:solidFill>
+                  <a:schemeClr val="lt1"/>
+                </a:solidFill>
+                <a:latin typeface="Proxima Nova"/>
+                <a:ea typeface="Proxima Nova"/>
+                <a:cs typeface="Proxima Nova"/>
+                <a:sym typeface="Proxima Nova"/>
+              </a:rPr>
+              <a:t>ICRL</a:t>
+            </a:r>
+            <a:endParaRPr b="1">
+              <a:solidFill>
+                <a:schemeClr val="lt1"/>
+              </a:solidFill>
+              <a:latin typeface="Proxima Nova"/>
+              <a:ea typeface="Proxima Nova"/>
+              <a:cs typeface="Proxima Nova"/>
+              <a:sym typeface="Proxima Nova"/>
+            </a:endParaRPr>
+          </a:p>
+        </p:txBody>
+      </p:sp>
+      <p:cxnSp>
+        <p:nvCxnSpPr>
+          <p:cNvPr id="120" name="Google Shape;120;p16"/>
+          <p:cNvCxnSpPr/>
+          <p:nvPr/>
+        </p:nvCxnSpPr>
+        <p:spPr>
+          <a:xfrm rot="5400000">
+            <a:off x="6578575" y="2611475"/>
+            <a:ext cx="600" cy="1383600"/>
+          </a:xfrm>
+          <a:prstGeom prst="curvedConnector3">
+            <a:avLst>
+              <a:gd fmla="val 75225000" name="adj1"/>
+            </a:avLst>
+          </a:prstGeom>
+          <a:noFill/>
+          <a:ln cap="flat" cmpd="sng" w="38100">
+            <a:solidFill>
+              <a:srgbClr val="0000FF"/>
+            </a:solidFill>
+            <a:prstDash val="dash"/>
+            <a:round/>
+            <a:headEnd len="med" w="med" type="none"/>
+            <a:tailEnd len="med" w="med" type="none"/>
+          </a:ln>
+        </p:spPr>
+      </p:cxnSp>
+      <p:cxnSp>
+        <p:nvCxnSpPr>
+          <p:cNvPr id="121" name="Google Shape;121;p16"/>
+          <p:cNvCxnSpPr/>
+          <p:nvPr/>
+        </p:nvCxnSpPr>
+        <p:spPr>
+          <a:xfrm rot="5400000">
+            <a:off x="6578575" y="2230475"/>
+            <a:ext cx="600" cy="1383600"/>
+          </a:xfrm>
+          <a:prstGeom prst="curvedConnector3">
+            <a:avLst>
+              <a:gd fmla="val -77420833" name="adj1"/>
+            </a:avLst>
+          </a:prstGeom>
+          <a:noFill/>
+          <a:ln cap="flat" cmpd="sng" w="38100">
+            <a:solidFill>
+              <a:srgbClr val="0000FF"/>
+            </a:solidFill>
+            <a:prstDash val="dash"/>
+            <a:round/>
+            <a:headEnd len="med" w="med" type="none"/>
+            <a:tailEnd len="med" w="med" type="triangle"/>
+          </a:ln>
+        </p:spPr>
+      </p:cxnSp>
+      <p:sp>
+        <p:nvSpPr>
+          <p:cNvPr id="122" name="Google Shape;122;p16"/>
+          <p:cNvSpPr/>
+          <p:nvPr/>
+        </p:nvSpPr>
+        <p:spPr>
+          <a:xfrm>
+            <a:off x="5270171" y="1619238"/>
             <a:ext cx="772200" cy="381000"/>
           </a:xfrm>
           <a:prstGeom prst="roundRect">
@@ -9315,18 +9539,21 @@
       </p:sp>
       <p:cxnSp>
         <p:nvCxnSpPr>
-          <p:cNvPr id="120" name="Google Shape;120;p16"/>
-          <p:cNvCxnSpPr/>
+          <p:cNvPr id="123" name="Google Shape;123;p16"/>
+          <p:cNvCxnSpPr>
+            <a:stCxn id="108" idx="2"/>
+            <a:endCxn id="122" idx="0"/>
+          </p:cNvCxnSpPr>
           <p:nvPr/>
         </p:nvCxnSpPr>
         <p:spPr>
-          <a:xfrm rot="5400000">
-            <a:off x="6807175" y="2535275"/>
-            <a:ext cx="600" cy="1383600"/>
-          </a:xfrm>
-          <a:prstGeom prst="curvedConnector3">
+          <a:xfrm flipH="1" rot="-5400000">
+            <a:off x="4463550" y="426450"/>
+            <a:ext cx="767700" cy="1617600"/>
+          </a:xfrm>
+          <a:prstGeom prst="bentConnector3">
             <a:avLst>
-              <a:gd fmla="val 75225000" name="adj1"/>
+              <a:gd fmla="val 32259" name="adj1"/>
             </a:avLst>
           </a:prstGeom>
           <a:noFill/>
@@ -9337,25 +9564,25 @@
             <a:prstDash val="dash"/>
             <a:round/>
             <a:headEnd len="med" w="med" type="none"/>
-            <a:tailEnd len="med" w="med" type="none"/>
+            <a:tailEnd len="med" w="med" type="triangle"/>
           </a:ln>
         </p:spPr>
       </p:cxnSp>
       <p:cxnSp>
         <p:nvCxnSpPr>
-          <p:cNvPr id="121" name="Google Shape;121;p16"/>
-          <p:cNvCxnSpPr/>
+          <p:cNvPr id="124" name="Google Shape;124;p16"/>
+          <p:cNvCxnSpPr>
+            <a:stCxn id="122" idx="2"/>
+          </p:cNvCxnSpPr>
           <p:nvPr/>
         </p:nvCxnSpPr>
         <p:spPr>
-          <a:xfrm rot="5400000">
-            <a:off x="6807175" y="2154275"/>
-            <a:ext cx="600" cy="1383600"/>
-          </a:xfrm>
-          <a:prstGeom prst="curvedConnector3">
-            <a:avLst>
-              <a:gd fmla="val -77420833" name="adj1"/>
-            </a:avLst>
+          <a:xfrm>
+            <a:off x="5656271" y="2000238"/>
+            <a:ext cx="0" cy="930600"/>
+          </a:xfrm>
+          <a:prstGeom prst="straightConnector1">
+            <a:avLst/>
           </a:prstGeom>
           <a:noFill/>
           <a:ln cap="flat" cmpd="sng" w="38100">
@@ -9382,7 +9609,7 @@
   <p:cSld>
     <p:spTree>
       <p:nvGrpSpPr>
-        <p:cNvPr id="125" name="Shape 125"/>
+        <p:cNvPr id="128" name="Shape 128"/>
         <p:cNvGrpSpPr/>
         <p:nvPr/>
       </p:nvGrpSpPr>
@@ -9396,7 +9623,7 @@
       </p:grpSpPr>
       <p:sp>
         <p:nvSpPr>
-          <p:cNvPr id="126" name="Google Shape;126;p17"/>
+          <p:cNvPr id="129" name="Google Shape;129;p17"/>
           <p:cNvSpPr/>
           <p:nvPr/>
         </p:nvSpPr>
@@ -9494,7 +9721,7 @@
       </p:sp>
       <p:sp>
         <p:nvSpPr>
-          <p:cNvPr id="127" name="Google Shape;127;p17"/>
+          <p:cNvPr id="130" name="Google Shape;130;p17"/>
           <p:cNvSpPr/>
           <p:nvPr/>
         </p:nvSpPr>
@@ -9551,7 +9778,7 @@
       </p:sp>
       <p:sp>
         <p:nvSpPr>
-          <p:cNvPr id="128" name="Google Shape;128;p17"/>
+          <p:cNvPr id="131" name="Google Shape;131;p17"/>
           <p:cNvSpPr/>
           <p:nvPr/>
         </p:nvSpPr>
@@ -9608,7 +9835,7 @@
       </p:sp>
       <p:sp>
         <p:nvSpPr>
-          <p:cNvPr id="129" name="Google Shape;129;p17"/>
+          <p:cNvPr id="132" name="Google Shape;132;p17"/>
           <p:cNvSpPr/>
           <p:nvPr/>
         </p:nvSpPr>
@@ -9676,7 +9903,7 @@
       </p:sp>
       <p:sp>
         <p:nvSpPr>
-          <p:cNvPr id="130" name="Google Shape;130;p17"/>
+          <p:cNvPr id="133" name="Google Shape;133;p17"/>
           <p:cNvSpPr/>
           <p:nvPr/>
         </p:nvSpPr>
@@ -9744,10 +9971,10 @@
       </p:sp>
       <p:cxnSp>
         <p:nvCxnSpPr>
-          <p:cNvPr id="131" name="Google Shape;131;p17"/>
+          <p:cNvPr id="134" name="Google Shape;134;p17"/>
           <p:cNvCxnSpPr>
-            <a:stCxn id="132" idx="2"/>
-            <a:endCxn id="133" idx="0"/>
+            <a:stCxn id="135" idx="2"/>
+            <a:endCxn id="136" idx="0"/>
           </p:cNvCxnSpPr>
           <p:nvPr/>
         </p:nvCxnSpPr>
@@ -9773,7 +10000,7 @@
       </p:cxnSp>
       <p:cxnSp>
         <p:nvCxnSpPr>
-          <p:cNvPr id="134" name="Google Shape;134;p17"/>
+          <p:cNvPr id="137" name="Google Shape;137;p17"/>
           <p:cNvCxnSpPr/>
           <p:nvPr/>
         </p:nvCxnSpPr>
@@ -9799,7 +10026,7 @@
       </p:cxnSp>
       <p:sp>
         <p:nvSpPr>
-          <p:cNvPr id="135" name="Google Shape;135;p17"/>
+          <p:cNvPr id="138" name="Google Shape;138;p17"/>
           <p:cNvSpPr/>
           <p:nvPr/>
         </p:nvSpPr>
@@ -9867,7 +10094,7 @@
       </p:sp>
       <p:cxnSp>
         <p:nvCxnSpPr>
-          <p:cNvPr id="136" name="Google Shape;136;p17"/>
+          <p:cNvPr id="139" name="Google Shape;139;p17"/>
           <p:cNvCxnSpPr/>
           <p:nvPr/>
         </p:nvCxnSpPr>
@@ -9893,7 +10120,7 @@
       </p:cxnSp>
       <p:sp>
         <p:nvSpPr>
-          <p:cNvPr id="137" name="Google Shape;137;p17"/>
+          <p:cNvPr id="140" name="Google Shape;140;p17"/>
           <p:cNvSpPr/>
           <p:nvPr/>
         </p:nvSpPr>
@@ -9973,7 +10200,7 @@
       </p:sp>
       <p:sp>
         <p:nvSpPr>
-          <p:cNvPr id="138" name="Google Shape;138;p17"/>
+          <p:cNvPr id="141" name="Google Shape;141;p17"/>
           <p:cNvSpPr/>
           <p:nvPr/>
         </p:nvSpPr>
@@ -10053,7 +10280,7 @@
       </p:sp>
       <p:sp>
         <p:nvSpPr>
-          <p:cNvPr id="139" name="Google Shape;139;p17"/>
+          <p:cNvPr id="142" name="Google Shape;142;p17"/>
           <p:cNvSpPr/>
           <p:nvPr/>
         </p:nvSpPr>
@@ -10157,7 +10384,7 @@
       </p:sp>
       <p:sp>
         <p:nvSpPr>
-          <p:cNvPr id="140" name="Google Shape;140;p17"/>
+          <p:cNvPr id="143" name="Google Shape;143;p17"/>
           <p:cNvSpPr txBox="1"/>
           <p:nvPr/>
         </p:nvSpPr>
@@ -10219,7 +10446,7 @@
       </p:sp>
       <p:sp>
         <p:nvSpPr>
-          <p:cNvPr id="141" name="Google Shape;141;p17"/>
+          <p:cNvPr id="144" name="Google Shape;144;p17"/>
           <p:cNvSpPr txBox="1"/>
           <p:nvPr/>
         </p:nvSpPr>
@@ -10289,7 +10516,7 @@
       </p:sp>
       <p:sp>
         <p:nvSpPr>
-          <p:cNvPr id="142" name="Google Shape;142;p17"/>
+          <p:cNvPr id="145" name="Google Shape;145;p17"/>
           <p:cNvSpPr/>
           <p:nvPr/>
         </p:nvSpPr>
@@ -10349,7 +10576,7 @@
       </p:sp>
       <p:sp>
         <p:nvSpPr>
-          <p:cNvPr id="143" name="Google Shape;143;p17"/>
+          <p:cNvPr id="146" name="Google Shape;146;p17"/>
           <p:cNvSpPr txBox="1"/>
           <p:nvPr/>
         </p:nvSpPr>
@@ -10419,7 +10646,7 @@
       </p:sp>
       <p:sp>
         <p:nvSpPr>
-          <p:cNvPr id="144" name="Google Shape;144;p17"/>
+          <p:cNvPr id="147" name="Google Shape;147;p17"/>
           <p:cNvSpPr/>
           <p:nvPr/>
         </p:nvSpPr>
@@ -10479,7 +10706,7 @@
       </p:sp>
       <p:sp>
         <p:nvSpPr>
-          <p:cNvPr id="145" name="Google Shape;145;p17"/>
+          <p:cNvPr id="148" name="Google Shape;148;p17"/>
           <p:cNvSpPr txBox="1"/>
           <p:nvPr/>
         </p:nvSpPr>
@@ -10549,9 +10776,9 @@
       </p:sp>
       <p:cxnSp>
         <p:nvCxnSpPr>
-          <p:cNvPr id="146" name="Google Shape;146;p17"/>
+          <p:cNvPr id="149" name="Google Shape;149;p17"/>
           <p:cNvCxnSpPr>
-            <a:stCxn id="132" idx="2"/>
+            <a:stCxn id="135" idx="2"/>
           </p:cNvCxnSpPr>
           <p:nvPr/>
         </p:nvCxnSpPr>
@@ -10579,7 +10806,7 @@
       </p:cxnSp>
       <p:sp>
         <p:nvSpPr>
-          <p:cNvPr id="132" name="Google Shape;132;p17"/>
+          <p:cNvPr id="135" name="Google Shape;135;p17"/>
           <p:cNvSpPr/>
           <p:nvPr/>
         </p:nvSpPr>
@@ -10647,9 +10874,9 @@
       </p:sp>
       <p:cxnSp>
         <p:nvCxnSpPr>
-          <p:cNvPr id="147" name="Google Shape;147;p17"/>
+          <p:cNvPr id="150" name="Google Shape;150;p17"/>
           <p:cNvCxnSpPr>
-            <a:stCxn id="148" idx="2"/>
+            <a:stCxn id="151" idx="2"/>
           </p:cNvCxnSpPr>
           <p:nvPr/>
         </p:nvCxnSpPr>
@@ -10675,7 +10902,7 @@
       </p:cxnSp>
       <p:cxnSp>
         <p:nvCxnSpPr>
-          <p:cNvPr id="149" name="Google Shape;149;p17"/>
+          <p:cNvPr id="152" name="Google Shape;152;p17"/>
           <p:cNvCxnSpPr/>
           <p:nvPr/>
         </p:nvCxnSpPr>
@@ -10701,7 +10928,7 @@
       </p:cxnSp>
       <p:sp>
         <p:nvSpPr>
-          <p:cNvPr id="150" name="Google Shape;150;p17"/>
+          <p:cNvPr id="153" name="Google Shape;153;p17"/>
           <p:cNvSpPr txBox="1"/>
           <p:nvPr/>
         </p:nvSpPr>
@@ -10763,7 +10990,7 @@
       </p:sp>
       <p:sp>
         <p:nvSpPr>
-          <p:cNvPr id="148" name="Google Shape;148;p17"/>
+          <p:cNvPr id="151" name="Google Shape;151;p17"/>
           <p:cNvSpPr/>
           <p:nvPr/>
         </p:nvSpPr>
@@ -10843,7 +11070,7 @@
       </p:sp>
       <p:sp>
         <p:nvSpPr>
-          <p:cNvPr id="133" name="Google Shape;133;p17"/>
+          <p:cNvPr id="136" name="Google Shape;136;p17"/>
           <p:cNvSpPr/>
           <p:nvPr/>
         </p:nvSpPr>
@@ -10923,7 +11150,7 @@
       </p:sp>
       <p:sp>
         <p:nvSpPr>
-          <p:cNvPr id="151" name="Google Shape;151;p17"/>
+          <p:cNvPr id="154" name="Google Shape;154;p17"/>
           <p:cNvSpPr/>
           <p:nvPr/>
         </p:nvSpPr>
@@ -10980,7 +11207,7 @@
       </p:sp>
       <p:sp>
         <p:nvSpPr>
-          <p:cNvPr id="152" name="Google Shape;152;p17"/>
+          <p:cNvPr id="155" name="Google Shape;155;p17"/>
           <p:cNvSpPr/>
           <p:nvPr/>
         </p:nvSpPr>
@@ -11037,10 +11264,10 @@
       </p:sp>
       <p:cxnSp>
         <p:nvCxnSpPr>
-          <p:cNvPr id="153" name="Google Shape;153;p17"/>
+          <p:cNvPr id="156" name="Google Shape;156;p17"/>
           <p:cNvCxnSpPr>
-            <a:stCxn id="135" idx="3"/>
-            <a:endCxn id="148" idx="0"/>
+            <a:stCxn id="138" idx="3"/>
+            <a:endCxn id="151" idx="0"/>
           </p:cNvCxnSpPr>
           <p:nvPr/>
         </p:nvCxnSpPr>
@@ -11077,7 +11304,7 @@
   <p:cSld>
     <p:spTree>
       <p:nvGrpSpPr>
-        <p:cNvPr id="157" name="Shape 157"/>
+        <p:cNvPr id="160" name="Shape 160"/>
         <p:cNvGrpSpPr/>
         <p:nvPr/>
       </p:nvGrpSpPr>
@@ -11091,7 +11318,1796 @@
       </p:grpSpPr>
       <p:sp>
         <p:nvSpPr>
-          <p:cNvPr id="158" name="Google Shape;158;p18"/>
+          <p:cNvPr id="161" name="Google Shape;161;p18"/>
+          <p:cNvSpPr/>
+          <p:nvPr/>
+        </p:nvSpPr>
+        <p:spPr>
+          <a:xfrm>
+            <a:off x="876310" y="865150"/>
+            <a:ext cx="7425000" cy="4000800"/>
+          </a:xfrm>
+          <a:prstGeom prst="roundRect">
+            <a:avLst>
+              <a:gd fmla="val 16667" name="adj"/>
+            </a:avLst>
+          </a:prstGeom>
+          <a:noFill/>
+          <a:ln cap="flat" cmpd="sng" w="38100">
+            <a:solidFill>
+              <a:srgbClr val="0000FF"/>
+            </a:solidFill>
+            <a:prstDash val="dash"/>
+            <a:round/>
+            <a:headEnd len="sm" w="sm" type="none"/>
+            <a:tailEnd len="sm" w="sm" type="none"/>
+          </a:ln>
+        </p:spPr>
+        <p:txBody>
+          <a:bodyPr anchorCtr="0" anchor="t" bIns="91425" lIns="91425" spcFirstLastPara="1" rIns="91425" wrap="square" tIns="91425">
+            <a:noAutofit/>
+          </a:bodyPr>
+          <a:lstStyle/>
+          <a:p>
+            <a:pPr indent="0" lvl="0" marL="0" rtl="0" algn="l">
+              <a:spcBef>
+                <a:spcPts val="0"/>
+              </a:spcBef>
+              <a:spcAft>
+                <a:spcPts val="0"/>
+              </a:spcAft>
+              <a:buNone/>
+            </a:pPr>
+            <a:r>
+              <a:rPr b="1" lang="ja">
+                <a:solidFill>
+                  <a:schemeClr val="accent3"/>
+                </a:solidFill>
+                <a:latin typeface="Proxima Nova"/>
+                <a:ea typeface="Proxima Nova"/>
+                <a:cs typeface="Proxima Nova"/>
+                <a:sym typeface="Proxima Nova"/>
+              </a:rPr>
+              <a:t>Search </a:t>
+            </a:r>
+            <a:endParaRPr b="1">
+              <a:solidFill>
+                <a:schemeClr val="accent3"/>
+              </a:solidFill>
+              <a:latin typeface="Proxima Nova"/>
+              <a:ea typeface="Proxima Nova"/>
+              <a:cs typeface="Proxima Nova"/>
+              <a:sym typeface="Proxima Nova"/>
+            </a:endParaRPr>
+          </a:p>
+          <a:p>
+            <a:pPr indent="0" lvl="0" marL="0" rtl="0" algn="l">
+              <a:spcBef>
+                <a:spcPts val="0"/>
+              </a:spcBef>
+              <a:spcAft>
+                <a:spcPts val="0"/>
+              </a:spcAft>
+              <a:buNone/>
+            </a:pPr>
+            <a:r>
+              <a:rPr b="1" lang="ja">
+                <a:solidFill>
+                  <a:schemeClr val="accent3"/>
+                </a:solidFill>
+                <a:latin typeface="Proxima Nova"/>
+                <a:ea typeface="Proxima Nova"/>
+                <a:cs typeface="Proxima Nova"/>
+                <a:sym typeface="Proxima Nova"/>
+              </a:rPr>
+              <a:t>Agent</a:t>
+            </a:r>
+            <a:endParaRPr b="1">
+              <a:solidFill>
+                <a:schemeClr val="accent3"/>
+              </a:solidFill>
+              <a:latin typeface="Proxima Nova"/>
+              <a:ea typeface="Proxima Nova"/>
+              <a:cs typeface="Proxima Nova"/>
+              <a:sym typeface="Proxima Nova"/>
+            </a:endParaRPr>
+          </a:p>
+        </p:txBody>
+      </p:sp>
+      <p:sp>
+        <p:nvSpPr>
+          <p:cNvPr id="162" name="Google Shape;162;p18"/>
+          <p:cNvSpPr/>
+          <p:nvPr/>
+        </p:nvSpPr>
+        <p:spPr>
+          <a:xfrm>
+            <a:off x="5846500" y="3574700"/>
+            <a:ext cx="2290800" cy="801000"/>
+          </a:xfrm>
+          <a:prstGeom prst="roundRect">
+            <a:avLst>
+              <a:gd fmla="val 16667" name="adj"/>
+            </a:avLst>
+          </a:prstGeom>
+          <a:noFill/>
+          <a:ln cap="flat" cmpd="sng" w="38100">
+            <a:solidFill>
+              <a:srgbClr val="0000FF"/>
+            </a:solidFill>
+            <a:prstDash val="solid"/>
+            <a:round/>
+            <a:headEnd len="sm" w="sm" type="none"/>
+            <a:tailEnd len="sm" w="sm" type="none"/>
+          </a:ln>
+        </p:spPr>
+        <p:txBody>
+          <a:bodyPr anchorCtr="0" anchor="t" bIns="91425" lIns="91425" spcFirstLastPara="1" rIns="91425" wrap="square" tIns="91425">
+            <a:noAutofit/>
+          </a:bodyPr>
+          <a:lstStyle/>
+          <a:p>
+            <a:pPr indent="0" lvl="0" marL="0" rtl="0" algn="l">
+              <a:spcBef>
+                <a:spcPts val="0"/>
+              </a:spcBef>
+              <a:spcAft>
+                <a:spcPts val="0"/>
+              </a:spcAft>
+              <a:buNone/>
+            </a:pPr>
+            <a:r>
+              <a:t/>
+            </a:r>
+            <a:endParaRPr b="1">
+              <a:solidFill>
+                <a:schemeClr val="accent3"/>
+              </a:solidFill>
+              <a:latin typeface="Proxima Nova"/>
+              <a:ea typeface="Proxima Nova"/>
+              <a:cs typeface="Proxima Nova"/>
+              <a:sym typeface="Proxima Nova"/>
+            </a:endParaRPr>
+          </a:p>
+        </p:txBody>
+      </p:sp>
+      <p:sp>
+        <p:nvSpPr>
+          <p:cNvPr id="163" name="Google Shape;163;p18"/>
+          <p:cNvSpPr/>
+          <p:nvPr/>
+        </p:nvSpPr>
+        <p:spPr>
+          <a:xfrm>
+            <a:off x="6296300" y="3572606"/>
+            <a:ext cx="1762500" cy="725400"/>
+          </a:xfrm>
+          <a:prstGeom prst="roundRect">
+            <a:avLst>
+              <a:gd fmla="val 16667" name="adj"/>
+            </a:avLst>
+          </a:prstGeom>
+          <a:noFill/>
+          <a:ln cap="flat" cmpd="sng" w="38100">
+            <a:solidFill>
+              <a:srgbClr val="0000FF"/>
+            </a:solidFill>
+            <a:prstDash val="solid"/>
+            <a:round/>
+            <a:headEnd len="sm" w="sm" type="none"/>
+            <a:tailEnd len="sm" w="sm" type="none"/>
+          </a:ln>
+        </p:spPr>
+        <p:txBody>
+          <a:bodyPr anchorCtr="0" anchor="t" bIns="91425" lIns="91425" spcFirstLastPara="1" rIns="91425" wrap="square" tIns="91425">
+            <a:noAutofit/>
+          </a:bodyPr>
+          <a:lstStyle/>
+          <a:p>
+            <a:pPr indent="0" lvl="0" marL="0" rtl="0" algn="l">
+              <a:spcBef>
+                <a:spcPts val="0"/>
+              </a:spcBef>
+              <a:spcAft>
+                <a:spcPts val="0"/>
+              </a:spcAft>
+              <a:buNone/>
+            </a:pPr>
+            <a:r>
+              <a:t/>
+            </a:r>
+            <a:endParaRPr b="1">
+              <a:solidFill>
+                <a:schemeClr val="accent3"/>
+              </a:solidFill>
+              <a:latin typeface="Proxima Nova"/>
+              <a:ea typeface="Proxima Nova"/>
+              <a:cs typeface="Proxima Nova"/>
+              <a:sym typeface="Proxima Nova"/>
+            </a:endParaRPr>
+          </a:p>
+        </p:txBody>
+      </p:sp>
+      <p:sp>
+        <p:nvSpPr>
+          <p:cNvPr id="164" name="Google Shape;164;p18"/>
+          <p:cNvSpPr/>
+          <p:nvPr/>
+        </p:nvSpPr>
+        <p:spPr>
+          <a:xfrm>
+            <a:off x="6367698" y="3804537"/>
+            <a:ext cx="1653900" cy="243900"/>
+          </a:xfrm>
+          <a:prstGeom prst="roundRect">
+            <a:avLst>
+              <a:gd fmla="val 16667" name="adj"/>
+            </a:avLst>
+          </a:prstGeom>
+          <a:solidFill>
+            <a:schemeClr val="lt1"/>
+          </a:solidFill>
+          <a:ln cap="flat" cmpd="sng" w="9525">
+            <a:solidFill>
+              <a:schemeClr val="lt1"/>
+            </a:solidFill>
+            <a:prstDash val="solid"/>
+            <a:round/>
+            <a:headEnd len="sm" w="sm" type="none"/>
+            <a:tailEnd len="sm" w="sm" type="none"/>
+          </a:ln>
+        </p:spPr>
+        <p:txBody>
+          <a:bodyPr anchorCtr="0" anchor="ctr" bIns="91425" lIns="91425" spcFirstLastPara="1" rIns="91425" wrap="square" tIns="91425">
+            <a:noAutofit/>
+          </a:bodyPr>
+          <a:lstStyle/>
+          <a:p>
+            <a:pPr indent="0" lvl="0" marL="0" rtl="0" algn="ctr">
+              <a:spcBef>
+                <a:spcPts val="0"/>
+              </a:spcBef>
+              <a:spcAft>
+                <a:spcPts val="0"/>
+              </a:spcAft>
+              <a:buNone/>
+            </a:pPr>
+            <a:r>
+              <a:rPr b="1" lang="ja">
+                <a:solidFill>
+                  <a:schemeClr val="accent3"/>
+                </a:solidFill>
+                <a:latin typeface="Proxima Nova"/>
+                <a:ea typeface="Proxima Nova"/>
+                <a:cs typeface="Proxima Nova"/>
+                <a:sym typeface="Proxima Nova"/>
+              </a:rPr>
+              <a:t>+  function calling</a:t>
+            </a:r>
+            <a:endParaRPr b="1">
+              <a:solidFill>
+                <a:schemeClr val="accent3"/>
+              </a:solidFill>
+              <a:latin typeface="Proxima Nova"/>
+              <a:ea typeface="Proxima Nova"/>
+              <a:cs typeface="Proxima Nova"/>
+              <a:sym typeface="Proxima Nova"/>
+            </a:endParaRPr>
+          </a:p>
+        </p:txBody>
+      </p:sp>
+      <p:sp>
+        <p:nvSpPr>
+          <p:cNvPr id="165" name="Google Shape;165;p18"/>
+          <p:cNvSpPr/>
+          <p:nvPr/>
+        </p:nvSpPr>
+        <p:spPr>
+          <a:xfrm>
+            <a:off x="3642933" y="186098"/>
+            <a:ext cx="1005000" cy="381000"/>
+          </a:xfrm>
+          <a:prstGeom prst="roundRect">
+            <a:avLst>
+              <a:gd fmla="val 16667" name="adj"/>
+            </a:avLst>
+          </a:prstGeom>
+          <a:solidFill>
+            <a:srgbClr val="EFEFEF"/>
+          </a:solidFill>
+          <a:ln cap="flat" cmpd="sng" w="9525">
+            <a:solidFill>
+              <a:srgbClr val="0000FF"/>
+            </a:solidFill>
+            <a:prstDash val="solid"/>
+            <a:round/>
+            <a:headEnd len="sm" w="sm" type="none"/>
+            <a:tailEnd len="sm" w="sm" type="none"/>
+          </a:ln>
+        </p:spPr>
+        <p:txBody>
+          <a:bodyPr anchorCtr="0" anchor="ctr" bIns="91425" lIns="91425" spcFirstLastPara="1" rIns="91425" wrap="square" tIns="91425">
+            <a:noAutofit/>
+          </a:bodyPr>
+          <a:lstStyle/>
+          <a:p>
+            <a:pPr indent="0" lvl="0" marL="0" rtl="0" algn="ctr">
+              <a:spcBef>
+                <a:spcPts val="0"/>
+              </a:spcBef>
+              <a:spcAft>
+                <a:spcPts val="0"/>
+              </a:spcAft>
+              <a:buNone/>
+            </a:pPr>
+            <a:r>
+              <a:rPr b="1" lang="ja">
+                <a:solidFill>
+                  <a:schemeClr val="accent2"/>
+                </a:solidFill>
+                <a:latin typeface="Proxima Nova"/>
+                <a:ea typeface="Proxima Nova"/>
+                <a:cs typeface="Proxima Nova"/>
+                <a:sym typeface="Proxima Nova"/>
+              </a:rPr>
+              <a:t>Output</a:t>
+            </a:r>
+            <a:endParaRPr b="1">
+              <a:solidFill>
+                <a:schemeClr val="accent2"/>
+              </a:solidFill>
+              <a:latin typeface="Proxima Nova"/>
+              <a:ea typeface="Proxima Nova"/>
+              <a:cs typeface="Proxima Nova"/>
+              <a:sym typeface="Proxima Nova"/>
+            </a:endParaRPr>
+          </a:p>
+        </p:txBody>
+      </p:sp>
+      <p:cxnSp>
+        <p:nvCxnSpPr>
+          <p:cNvPr id="166" name="Google Shape;166;p18"/>
+          <p:cNvCxnSpPr/>
+          <p:nvPr/>
+        </p:nvCxnSpPr>
+        <p:spPr>
+          <a:xfrm rot="10800000">
+            <a:off x="4045179" y="567102"/>
+            <a:ext cx="0" cy="535200"/>
+          </a:xfrm>
+          <a:prstGeom prst="straightConnector1">
+            <a:avLst/>
+          </a:prstGeom>
+          <a:noFill/>
+          <a:ln cap="flat" cmpd="sng" w="38100">
+            <a:solidFill>
+              <a:srgbClr val="0000FF"/>
+            </a:solidFill>
+            <a:prstDash val="solid"/>
+            <a:round/>
+            <a:headEnd len="med" w="med" type="none"/>
+            <a:tailEnd len="med" w="med" type="triangle"/>
+          </a:ln>
+        </p:spPr>
+      </p:cxnSp>
+      <p:sp>
+        <p:nvSpPr>
+          <p:cNvPr id="167" name="Google Shape;167;p18"/>
+          <p:cNvSpPr/>
+          <p:nvPr/>
+        </p:nvSpPr>
+        <p:spPr>
+          <a:xfrm>
+            <a:off x="3281179" y="1018775"/>
+            <a:ext cx="1068000" cy="381000"/>
+          </a:xfrm>
+          <a:prstGeom prst="roundRect">
+            <a:avLst>
+              <a:gd fmla="val 16667" name="adj"/>
+            </a:avLst>
+          </a:prstGeom>
+          <a:solidFill>
+            <a:srgbClr val="0000FF"/>
+          </a:solidFill>
+          <a:ln cap="flat" cmpd="sng" w="9525">
+            <a:solidFill>
+              <a:srgbClr val="0000FF"/>
+            </a:solidFill>
+            <a:prstDash val="solid"/>
+            <a:round/>
+            <a:headEnd len="sm" w="sm" type="none"/>
+            <a:tailEnd len="sm" w="sm" type="none"/>
+          </a:ln>
+        </p:spPr>
+        <p:txBody>
+          <a:bodyPr anchorCtr="0" anchor="ctr" bIns="91425" lIns="91425" spcFirstLastPara="1" rIns="91425" wrap="square" tIns="91425">
+            <a:noAutofit/>
+          </a:bodyPr>
+          <a:lstStyle/>
+          <a:p>
+            <a:pPr indent="0" lvl="0" marL="0" rtl="0" algn="ctr">
+              <a:spcBef>
+                <a:spcPts val="0"/>
+              </a:spcBef>
+              <a:spcAft>
+                <a:spcPts val="0"/>
+              </a:spcAft>
+              <a:buNone/>
+            </a:pPr>
+            <a:r>
+              <a:rPr b="1" lang="ja">
+                <a:solidFill>
+                  <a:schemeClr val="lt1"/>
+                </a:solidFill>
+                <a:latin typeface="Proxima Nova"/>
+                <a:ea typeface="Proxima Nova"/>
+                <a:cs typeface="Proxima Nova"/>
+                <a:sym typeface="Proxima Nova"/>
+              </a:rPr>
+              <a:t>QA</a:t>
+            </a:r>
+            <a:endParaRPr b="1">
+              <a:solidFill>
+                <a:schemeClr val="lt1"/>
+              </a:solidFill>
+              <a:latin typeface="Proxima Nova"/>
+              <a:ea typeface="Proxima Nova"/>
+              <a:cs typeface="Proxima Nova"/>
+              <a:sym typeface="Proxima Nova"/>
+            </a:endParaRPr>
+          </a:p>
+        </p:txBody>
+      </p:sp>
+      <p:cxnSp>
+        <p:nvCxnSpPr>
+          <p:cNvPr id="168" name="Google Shape;168;p18"/>
+          <p:cNvCxnSpPr/>
+          <p:nvPr/>
+        </p:nvCxnSpPr>
+        <p:spPr>
+          <a:xfrm rot="10800000">
+            <a:off x="3508704" y="1390900"/>
+            <a:ext cx="0" cy="2961300"/>
+          </a:xfrm>
+          <a:prstGeom prst="straightConnector1">
+            <a:avLst/>
+          </a:prstGeom>
+          <a:noFill/>
+          <a:ln cap="flat" cmpd="sng" w="38100">
+            <a:solidFill>
+              <a:srgbClr val="0000FF"/>
+            </a:solidFill>
+            <a:prstDash val="solid"/>
+            <a:round/>
+            <a:headEnd len="med" w="med" type="none"/>
+            <a:tailEnd len="med" w="med" type="triangle"/>
+          </a:ln>
+        </p:spPr>
+      </p:cxnSp>
+      <p:sp>
+        <p:nvSpPr>
+          <p:cNvPr id="169" name="Google Shape;169;p18"/>
+          <p:cNvSpPr/>
+          <p:nvPr/>
+        </p:nvSpPr>
+        <p:spPr>
+          <a:xfrm>
+            <a:off x="3821729" y="4343425"/>
+            <a:ext cx="1714500" cy="381000"/>
+          </a:xfrm>
+          <a:prstGeom prst="roundRect">
+            <a:avLst>
+              <a:gd fmla="val 16667" name="adj"/>
+            </a:avLst>
+          </a:prstGeom>
+          <a:solidFill>
+            <a:srgbClr val="0000FF"/>
+          </a:solidFill>
+          <a:ln cap="flat" cmpd="sng" w="9525">
+            <a:solidFill>
+              <a:srgbClr val="0000FF"/>
+            </a:solidFill>
+            <a:prstDash val="solid"/>
+            <a:round/>
+            <a:headEnd len="sm" w="sm" type="none"/>
+            <a:tailEnd len="sm" w="sm" type="none"/>
+          </a:ln>
+        </p:spPr>
+        <p:txBody>
+          <a:bodyPr anchorCtr="0" anchor="ctr" bIns="91425" lIns="91425" spcFirstLastPara="1" rIns="91425" wrap="square" tIns="91425">
+            <a:noAutofit/>
+          </a:bodyPr>
+          <a:lstStyle/>
+          <a:p>
+            <a:pPr indent="0" lvl="0" marL="0" rtl="0" algn="ctr">
+              <a:spcBef>
+                <a:spcPts val="0"/>
+              </a:spcBef>
+              <a:spcAft>
+                <a:spcPts val="0"/>
+              </a:spcAft>
+              <a:buNone/>
+            </a:pPr>
+            <a:r>
+              <a:rPr b="1" lang="ja">
+                <a:solidFill>
+                  <a:schemeClr val="lt1"/>
+                </a:solidFill>
+                <a:latin typeface="Proxima Nova"/>
+                <a:ea typeface="Proxima Nova"/>
+                <a:cs typeface="Proxima Nova"/>
+                <a:sym typeface="Proxima Nova"/>
+              </a:rPr>
+              <a:t>Reasarch</a:t>
+            </a:r>
+            <a:endParaRPr b="1">
+              <a:solidFill>
+                <a:schemeClr val="lt1"/>
+              </a:solidFill>
+              <a:latin typeface="Proxima Nova"/>
+              <a:ea typeface="Proxima Nova"/>
+              <a:cs typeface="Proxima Nova"/>
+              <a:sym typeface="Proxima Nova"/>
+            </a:endParaRPr>
+          </a:p>
+        </p:txBody>
+      </p:sp>
+      <p:sp>
+        <p:nvSpPr>
+          <p:cNvPr id="170" name="Google Shape;170;p18"/>
+          <p:cNvSpPr/>
+          <p:nvPr/>
+        </p:nvSpPr>
+        <p:spPr>
+          <a:xfrm>
+            <a:off x="5225304" y="2649650"/>
+            <a:ext cx="2217600" cy="308700"/>
+          </a:xfrm>
+          <a:prstGeom prst="roundRect">
+            <a:avLst>
+              <a:gd fmla="val 16667" name="adj"/>
+            </a:avLst>
+          </a:prstGeom>
+          <a:solidFill>
+            <a:schemeClr val="lt1"/>
+          </a:solidFill>
+          <a:ln cap="flat" cmpd="sng" w="9525">
+            <a:solidFill>
+              <a:schemeClr val="lt1"/>
+            </a:solidFill>
+            <a:prstDash val="solid"/>
+            <a:round/>
+            <a:headEnd len="sm" w="sm" type="none"/>
+            <a:tailEnd len="sm" w="sm" type="none"/>
+          </a:ln>
+        </p:spPr>
+        <p:txBody>
+          <a:bodyPr anchorCtr="0" anchor="ctr" bIns="91425" lIns="91425" spcFirstLastPara="1" rIns="91425" wrap="square" tIns="91425">
+            <a:noAutofit/>
+          </a:bodyPr>
+          <a:lstStyle/>
+          <a:p>
+            <a:pPr indent="0" lvl="0" marL="0" rtl="0" algn="l">
+              <a:spcBef>
+                <a:spcPts val="0"/>
+              </a:spcBef>
+              <a:spcAft>
+                <a:spcPts val="0"/>
+              </a:spcAft>
+              <a:buNone/>
+            </a:pPr>
+            <a:r>
+              <a:rPr b="1" lang="ja">
+                <a:solidFill>
+                  <a:schemeClr val="accent3"/>
+                </a:solidFill>
+                <a:latin typeface="Proxima Nova"/>
+                <a:ea typeface="Proxima Nova"/>
+                <a:cs typeface="Proxima Nova"/>
+                <a:sym typeface="Proxima Nova"/>
+              </a:rPr>
+              <a:t>+ make_research_query</a:t>
+            </a:r>
+            <a:endParaRPr b="1">
+              <a:solidFill>
+                <a:schemeClr val="accent3"/>
+              </a:solidFill>
+              <a:latin typeface="Proxima Nova"/>
+              <a:ea typeface="Proxima Nova"/>
+              <a:cs typeface="Proxima Nova"/>
+              <a:sym typeface="Proxima Nova"/>
+            </a:endParaRPr>
+          </a:p>
+        </p:txBody>
+      </p:sp>
+      <p:sp>
+        <p:nvSpPr>
+          <p:cNvPr id="171" name="Google Shape;171;p18"/>
+          <p:cNvSpPr/>
+          <p:nvPr/>
+        </p:nvSpPr>
+        <p:spPr>
+          <a:xfrm>
+            <a:off x="5582336" y="3186725"/>
+            <a:ext cx="2155800" cy="349200"/>
+          </a:xfrm>
+          <a:prstGeom prst="roundRect">
+            <a:avLst>
+              <a:gd fmla="val 16667" name="adj"/>
+            </a:avLst>
+          </a:prstGeom>
+          <a:noFill/>
+          <a:ln>
+            <a:noFill/>
+          </a:ln>
+        </p:spPr>
+        <p:txBody>
+          <a:bodyPr anchorCtr="0" anchor="ctr" bIns="91425" lIns="91425" spcFirstLastPara="1" rIns="91425" wrap="square" tIns="91425">
+            <a:noAutofit/>
+          </a:bodyPr>
+          <a:lstStyle/>
+          <a:p>
+            <a:pPr indent="0" lvl="0" marL="0" rtl="0" algn="l">
+              <a:spcBef>
+                <a:spcPts val="0"/>
+              </a:spcBef>
+              <a:spcAft>
+                <a:spcPts val="0"/>
+              </a:spcAft>
+              <a:buNone/>
+            </a:pPr>
+            <a:r>
+              <a:rPr b="1" lang="ja">
+                <a:solidFill>
+                  <a:schemeClr val="accent3"/>
+                </a:solidFill>
+                <a:latin typeface="Proxima Nova"/>
+                <a:ea typeface="Proxima Nova"/>
+                <a:cs typeface="Proxima Nova"/>
+                <a:sym typeface="Proxima Nova"/>
+              </a:rPr>
+              <a:t>+  date_range_updated</a:t>
+            </a:r>
+            <a:endParaRPr b="1">
+              <a:solidFill>
+                <a:schemeClr val="accent3"/>
+              </a:solidFill>
+              <a:latin typeface="Proxima Nova"/>
+              <a:ea typeface="Proxima Nova"/>
+              <a:cs typeface="Proxima Nova"/>
+              <a:sym typeface="Proxima Nova"/>
+            </a:endParaRPr>
+          </a:p>
+          <a:p>
+            <a:pPr indent="0" lvl="0" marL="0" rtl="0" algn="l">
+              <a:spcBef>
+                <a:spcPts val="0"/>
+              </a:spcBef>
+              <a:spcAft>
+                <a:spcPts val="0"/>
+              </a:spcAft>
+              <a:buNone/>
+            </a:pPr>
+            <a:r>
+              <a:rPr b="1" lang="ja" sz="1000">
+                <a:solidFill>
+                  <a:schemeClr val="accent3"/>
+                </a:solidFill>
+                <a:latin typeface="Proxima Nova"/>
+                <a:ea typeface="Proxima Nova"/>
+                <a:cs typeface="Proxima Nova"/>
+                <a:sym typeface="Proxima Nova"/>
+              </a:rPr>
+              <a:t>(その他クエリ変換)</a:t>
+            </a:r>
+            <a:endParaRPr b="1" sz="1000">
+              <a:solidFill>
+                <a:schemeClr val="accent3"/>
+              </a:solidFill>
+              <a:latin typeface="Proxima Nova"/>
+              <a:ea typeface="Proxima Nova"/>
+              <a:cs typeface="Proxima Nova"/>
+              <a:sym typeface="Proxima Nova"/>
+            </a:endParaRPr>
+          </a:p>
+        </p:txBody>
+      </p:sp>
+      <p:sp>
+        <p:nvSpPr>
+          <p:cNvPr id="172" name="Google Shape;172;p18"/>
+          <p:cNvSpPr txBox="1"/>
+          <p:nvPr/>
+        </p:nvSpPr>
+        <p:spPr>
+          <a:xfrm>
+            <a:off x="5150929" y="2415500"/>
+            <a:ext cx="1208100" cy="400200"/>
+          </a:xfrm>
+          <a:prstGeom prst="rect">
+            <a:avLst/>
+          </a:prstGeom>
+          <a:noFill/>
+          <a:ln>
+            <a:noFill/>
+          </a:ln>
+        </p:spPr>
+        <p:txBody>
+          <a:bodyPr anchorCtr="0" anchor="t" bIns="91425" lIns="91425" spcFirstLastPara="1" rIns="91425" wrap="square" tIns="91425">
+            <a:spAutoFit/>
+          </a:bodyPr>
+          <a:lstStyle/>
+          <a:p>
+            <a:pPr indent="0" lvl="0" marL="0" rtl="0" algn="l">
+              <a:spcBef>
+                <a:spcPts val="0"/>
+              </a:spcBef>
+              <a:spcAft>
+                <a:spcPts val="0"/>
+              </a:spcAft>
+              <a:buNone/>
+            </a:pPr>
+            <a:r>
+              <a:rPr b="1" lang="ja">
+                <a:solidFill>
+                  <a:schemeClr val="accent3"/>
+                </a:solidFill>
+                <a:latin typeface="Proxima Nova"/>
+                <a:ea typeface="Proxima Nova"/>
+                <a:cs typeface="Proxima Nova"/>
+                <a:sym typeface="Proxima Nova"/>
+              </a:rPr>
+              <a:t>2th+</a:t>
+            </a:r>
+            <a:endParaRPr/>
+          </a:p>
+        </p:txBody>
+      </p:sp>
+      <p:sp>
+        <p:nvSpPr>
+          <p:cNvPr id="173" name="Google Shape;173;p18"/>
+          <p:cNvSpPr txBox="1"/>
+          <p:nvPr/>
+        </p:nvSpPr>
+        <p:spPr>
+          <a:xfrm>
+            <a:off x="5530104" y="2882150"/>
+            <a:ext cx="1339500" cy="400200"/>
+          </a:xfrm>
+          <a:prstGeom prst="rect">
+            <a:avLst/>
+          </a:prstGeom>
+          <a:noFill/>
+          <a:ln>
+            <a:noFill/>
+          </a:ln>
+        </p:spPr>
+        <p:txBody>
+          <a:bodyPr anchorCtr="0" anchor="t" bIns="91425" lIns="91425" spcFirstLastPara="1" rIns="91425" wrap="square" tIns="91425">
+            <a:spAutoFit/>
+          </a:bodyPr>
+          <a:lstStyle/>
+          <a:p>
+            <a:pPr indent="0" lvl="0" marL="0" rtl="0" algn="l">
+              <a:spcBef>
+                <a:spcPts val="0"/>
+              </a:spcBef>
+              <a:spcAft>
+                <a:spcPts val="0"/>
+              </a:spcAft>
+              <a:buNone/>
+            </a:pPr>
+            <a:r>
+              <a:rPr b="1" lang="ja">
+                <a:solidFill>
+                  <a:schemeClr val="accent3"/>
+                </a:solidFill>
+                <a:latin typeface="Proxima Nova"/>
+                <a:ea typeface="Proxima Nova"/>
+                <a:cs typeface="Proxima Nova"/>
+                <a:sym typeface="Proxima Nova"/>
+              </a:rPr>
+              <a:t>3th+</a:t>
+            </a:r>
+            <a:endParaRPr b="1">
+              <a:solidFill>
+                <a:schemeClr val="accent3"/>
+              </a:solidFill>
+              <a:latin typeface="Proxima Nova"/>
+              <a:ea typeface="Proxima Nova"/>
+              <a:cs typeface="Proxima Nova"/>
+              <a:sym typeface="Proxima Nova"/>
+            </a:endParaRPr>
+          </a:p>
+        </p:txBody>
+      </p:sp>
+      <p:sp>
+        <p:nvSpPr>
+          <p:cNvPr id="174" name="Google Shape;174;p18"/>
+          <p:cNvSpPr/>
+          <p:nvPr/>
+        </p:nvSpPr>
+        <p:spPr>
+          <a:xfrm>
+            <a:off x="5943879" y="3757873"/>
+            <a:ext cx="1412100" cy="291600"/>
+          </a:xfrm>
+          <a:prstGeom prst="roundRect">
+            <a:avLst>
+              <a:gd fmla="val 16667" name="adj"/>
+            </a:avLst>
+          </a:prstGeom>
+          <a:noFill/>
+          <a:ln>
+            <a:noFill/>
+          </a:ln>
+        </p:spPr>
+        <p:txBody>
+          <a:bodyPr anchorCtr="0" anchor="ctr" bIns="91425" lIns="91425" spcFirstLastPara="1" rIns="91425" wrap="square" tIns="91425">
+            <a:noAutofit/>
+          </a:bodyPr>
+          <a:lstStyle/>
+          <a:p>
+            <a:pPr indent="0" lvl="0" marL="0" rtl="0" algn="l">
+              <a:spcBef>
+                <a:spcPts val="0"/>
+              </a:spcBef>
+              <a:spcAft>
+                <a:spcPts val="0"/>
+              </a:spcAft>
+              <a:buNone/>
+            </a:pPr>
+            <a:r>
+              <a:rPr b="1" lang="ja">
+                <a:solidFill>
+                  <a:schemeClr val="accent3"/>
+                </a:solidFill>
+                <a:latin typeface="Proxima Nova"/>
+                <a:ea typeface="Proxima Nova"/>
+                <a:cs typeface="Proxima Nova"/>
+                <a:sym typeface="Proxima Nova"/>
+              </a:rPr>
+              <a:t>qa</a:t>
+            </a:r>
+            <a:endParaRPr b="1">
+              <a:solidFill>
+                <a:schemeClr val="accent3"/>
+              </a:solidFill>
+              <a:latin typeface="Proxima Nova"/>
+              <a:ea typeface="Proxima Nova"/>
+              <a:cs typeface="Proxima Nova"/>
+              <a:sym typeface="Proxima Nova"/>
+            </a:endParaRPr>
+          </a:p>
+        </p:txBody>
+      </p:sp>
+      <p:sp>
+        <p:nvSpPr>
+          <p:cNvPr id="175" name="Google Shape;175;p18"/>
+          <p:cNvSpPr txBox="1"/>
+          <p:nvPr/>
+        </p:nvSpPr>
+        <p:spPr>
+          <a:xfrm>
+            <a:off x="5846954" y="3516004"/>
+            <a:ext cx="1208100" cy="400200"/>
+          </a:xfrm>
+          <a:prstGeom prst="rect">
+            <a:avLst/>
+          </a:prstGeom>
+          <a:noFill/>
+          <a:ln>
+            <a:noFill/>
+          </a:ln>
+        </p:spPr>
+        <p:txBody>
+          <a:bodyPr anchorCtr="0" anchor="t" bIns="91425" lIns="91425" spcFirstLastPara="1" rIns="91425" wrap="square" tIns="91425">
+            <a:spAutoFit/>
+          </a:bodyPr>
+          <a:lstStyle/>
+          <a:p>
+            <a:pPr indent="0" lvl="0" marL="0" rtl="0" algn="l">
+              <a:spcBef>
+                <a:spcPts val="0"/>
+              </a:spcBef>
+              <a:spcAft>
+                <a:spcPts val="0"/>
+              </a:spcAft>
+              <a:buNone/>
+            </a:pPr>
+            <a:r>
+              <a:rPr b="1" lang="ja">
+                <a:solidFill>
+                  <a:schemeClr val="accent3"/>
+                </a:solidFill>
+                <a:latin typeface="Proxima Nova"/>
+                <a:ea typeface="Proxima Nova"/>
+                <a:cs typeface="Proxima Nova"/>
+                <a:sym typeface="Proxima Nova"/>
+              </a:rPr>
+              <a:t>4th</a:t>
+            </a:r>
+            <a:endParaRPr b="1">
+              <a:solidFill>
+                <a:schemeClr val="accent3"/>
+              </a:solidFill>
+              <a:latin typeface="Proxima Nova"/>
+              <a:ea typeface="Proxima Nova"/>
+              <a:cs typeface="Proxima Nova"/>
+              <a:sym typeface="Proxima Nova"/>
+            </a:endParaRPr>
+          </a:p>
+        </p:txBody>
+      </p:sp>
+      <p:sp>
+        <p:nvSpPr>
+          <p:cNvPr id="176" name="Google Shape;176;p18"/>
+          <p:cNvSpPr/>
+          <p:nvPr/>
+        </p:nvSpPr>
+        <p:spPr>
+          <a:xfrm>
+            <a:off x="7064898" y="4001937"/>
+            <a:ext cx="1005000" cy="291600"/>
+          </a:xfrm>
+          <a:prstGeom prst="roundRect">
+            <a:avLst>
+              <a:gd fmla="val 16667" name="adj"/>
+            </a:avLst>
+          </a:prstGeom>
+          <a:noFill/>
+          <a:ln>
+            <a:noFill/>
+          </a:ln>
+        </p:spPr>
+        <p:txBody>
+          <a:bodyPr anchorCtr="0" anchor="ctr" bIns="91425" lIns="91425" spcFirstLastPara="1" rIns="91425" wrap="square" tIns="91425">
+            <a:noAutofit/>
+          </a:bodyPr>
+          <a:lstStyle/>
+          <a:p>
+            <a:pPr indent="0" lvl="0" marL="0" rtl="0" algn="l">
+              <a:spcBef>
+                <a:spcPts val="0"/>
+              </a:spcBef>
+              <a:spcAft>
+                <a:spcPts val="0"/>
+              </a:spcAft>
+              <a:buNone/>
+            </a:pPr>
+            <a:r>
+              <a:rPr b="1" lang="ja">
+                <a:solidFill>
+                  <a:schemeClr val="accent3"/>
+                </a:solidFill>
+                <a:latin typeface="Proxima Nova"/>
+                <a:ea typeface="Proxima Nova"/>
+                <a:cs typeface="Proxima Nova"/>
+                <a:sym typeface="Proxima Nova"/>
+              </a:rPr>
+              <a:t>・q2_doc</a:t>
+            </a:r>
+            <a:endParaRPr b="1">
+              <a:solidFill>
+                <a:schemeClr val="accent3"/>
+              </a:solidFill>
+              <a:latin typeface="Proxima Nova"/>
+              <a:ea typeface="Proxima Nova"/>
+              <a:cs typeface="Proxima Nova"/>
+              <a:sym typeface="Proxima Nova"/>
+            </a:endParaRPr>
+          </a:p>
+        </p:txBody>
+      </p:sp>
+      <p:sp>
+        <p:nvSpPr>
+          <p:cNvPr id="177" name="Google Shape;177;p18"/>
+          <p:cNvSpPr txBox="1"/>
+          <p:nvPr/>
+        </p:nvSpPr>
+        <p:spPr>
+          <a:xfrm>
+            <a:off x="6296298" y="3517952"/>
+            <a:ext cx="616200" cy="400200"/>
+          </a:xfrm>
+          <a:prstGeom prst="rect">
+            <a:avLst/>
+          </a:prstGeom>
+          <a:noFill/>
+          <a:ln>
+            <a:noFill/>
+          </a:ln>
+        </p:spPr>
+        <p:txBody>
+          <a:bodyPr anchorCtr="0" anchor="t" bIns="91425" lIns="91425" spcFirstLastPara="1" rIns="91425" wrap="square" tIns="91425">
+            <a:spAutoFit/>
+          </a:bodyPr>
+          <a:lstStyle/>
+          <a:p>
+            <a:pPr indent="0" lvl="0" marL="0" rtl="0" algn="l">
+              <a:spcBef>
+                <a:spcPts val="0"/>
+              </a:spcBef>
+              <a:spcAft>
+                <a:spcPts val="0"/>
+              </a:spcAft>
+              <a:buNone/>
+            </a:pPr>
+            <a:r>
+              <a:rPr b="1" lang="ja">
+                <a:solidFill>
+                  <a:schemeClr val="accent3"/>
+                </a:solidFill>
+                <a:latin typeface="Proxima Nova"/>
+                <a:ea typeface="Proxima Nova"/>
+                <a:cs typeface="Proxima Nova"/>
+                <a:sym typeface="Proxima Nova"/>
+              </a:rPr>
+              <a:t>5th+</a:t>
+            </a:r>
+            <a:endParaRPr b="1">
+              <a:solidFill>
+                <a:schemeClr val="accent3"/>
+              </a:solidFill>
+              <a:latin typeface="Proxima Nova"/>
+              <a:ea typeface="Proxima Nova"/>
+              <a:cs typeface="Proxima Nova"/>
+              <a:sym typeface="Proxima Nova"/>
+            </a:endParaRPr>
+          </a:p>
+        </p:txBody>
+      </p:sp>
+      <p:cxnSp>
+        <p:nvCxnSpPr>
+          <p:cNvPr id="178" name="Google Shape;178;p18"/>
+          <p:cNvCxnSpPr/>
+          <p:nvPr/>
+        </p:nvCxnSpPr>
+        <p:spPr>
+          <a:xfrm flipH="1" rot="-5400000">
+            <a:off x="1915148" y="1742298"/>
+            <a:ext cx="3777900" cy="1427400"/>
+          </a:xfrm>
+          <a:prstGeom prst="bentConnector3">
+            <a:avLst>
+              <a:gd fmla="val 53839" name="adj1"/>
+            </a:avLst>
+          </a:prstGeom>
+          <a:noFill/>
+          <a:ln cap="flat" cmpd="sng" w="38100">
+            <a:solidFill>
+              <a:srgbClr val="0000FF"/>
+            </a:solidFill>
+            <a:prstDash val="dash"/>
+            <a:round/>
+            <a:headEnd len="med" w="med" type="none"/>
+            <a:tailEnd len="med" w="med" type="triangle"/>
+          </a:ln>
+        </p:spPr>
+      </p:cxnSp>
+      <p:cxnSp>
+        <p:nvCxnSpPr>
+          <p:cNvPr id="179" name="Google Shape;179;p18"/>
+          <p:cNvCxnSpPr>
+            <a:stCxn id="180" idx="2"/>
+          </p:cNvCxnSpPr>
+          <p:nvPr/>
+        </p:nvCxnSpPr>
+        <p:spPr>
+          <a:xfrm>
+            <a:off x="4848229" y="2413038"/>
+            <a:ext cx="0" cy="1931700"/>
+          </a:xfrm>
+          <a:prstGeom prst="straightConnector1">
+            <a:avLst/>
+          </a:prstGeom>
+          <a:noFill/>
+          <a:ln cap="flat" cmpd="sng" w="38100">
+            <a:solidFill>
+              <a:srgbClr val="0000FF"/>
+            </a:solidFill>
+            <a:prstDash val="dash"/>
+            <a:round/>
+            <a:headEnd len="med" w="med" type="none"/>
+            <a:tailEnd len="med" w="med" type="triangle"/>
+          </a:ln>
+        </p:spPr>
+      </p:cxnSp>
+      <p:cxnSp>
+        <p:nvCxnSpPr>
+          <p:cNvPr id="181" name="Google Shape;181;p18"/>
+          <p:cNvCxnSpPr/>
+          <p:nvPr/>
+        </p:nvCxnSpPr>
+        <p:spPr>
+          <a:xfrm flipH="1" rot="10800000">
+            <a:off x="4042779" y="1400775"/>
+            <a:ext cx="4800" cy="2944200"/>
+          </a:xfrm>
+          <a:prstGeom prst="straightConnector1">
+            <a:avLst/>
+          </a:prstGeom>
+          <a:noFill/>
+          <a:ln cap="flat" cmpd="sng" w="38100">
+            <a:solidFill>
+              <a:srgbClr val="0000FF"/>
+            </a:solidFill>
+            <a:prstDash val="solid"/>
+            <a:round/>
+            <a:headEnd len="med" w="med" type="none"/>
+            <a:tailEnd len="med" w="med" type="triangle"/>
+          </a:ln>
+        </p:spPr>
+      </p:cxnSp>
+      <p:sp>
+        <p:nvSpPr>
+          <p:cNvPr id="182" name="Google Shape;182;p18"/>
+          <p:cNvSpPr txBox="1"/>
+          <p:nvPr/>
+        </p:nvSpPr>
+        <p:spPr>
+          <a:xfrm>
+            <a:off x="3478779" y="1616975"/>
+            <a:ext cx="1208100" cy="400200"/>
+          </a:xfrm>
+          <a:prstGeom prst="rect">
+            <a:avLst/>
+          </a:prstGeom>
+          <a:noFill/>
+          <a:ln>
+            <a:noFill/>
+          </a:ln>
+        </p:spPr>
+        <p:txBody>
+          <a:bodyPr anchorCtr="0" anchor="t" bIns="91425" lIns="91425" spcFirstLastPara="1" rIns="91425" wrap="square" tIns="91425">
+            <a:spAutoFit/>
+          </a:bodyPr>
+          <a:lstStyle/>
+          <a:p>
+            <a:pPr indent="0" lvl="0" marL="0" rtl="0" algn="l">
+              <a:spcBef>
+                <a:spcPts val="0"/>
+              </a:spcBef>
+              <a:spcAft>
+                <a:spcPts val="0"/>
+              </a:spcAft>
+              <a:buNone/>
+            </a:pPr>
+            <a:r>
+              <a:rPr b="1" lang="ja">
+                <a:solidFill>
+                  <a:schemeClr val="accent3"/>
+                </a:solidFill>
+                <a:latin typeface="Proxima Nova"/>
+                <a:ea typeface="Proxima Nova"/>
+                <a:cs typeface="Proxima Nova"/>
+                <a:sym typeface="Proxima Nova"/>
+              </a:rPr>
+              <a:t>1th</a:t>
+            </a:r>
+            <a:endParaRPr/>
+          </a:p>
+        </p:txBody>
+      </p:sp>
+      <p:sp>
+        <p:nvSpPr>
+          <p:cNvPr id="180" name="Google Shape;180;p18"/>
+          <p:cNvSpPr/>
+          <p:nvPr/>
+        </p:nvSpPr>
+        <p:spPr>
+          <a:xfrm>
+            <a:off x="4119379" y="2032038"/>
+            <a:ext cx="1457700" cy="381000"/>
+          </a:xfrm>
+          <a:prstGeom prst="roundRect">
+            <a:avLst>
+              <a:gd fmla="val 16667" name="adj"/>
+            </a:avLst>
+          </a:prstGeom>
+          <a:solidFill>
+            <a:srgbClr val="0000FF"/>
+          </a:solidFill>
+          <a:ln cap="flat" cmpd="sng" w="9525">
+            <a:solidFill>
+              <a:srgbClr val="0000FF"/>
+            </a:solidFill>
+            <a:prstDash val="solid"/>
+            <a:round/>
+            <a:headEnd len="sm" w="sm" type="none"/>
+            <a:tailEnd len="sm" w="sm" type="none"/>
+          </a:ln>
+        </p:spPr>
+        <p:txBody>
+          <a:bodyPr anchorCtr="0" anchor="ctr" bIns="91425" lIns="91425" spcFirstLastPara="1" rIns="91425" wrap="square" tIns="91425">
+            <a:noAutofit/>
+          </a:bodyPr>
+          <a:lstStyle/>
+          <a:p>
+            <a:pPr indent="0" lvl="0" marL="0" rtl="0" algn="ctr">
+              <a:spcBef>
+                <a:spcPts val="0"/>
+              </a:spcBef>
+              <a:spcAft>
+                <a:spcPts val="0"/>
+              </a:spcAft>
+              <a:buNone/>
+            </a:pPr>
+            <a:r>
+              <a:rPr b="1" lang="ja">
+                <a:solidFill>
+                  <a:schemeClr val="lt1"/>
+                </a:solidFill>
+                <a:latin typeface="Proxima Nova"/>
+                <a:ea typeface="Proxima Nova"/>
+                <a:cs typeface="Proxima Nova"/>
+                <a:sym typeface="Proxima Nova"/>
+              </a:rPr>
+              <a:t>Search query</a:t>
+            </a:r>
+            <a:endParaRPr b="1">
+              <a:solidFill>
+                <a:schemeClr val="lt1"/>
+              </a:solidFill>
+              <a:latin typeface="Proxima Nova"/>
+              <a:ea typeface="Proxima Nova"/>
+              <a:cs typeface="Proxima Nova"/>
+              <a:sym typeface="Proxima Nova"/>
+            </a:endParaRPr>
+          </a:p>
+        </p:txBody>
+      </p:sp>
+      <p:sp>
+        <p:nvSpPr>
+          <p:cNvPr id="183" name="Google Shape;183;p18"/>
+          <p:cNvSpPr/>
+          <p:nvPr/>
+        </p:nvSpPr>
+        <p:spPr>
+          <a:xfrm>
+            <a:off x="1960122" y="4343425"/>
+            <a:ext cx="1762500" cy="381000"/>
+          </a:xfrm>
+          <a:prstGeom prst="roundRect">
+            <a:avLst>
+              <a:gd fmla="val 16667" name="adj"/>
+            </a:avLst>
+          </a:prstGeom>
+          <a:solidFill>
+            <a:srgbClr val="EFEFEF"/>
+          </a:solidFill>
+          <a:ln cap="flat" cmpd="sng" w="9525">
+            <a:solidFill>
+              <a:srgbClr val="0000FF"/>
+            </a:solidFill>
+            <a:prstDash val="solid"/>
+            <a:round/>
+            <a:headEnd len="sm" w="sm" type="none"/>
+            <a:tailEnd len="sm" w="sm" type="none"/>
+          </a:ln>
+        </p:spPr>
+        <p:txBody>
+          <a:bodyPr anchorCtr="0" anchor="ctr" bIns="91425" lIns="91425" spcFirstLastPara="1" rIns="91425" wrap="square" tIns="91425">
+            <a:noAutofit/>
+          </a:bodyPr>
+          <a:lstStyle/>
+          <a:p>
+            <a:pPr indent="0" lvl="0" marL="0" rtl="0" algn="ctr">
+              <a:spcBef>
+                <a:spcPts val="0"/>
+              </a:spcBef>
+              <a:spcAft>
+                <a:spcPts val="0"/>
+              </a:spcAft>
+              <a:buNone/>
+            </a:pPr>
+            <a:r>
+              <a:rPr b="1" lang="ja">
+                <a:solidFill>
+                  <a:schemeClr val="accent2"/>
+                </a:solidFill>
+                <a:latin typeface="Proxima Nova"/>
+                <a:ea typeface="Proxima Nova"/>
+                <a:cs typeface="Proxima Nova"/>
+                <a:sym typeface="Proxima Nova"/>
+              </a:rPr>
+              <a:t>search</a:t>
+            </a:r>
+            <a:endParaRPr b="1">
+              <a:solidFill>
+                <a:schemeClr val="accent2"/>
+              </a:solidFill>
+              <a:latin typeface="Proxima Nova"/>
+              <a:ea typeface="Proxima Nova"/>
+              <a:cs typeface="Proxima Nova"/>
+              <a:sym typeface="Proxima Nova"/>
+            </a:endParaRPr>
+          </a:p>
+        </p:txBody>
+      </p:sp>
+      <p:sp>
+        <p:nvSpPr>
+          <p:cNvPr id="184" name="Google Shape;184;p18"/>
+          <p:cNvSpPr/>
+          <p:nvPr/>
+        </p:nvSpPr>
+        <p:spPr>
+          <a:xfrm>
+            <a:off x="5150929" y="2415500"/>
+            <a:ext cx="2217600" cy="535200"/>
+          </a:xfrm>
+          <a:prstGeom prst="roundRect">
+            <a:avLst>
+              <a:gd fmla="val 16667" name="adj"/>
+            </a:avLst>
+          </a:prstGeom>
+          <a:noFill/>
+          <a:ln cap="flat" cmpd="sng" w="38100">
+            <a:solidFill>
+              <a:srgbClr val="0000FF"/>
+            </a:solidFill>
+            <a:prstDash val="solid"/>
+            <a:round/>
+            <a:headEnd len="sm" w="sm" type="none"/>
+            <a:tailEnd len="sm" w="sm" type="none"/>
+          </a:ln>
+        </p:spPr>
+        <p:txBody>
+          <a:bodyPr anchorCtr="0" anchor="t" bIns="91425" lIns="91425" spcFirstLastPara="1" rIns="91425" wrap="square" tIns="91425">
+            <a:noAutofit/>
+          </a:bodyPr>
+          <a:lstStyle/>
+          <a:p>
+            <a:pPr indent="0" lvl="0" marL="0" rtl="0" algn="l">
+              <a:spcBef>
+                <a:spcPts val="0"/>
+              </a:spcBef>
+              <a:spcAft>
+                <a:spcPts val="0"/>
+              </a:spcAft>
+              <a:buNone/>
+            </a:pPr>
+            <a:r>
+              <a:t/>
+            </a:r>
+            <a:endParaRPr b="1">
+              <a:solidFill>
+                <a:schemeClr val="accent3"/>
+              </a:solidFill>
+              <a:latin typeface="Proxima Nova"/>
+              <a:ea typeface="Proxima Nova"/>
+              <a:cs typeface="Proxima Nova"/>
+              <a:sym typeface="Proxima Nova"/>
+            </a:endParaRPr>
+          </a:p>
+        </p:txBody>
+      </p:sp>
+      <p:sp>
+        <p:nvSpPr>
+          <p:cNvPr id="185" name="Google Shape;185;p18"/>
+          <p:cNvSpPr/>
+          <p:nvPr/>
+        </p:nvSpPr>
+        <p:spPr>
+          <a:xfrm>
+            <a:off x="5519725" y="2949550"/>
+            <a:ext cx="2155800" cy="622500"/>
+          </a:xfrm>
+          <a:prstGeom prst="roundRect">
+            <a:avLst>
+              <a:gd fmla="val 16667" name="adj"/>
+            </a:avLst>
+          </a:prstGeom>
+          <a:noFill/>
+          <a:ln cap="flat" cmpd="sng" w="38100">
+            <a:solidFill>
+              <a:srgbClr val="0000FF"/>
+            </a:solidFill>
+            <a:prstDash val="solid"/>
+            <a:round/>
+            <a:headEnd len="sm" w="sm" type="none"/>
+            <a:tailEnd len="sm" w="sm" type="none"/>
+          </a:ln>
+        </p:spPr>
+        <p:txBody>
+          <a:bodyPr anchorCtr="0" anchor="t" bIns="91425" lIns="91425" spcFirstLastPara="1" rIns="91425" wrap="square" tIns="91425">
+            <a:noAutofit/>
+          </a:bodyPr>
+          <a:lstStyle/>
+          <a:p>
+            <a:pPr indent="0" lvl="0" marL="0" rtl="0" algn="l">
+              <a:spcBef>
+                <a:spcPts val="0"/>
+              </a:spcBef>
+              <a:spcAft>
+                <a:spcPts val="0"/>
+              </a:spcAft>
+              <a:buNone/>
+            </a:pPr>
+            <a:r>
+              <a:t/>
+            </a:r>
+            <a:endParaRPr b="1">
+              <a:solidFill>
+                <a:schemeClr val="accent3"/>
+              </a:solidFill>
+              <a:latin typeface="Proxima Nova"/>
+              <a:ea typeface="Proxima Nova"/>
+              <a:cs typeface="Proxima Nova"/>
+              <a:sym typeface="Proxima Nova"/>
+            </a:endParaRPr>
+          </a:p>
+        </p:txBody>
+      </p:sp>
+      <p:cxnSp>
+        <p:nvCxnSpPr>
+          <p:cNvPr id="186" name="Google Shape;186;p18"/>
+          <p:cNvCxnSpPr>
+            <a:endCxn id="180" idx="0"/>
+          </p:cNvCxnSpPr>
+          <p:nvPr/>
+        </p:nvCxnSpPr>
+        <p:spPr>
+          <a:xfrm flipH="1" rot="-5400000">
+            <a:off x="4240879" y="1424688"/>
+            <a:ext cx="705600" cy="509100"/>
+          </a:xfrm>
+          <a:prstGeom prst="bentConnector3">
+            <a:avLst>
+              <a:gd fmla="val -37" name="adj1"/>
+            </a:avLst>
+          </a:prstGeom>
+          <a:noFill/>
+          <a:ln cap="flat" cmpd="sng" w="38100">
+            <a:solidFill>
+              <a:srgbClr val="0000FF"/>
+            </a:solidFill>
+            <a:prstDash val="dash"/>
+            <a:round/>
+            <a:headEnd len="med" w="med" type="none"/>
+            <a:tailEnd len="med" w="med" type="none"/>
+          </a:ln>
+        </p:spPr>
+      </p:cxnSp>
+      <p:sp>
+        <p:nvSpPr>
+          <p:cNvPr id="187" name="Google Shape;187;p18"/>
+          <p:cNvSpPr/>
+          <p:nvPr/>
+        </p:nvSpPr>
+        <p:spPr>
+          <a:xfrm>
+            <a:off x="2705938" y="186086"/>
+            <a:ext cx="772200" cy="381000"/>
+          </a:xfrm>
+          <a:prstGeom prst="roundRect">
+            <a:avLst>
+              <a:gd fmla="val 16667" name="adj"/>
+            </a:avLst>
+          </a:prstGeom>
+          <a:solidFill>
+            <a:srgbClr val="0000FF"/>
+          </a:solidFill>
+          <a:ln cap="flat" cmpd="sng" w="9525">
+            <a:solidFill>
+              <a:srgbClr val="0000FF"/>
+            </a:solidFill>
+            <a:prstDash val="solid"/>
+            <a:round/>
+            <a:headEnd len="sm" w="sm" type="none"/>
+            <a:tailEnd len="sm" w="sm" type="none"/>
+          </a:ln>
+        </p:spPr>
+        <p:txBody>
+          <a:bodyPr anchorCtr="0" anchor="ctr" bIns="91425" lIns="91425" spcFirstLastPara="1" rIns="91425" wrap="square" tIns="91425">
+            <a:noAutofit/>
+          </a:bodyPr>
+          <a:lstStyle/>
+          <a:p>
+            <a:pPr indent="0" lvl="0" marL="0" rtl="0" algn="ctr">
+              <a:spcBef>
+                <a:spcPts val="0"/>
+              </a:spcBef>
+              <a:spcAft>
+                <a:spcPts val="0"/>
+              </a:spcAft>
+              <a:buNone/>
+            </a:pPr>
+            <a:r>
+              <a:rPr b="1" lang="ja">
+                <a:solidFill>
+                  <a:schemeClr val="lt1"/>
+                </a:solidFill>
+                <a:latin typeface="Proxima Nova"/>
+                <a:ea typeface="Proxima Nova"/>
+                <a:cs typeface="Proxima Nova"/>
+                <a:sym typeface="Proxima Nova"/>
+              </a:rPr>
+              <a:t>ICSL</a:t>
+            </a:r>
+            <a:endParaRPr b="1">
+              <a:solidFill>
+                <a:schemeClr val="lt1"/>
+              </a:solidFill>
+              <a:latin typeface="Proxima Nova"/>
+              <a:ea typeface="Proxima Nova"/>
+              <a:cs typeface="Proxima Nova"/>
+              <a:sym typeface="Proxima Nova"/>
+            </a:endParaRPr>
+          </a:p>
+        </p:txBody>
+      </p:sp>
+      <p:cxnSp>
+        <p:nvCxnSpPr>
+          <p:cNvPr id="188" name="Google Shape;188;p18"/>
+          <p:cNvCxnSpPr>
+            <a:stCxn id="187" idx="2"/>
+          </p:cNvCxnSpPr>
+          <p:nvPr/>
+        </p:nvCxnSpPr>
+        <p:spPr>
+          <a:xfrm>
+            <a:off x="3092038" y="567086"/>
+            <a:ext cx="4200" cy="3785100"/>
+          </a:xfrm>
+          <a:prstGeom prst="straightConnector1">
+            <a:avLst/>
+          </a:prstGeom>
+          <a:noFill/>
+          <a:ln cap="flat" cmpd="sng" w="38100">
+            <a:solidFill>
+              <a:srgbClr val="0000FF"/>
+            </a:solidFill>
+            <a:prstDash val="dash"/>
+            <a:round/>
+            <a:headEnd len="med" w="med" type="none"/>
+            <a:tailEnd len="med" w="med" type="triangle"/>
+          </a:ln>
+        </p:spPr>
+      </p:cxnSp>
+      <p:cxnSp>
+        <p:nvCxnSpPr>
+          <p:cNvPr id="189" name="Google Shape;189;p18"/>
+          <p:cNvCxnSpPr/>
+          <p:nvPr/>
+        </p:nvCxnSpPr>
+        <p:spPr>
+          <a:xfrm>
+            <a:off x="2197429" y="479175"/>
+            <a:ext cx="0" cy="3864300"/>
+          </a:xfrm>
+          <a:prstGeom prst="straightConnector1">
+            <a:avLst/>
+          </a:prstGeom>
+          <a:noFill/>
+          <a:ln cap="flat" cmpd="sng" w="38100">
+            <a:solidFill>
+              <a:srgbClr val="0000FF"/>
+            </a:solidFill>
+            <a:prstDash val="solid"/>
+            <a:round/>
+            <a:headEnd len="med" w="med" type="none"/>
+            <a:tailEnd len="med" w="med" type="triangle"/>
+          </a:ln>
+        </p:spPr>
+      </p:cxnSp>
+      <p:cxnSp>
+        <p:nvCxnSpPr>
+          <p:cNvPr id="190" name="Google Shape;190;p18"/>
+          <p:cNvCxnSpPr/>
+          <p:nvPr/>
+        </p:nvCxnSpPr>
+        <p:spPr>
+          <a:xfrm flipH="1" rot="-5400000">
+            <a:off x="1292779" y="1383825"/>
+            <a:ext cx="3865800" cy="2056500"/>
+          </a:xfrm>
+          <a:prstGeom prst="bentConnector3">
+            <a:avLst>
+              <a:gd fmla="val 69482" name="adj1"/>
+            </a:avLst>
+          </a:prstGeom>
+          <a:noFill/>
+          <a:ln cap="flat" cmpd="sng" w="38100">
+            <a:solidFill>
+              <a:srgbClr val="0000FF"/>
+            </a:solidFill>
+            <a:prstDash val="dash"/>
+            <a:round/>
+            <a:headEnd len="med" w="med" type="none"/>
+            <a:tailEnd len="med" w="med" type="triangle"/>
+          </a:ln>
+        </p:spPr>
+      </p:cxnSp>
+      <p:sp>
+        <p:nvSpPr>
+          <p:cNvPr id="191" name="Google Shape;191;p18"/>
+          <p:cNvSpPr/>
+          <p:nvPr/>
+        </p:nvSpPr>
+        <p:spPr>
+          <a:xfrm>
+            <a:off x="1750083" y="186098"/>
+            <a:ext cx="840900" cy="381000"/>
+          </a:xfrm>
+          <a:prstGeom prst="roundRect">
+            <a:avLst>
+              <a:gd fmla="val 16667" name="adj"/>
+            </a:avLst>
+          </a:prstGeom>
+          <a:solidFill>
+            <a:srgbClr val="EFEFEF"/>
+          </a:solidFill>
+          <a:ln cap="flat" cmpd="sng" w="9525">
+            <a:solidFill>
+              <a:srgbClr val="0000FF"/>
+            </a:solidFill>
+            <a:prstDash val="solid"/>
+            <a:round/>
+            <a:headEnd len="sm" w="sm" type="none"/>
+            <a:tailEnd len="sm" w="sm" type="none"/>
+          </a:ln>
+        </p:spPr>
+        <p:txBody>
+          <a:bodyPr anchorCtr="0" anchor="ctr" bIns="91425" lIns="91425" spcFirstLastPara="1" rIns="91425" wrap="square" tIns="91425">
+            <a:noAutofit/>
+          </a:bodyPr>
+          <a:lstStyle/>
+          <a:p>
+            <a:pPr indent="0" lvl="0" marL="0" rtl="0" algn="ctr">
+              <a:spcBef>
+                <a:spcPts val="0"/>
+              </a:spcBef>
+              <a:spcAft>
+                <a:spcPts val="0"/>
+              </a:spcAft>
+              <a:buNone/>
+            </a:pPr>
+            <a:r>
+              <a:rPr b="1" lang="ja">
+                <a:solidFill>
+                  <a:schemeClr val="accent2"/>
+                </a:solidFill>
+                <a:latin typeface="Proxima Nova"/>
+                <a:ea typeface="Proxima Nova"/>
+                <a:cs typeface="Proxima Nova"/>
+                <a:sym typeface="Proxima Nova"/>
+              </a:rPr>
+              <a:t>Input</a:t>
+            </a:r>
+            <a:endParaRPr b="1">
+              <a:solidFill>
+                <a:schemeClr val="accent2"/>
+              </a:solidFill>
+              <a:latin typeface="Proxima Nova"/>
+              <a:ea typeface="Proxima Nova"/>
+              <a:cs typeface="Proxima Nova"/>
+              <a:sym typeface="Proxima Nova"/>
+            </a:endParaRPr>
+          </a:p>
+        </p:txBody>
+      </p:sp>
+      <p:sp>
+        <p:nvSpPr>
+          <p:cNvPr id="192" name="Google Shape;192;p18"/>
+          <p:cNvSpPr/>
+          <p:nvPr/>
+        </p:nvSpPr>
+        <p:spPr>
+          <a:xfrm>
+            <a:off x="5521271" y="1018785"/>
+            <a:ext cx="772200" cy="381000"/>
+          </a:xfrm>
+          <a:prstGeom prst="roundRect">
+            <a:avLst>
+              <a:gd fmla="val 16667" name="adj"/>
+            </a:avLst>
+          </a:prstGeom>
+          <a:solidFill>
+            <a:srgbClr val="0000FF"/>
+          </a:solidFill>
+          <a:ln cap="flat" cmpd="sng" w="9525">
+            <a:solidFill>
+              <a:srgbClr val="0000FF"/>
+            </a:solidFill>
+            <a:prstDash val="solid"/>
+            <a:round/>
+            <a:headEnd len="sm" w="sm" type="none"/>
+            <a:tailEnd len="sm" w="sm" type="none"/>
+          </a:ln>
+        </p:spPr>
+        <p:txBody>
+          <a:bodyPr anchorCtr="0" anchor="ctr" bIns="91425" lIns="91425" spcFirstLastPara="1" rIns="91425" wrap="square" tIns="91425">
+            <a:noAutofit/>
+          </a:bodyPr>
+          <a:lstStyle/>
+          <a:p>
+            <a:pPr indent="0" lvl="0" marL="0" rtl="0" algn="ctr">
+              <a:spcBef>
+                <a:spcPts val="0"/>
+              </a:spcBef>
+              <a:spcAft>
+                <a:spcPts val="0"/>
+              </a:spcAft>
+              <a:buNone/>
+            </a:pPr>
+            <a:r>
+              <a:rPr b="1" lang="ja">
+                <a:solidFill>
+                  <a:schemeClr val="lt1"/>
+                </a:solidFill>
+                <a:latin typeface="Proxima Nova"/>
+                <a:ea typeface="Proxima Nova"/>
+                <a:cs typeface="Proxima Nova"/>
+                <a:sym typeface="Proxima Nova"/>
+              </a:rPr>
+              <a:t>ICRL</a:t>
+            </a:r>
+            <a:endParaRPr b="1">
+              <a:solidFill>
+                <a:schemeClr val="lt1"/>
+              </a:solidFill>
+              <a:latin typeface="Proxima Nova"/>
+              <a:ea typeface="Proxima Nova"/>
+              <a:cs typeface="Proxima Nova"/>
+              <a:sym typeface="Proxima Nova"/>
+            </a:endParaRPr>
+          </a:p>
+        </p:txBody>
+      </p:sp>
+      <p:cxnSp>
+        <p:nvCxnSpPr>
+          <p:cNvPr id="193" name="Google Shape;193;p18"/>
+          <p:cNvCxnSpPr/>
+          <p:nvPr/>
+        </p:nvCxnSpPr>
+        <p:spPr>
+          <a:xfrm>
+            <a:off x="4349179" y="1169700"/>
+            <a:ext cx="1172100" cy="0"/>
+          </a:xfrm>
+          <a:prstGeom prst="straightConnector1">
+            <a:avLst/>
+          </a:prstGeom>
+          <a:noFill/>
+          <a:ln cap="flat" cmpd="sng" w="38100">
+            <a:solidFill>
+              <a:srgbClr val="0000FF"/>
+            </a:solidFill>
+            <a:prstDash val="dash"/>
+            <a:round/>
+            <a:headEnd len="med" w="med" type="triangle"/>
+            <a:tailEnd len="med" w="med" type="triangle"/>
+          </a:ln>
+        </p:spPr>
+      </p:cxnSp>
+    </p:spTree>
+  </p:cSld>
+  <p:clrMapOvr>
+    <a:masterClrMapping/>
+  </p:clrMapOvr>
+</p:sld>
+</file>
+
+<file path=ppt/slides/slide7.xml><?xml version="1.0" encoding="utf-8"?>
+<p:sld xmlns:a="http://schemas.openxmlformats.org/drawingml/2006/main" xmlns:r="http://schemas.openxmlformats.org/officeDocument/2006/relationships" xmlns:mc="http://schemas.openxmlformats.org/markup-compatibility/2006" xmlns:mv="urn:schemas-microsoft-com:mac:vml" xmlns:p="http://schemas.openxmlformats.org/presentationml/2006/main" xmlns:c="http://schemas.openxmlformats.org/drawingml/2006/chart" xmlns:dgm="http://schemas.openxmlformats.org/drawingml/2006/diagram" xmlns:o="urn:schemas-microsoft-com:office:office" xmlns:v="urn:schemas-microsoft-com:vml" xmlns:pvml="urn:schemas-microsoft-com:office:powerpoint" xmlns:com="http://schemas.openxmlformats.org/drawingml/2006/compatibility" xmlns:p14="http://schemas.microsoft.com/office/powerpoint/2010/main" xmlns:p15="http://schemas.microsoft.com/office/powerpoint/2012/main" xmlns:ahyp="http://schemas.microsoft.com/office/drawing/2018/hyperlinkcolor">
+  <p:cSld>
+    <p:spTree>
+      <p:nvGrpSpPr>
+        <p:cNvPr id="197" name="Shape 197"/>
+        <p:cNvGrpSpPr/>
+        <p:nvPr/>
+      </p:nvGrpSpPr>
+      <p:grpSpPr>
+        <a:xfrm>
+          <a:off x="0" y="0"/>
+          <a:ext cx="0" cy="0"/>
+          <a:chOff x="0" y="0"/>
+          <a:chExt cx="0" cy="0"/>
+        </a:xfrm>
+      </p:grpSpPr>
+      <p:sp>
+        <p:nvSpPr>
+          <p:cNvPr id="198" name="Google Shape;198;p19"/>
           <p:cNvSpPr/>
           <p:nvPr/>
         </p:nvSpPr>
@@ -11181,7 +13197,7 @@
       </p:sp>
       <p:sp>
         <p:nvSpPr>
-          <p:cNvPr id="159" name="Google Shape;159;p18"/>
+          <p:cNvPr id="199" name="Google Shape;199;p19"/>
           <p:cNvSpPr/>
           <p:nvPr/>
         </p:nvSpPr>
@@ -11249,7 +13265,7 @@
       </p:sp>
       <p:sp>
         <p:nvSpPr>
-          <p:cNvPr id="160" name="Google Shape;160;p18"/>
+          <p:cNvPr id="200" name="Google Shape;200;p19"/>
           <p:cNvSpPr/>
           <p:nvPr/>
         </p:nvSpPr>
@@ -11329,7 +13345,7 @@
       </p:sp>
       <p:sp>
         <p:nvSpPr>
-          <p:cNvPr id="161" name="Google Shape;161;p18"/>
+          <p:cNvPr id="201" name="Google Shape;201;p19"/>
           <p:cNvSpPr/>
           <p:nvPr/>
         </p:nvSpPr>
@@ -11397,7 +13413,7 @@
       </p:sp>
       <p:sp>
         <p:nvSpPr>
-          <p:cNvPr id="162" name="Google Shape;162;p18"/>
+          <p:cNvPr id="202" name="Google Shape;202;p19"/>
           <p:cNvSpPr/>
           <p:nvPr/>
         </p:nvSpPr>
@@ -11465,7 +13481,7 @@
       </p:sp>
       <p:sp>
         <p:nvSpPr>
-          <p:cNvPr id="163" name="Google Shape;163;p18"/>
+          <p:cNvPr id="203" name="Google Shape;203;p19"/>
           <p:cNvSpPr/>
           <p:nvPr/>
         </p:nvSpPr>
@@ -11519,7 +13535,7 @@
       </p:sp>
       <p:sp>
         <p:nvSpPr>
-          <p:cNvPr id="164" name="Google Shape;164;p18"/>
+          <p:cNvPr id="204" name="Google Shape;204;p19"/>
           <p:cNvSpPr/>
           <p:nvPr/>
         </p:nvSpPr>
@@ -11587,7 +13603,7 @@
       </p:sp>
       <p:sp>
         <p:nvSpPr>
-          <p:cNvPr id="165" name="Google Shape;165;p18"/>
+          <p:cNvPr id="205" name="Google Shape;205;p19"/>
           <p:cNvSpPr/>
           <p:nvPr/>
         </p:nvSpPr>
@@ -11655,7 +13671,7 @@
       </p:sp>
       <p:sp>
         <p:nvSpPr>
-          <p:cNvPr id="166" name="Google Shape;166;p18"/>
+          <p:cNvPr id="206" name="Google Shape;206;p19"/>
           <p:cNvSpPr/>
           <p:nvPr/>
         </p:nvSpPr>
@@ -11723,7 +13739,7 @@
       </p:sp>
       <p:sp>
         <p:nvSpPr>
-          <p:cNvPr id="167" name="Google Shape;167;p18"/>
+          <p:cNvPr id="207" name="Google Shape;207;p19"/>
           <p:cNvSpPr/>
           <p:nvPr/>
         </p:nvSpPr>
@@ -11791,7 +13807,7 @@
       </p:sp>
       <p:sp>
         <p:nvSpPr>
-          <p:cNvPr id="168" name="Google Shape;168;p18"/>
+          <p:cNvPr id="208" name="Google Shape;208;p19"/>
           <p:cNvSpPr/>
           <p:nvPr/>
         </p:nvSpPr>
@@ -11845,10 +13861,10 @@
       </p:sp>
       <p:cxnSp>
         <p:nvCxnSpPr>
-          <p:cNvPr id="169" name="Google Shape;169;p18"/>
+          <p:cNvPr id="209" name="Google Shape;209;p19"/>
           <p:cNvCxnSpPr>
-            <a:stCxn id="161" idx="2"/>
-            <a:endCxn id="165" idx="0"/>
+            <a:stCxn id="201" idx="2"/>
+            <a:endCxn id="205" idx="0"/>
           </p:cNvCxnSpPr>
           <p:nvPr/>
         </p:nvCxnSpPr>
@@ -11874,7 +13890,7 @@
       </p:cxnSp>
       <p:sp>
         <p:nvSpPr>
-          <p:cNvPr id="170" name="Google Shape;170;p18"/>
+          <p:cNvPr id="210" name="Google Shape;210;p19"/>
           <p:cNvSpPr/>
           <p:nvPr/>
         </p:nvSpPr>
@@ -11942,10 +13958,10 @@
       </p:sp>
       <p:cxnSp>
         <p:nvCxnSpPr>
-          <p:cNvPr id="171" name="Google Shape;171;p18"/>
+          <p:cNvPr id="211" name="Google Shape;211;p19"/>
           <p:cNvCxnSpPr>
-            <a:stCxn id="159" idx="2"/>
-            <a:endCxn id="161" idx="0"/>
+            <a:stCxn id="199" idx="2"/>
+            <a:endCxn id="201" idx="0"/>
           </p:cNvCxnSpPr>
           <p:nvPr/>
         </p:nvCxnSpPr>
@@ -11973,10 +13989,10 @@
       </p:cxnSp>
       <p:cxnSp>
         <p:nvCxnSpPr>
-          <p:cNvPr id="172" name="Google Shape;172;p18"/>
+          <p:cNvPr id="212" name="Google Shape;212;p19"/>
           <p:cNvCxnSpPr>
-            <a:stCxn id="159" idx="2"/>
-            <a:endCxn id="162" idx="0"/>
+            <a:stCxn id="199" idx="2"/>
+            <a:endCxn id="202" idx="0"/>
           </p:cNvCxnSpPr>
           <p:nvPr/>
         </p:nvCxnSpPr>
@@ -12004,10 +14020,10 @@
       </p:cxnSp>
       <p:cxnSp>
         <p:nvCxnSpPr>
-          <p:cNvPr id="173" name="Google Shape;173;p18"/>
+          <p:cNvPr id="213" name="Google Shape;213;p19"/>
           <p:cNvCxnSpPr>
-            <a:stCxn id="159" idx="2"/>
-            <a:endCxn id="164" idx="0"/>
+            <a:stCxn id="199" idx="2"/>
+            <a:endCxn id="204" idx="0"/>
           </p:cNvCxnSpPr>
           <p:nvPr/>
         </p:nvCxnSpPr>
@@ -12035,10 +14051,10 @@
       </p:cxnSp>
       <p:cxnSp>
         <p:nvCxnSpPr>
-          <p:cNvPr id="174" name="Google Shape;174;p18"/>
+          <p:cNvPr id="214" name="Google Shape;214;p19"/>
           <p:cNvCxnSpPr>
-            <a:stCxn id="165" idx="2"/>
-            <a:endCxn id="170" idx="0"/>
+            <a:stCxn id="205" idx="2"/>
+            <a:endCxn id="210" idx="0"/>
           </p:cNvCxnSpPr>
           <p:nvPr/>
         </p:nvCxnSpPr>
@@ -12066,10 +14082,10 @@
       </p:cxnSp>
       <p:cxnSp>
         <p:nvCxnSpPr>
-          <p:cNvPr id="175" name="Google Shape;175;p18"/>
+          <p:cNvPr id="215" name="Google Shape;215;p19"/>
           <p:cNvCxnSpPr>
-            <a:stCxn id="162" idx="2"/>
-            <a:endCxn id="166" idx="0"/>
+            <a:stCxn id="202" idx="2"/>
+            <a:endCxn id="206" idx="0"/>
           </p:cNvCxnSpPr>
           <p:nvPr/>
         </p:nvCxnSpPr>
@@ -12095,10 +14111,10 @@
       </p:cxnSp>
       <p:cxnSp>
         <p:nvCxnSpPr>
-          <p:cNvPr id="176" name="Google Shape;176;p18"/>
+          <p:cNvPr id="216" name="Google Shape;216;p19"/>
           <p:cNvCxnSpPr>
-            <a:stCxn id="164" idx="2"/>
-            <a:endCxn id="167" idx="0"/>
+            <a:stCxn id="204" idx="2"/>
+            <a:endCxn id="207" idx="0"/>
           </p:cNvCxnSpPr>
           <p:nvPr/>
         </p:nvCxnSpPr>
@@ -12124,10 +14140,10 @@
       </p:cxnSp>
       <p:cxnSp>
         <p:nvCxnSpPr>
-          <p:cNvPr id="177" name="Google Shape;177;p18"/>
+          <p:cNvPr id="217" name="Google Shape;217;p19"/>
           <p:cNvCxnSpPr>
-            <a:stCxn id="166" idx="2"/>
-            <a:endCxn id="170" idx="0"/>
+            <a:stCxn id="206" idx="2"/>
+            <a:endCxn id="210" idx="0"/>
           </p:cNvCxnSpPr>
           <p:nvPr/>
         </p:nvCxnSpPr>
@@ -12155,10 +14171,10 @@
       </p:cxnSp>
       <p:cxnSp>
         <p:nvCxnSpPr>
-          <p:cNvPr id="178" name="Google Shape;178;p18"/>
+          <p:cNvPr id="218" name="Google Shape;218;p19"/>
           <p:cNvCxnSpPr>
-            <a:stCxn id="167" idx="2"/>
-            <a:endCxn id="170" idx="0"/>
+            <a:stCxn id="207" idx="2"/>
+            <a:endCxn id="210" idx="0"/>
           </p:cNvCxnSpPr>
           <p:nvPr/>
         </p:nvCxnSpPr>
@@ -12186,7 +14202,7 @@
       </p:cxnSp>
       <p:sp>
         <p:nvSpPr>
-          <p:cNvPr id="179" name="Google Shape;179;p18"/>
+          <p:cNvPr id="219" name="Google Shape;219;p19"/>
           <p:cNvSpPr/>
           <p:nvPr/>
         </p:nvSpPr>
@@ -12254,10 +14270,10 @@
       </p:sp>
       <p:cxnSp>
         <p:nvCxnSpPr>
-          <p:cNvPr id="180" name="Google Shape;180;p18"/>
+          <p:cNvPr id="220" name="Google Shape;220;p19"/>
           <p:cNvCxnSpPr>
-            <a:stCxn id="179" idx="2"/>
-            <a:endCxn id="159" idx="0"/>
+            <a:stCxn id="219" idx="2"/>
+            <a:endCxn id="199" idx="0"/>
           </p:cNvCxnSpPr>
           <p:nvPr/>
         </p:nvCxnSpPr>
@@ -12285,10 +14301,10 @@
       </p:cxnSp>
       <p:cxnSp>
         <p:nvCxnSpPr>
-          <p:cNvPr id="181" name="Google Shape;181;p18"/>
+          <p:cNvPr id="221" name="Google Shape;221;p19"/>
           <p:cNvCxnSpPr>
-            <a:stCxn id="160" idx="2"/>
-            <a:endCxn id="159" idx="0"/>
+            <a:stCxn id="200" idx="2"/>
+            <a:endCxn id="199" idx="0"/>
           </p:cNvCxnSpPr>
           <p:nvPr/>
         </p:nvCxnSpPr>
@@ -12316,7 +14332,7 @@
       </p:cxnSp>
       <p:sp>
         <p:nvSpPr>
-          <p:cNvPr id="182" name="Google Shape;182;p18"/>
+          <p:cNvPr id="222" name="Google Shape;222;p19"/>
           <p:cNvSpPr/>
           <p:nvPr/>
         </p:nvSpPr>
@@ -12370,7 +14386,7 @@
       </p:sp>
       <p:sp>
         <p:nvSpPr>
-          <p:cNvPr id="183" name="Google Shape;183;p18"/>
+          <p:cNvPr id="223" name="Google Shape;223;p19"/>
           <p:cNvSpPr/>
           <p:nvPr/>
         </p:nvSpPr>
@@ -12424,7 +14440,7 @@
       </p:sp>
       <p:sp>
         <p:nvSpPr>
-          <p:cNvPr id="184" name="Google Shape;184;p18"/>
+          <p:cNvPr id="224" name="Google Shape;224;p19"/>
           <p:cNvSpPr/>
           <p:nvPr/>
         </p:nvSpPr>
@@ -12478,7 +14494,7 @@
       </p:sp>
       <p:sp>
         <p:nvSpPr>
-          <p:cNvPr id="185" name="Google Shape;185;p18"/>
+          <p:cNvPr id="225" name="Google Shape;225;p19"/>
           <p:cNvSpPr/>
           <p:nvPr/>
         </p:nvSpPr>
@@ -12532,7 +14548,7 @@
       </p:sp>
       <p:sp>
         <p:nvSpPr>
-          <p:cNvPr id="186" name="Google Shape;186;p18"/>
+          <p:cNvPr id="226" name="Google Shape;226;p19"/>
           <p:cNvSpPr/>
           <p:nvPr/>
         </p:nvSpPr>
@@ -12600,10 +14616,10 @@
       </p:sp>
       <p:cxnSp>
         <p:nvCxnSpPr>
-          <p:cNvPr id="187" name="Google Shape;187;p18"/>
+          <p:cNvPr id="227" name="Google Shape;227;p19"/>
           <p:cNvCxnSpPr>
-            <a:stCxn id="170" idx="2"/>
-            <a:endCxn id="186" idx="0"/>
+            <a:stCxn id="210" idx="2"/>
+            <a:endCxn id="226" idx="0"/>
           </p:cNvCxnSpPr>
           <p:nvPr/>
         </p:nvCxnSpPr>
@@ -12629,7 +14645,7 @@
       </p:cxnSp>
       <p:grpSp>
         <p:nvGrpSpPr>
-          <p:cNvPr id="188" name="Google Shape;188;p18"/>
+          <p:cNvPr id="228" name="Google Shape;228;p19"/>
           <p:cNvGrpSpPr/>
           <p:nvPr/>
         </p:nvGrpSpPr>
@@ -12643,7 +14659,7 @@
         </p:grpSpPr>
         <p:cxnSp>
           <p:nvCxnSpPr>
-            <p:cNvPr id="189" name="Google Shape;189;p18"/>
+            <p:cNvPr id="229" name="Google Shape;229;p19"/>
             <p:cNvCxnSpPr/>
             <p:nvPr/>
           </p:nvCxnSpPr>
@@ -12669,7 +14685,7 @@
         </p:cxnSp>
         <p:cxnSp>
           <p:nvCxnSpPr>
-            <p:cNvPr id="190" name="Google Shape;190;p18"/>
+            <p:cNvPr id="230" name="Google Shape;230;p19"/>
             <p:cNvCxnSpPr/>
             <p:nvPr/>
           </p:nvCxnSpPr>
@@ -12695,7 +14711,7 @@
         </p:cxnSp>
         <p:cxnSp>
           <p:nvCxnSpPr>
-            <p:cNvPr id="191" name="Google Shape;191;p18"/>
+            <p:cNvPr id="231" name="Google Shape;231;p19"/>
             <p:cNvCxnSpPr/>
             <p:nvPr/>
           </p:nvCxnSpPr>
@@ -12721,7 +14737,7 @@
         </p:cxnSp>
         <p:cxnSp>
           <p:nvCxnSpPr>
-            <p:cNvPr id="192" name="Google Shape;192;p18"/>
+            <p:cNvPr id="232" name="Google Shape;232;p19"/>
             <p:cNvCxnSpPr/>
             <p:nvPr/>
           </p:nvCxnSpPr>
@@ -12755,6 +14771,285 @@
 </file>
 
 <file path=ppt/theme/theme1.xml><?xml version="1.0" encoding="utf-8"?>
+<a:theme xmlns:a="http://schemas.openxmlformats.org/drawingml/2006/main" xmlns:r="http://schemas.openxmlformats.org/officeDocument/2006/relationships">
+  <a:themeElements>
+    <a:clrScheme name="Default">
+      <a:dk1>
+        <a:srgbClr val="000000"/>
+      </a:dk1>
+      <a:lt1>
+        <a:srgbClr val="FFFFFF"/>
+      </a:lt1>
+      <a:dk2>
+        <a:srgbClr val="158158"/>
+      </a:dk2>
+      <a:lt2>
+        <a:srgbClr val="F3F3F3"/>
+      </a:lt2>
+      <a:accent1>
+        <a:srgbClr val="058DC7"/>
+      </a:accent1>
+      <a:accent2>
+        <a:srgbClr val="50B432"/>
+      </a:accent2>
+      <a:accent3>
+        <a:srgbClr val="ED561B"/>
+      </a:accent3>
+      <a:accent4>
+        <a:srgbClr val="EDEF00"/>
+      </a:accent4>
+      <a:accent5>
+        <a:srgbClr val="24CBE5"/>
+      </a:accent5>
+      <a:accent6>
+        <a:srgbClr val="64E572"/>
+      </a:accent6>
+      <a:hlink>
+        <a:srgbClr val="2200CC"/>
+      </a:hlink>
+      <a:folHlink>
+        <a:srgbClr val="551A8B"/>
+      </a:folHlink>
+    </a:clrScheme>
+    <a:fontScheme name="Office">
+      <a:majorFont>
+        <a:latin typeface="Arial"/>
+        <a:ea typeface=""/>
+        <a:cs typeface=""/>
+        <a:font script="Jpan" typeface="ＭＳ Ｐゴシック"/>
+        <a:font script="Hang" typeface="맑은 고딕"/>
+        <a:font script="Hans" typeface="宋体"/>
+        <a:font script="Hant" typeface="新細明體"/>
+        <a:font script="Arab" typeface="Times New Roman"/>
+        <a:font script="Hebr" typeface="Times New Roman"/>
+        <a:font script="Thai" typeface="Angsana New"/>
+        <a:font script="Ethi" typeface="Nyala"/>
+        <a:font script="Beng" typeface="Vrinda"/>
+        <a:font script="Gujr" typeface="Shruti"/>
+        <a:font script="Khmr" typeface="MoolBoran"/>
+        <a:font script="Knda" typeface="Tunga"/>
+        <a:font script="Guru" typeface="Raavi"/>
+        <a:font script="Cans" typeface="Euphemia"/>
+        <a:font script="Cher" typeface="Plantagenet Cherokee"/>
+        <a:font script="Yiii" typeface="Microsoft Yi Baiti"/>
+        <a:font script="Tibt" typeface="Microsoft Himalaya"/>
+        <a:font script="Thaa" typeface="MV Boli"/>
+        <a:font script="Deva" typeface="Mangal"/>
+        <a:font script="Telu" typeface="Gautami"/>
+        <a:font script="Taml" typeface="Latha"/>
+        <a:font script="Syrc" typeface="Estrangelo Edessa"/>
+        <a:font script="Orya" typeface="Kalinga"/>
+        <a:font script="Mlym" typeface="Kartika"/>
+        <a:font script="Laoo" typeface="DokChampa"/>
+        <a:font script="Sinh" typeface="Iskoola Pota"/>
+        <a:font script="Mong" typeface="Mongolian Baiti"/>
+        <a:font script="Viet" typeface="Times New Roman"/>
+        <a:font script="Uigh" typeface="Microsoft Uighur"/>
+        <a:font script="Geor" typeface="Sylfaen"/>
+      </a:majorFont>
+      <a:minorFont>
+        <a:latin typeface="Arial"/>
+        <a:ea typeface=""/>
+        <a:cs typeface=""/>
+        <a:font script="Jpan" typeface="ＭＳ Ｐゴシック"/>
+        <a:font script="Hang" typeface="맑은 고딕"/>
+        <a:font script="Hans" typeface="宋体"/>
+        <a:font script="Hant" typeface="新細明體"/>
+        <a:font script="Arab" typeface="Arial"/>
+        <a:font script="Hebr" typeface="Arial"/>
+        <a:font script="Thai" typeface="Cordia New"/>
+        <a:font script="Ethi" typeface="Nyala"/>
+        <a:font script="Beng" typeface="Vrinda"/>
+        <a:font script="Gujr" typeface="Shruti"/>
+        <a:font script="Khmr" typeface="DaunPenh"/>
+        <a:font script="Knda" typeface="Tunga"/>
+        <a:font script="Guru" typeface="Raavi"/>
+        <a:font script="Cans" typeface="Euphemia"/>
+        <a:font script="Cher" typeface="Plantagenet Cherokee"/>
+        <a:font script="Yiii" typeface="Microsoft Yi Baiti"/>
+        <a:font script="Tibt" typeface="Microsoft Himalaya"/>
+        <a:font script="Thaa" typeface="MV Boli"/>
+        <a:font script="Deva" typeface="Mangal"/>
+        <a:font script="Telu" typeface="Gautami"/>
+        <a:font script="Taml" typeface="Latha"/>
+        <a:font script="Syrc" typeface="Estrangelo Edessa"/>
+        <a:font script="Orya" typeface="Kalinga"/>
+        <a:font script="Mlym" typeface="Kartika"/>
+        <a:font script="Laoo" typeface="DokChampa"/>
+        <a:font script="Sinh" typeface="Iskoola Pota"/>
+        <a:font script="Mong" typeface="Mongolian Baiti"/>
+        <a:font script="Viet" typeface="Arial"/>
+        <a:font script="Uigh" typeface="Microsoft Uighur"/>
+        <a:font script="Geor" typeface="Sylfaen"/>
+      </a:minorFont>
+    </a:fontScheme>
+    <a:fmtScheme name="Office">
+      <a:fillStyleLst>
+        <a:solidFill>
+          <a:schemeClr val="phClr"/>
+        </a:solidFill>
+        <a:gradFill rotWithShape="1">
+          <a:gsLst>
+            <a:gs pos="0">
+              <a:schemeClr val="phClr">
+                <a:tint val="50000"/>
+                <a:satMod val="300000"/>
+              </a:schemeClr>
+            </a:gs>
+            <a:gs pos="35000">
+              <a:schemeClr val="phClr">
+                <a:tint val="37000"/>
+                <a:satMod val="300000"/>
+              </a:schemeClr>
+            </a:gs>
+            <a:gs pos="100000">
+              <a:schemeClr val="phClr">
+                <a:tint val="15000"/>
+                <a:satMod val="350000"/>
+              </a:schemeClr>
+            </a:gs>
+          </a:gsLst>
+          <a:lin ang="16200000" scaled="1"/>
+        </a:gradFill>
+        <a:gradFill rotWithShape="1">
+          <a:gsLst>
+            <a:gs pos="0">
+              <a:schemeClr val="phClr">
+                <a:tint val="100000"/>
+                <a:shade val="100000"/>
+                <a:satMod val="130000"/>
+              </a:schemeClr>
+            </a:gs>
+            <a:gs pos="100000">
+              <a:schemeClr val="phClr">
+                <a:tint val="50000"/>
+                <a:shade val="100000"/>
+                <a:satMod val="350000"/>
+              </a:schemeClr>
+            </a:gs>
+          </a:gsLst>
+          <a:lin ang="16200000" scaled="0"/>
+        </a:gradFill>
+      </a:fillStyleLst>
+      <a:lnStyleLst>
+        <a:ln w="9525" cap="flat" cmpd="sng" algn="ctr">
+          <a:solidFill>
+            <a:schemeClr val="phClr">
+              <a:shade val="95000"/>
+              <a:satMod val="105000"/>
+            </a:schemeClr>
+          </a:solidFill>
+          <a:prstDash val="solid"/>
+        </a:ln>
+        <a:ln w="25400" cap="flat" cmpd="sng" algn="ctr">
+          <a:solidFill>
+            <a:schemeClr val="phClr"/>
+          </a:solidFill>
+          <a:prstDash val="solid"/>
+        </a:ln>
+        <a:ln w="38100" cap="flat" cmpd="sng" algn="ctr">
+          <a:solidFill>
+            <a:schemeClr val="phClr"/>
+          </a:solidFill>
+          <a:prstDash val="solid"/>
+        </a:ln>
+      </a:lnStyleLst>
+      <a:effectStyleLst>
+        <a:effectStyle>
+          <a:effectLst>
+            <a:outerShdw blurRad="40000" dist="20000" dir="5400000" rotWithShape="0">
+              <a:srgbClr val="000000">
+                <a:alpha val="38000"/>
+              </a:srgbClr>
+            </a:outerShdw>
+          </a:effectLst>
+        </a:effectStyle>
+        <a:effectStyle>
+          <a:effectLst>
+            <a:outerShdw blurRad="40000" dist="23000" dir="5400000" rotWithShape="0">
+              <a:srgbClr val="000000">
+                <a:alpha val="35000"/>
+              </a:srgbClr>
+            </a:outerShdw>
+          </a:effectLst>
+        </a:effectStyle>
+        <a:effectStyle>
+          <a:effectLst>
+            <a:outerShdw blurRad="40000" dist="23000" dir="5400000" rotWithShape="0">
+              <a:srgbClr val="000000">
+                <a:alpha val="35000"/>
+              </a:srgbClr>
+            </a:outerShdw>
+          </a:effectLst>
+          <a:scene3d>
+            <a:camera prst="orthographicFront">
+              <a:rot lat="0" lon="0" rev="0"/>
+            </a:camera>
+            <a:lightRig rig="threePt" dir="t">
+              <a:rot lat="0" lon="0" rev="1200000"/>
+            </a:lightRig>
+          </a:scene3d>
+          <a:sp3d>
+            <a:bevelT w="63500" h="25400"/>
+          </a:sp3d>
+        </a:effectStyle>
+      </a:effectStyleLst>
+      <a:bgFillStyleLst>
+        <a:solidFill>
+          <a:schemeClr val="phClr"/>
+        </a:solidFill>
+        <a:gradFill rotWithShape="1">
+          <a:gsLst>
+            <a:gs pos="0">
+              <a:schemeClr val="phClr">
+                <a:tint val="40000"/>
+                <a:satMod val="350000"/>
+              </a:schemeClr>
+            </a:gs>
+            <a:gs pos="40000">
+              <a:schemeClr val="phClr">
+                <a:tint val="45000"/>
+                <a:shade val="99000"/>
+                <a:satMod val="350000"/>
+              </a:schemeClr>
+            </a:gs>
+            <a:gs pos="100000">
+              <a:schemeClr val="phClr">
+                <a:shade val="20000"/>
+                <a:satMod val="255000"/>
+              </a:schemeClr>
+            </a:gs>
+          </a:gsLst>
+          <a:path path="circle">
+            <a:fillToRect l="50000" t="-80000" r="50000" b="180000"/>
+          </a:path>
+        </a:gradFill>
+        <a:gradFill rotWithShape="1">
+          <a:gsLst>
+            <a:gs pos="0">
+              <a:schemeClr val="phClr">
+                <a:tint val="80000"/>
+                <a:satMod val="300000"/>
+              </a:schemeClr>
+            </a:gs>
+            <a:gs pos="100000">
+              <a:schemeClr val="phClr">
+                <a:shade val="30000"/>
+                <a:satMod val="200000"/>
+              </a:schemeClr>
+            </a:gs>
+          </a:gsLst>
+          <a:path path="circle">
+            <a:fillToRect l="50000" t="50000" r="50000" b="50000"/>
+          </a:path>
+        </a:gradFill>
+      </a:bgFillStyleLst>
+    </a:fmtScheme>
+  </a:themeElements>
+</a:theme>
+</file>
+
+<file path=ppt/theme/theme2.xml><?xml version="1.0" encoding="utf-8"?>
 <a:theme xmlns:a="http://schemas.openxmlformats.org/drawingml/2006/main" xmlns:r="http://schemas.openxmlformats.org/officeDocument/2006/relationships" name="Spearmint">
   <a:themeElements>
     <a:clrScheme name="Spearmint">
@@ -13031,283 +15326,4 @@
     </a:fmtScheme>
   </a:themeElements>
 </a:theme>
-</file>
-
-<file path=ppt/theme/theme2.xml><?xml version="1.0" encoding="utf-8"?>
-<a:theme xmlns:a="http://schemas.openxmlformats.org/drawingml/2006/main" xmlns:r="http://schemas.openxmlformats.org/officeDocument/2006/relationships">
-  <a:themeElements>
-    <a:clrScheme name="Default">
-      <a:dk1>
-        <a:srgbClr val="000000"/>
-      </a:dk1>
-      <a:lt1>
-        <a:srgbClr val="FFFFFF"/>
-      </a:lt1>
-      <a:dk2>
-        <a:srgbClr val="158158"/>
-      </a:dk2>
-      <a:lt2>
-        <a:srgbClr val="F3F3F3"/>
-      </a:lt2>
-      <a:accent1>
-        <a:srgbClr val="058DC7"/>
-      </a:accent1>
-      <a:accent2>
-        <a:srgbClr val="50B432"/>
-      </a:accent2>
-      <a:accent3>
-        <a:srgbClr val="ED561B"/>
-      </a:accent3>
-      <a:accent4>
-        <a:srgbClr val="EDEF00"/>
-      </a:accent4>
-      <a:accent5>
-        <a:srgbClr val="24CBE5"/>
-      </a:accent5>
-      <a:accent6>
-        <a:srgbClr val="64E572"/>
-      </a:accent6>
-      <a:hlink>
-        <a:srgbClr val="2200CC"/>
-      </a:hlink>
-      <a:folHlink>
-        <a:srgbClr val="551A8B"/>
-      </a:folHlink>
-    </a:clrScheme>
-    <a:fontScheme name="Office">
-      <a:majorFont>
-        <a:latin typeface="Arial"/>
-        <a:ea typeface=""/>
-        <a:cs typeface=""/>
-        <a:font script="Jpan" typeface="ＭＳ Ｐゴシック"/>
-        <a:font script="Hang" typeface="맑은 고딕"/>
-        <a:font script="Hans" typeface="宋体"/>
-        <a:font script="Hant" typeface="新細明體"/>
-        <a:font script="Arab" typeface="Times New Roman"/>
-        <a:font script="Hebr" typeface="Times New Roman"/>
-        <a:font script="Thai" typeface="Angsana New"/>
-        <a:font script="Ethi" typeface="Nyala"/>
-        <a:font script="Beng" typeface="Vrinda"/>
-        <a:font script="Gujr" typeface="Shruti"/>
-        <a:font script="Khmr" typeface="MoolBoran"/>
-        <a:font script="Knda" typeface="Tunga"/>
-        <a:font script="Guru" typeface="Raavi"/>
-        <a:font script="Cans" typeface="Euphemia"/>
-        <a:font script="Cher" typeface="Plantagenet Cherokee"/>
-        <a:font script="Yiii" typeface="Microsoft Yi Baiti"/>
-        <a:font script="Tibt" typeface="Microsoft Himalaya"/>
-        <a:font script="Thaa" typeface="MV Boli"/>
-        <a:font script="Deva" typeface="Mangal"/>
-        <a:font script="Telu" typeface="Gautami"/>
-        <a:font script="Taml" typeface="Latha"/>
-        <a:font script="Syrc" typeface="Estrangelo Edessa"/>
-        <a:font script="Orya" typeface="Kalinga"/>
-        <a:font script="Mlym" typeface="Kartika"/>
-        <a:font script="Laoo" typeface="DokChampa"/>
-        <a:font script="Sinh" typeface="Iskoola Pota"/>
-        <a:font script="Mong" typeface="Mongolian Baiti"/>
-        <a:font script="Viet" typeface="Times New Roman"/>
-        <a:font script="Uigh" typeface="Microsoft Uighur"/>
-        <a:font script="Geor" typeface="Sylfaen"/>
-      </a:majorFont>
-      <a:minorFont>
-        <a:latin typeface="Arial"/>
-        <a:ea typeface=""/>
-        <a:cs typeface=""/>
-        <a:font script="Jpan" typeface="ＭＳ Ｐゴシック"/>
-        <a:font script="Hang" typeface="맑은 고딕"/>
-        <a:font script="Hans" typeface="宋体"/>
-        <a:font script="Hant" typeface="新細明體"/>
-        <a:font script="Arab" typeface="Arial"/>
-        <a:font script="Hebr" typeface="Arial"/>
-        <a:font script="Thai" typeface="Cordia New"/>
-        <a:font script="Ethi" typeface="Nyala"/>
-        <a:font script="Beng" typeface="Vrinda"/>
-        <a:font script="Gujr" typeface="Shruti"/>
-        <a:font script="Khmr" typeface="DaunPenh"/>
-        <a:font script="Knda" typeface="Tunga"/>
-        <a:font script="Guru" typeface="Raavi"/>
-        <a:font script="Cans" typeface="Euphemia"/>
-        <a:font script="Cher" typeface="Plantagenet Cherokee"/>
-        <a:font script="Yiii" typeface="Microsoft Yi Baiti"/>
-        <a:font script="Tibt" typeface="Microsoft Himalaya"/>
-        <a:font script="Thaa" typeface="MV Boli"/>
-        <a:font script="Deva" typeface="Mangal"/>
-        <a:font script="Telu" typeface="Gautami"/>
-        <a:font script="Taml" typeface="Latha"/>
-        <a:font script="Syrc" typeface="Estrangelo Edessa"/>
-        <a:font script="Orya" typeface="Kalinga"/>
-        <a:font script="Mlym" typeface="Kartika"/>
-        <a:font script="Laoo" typeface="DokChampa"/>
-        <a:font script="Sinh" typeface="Iskoola Pota"/>
-        <a:font script="Mong" typeface="Mongolian Baiti"/>
-        <a:font script="Viet" typeface="Arial"/>
-        <a:font script="Uigh" typeface="Microsoft Uighur"/>
-        <a:font script="Geor" typeface="Sylfaen"/>
-      </a:minorFont>
-    </a:fontScheme>
-    <a:fmtScheme name="Office">
-      <a:fillStyleLst>
-        <a:solidFill>
-          <a:schemeClr val="phClr"/>
-        </a:solidFill>
-        <a:gradFill rotWithShape="1">
-          <a:gsLst>
-            <a:gs pos="0">
-              <a:schemeClr val="phClr">
-                <a:tint val="50000"/>
-                <a:satMod val="300000"/>
-              </a:schemeClr>
-            </a:gs>
-            <a:gs pos="35000">
-              <a:schemeClr val="phClr">
-                <a:tint val="37000"/>
-                <a:satMod val="300000"/>
-              </a:schemeClr>
-            </a:gs>
-            <a:gs pos="100000">
-              <a:schemeClr val="phClr">
-                <a:tint val="15000"/>
-                <a:satMod val="350000"/>
-              </a:schemeClr>
-            </a:gs>
-          </a:gsLst>
-          <a:lin ang="16200000" scaled="1"/>
-        </a:gradFill>
-        <a:gradFill rotWithShape="1">
-          <a:gsLst>
-            <a:gs pos="0">
-              <a:schemeClr val="phClr">
-                <a:tint val="100000"/>
-                <a:shade val="100000"/>
-                <a:satMod val="130000"/>
-              </a:schemeClr>
-            </a:gs>
-            <a:gs pos="100000">
-              <a:schemeClr val="phClr">
-                <a:tint val="50000"/>
-                <a:shade val="100000"/>
-                <a:satMod val="350000"/>
-              </a:schemeClr>
-            </a:gs>
-          </a:gsLst>
-          <a:lin ang="16200000" scaled="0"/>
-        </a:gradFill>
-      </a:fillStyleLst>
-      <a:lnStyleLst>
-        <a:ln w="9525" cap="flat" cmpd="sng" algn="ctr">
-          <a:solidFill>
-            <a:schemeClr val="phClr">
-              <a:shade val="95000"/>
-              <a:satMod val="105000"/>
-            </a:schemeClr>
-          </a:solidFill>
-          <a:prstDash val="solid"/>
-        </a:ln>
-        <a:ln w="25400" cap="flat" cmpd="sng" algn="ctr">
-          <a:solidFill>
-            <a:schemeClr val="phClr"/>
-          </a:solidFill>
-          <a:prstDash val="solid"/>
-        </a:ln>
-        <a:ln w="38100" cap="flat" cmpd="sng" algn="ctr">
-          <a:solidFill>
-            <a:schemeClr val="phClr"/>
-          </a:solidFill>
-          <a:prstDash val="solid"/>
-        </a:ln>
-      </a:lnStyleLst>
-      <a:effectStyleLst>
-        <a:effectStyle>
-          <a:effectLst>
-            <a:outerShdw blurRad="40000" dist="20000" dir="5400000" rotWithShape="0">
-              <a:srgbClr val="000000">
-                <a:alpha val="38000"/>
-              </a:srgbClr>
-            </a:outerShdw>
-          </a:effectLst>
-        </a:effectStyle>
-        <a:effectStyle>
-          <a:effectLst>
-            <a:outerShdw blurRad="40000" dist="23000" dir="5400000" rotWithShape="0">
-              <a:srgbClr val="000000">
-                <a:alpha val="35000"/>
-              </a:srgbClr>
-            </a:outerShdw>
-          </a:effectLst>
-        </a:effectStyle>
-        <a:effectStyle>
-          <a:effectLst>
-            <a:outerShdw blurRad="40000" dist="23000" dir="5400000" rotWithShape="0">
-              <a:srgbClr val="000000">
-                <a:alpha val="35000"/>
-              </a:srgbClr>
-            </a:outerShdw>
-          </a:effectLst>
-          <a:scene3d>
-            <a:camera prst="orthographicFront">
-              <a:rot lat="0" lon="0" rev="0"/>
-            </a:camera>
-            <a:lightRig rig="threePt" dir="t">
-              <a:rot lat="0" lon="0" rev="1200000"/>
-            </a:lightRig>
-          </a:scene3d>
-          <a:sp3d>
-            <a:bevelT w="63500" h="25400"/>
-          </a:sp3d>
-        </a:effectStyle>
-      </a:effectStyleLst>
-      <a:bgFillStyleLst>
-        <a:solidFill>
-          <a:schemeClr val="phClr"/>
-        </a:solidFill>
-        <a:gradFill rotWithShape="1">
-          <a:gsLst>
-            <a:gs pos="0">
-              <a:schemeClr val="phClr">
-                <a:tint val="40000"/>
-                <a:satMod val="350000"/>
-              </a:schemeClr>
-            </a:gs>
-            <a:gs pos="40000">
-              <a:schemeClr val="phClr">
-                <a:tint val="45000"/>
-                <a:shade val="99000"/>
-                <a:satMod val="350000"/>
-              </a:schemeClr>
-            </a:gs>
-            <a:gs pos="100000">
-              <a:schemeClr val="phClr">
-                <a:shade val="20000"/>
-                <a:satMod val="255000"/>
-              </a:schemeClr>
-            </a:gs>
-          </a:gsLst>
-          <a:path path="circle">
-            <a:fillToRect l="50000" t="-80000" r="50000" b="180000"/>
-          </a:path>
-        </a:gradFill>
-        <a:gradFill rotWithShape="1">
-          <a:gsLst>
-            <a:gs pos="0">
-              <a:schemeClr val="phClr">
-                <a:tint val="80000"/>
-                <a:satMod val="300000"/>
-              </a:schemeClr>
-            </a:gs>
-            <a:gs pos="100000">
-              <a:schemeClr val="phClr">
-                <a:shade val="30000"/>
-                <a:satMod val="200000"/>
-              </a:schemeClr>
-            </a:gs>
-          </a:gsLst>
-          <a:path path="circle">
-            <a:fillToRect l="50000" t="50000" r="50000" b="50000"/>
-          </a:path>
-        </a:gradFill>
-      </a:bgFillStyleLst>
-    </a:fmtScheme>
-  </a:themeElements>
-</a:theme>
 </file>
--- a/search_small_agent.pptx
+++ b/search_small_agent.pptx
@@ -1300,7 +1300,7 @@
   <p:cSld>
     <p:spTree>
       <p:nvGrpSpPr>
-        <p:cNvPr id="194" name="Shape 194"/>
+        <p:cNvPr id="195" name="Shape 195"/>
         <p:cNvGrpSpPr/>
         <p:nvPr/>
       </p:nvGrpSpPr>
@@ -1314,7 +1314,7 @@
       </p:grpSpPr>
       <p:sp>
         <p:nvSpPr>
-          <p:cNvPr id="195" name="Google Shape;195;g269e7035825_0_26:notes"/>
+          <p:cNvPr id="196" name="Google Shape;196;g269e7035825_0_26:notes"/>
           <p:cNvSpPr/>
           <p:nvPr>
             <p:ph idx="2" type="sldImg"/>
@@ -1349,7 +1349,7 @@
       </p:sp>
       <p:sp>
         <p:nvSpPr>
-          <p:cNvPr id="196" name="Google Shape;196;g269e7035825_0_26:notes"/>
+          <p:cNvPr id="197" name="Google Shape;197;g269e7035825_0_26:notes"/>
           <p:cNvSpPr txBox="1"/>
           <p:nvPr>
             <p:ph idx="1" type="body"/>
@@ -9477,7 +9477,7 @@
         </p:nvSpPr>
         <p:spPr>
           <a:xfrm>
-            <a:off x="5270171" y="1619238"/>
+            <a:off x="5270171" y="1924038"/>
             <a:ext cx="772200" cy="381000"/>
           </a:xfrm>
           <a:prstGeom prst="roundRect">
@@ -9541,19 +9541,21 @@
         <p:nvCxnSpPr>
           <p:cNvPr id="123" name="Google Shape;123;p16"/>
           <p:cNvCxnSpPr>
-            <a:stCxn id="108" idx="2"/>
+            <a:stCxn id="109" idx="2"/>
             <a:endCxn id="122" idx="0"/>
           </p:cNvCxnSpPr>
           <p:nvPr/>
         </p:nvCxnSpPr>
         <p:spPr>
-          <a:xfrm flipH="1" rot="-5400000">
-            <a:off x="4463550" y="426450"/>
-            <a:ext cx="767700" cy="1617600"/>
-          </a:xfrm>
-          <a:prstGeom prst="bentConnector3">
+          <a:xfrm rot="-5400000">
+            <a:off x="4818150" y="1144625"/>
+            <a:ext cx="58500" cy="1617600"/>
+          </a:xfrm>
+          <a:prstGeom prst="bentConnector5">
             <a:avLst>
-              <a:gd fmla="val 32259" name="adj1"/>
+              <a:gd fmla="val -531026" name="adj1"/>
+              <a:gd fmla="val 56981" name="adj2"/>
+              <a:gd fmla="val 934359" name="adj3"/>
             </a:avLst>
           </a:prstGeom>
           <a:noFill/>
@@ -9578,8 +9580,8 @@
         </p:nvCxnSpPr>
         <p:spPr>
           <a:xfrm>
-            <a:off x="5656271" y="2000238"/>
-            <a:ext cx="0" cy="930600"/>
+            <a:off x="5656271" y="2305038"/>
+            <a:ext cx="0" cy="625800"/>
           </a:xfrm>
           <a:prstGeom prst="straightConnector1">
             <a:avLst/>
@@ -11324,8 +11326,8 @@
         </p:nvSpPr>
         <p:spPr>
           <a:xfrm>
-            <a:off x="876310" y="865150"/>
-            <a:ext cx="7425000" cy="4000800"/>
+            <a:off x="709250" y="865150"/>
+            <a:ext cx="7782600" cy="4000800"/>
           </a:xfrm>
           <a:prstGeom prst="roundRect">
             <a:avLst>
@@ -11422,7 +11424,7 @@
         </p:nvSpPr>
         <p:spPr>
           <a:xfrm>
-            <a:off x="5846500" y="3574700"/>
+            <a:off x="5984246" y="3574700"/>
             <a:ext cx="2290800" cy="801000"/>
           </a:xfrm>
           <a:prstGeom prst="roundRect">
@@ -11479,7 +11481,7 @@
         </p:nvSpPr>
         <p:spPr>
           <a:xfrm>
-            <a:off x="6296300" y="3572606"/>
+            <a:off x="6434046" y="3572606"/>
             <a:ext cx="1762500" cy="725400"/>
           </a:xfrm>
           <a:prstGeom prst="roundRect">
@@ -11536,7 +11538,7 @@
         </p:nvSpPr>
         <p:spPr>
           <a:xfrm>
-            <a:off x="6367698" y="3804537"/>
+            <a:off x="6505444" y="3804537"/>
             <a:ext cx="1653900" cy="243900"/>
           </a:xfrm>
           <a:prstGeom prst="roundRect">
@@ -11604,7 +11606,7 @@
         </p:nvSpPr>
         <p:spPr>
           <a:xfrm>
-            <a:off x="3642933" y="186098"/>
+            <a:off x="3094879" y="186098"/>
             <a:ext cx="1005000" cy="381000"/>
           </a:xfrm>
           <a:prstGeom prst="roundRect">
@@ -11672,7 +11674,7 @@
         </p:nvCxnSpPr>
         <p:spPr>
           <a:xfrm rot="10800000">
-            <a:off x="4045179" y="567102"/>
+            <a:off x="3497125" y="567102"/>
             <a:ext cx="0" cy="535200"/>
           </a:xfrm>
           <a:prstGeom prst="straightConnector1">
@@ -11698,7 +11700,7 @@
         </p:nvSpPr>
         <p:spPr>
           <a:xfrm>
-            <a:off x="3281179" y="1018775"/>
+            <a:off x="2733125" y="1018775"/>
             <a:ext cx="1068000" cy="381000"/>
           </a:xfrm>
           <a:prstGeom prst="roundRect">
@@ -11766,7 +11768,7 @@
         </p:nvCxnSpPr>
         <p:spPr>
           <a:xfrm rot="10800000">
-            <a:off x="3508704" y="1390900"/>
+            <a:off x="2960650" y="1390900"/>
             <a:ext cx="0" cy="2961300"/>
           </a:xfrm>
           <a:prstGeom prst="straightConnector1">
@@ -11792,8 +11794,8 @@
         </p:nvSpPr>
         <p:spPr>
           <a:xfrm>
-            <a:off x="3821729" y="4343425"/>
-            <a:ext cx="1714500" cy="381000"/>
+            <a:off x="3273675" y="4343425"/>
+            <a:ext cx="2056500" cy="381000"/>
           </a:xfrm>
           <a:prstGeom prst="roundRect">
             <a:avLst>
@@ -11860,7 +11862,7 @@
         </p:nvSpPr>
         <p:spPr>
           <a:xfrm>
-            <a:off x="5225304" y="2649650"/>
+            <a:off x="5363050" y="2649650"/>
             <a:ext cx="2217600" cy="308700"/>
           </a:xfrm>
           <a:prstGeom prst="roundRect">
@@ -11928,7 +11930,7 @@
         </p:nvSpPr>
         <p:spPr>
           <a:xfrm>
-            <a:off x="5582336" y="3186725"/>
+            <a:off x="5720082" y="3186725"/>
             <a:ext cx="2155800" cy="349200"/>
           </a:xfrm>
           <a:prstGeom prst="roundRect">
@@ -12020,7 +12022,7 @@
         </p:nvSpPr>
         <p:spPr>
           <a:xfrm>
-            <a:off x="5150929" y="2415500"/>
+            <a:off x="5288675" y="2415500"/>
             <a:ext cx="1208100" cy="400200"/>
           </a:xfrm>
           <a:prstGeom prst="rect">
@@ -12070,7 +12072,7 @@
         </p:nvSpPr>
         <p:spPr>
           <a:xfrm>
-            <a:off x="5530104" y="2882150"/>
+            <a:off x="5667850" y="2882150"/>
             <a:ext cx="1339500" cy="400200"/>
           </a:xfrm>
           <a:prstGeom prst="rect">
@@ -12128,7 +12130,7 @@
         </p:nvSpPr>
         <p:spPr>
           <a:xfrm>
-            <a:off x="5943879" y="3757873"/>
+            <a:off x="6081625" y="3757873"/>
             <a:ext cx="1412100" cy="291600"/>
           </a:xfrm>
           <a:prstGeom prst="roundRect">
@@ -12188,7 +12190,7 @@
         </p:nvSpPr>
         <p:spPr>
           <a:xfrm>
-            <a:off x="5846954" y="3516004"/>
+            <a:off x="5984700" y="3516004"/>
             <a:ext cx="1208100" cy="400200"/>
           </a:xfrm>
           <a:prstGeom prst="rect">
@@ -12246,7 +12248,7 @@
         </p:nvSpPr>
         <p:spPr>
           <a:xfrm>
-            <a:off x="7064898" y="4001937"/>
+            <a:off x="7202644" y="4001937"/>
             <a:ext cx="1005000" cy="291600"/>
           </a:xfrm>
           <a:prstGeom prst="roundRect">
@@ -12306,7 +12308,7 @@
         </p:nvSpPr>
         <p:spPr>
           <a:xfrm>
-            <a:off x="6296298" y="3517952"/>
+            <a:off x="6434044" y="3517952"/>
             <a:ext cx="616200" cy="400200"/>
           </a:xfrm>
           <a:prstGeom prst="rect">
@@ -12364,7 +12366,7 @@
         </p:nvCxnSpPr>
         <p:spPr>
           <a:xfrm flipH="1" rot="-5400000">
-            <a:off x="1915148" y="1742298"/>
+            <a:off x="1367094" y="1742298"/>
             <a:ext cx="3777900" cy="1427400"/>
           </a:xfrm>
           <a:prstGeom prst="bentConnector3">
@@ -12387,14 +12389,12 @@
       <p:cxnSp>
         <p:nvCxnSpPr>
           <p:cNvPr id="179" name="Google Shape;179;p18"/>
-          <p:cNvCxnSpPr>
-            <a:stCxn id="180" idx="2"/>
-          </p:cNvCxnSpPr>
+          <p:cNvCxnSpPr/>
           <p:nvPr/>
         </p:nvCxnSpPr>
         <p:spPr>
           <a:xfrm>
-            <a:off x="4848229" y="2413038"/>
+            <a:off x="5052054" y="2395463"/>
             <a:ext cx="0" cy="1931700"/>
           </a:xfrm>
           <a:prstGeom prst="straightConnector1">
@@ -12414,13 +12414,13 @@
       </p:cxnSp>
       <p:cxnSp>
         <p:nvCxnSpPr>
-          <p:cNvPr id="181" name="Google Shape;181;p18"/>
+          <p:cNvPr id="180" name="Google Shape;180;p18"/>
           <p:cNvCxnSpPr/>
           <p:nvPr/>
         </p:nvCxnSpPr>
         <p:spPr>
           <a:xfrm flipH="1" rot="10800000">
-            <a:off x="4042779" y="1400775"/>
+            <a:off x="3494725" y="1400775"/>
             <a:ext cx="4800" cy="2944200"/>
           </a:xfrm>
           <a:prstGeom prst="straightConnector1">
@@ -12440,13 +12440,13 @@
       </p:cxnSp>
       <p:sp>
         <p:nvSpPr>
-          <p:cNvPr id="182" name="Google Shape;182;p18"/>
+          <p:cNvPr id="181" name="Google Shape;181;p18"/>
           <p:cNvSpPr txBox="1"/>
           <p:nvPr/>
         </p:nvSpPr>
         <p:spPr>
           <a:xfrm>
-            <a:off x="3478779" y="1616975"/>
+            <a:off x="2930725" y="1616975"/>
             <a:ext cx="1208100" cy="400200"/>
           </a:xfrm>
           <a:prstGeom prst="rect">
@@ -12490,14 +12490,14 @@
       </p:sp>
       <p:sp>
         <p:nvSpPr>
-          <p:cNvPr id="180" name="Google Shape;180;p18"/>
+          <p:cNvPr id="182" name="Google Shape;182;p18"/>
           <p:cNvSpPr/>
           <p:nvPr/>
         </p:nvSpPr>
         <p:spPr>
           <a:xfrm>
-            <a:off x="4119379" y="2032038"/>
-            <a:ext cx="1457700" cy="381000"/>
+            <a:off x="4752262" y="2040263"/>
+            <a:ext cx="1339500" cy="381000"/>
           </a:xfrm>
           <a:prstGeom prst="roundRect">
             <a:avLst>
@@ -12564,7 +12564,7 @@
         </p:nvSpPr>
         <p:spPr>
           <a:xfrm>
-            <a:off x="1960122" y="4343425"/>
+            <a:off x="1412069" y="4343425"/>
             <a:ext cx="1762500" cy="381000"/>
           </a:xfrm>
           <a:prstGeom prst="roundRect">
@@ -12632,7 +12632,7 @@
         </p:nvSpPr>
         <p:spPr>
           <a:xfrm>
-            <a:off x="5150929" y="2415500"/>
+            <a:off x="5288675" y="2415500"/>
             <a:ext cx="2217600" cy="535200"/>
           </a:xfrm>
           <a:prstGeom prst="roundRect">
@@ -12689,7 +12689,7 @@
         </p:nvSpPr>
         <p:spPr>
           <a:xfrm>
-            <a:off x="5519725" y="2949550"/>
+            <a:off x="5657471" y="2949550"/>
             <a:ext cx="2155800" cy="622500"/>
           </a:xfrm>
           <a:prstGeom prst="roundRect">
@@ -12742,19 +12742,17 @@
         <p:nvCxnSpPr>
           <p:cNvPr id="186" name="Google Shape;186;p18"/>
           <p:cNvCxnSpPr>
-            <a:endCxn id="180" idx="0"/>
+            <a:stCxn id="167" idx="3"/>
           </p:cNvCxnSpPr>
           <p:nvPr/>
         </p:nvCxnSpPr>
         <p:spPr>
-          <a:xfrm flipH="1" rot="-5400000">
-            <a:off x="4240879" y="1424688"/>
-            <a:ext cx="705600" cy="509100"/>
-          </a:xfrm>
-          <a:prstGeom prst="bentConnector3">
-            <a:avLst>
-              <a:gd fmla="val -37" name="adj1"/>
-            </a:avLst>
+          <a:xfrm>
+            <a:off x="3801125" y="1209275"/>
+            <a:ext cx="414000" cy="831000"/>
+          </a:xfrm>
+          <a:prstGeom prst="bentConnector2">
+            <a:avLst/>
           </a:prstGeom>
           <a:noFill/>
           <a:ln cap="flat" cmpd="sng" w="38100">
@@ -12776,7 +12774,7 @@
         </p:nvSpPr>
         <p:spPr>
           <a:xfrm>
-            <a:off x="2705938" y="186086"/>
+            <a:off x="2157885" y="186086"/>
             <a:ext cx="772200" cy="381000"/>
           </a:xfrm>
           <a:prstGeom prst="roundRect">
@@ -12846,7 +12844,7 @@
         </p:nvCxnSpPr>
         <p:spPr>
           <a:xfrm>
-            <a:off x="3092038" y="567086"/>
+            <a:off x="2543985" y="567086"/>
             <a:ext cx="4200" cy="3785100"/>
           </a:xfrm>
           <a:prstGeom prst="straightConnector1">
@@ -12872,7 +12870,7 @@
         </p:nvCxnSpPr>
         <p:spPr>
           <a:xfrm>
-            <a:off x="2197429" y="479175"/>
+            <a:off x="1649375" y="479175"/>
             <a:ext cx="0" cy="3864300"/>
           </a:xfrm>
           <a:prstGeom prst="straightConnector1">
@@ -12898,7 +12896,7 @@
         </p:nvCxnSpPr>
         <p:spPr>
           <a:xfrm flipH="1" rot="-5400000">
-            <a:off x="1292779" y="1383825"/>
+            <a:off x="744725" y="1383825"/>
             <a:ext cx="3865800" cy="2056500"/>
           </a:xfrm>
           <a:prstGeom prst="bentConnector3">
@@ -12926,7 +12924,7 @@
         </p:nvSpPr>
         <p:spPr>
           <a:xfrm>
-            <a:off x="1750083" y="186098"/>
+            <a:off x="1202029" y="186098"/>
             <a:ext cx="840900" cy="381000"/>
           </a:xfrm>
           <a:prstGeom prst="roundRect">
@@ -12994,7 +12992,7 @@
         </p:nvSpPr>
         <p:spPr>
           <a:xfrm>
-            <a:off x="5521271" y="1018785"/>
+            <a:off x="3835336" y="2040285"/>
             <a:ext cx="772200" cy="381000"/>
           </a:xfrm>
           <a:prstGeom prst="roundRect">
@@ -13062,11 +13060,13 @@
         </p:nvCxnSpPr>
         <p:spPr>
           <a:xfrm>
-            <a:off x="4349179" y="1169700"/>
-            <a:ext cx="1172100" cy="0"/>
-          </a:xfrm>
-          <a:prstGeom prst="straightConnector1">
-            <a:avLst/>
+            <a:off x="4074517" y="1209263"/>
+            <a:ext cx="973800" cy="834900"/>
+          </a:xfrm>
+          <a:prstGeom prst="bentConnector3">
+            <a:avLst>
+              <a:gd fmla="val 100745" name="adj1"/>
+            </a:avLst>
           </a:prstGeom>
           <a:noFill/>
           <a:ln cap="flat" cmpd="sng" w="38100">
@@ -13075,7 +13075,33 @@
             </a:solidFill>
             <a:prstDash val="dash"/>
             <a:round/>
-            <a:headEnd len="med" w="med" type="triangle"/>
+            <a:headEnd len="med" w="med" type="none"/>
+            <a:tailEnd len="med" w="med" type="none"/>
+          </a:ln>
+        </p:spPr>
+      </p:cxnSp>
+      <p:cxnSp>
+        <p:nvCxnSpPr>
+          <p:cNvPr id="194" name="Google Shape;194;p18"/>
+          <p:cNvCxnSpPr/>
+          <p:nvPr/>
+        </p:nvCxnSpPr>
+        <p:spPr>
+          <a:xfrm>
+            <a:off x="4234354" y="2395463"/>
+            <a:ext cx="0" cy="1931700"/>
+          </a:xfrm>
+          <a:prstGeom prst="straightConnector1">
+            <a:avLst/>
+          </a:prstGeom>
+          <a:noFill/>
+          <a:ln cap="flat" cmpd="sng" w="38100">
+            <a:solidFill>
+              <a:srgbClr val="0000FF"/>
+            </a:solidFill>
+            <a:prstDash val="dash"/>
+            <a:round/>
+            <a:headEnd len="med" w="med" type="none"/>
             <a:tailEnd len="med" w="med" type="triangle"/>
           </a:ln>
         </p:spPr>
@@ -13093,7 +13119,7 @@
   <p:cSld>
     <p:spTree>
       <p:nvGrpSpPr>
-        <p:cNvPr id="197" name="Shape 197"/>
+        <p:cNvPr id="198" name="Shape 198"/>
         <p:cNvGrpSpPr/>
         <p:nvPr/>
       </p:nvGrpSpPr>
@@ -13107,14 +13133,14 @@
       </p:grpSpPr>
       <p:sp>
         <p:nvSpPr>
-          <p:cNvPr id="198" name="Google Shape;198;p19"/>
+          <p:cNvPr id="199" name="Google Shape;199;p19"/>
           <p:cNvSpPr/>
           <p:nvPr/>
         </p:nvSpPr>
         <p:spPr>
           <a:xfrm>
-            <a:off x="1557000" y="578825"/>
-            <a:ext cx="6030000" cy="3685500"/>
+            <a:off x="1404600" y="578825"/>
+            <a:ext cx="6691800" cy="3685500"/>
           </a:xfrm>
           <a:prstGeom prst="roundRect">
             <a:avLst>
@@ -13197,13 +13223,13 @@
       </p:sp>
       <p:sp>
         <p:nvSpPr>
-          <p:cNvPr id="199" name="Google Shape;199;p19"/>
+          <p:cNvPr id="200" name="Google Shape;200;p19"/>
           <p:cNvSpPr/>
           <p:nvPr/>
         </p:nvSpPr>
         <p:spPr>
           <a:xfrm>
-            <a:off x="4197550" y="1094600"/>
+            <a:off x="4045150" y="1094600"/>
             <a:ext cx="1200300" cy="381000"/>
           </a:xfrm>
           <a:prstGeom prst="roundRect">
@@ -13265,13 +13291,13 @@
       </p:sp>
       <p:sp>
         <p:nvSpPr>
-          <p:cNvPr id="200" name="Google Shape;200;p19"/>
+          <p:cNvPr id="201" name="Google Shape;201;p19"/>
           <p:cNvSpPr/>
           <p:nvPr/>
         </p:nvSpPr>
         <p:spPr>
           <a:xfrm>
-            <a:off x="5228675" y="61492"/>
+            <a:off x="3915698" y="61492"/>
             <a:ext cx="1457700" cy="381000"/>
           </a:xfrm>
           <a:prstGeom prst="roundRect">
@@ -13345,13 +13371,13 @@
       </p:sp>
       <p:sp>
         <p:nvSpPr>
-          <p:cNvPr id="201" name="Google Shape;201;p19"/>
+          <p:cNvPr id="202" name="Google Shape;202;p19"/>
           <p:cNvSpPr/>
           <p:nvPr/>
         </p:nvSpPr>
         <p:spPr>
           <a:xfrm>
-            <a:off x="2255950" y="2014617"/>
+            <a:off x="2103550" y="2014617"/>
             <a:ext cx="977400" cy="457500"/>
           </a:xfrm>
           <a:prstGeom prst="roundRect">
@@ -13413,13 +13439,13 @@
       </p:sp>
       <p:sp>
         <p:nvSpPr>
-          <p:cNvPr id="202" name="Google Shape;202;p19"/>
+          <p:cNvPr id="203" name="Google Shape;203;p19"/>
           <p:cNvSpPr/>
           <p:nvPr/>
         </p:nvSpPr>
         <p:spPr>
           <a:xfrm>
-            <a:off x="3803400" y="2014617"/>
+            <a:off x="3651000" y="2014617"/>
             <a:ext cx="977400" cy="457500"/>
           </a:xfrm>
           <a:prstGeom prst="roundRect">
@@ -13481,13 +13507,13 @@
       </p:sp>
       <p:sp>
         <p:nvSpPr>
-          <p:cNvPr id="203" name="Google Shape;203;p19"/>
+          <p:cNvPr id="204" name="Google Shape;204;p19"/>
           <p:cNvSpPr/>
           <p:nvPr/>
         </p:nvSpPr>
         <p:spPr>
           <a:xfrm>
-            <a:off x="5059225" y="2173167"/>
+            <a:off x="4906825" y="2173167"/>
             <a:ext cx="102600" cy="109800"/>
           </a:xfrm>
           <a:prstGeom prst="ellipse">
@@ -13535,13 +13561,13 @@
       </p:sp>
       <p:sp>
         <p:nvSpPr>
-          <p:cNvPr id="204" name="Google Shape;204;p19"/>
+          <p:cNvPr id="205" name="Google Shape;205;p19"/>
           <p:cNvSpPr/>
           <p:nvPr/>
         </p:nvSpPr>
         <p:spPr>
           <a:xfrm>
-            <a:off x="6278450" y="2014617"/>
+            <a:off x="6126050" y="2014617"/>
             <a:ext cx="977400" cy="457500"/>
           </a:xfrm>
           <a:prstGeom prst="roundRect">
@@ -13603,81 +13629,13 @@
       </p:sp>
       <p:sp>
         <p:nvSpPr>
-          <p:cNvPr id="205" name="Google Shape;205;p19"/>
-          <p:cNvSpPr/>
-          <p:nvPr/>
-        </p:nvSpPr>
-        <p:spPr>
-          <a:xfrm>
-            <a:off x="2255950" y="2842742"/>
-            <a:ext cx="977400" cy="381000"/>
-          </a:xfrm>
-          <a:prstGeom prst="roundRect">
-            <a:avLst>
-              <a:gd fmla="val 16667" name="adj"/>
-            </a:avLst>
-          </a:prstGeom>
-          <a:solidFill>
-            <a:srgbClr val="EFEFEF"/>
-          </a:solidFill>
-          <a:ln cap="flat" cmpd="sng" w="9525">
-            <a:solidFill>
-              <a:srgbClr val="0000FF"/>
-            </a:solidFill>
-            <a:prstDash val="solid"/>
-            <a:round/>
-            <a:headEnd len="sm" w="sm" type="none"/>
-            <a:tailEnd len="sm" w="sm" type="none"/>
-          </a:ln>
-        </p:spPr>
-        <p:txBody>
-          <a:bodyPr anchorCtr="0" anchor="ctr" bIns="91425" lIns="91425" spcFirstLastPara="1" rIns="91425" wrap="square" tIns="91425">
-            <a:noAutofit/>
-          </a:bodyPr>
-          <a:lstStyle/>
-          <a:p>
-            <a:pPr indent="0" lvl="0" marL="0" rtl="0" algn="ctr">
-              <a:spcBef>
-                <a:spcPts val="0"/>
-              </a:spcBef>
-              <a:spcAft>
-                <a:spcPts val="0"/>
-              </a:spcAft>
-              <a:buNone/>
-            </a:pPr>
-            <a:r>
-              <a:rPr b="1" lang="ja">
-                <a:solidFill>
-                  <a:schemeClr val="accent2"/>
-                </a:solidFill>
-                <a:latin typeface="Proxima Nova"/>
-                <a:ea typeface="Proxima Nova"/>
-                <a:cs typeface="Proxima Nova"/>
-                <a:sym typeface="Proxima Nova"/>
-              </a:rPr>
-              <a:t>search</a:t>
-            </a:r>
-            <a:endParaRPr b="1">
-              <a:solidFill>
-                <a:schemeClr val="accent2"/>
-              </a:solidFill>
-              <a:latin typeface="Proxima Nova"/>
-              <a:ea typeface="Proxima Nova"/>
-              <a:cs typeface="Proxima Nova"/>
-              <a:sym typeface="Proxima Nova"/>
-            </a:endParaRPr>
-          </a:p>
-        </p:txBody>
-      </p:sp>
-      <p:sp>
-        <p:nvSpPr>
           <p:cNvPr id="206" name="Google Shape;206;p19"/>
           <p:cNvSpPr/>
           <p:nvPr/>
         </p:nvSpPr>
         <p:spPr>
           <a:xfrm>
-            <a:off x="3803400" y="2842742"/>
+            <a:off x="2103550" y="2842742"/>
             <a:ext cx="977400" cy="381000"/>
           </a:xfrm>
           <a:prstGeom prst="roundRect">
@@ -13745,7 +13703,7 @@
         </p:nvSpPr>
         <p:spPr>
           <a:xfrm>
-            <a:off x="6278450" y="2842742"/>
+            <a:off x="3651000" y="2842742"/>
             <a:ext cx="977400" cy="381000"/>
           </a:xfrm>
           <a:prstGeom prst="roundRect">
@@ -13813,7 +13771,75 @@
         </p:nvSpPr>
         <p:spPr>
           <a:xfrm>
-            <a:off x="5059225" y="2980542"/>
+            <a:off x="6126050" y="2842742"/>
+            <a:ext cx="977400" cy="381000"/>
+          </a:xfrm>
+          <a:prstGeom prst="roundRect">
+            <a:avLst>
+              <a:gd fmla="val 16667" name="adj"/>
+            </a:avLst>
+          </a:prstGeom>
+          <a:solidFill>
+            <a:srgbClr val="EFEFEF"/>
+          </a:solidFill>
+          <a:ln cap="flat" cmpd="sng" w="9525">
+            <a:solidFill>
+              <a:srgbClr val="0000FF"/>
+            </a:solidFill>
+            <a:prstDash val="solid"/>
+            <a:round/>
+            <a:headEnd len="sm" w="sm" type="none"/>
+            <a:tailEnd len="sm" w="sm" type="none"/>
+          </a:ln>
+        </p:spPr>
+        <p:txBody>
+          <a:bodyPr anchorCtr="0" anchor="ctr" bIns="91425" lIns="91425" spcFirstLastPara="1" rIns="91425" wrap="square" tIns="91425">
+            <a:noAutofit/>
+          </a:bodyPr>
+          <a:lstStyle/>
+          <a:p>
+            <a:pPr indent="0" lvl="0" marL="0" rtl="0" algn="ctr">
+              <a:spcBef>
+                <a:spcPts val="0"/>
+              </a:spcBef>
+              <a:spcAft>
+                <a:spcPts val="0"/>
+              </a:spcAft>
+              <a:buNone/>
+            </a:pPr>
+            <a:r>
+              <a:rPr b="1" lang="ja">
+                <a:solidFill>
+                  <a:schemeClr val="accent2"/>
+                </a:solidFill>
+                <a:latin typeface="Proxima Nova"/>
+                <a:ea typeface="Proxima Nova"/>
+                <a:cs typeface="Proxima Nova"/>
+                <a:sym typeface="Proxima Nova"/>
+              </a:rPr>
+              <a:t>search</a:t>
+            </a:r>
+            <a:endParaRPr b="1">
+              <a:solidFill>
+                <a:schemeClr val="accent2"/>
+              </a:solidFill>
+              <a:latin typeface="Proxima Nova"/>
+              <a:ea typeface="Proxima Nova"/>
+              <a:cs typeface="Proxima Nova"/>
+              <a:sym typeface="Proxima Nova"/>
+            </a:endParaRPr>
+          </a:p>
+        </p:txBody>
+      </p:sp>
+      <p:sp>
+        <p:nvSpPr>
+          <p:cNvPr id="209" name="Google Shape;209;p19"/>
+          <p:cNvSpPr/>
+          <p:nvPr/>
+        </p:nvSpPr>
+        <p:spPr>
+          <a:xfrm>
+            <a:off x="4906825" y="2980542"/>
             <a:ext cx="102600" cy="109800"/>
           </a:xfrm>
           <a:prstGeom prst="ellipse">
@@ -13861,16 +13887,16 @@
       </p:sp>
       <p:cxnSp>
         <p:nvCxnSpPr>
-          <p:cNvPr id="209" name="Google Shape;209;p19"/>
+          <p:cNvPr id="210" name="Google Shape;210;p19"/>
           <p:cNvCxnSpPr>
-            <a:stCxn id="201" idx="2"/>
-            <a:endCxn id="205" idx="0"/>
+            <a:stCxn id="202" idx="2"/>
+            <a:endCxn id="206" idx="0"/>
           </p:cNvCxnSpPr>
           <p:nvPr/>
         </p:nvCxnSpPr>
         <p:spPr>
           <a:xfrm>
-            <a:off x="2744650" y="2472117"/>
+            <a:off x="2592250" y="2472117"/>
             <a:ext cx="0" cy="370500"/>
           </a:xfrm>
           <a:prstGeom prst="straightConnector1">
@@ -13890,13 +13916,13 @@
       </p:cxnSp>
       <p:sp>
         <p:nvSpPr>
-          <p:cNvPr id="210" name="Google Shape;210;p19"/>
+          <p:cNvPr id="211" name="Google Shape;211;p19"/>
           <p:cNvSpPr/>
           <p:nvPr/>
         </p:nvSpPr>
         <p:spPr>
           <a:xfrm>
-            <a:off x="4143065" y="3808267"/>
+            <a:off x="3990665" y="3808267"/>
             <a:ext cx="1267800" cy="381000"/>
           </a:xfrm>
           <a:prstGeom prst="roundRect">
@@ -13958,16 +13984,16 @@
       </p:sp>
       <p:cxnSp>
         <p:nvCxnSpPr>
-          <p:cNvPr id="211" name="Google Shape;211;p19"/>
+          <p:cNvPr id="212" name="Google Shape;212;p19"/>
           <p:cNvCxnSpPr>
-            <a:stCxn id="199" idx="2"/>
-            <a:endCxn id="201" idx="0"/>
+            <a:stCxn id="200" idx="2"/>
+            <a:endCxn id="202" idx="0"/>
           </p:cNvCxnSpPr>
           <p:nvPr/>
         </p:nvCxnSpPr>
         <p:spPr>
           <a:xfrm rot="5400000">
-            <a:off x="3501700" y="718700"/>
+            <a:off x="3349300" y="718700"/>
             <a:ext cx="539100" cy="2052900"/>
           </a:xfrm>
           <a:prstGeom prst="bentConnector3">
@@ -13989,16 +14015,16 @@
       </p:cxnSp>
       <p:cxnSp>
         <p:nvCxnSpPr>
-          <p:cNvPr id="212" name="Google Shape;212;p19"/>
+          <p:cNvPr id="213" name="Google Shape;213;p19"/>
           <p:cNvCxnSpPr>
-            <a:stCxn id="199" idx="2"/>
-            <a:endCxn id="202" idx="0"/>
+            <a:stCxn id="200" idx="2"/>
+            <a:endCxn id="203" idx="0"/>
           </p:cNvCxnSpPr>
           <p:nvPr/>
         </p:nvCxnSpPr>
         <p:spPr>
           <a:xfrm rot="5400000">
-            <a:off x="4275400" y="1492400"/>
+            <a:off x="4123000" y="1492400"/>
             <a:ext cx="539100" cy="505500"/>
           </a:xfrm>
           <a:prstGeom prst="bentConnector3">
@@ -14020,16 +14046,16 @@
       </p:cxnSp>
       <p:cxnSp>
         <p:nvCxnSpPr>
-          <p:cNvPr id="213" name="Google Shape;213;p19"/>
+          <p:cNvPr id="214" name="Google Shape;214;p19"/>
           <p:cNvCxnSpPr>
-            <a:stCxn id="199" idx="2"/>
-            <a:endCxn id="204" idx="0"/>
+            <a:stCxn id="200" idx="2"/>
+            <a:endCxn id="205" idx="0"/>
           </p:cNvCxnSpPr>
           <p:nvPr/>
         </p:nvCxnSpPr>
         <p:spPr>
           <a:xfrm flipH="1" rot="-5400000">
-            <a:off x="5512900" y="760400"/>
+            <a:off x="5360500" y="760400"/>
             <a:ext cx="539100" cy="1969500"/>
           </a:xfrm>
           <a:prstGeom prst="bentConnector3">
@@ -14051,16 +14077,16 @@
       </p:cxnSp>
       <p:cxnSp>
         <p:nvCxnSpPr>
-          <p:cNvPr id="214" name="Google Shape;214;p19"/>
+          <p:cNvPr id="215" name="Google Shape;215;p19"/>
           <p:cNvCxnSpPr>
-            <a:stCxn id="205" idx="2"/>
-            <a:endCxn id="210" idx="0"/>
+            <a:stCxn id="206" idx="2"/>
+            <a:endCxn id="211" idx="0"/>
           </p:cNvCxnSpPr>
           <p:nvPr/>
         </p:nvCxnSpPr>
         <p:spPr>
           <a:xfrm flipH="1" rot="-5400000">
-            <a:off x="3468550" y="2499842"/>
+            <a:off x="3316150" y="2499842"/>
             <a:ext cx="584400" cy="2032200"/>
           </a:xfrm>
           <a:prstGeom prst="bentConnector3">
@@ -14082,16 +14108,16 @@
       </p:cxnSp>
       <p:cxnSp>
         <p:nvCxnSpPr>
-          <p:cNvPr id="215" name="Google Shape;215;p19"/>
+          <p:cNvPr id="216" name="Google Shape;216;p19"/>
           <p:cNvCxnSpPr>
-            <a:stCxn id="202" idx="2"/>
-            <a:endCxn id="206" idx="0"/>
+            <a:stCxn id="203" idx="2"/>
+            <a:endCxn id="207" idx="0"/>
           </p:cNvCxnSpPr>
           <p:nvPr/>
         </p:nvCxnSpPr>
         <p:spPr>
           <a:xfrm>
-            <a:off x="4292100" y="2472117"/>
+            <a:off x="4139700" y="2472117"/>
             <a:ext cx="0" cy="370500"/>
           </a:xfrm>
           <a:prstGeom prst="straightConnector1">
@@ -14111,16 +14137,16 @@
       </p:cxnSp>
       <p:cxnSp>
         <p:nvCxnSpPr>
-          <p:cNvPr id="216" name="Google Shape;216;p19"/>
+          <p:cNvPr id="217" name="Google Shape;217;p19"/>
           <p:cNvCxnSpPr>
-            <a:stCxn id="204" idx="2"/>
-            <a:endCxn id="207" idx="0"/>
+            <a:stCxn id="205" idx="2"/>
+            <a:endCxn id="208" idx="0"/>
           </p:cNvCxnSpPr>
           <p:nvPr/>
         </p:nvCxnSpPr>
         <p:spPr>
           <a:xfrm>
-            <a:off x="6767150" y="2472117"/>
+            <a:off x="6614750" y="2472117"/>
             <a:ext cx="0" cy="370500"/>
           </a:xfrm>
           <a:prstGeom prst="straightConnector1">
@@ -14140,16 +14166,16 @@
       </p:cxnSp>
       <p:cxnSp>
         <p:nvCxnSpPr>
-          <p:cNvPr id="217" name="Google Shape;217;p19"/>
+          <p:cNvPr id="218" name="Google Shape;218;p19"/>
           <p:cNvCxnSpPr>
-            <a:stCxn id="206" idx="2"/>
-            <a:endCxn id="210" idx="0"/>
+            <a:stCxn id="207" idx="2"/>
+            <a:endCxn id="211" idx="0"/>
           </p:cNvCxnSpPr>
           <p:nvPr/>
         </p:nvCxnSpPr>
         <p:spPr>
           <a:xfrm flipH="1" rot="-5400000">
-            <a:off x="4242300" y="3273542"/>
+            <a:off x="4089900" y="3273542"/>
             <a:ext cx="584400" cy="484800"/>
           </a:xfrm>
           <a:prstGeom prst="bentConnector3">
@@ -14171,16 +14197,16 @@
       </p:cxnSp>
       <p:cxnSp>
         <p:nvCxnSpPr>
-          <p:cNvPr id="218" name="Google Shape;218;p19"/>
+          <p:cNvPr id="219" name="Google Shape;219;p19"/>
           <p:cNvCxnSpPr>
-            <a:stCxn id="207" idx="2"/>
-            <a:endCxn id="210" idx="0"/>
+            <a:stCxn id="208" idx="2"/>
+            <a:endCxn id="211" idx="0"/>
           </p:cNvCxnSpPr>
           <p:nvPr/>
         </p:nvCxnSpPr>
         <p:spPr>
           <a:xfrm rot="5400000">
-            <a:off x="5479850" y="2520842"/>
+            <a:off x="5327450" y="2520842"/>
             <a:ext cx="584400" cy="1990200"/>
           </a:xfrm>
           <a:prstGeom prst="bentConnector3">
@@ -14202,13 +14228,13 @@
       </p:cxnSp>
       <p:sp>
         <p:nvSpPr>
-          <p:cNvPr id="219" name="Google Shape;219;p19"/>
+          <p:cNvPr id="220" name="Google Shape;220;p19"/>
           <p:cNvSpPr/>
           <p:nvPr/>
         </p:nvSpPr>
         <p:spPr>
           <a:xfrm>
-            <a:off x="3354250" y="61492"/>
+            <a:off x="2820850" y="61492"/>
             <a:ext cx="840900" cy="381000"/>
           </a:xfrm>
           <a:prstGeom prst="roundRect">
@@ -14270,21 +14296,21 @@
       </p:sp>
       <p:cxnSp>
         <p:nvCxnSpPr>
-          <p:cNvPr id="220" name="Google Shape;220;p19"/>
+          <p:cNvPr id="221" name="Google Shape;221;p19"/>
           <p:cNvCxnSpPr>
-            <a:stCxn id="219" idx="2"/>
-            <a:endCxn id="199" idx="0"/>
+            <a:stCxn id="220" idx="2"/>
+            <a:endCxn id="200" idx="0"/>
           </p:cNvCxnSpPr>
           <p:nvPr/>
         </p:nvCxnSpPr>
         <p:spPr>
           <a:xfrm flipH="1" rot="-5400000">
-            <a:off x="3960100" y="257092"/>
-            <a:ext cx="652200" cy="1023000"/>
+            <a:off x="3617200" y="66592"/>
+            <a:ext cx="652200" cy="1404000"/>
           </a:xfrm>
           <a:prstGeom prst="bentConnector3">
             <a:avLst>
-              <a:gd fmla="val 41124" name="adj1"/>
+              <a:gd fmla="val 49993" name="adj1"/>
             </a:avLst>
           </a:prstGeom>
           <a:noFill/>
@@ -14301,21 +14327,21 @@
       </p:cxnSp>
       <p:cxnSp>
         <p:nvCxnSpPr>
-          <p:cNvPr id="221" name="Google Shape;221;p19"/>
+          <p:cNvPr id="222" name="Google Shape;222;p19"/>
           <p:cNvCxnSpPr>
-            <a:stCxn id="200" idx="2"/>
-            <a:endCxn id="199" idx="0"/>
+            <a:stCxn id="201" idx="2"/>
+            <a:endCxn id="200" idx="0"/>
           </p:cNvCxnSpPr>
           <p:nvPr/>
         </p:nvCxnSpPr>
         <p:spPr>
-          <a:xfrm rot="5400000">
-            <a:off x="5051525" y="188692"/>
-            <a:ext cx="652200" cy="1159800"/>
+          <a:xfrm flipH="1" rot="-5400000">
+            <a:off x="4318898" y="768142"/>
+            <a:ext cx="652200" cy="900"/>
           </a:xfrm>
           <a:prstGeom prst="bentConnector3">
             <a:avLst>
-              <a:gd fmla="val 41124" name="adj1"/>
+              <a:gd fmla="val 49993" name="adj1"/>
             </a:avLst>
           </a:prstGeom>
           <a:noFill/>
@@ -14332,67 +14358,13 @@
       </p:cxnSp>
       <p:sp>
         <p:nvSpPr>
-          <p:cNvPr id="222" name="Google Shape;222;p19"/>
-          <p:cNvSpPr/>
-          <p:nvPr/>
-        </p:nvSpPr>
-        <p:spPr>
-          <a:xfrm>
-            <a:off x="5487142" y="2173167"/>
-            <a:ext cx="102600" cy="109800"/>
-          </a:xfrm>
-          <a:prstGeom prst="ellipse">
-            <a:avLst/>
-          </a:prstGeom>
-          <a:solidFill>
-            <a:srgbClr val="0000FF"/>
-          </a:solidFill>
-          <a:ln cap="flat" cmpd="sng" w="9525">
-            <a:solidFill>
-              <a:srgbClr val="0000FF"/>
-            </a:solidFill>
-            <a:prstDash val="solid"/>
-            <a:round/>
-            <a:headEnd len="sm" w="sm" type="none"/>
-            <a:tailEnd len="sm" w="sm" type="none"/>
-          </a:ln>
-        </p:spPr>
-        <p:txBody>
-          <a:bodyPr anchorCtr="0" anchor="ctr" bIns="91425" lIns="91425" spcFirstLastPara="1" rIns="91425" wrap="square" tIns="91425">
-            <a:noAutofit/>
-          </a:bodyPr>
-          <a:lstStyle/>
-          <a:p>
-            <a:pPr indent="0" lvl="0" marL="0" rtl="0" algn="ctr">
-              <a:spcBef>
-                <a:spcPts val="0"/>
-              </a:spcBef>
-              <a:spcAft>
-                <a:spcPts val="0"/>
-              </a:spcAft>
-              <a:buNone/>
-            </a:pPr>
-            <a:r>
-              <a:t/>
-            </a:r>
-            <a:endParaRPr>
-              <a:latin typeface="Proxima Nova"/>
-              <a:ea typeface="Proxima Nova"/>
-              <a:cs typeface="Proxima Nova"/>
-              <a:sym typeface="Proxima Nova"/>
-            </a:endParaRPr>
-          </a:p>
-        </p:txBody>
-      </p:sp>
-      <p:sp>
-        <p:nvSpPr>
           <p:cNvPr id="223" name="Google Shape;223;p19"/>
           <p:cNvSpPr/>
           <p:nvPr/>
         </p:nvSpPr>
         <p:spPr>
           <a:xfrm>
-            <a:off x="5913188" y="2173167"/>
+            <a:off x="5334742" y="2173167"/>
             <a:ext cx="102600" cy="109800"/>
           </a:xfrm>
           <a:prstGeom prst="ellipse">
@@ -14446,7 +14418,7 @@
         </p:nvSpPr>
         <p:spPr>
           <a:xfrm>
-            <a:off x="5487142" y="2980542"/>
+            <a:off x="5760788" y="2173167"/>
             <a:ext cx="102600" cy="109800"/>
           </a:xfrm>
           <a:prstGeom prst="ellipse">
@@ -14500,7 +14472,7 @@
         </p:nvSpPr>
         <p:spPr>
           <a:xfrm>
-            <a:off x="5913188" y="2980542"/>
+            <a:off x="5334742" y="2980542"/>
             <a:ext cx="102600" cy="109800"/>
           </a:xfrm>
           <a:prstGeom prst="ellipse">
@@ -14554,7 +14526,61 @@
         </p:nvSpPr>
         <p:spPr>
           <a:xfrm>
-            <a:off x="4048115" y="4617299"/>
+            <a:off x="5760788" y="2980542"/>
+            <a:ext cx="102600" cy="109800"/>
+          </a:xfrm>
+          <a:prstGeom prst="ellipse">
+            <a:avLst/>
+          </a:prstGeom>
+          <a:solidFill>
+            <a:srgbClr val="0000FF"/>
+          </a:solidFill>
+          <a:ln cap="flat" cmpd="sng" w="9525">
+            <a:solidFill>
+              <a:srgbClr val="0000FF"/>
+            </a:solidFill>
+            <a:prstDash val="solid"/>
+            <a:round/>
+            <a:headEnd len="sm" w="sm" type="none"/>
+            <a:tailEnd len="sm" w="sm" type="none"/>
+          </a:ln>
+        </p:spPr>
+        <p:txBody>
+          <a:bodyPr anchorCtr="0" anchor="ctr" bIns="91425" lIns="91425" spcFirstLastPara="1" rIns="91425" wrap="square" tIns="91425">
+            <a:noAutofit/>
+          </a:bodyPr>
+          <a:lstStyle/>
+          <a:p>
+            <a:pPr indent="0" lvl="0" marL="0" rtl="0" algn="ctr">
+              <a:spcBef>
+                <a:spcPts val="0"/>
+              </a:spcBef>
+              <a:spcAft>
+                <a:spcPts val="0"/>
+              </a:spcAft>
+              <a:buNone/>
+            </a:pPr>
+            <a:r>
+              <a:t/>
+            </a:r>
+            <a:endParaRPr>
+              <a:latin typeface="Proxima Nova"/>
+              <a:ea typeface="Proxima Nova"/>
+              <a:cs typeface="Proxima Nova"/>
+              <a:sym typeface="Proxima Nova"/>
+            </a:endParaRPr>
+          </a:p>
+        </p:txBody>
+      </p:sp>
+      <p:sp>
+        <p:nvSpPr>
+          <p:cNvPr id="227" name="Google Shape;227;p19"/>
+          <p:cNvSpPr/>
+          <p:nvPr/>
+        </p:nvSpPr>
+        <p:spPr>
+          <a:xfrm>
+            <a:off x="3895715" y="4617299"/>
             <a:ext cx="1457700" cy="381000"/>
           </a:xfrm>
           <a:prstGeom prst="roundRect">
@@ -14616,16 +14642,16 @@
       </p:sp>
       <p:cxnSp>
         <p:nvCxnSpPr>
-          <p:cNvPr id="227" name="Google Shape;227;p19"/>
+          <p:cNvPr id="228" name="Google Shape;228;p19"/>
           <p:cNvCxnSpPr>
-            <a:stCxn id="210" idx="2"/>
-            <a:endCxn id="226" idx="0"/>
+            <a:stCxn id="211" idx="2"/>
+            <a:endCxn id="227" idx="0"/>
           </p:cNvCxnSpPr>
           <p:nvPr/>
         </p:nvCxnSpPr>
         <p:spPr>
           <a:xfrm>
-            <a:off x="4776965" y="4189267"/>
+            <a:off x="4624565" y="4189267"/>
             <a:ext cx="0" cy="428100"/>
           </a:xfrm>
           <a:prstGeom prst="straightConnector1">
@@ -14643,23 +14669,91 @@
           </a:ln>
         </p:spPr>
       </p:cxnSp>
+      <p:sp>
+        <p:nvSpPr>
+          <p:cNvPr id="229" name="Google Shape;229;p19"/>
+          <p:cNvSpPr/>
+          <p:nvPr/>
+        </p:nvSpPr>
+        <p:spPr>
+          <a:xfrm>
+            <a:off x="5660521" y="61500"/>
+            <a:ext cx="772200" cy="381000"/>
+          </a:xfrm>
+          <a:prstGeom prst="roundRect">
+            <a:avLst>
+              <a:gd fmla="val 16667" name="adj"/>
+            </a:avLst>
+          </a:prstGeom>
+          <a:solidFill>
+            <a:srgbClr val="0000FF"/>
+          </a:solidFill>
+          <a:ln cap="flat" cmpd="sng" w="9525">
+            <a:solidFill>
+              <a:srgbClr val="0000FF"/>
+            </a:solidFill>
+            <a:prstDash val="solid"/>
+            <a:round/>
+            <a:headEnd len="sm" w="sm" type="none"/>
+            <a:tailEnd len="sm" w="sm" type="none"/>
+          </a:ln>
+        </p:spPr>
+        <p:txBody>
+          <a:bodyPr anchorCtr="0" anchor="ctr" bIns="91425" lIns="91425" spcFirstLastPara="1" rIns="91425" wrap="square" tIns="91425">
+            <a:noAutofit/>
+          </a:bodyPr>
+          <a:lstStyle/>
+          <a:p>
+            <a:pPr indent="0" lvl="0" marL="0" rtl="0" algn="ctr">
+              <a:spcBef>
+                <a:spcPts val="0"/>
+              </a:spcBef>
+              <a:spcAft>
+                <a:spcPts val="0"/>
+              </a:spcAft>
+              <a:buNone/>
+            </a:pPr>
+            <a:r>
+              <a:rPr b="1" lang="ja">
+                <a:solidFill>
+                  <a:schemeClr val="lt1"/>
+                </a:solidFill>
+                <a:latin typeface="Proxima Nova"/>
+                <a:ea typeface="Proxima Nova"/>
+                <a:cs typeface="Proxima Nova"/>
+                <a:sym typeface="Proxima Nova"/>
+              </a:rPr>
+              <a:t>ICRL</a:t>
+            </a:r>
+            <a:endParaRPr b="1">
+              <a:solidFill>
+                <a:schemeClr val="lt1"/>
+              </a:solidFill>
+              <a:latin typeface="Proxima Nova"/>
+              <a:ea typeface="Proxima Nova"/>
+              <a:cs typeface="Proxima Nova"/>
+              <a:sym typeface="Proxima Nova"/>
+            </a:endParaRPr>
+          </a:p>
+        </p:txBody>
+      </p:sp>
       <p:grpSp>
         <p:nvGrpSpPr>
-          <p:cNvPr id="228" name="Google Shape;228;p19"/>
+          <p:cNvPr id="230" name="Google Shape;230;p19"/>
           <p:cNvGrpSpPr/>
           <p:nvPr/>
         </p:nvGrpSpPr>
         <p:grpSpPr>
           <a:xfrm>
-            <a:off x="1905280" y="438730"/>
-            <a:ext cx="2229300" cy="3594620"/>
-            <a:chOff x="1458695" y="471800"/>
-            <a:chExt cx="2229300" cy="3594620"/>
+            <a:off x="1988938" y="438730"/>
+            <a:ext cx="2001727" cy="3569120"/>
+            <a:chOff x="2075754" y="471800"/>
+            <a:chExt cx="2001727" cy="3569120"/>
           </a:xfrm>
         </p:grpSpPr>
         <p:cxnSp>
           <p:nvCxnSpPr>
-            <p:cNvPr id="229" name="Google Shape;229;p19"/>
+            <p:cNvPr id="231" name="Google Shape;231;p19"/>
             <p:cNvCxnSpPr/>
             <p:nvPr/>
           </p:nvCxnSpPr>
@@ -14685,14 +14779,14 @@
         </p:cxnSp>
         <p:cxnSp>
           <p:nvCxnSpPr>
-            <p:cNvPr id="230" name="Google Shape;230;p19"/>
+            <p:cNvPr id="232" name="Google Shape;232;p19"/>
             <p:cNvCxnSpPr/>
             <p:nvPr/>
           </p:nvCxnSpPr>
           <p:spPr>
             <a:xfrm>
-              <a:off x="1478254" y="1340835"/>
-              <a:ext cx="1855500" cy="0"/>
+              <a:off x="2075765" y="1322620"/>
+              <a:ext cx="0" cy="2718300"/>
             </a:xfrm>
             <a:prstGeom prst="straightConnector1">
               <a:avLst/>
@@ -14711,14 +14805,42 @@
         </p:cxnSp>
         <p:cxnSp>
           <p:nvCxnSpPr>
-            <p:cNvPr id="231" name="Google Shape;231;p19"/>
+            <p:cNvPr id="233" name="Google Shape;233;p19"/>
+            <p:cNvCxnSpPr>
+              <a:endCxn id="211" idx="1"/>
+            </p:cNvCxnSpPr>
+            <p:nvPr/>
+          </p:nvCxnSpPr>
+          <p:spPr>
+            <a:xfrm>
+              <a:off x="2094181" y="4018938"/>
+              <a:ext cx="1983300" cy="12900"/>
+            </a:xfrm>
+            <a:prstGeom prst="straightConnector1">
+              <a:avLst/>
+            </a:prstGeom>
+            <a:noFill/>
+            <a:ln cap="flat" cmpd="sng" w="38100">
+              <a:solidFill>
+                <a:srgbClr val="0000FF"/>
+              </a:solidFill>
+              <a:prstDash val="solid"/>
+              <a:round/>
+              <a:headEnd len="med" w="med" type="none"/>
+              <a:tailEnd len="med" w="med" type="triangle"/>
+            </a:ln>
+          </p:spPr>
+        </p:cxnSp>
+        <p:cxnSp>
+          <p:nvCxnSpPr>
+            <p:cNvPr id="234" name="Google Shape;234;p19"/>
             <p:cNvCxnSpPr/>
             <p:nvPr/>
           </p:nvCxnSpPr>
           <p:spPr>
             <a:xfrm>
-              <a:off x="1466165" y="1322620"/>
-              <a:ext cx="0" cy="2743800"/>
+              <a:off x="2075754" y="1340835"/>
+              <a:ext cx="1258500" cy="0"/>
             </a:xfrm>
             <a:prstGeom prst="straightConnector1">
               <a:avLst/>
@@ -14735,16 +14857,31 @@
             </a:ln>
           </p:spPr>
         </p:cxnSp>
+      </p:grpSp>
+      <p:grpSp>
+        <p:nvGrpSpPr>
+          <p:cNvPr id="235" name="Google Shape;235;p19"/>
+          <p:cNvGrpSpPr/>
+          <p:nvPr/>
+        </p:nvGrpSpPr>
+        <p:grpSpPr>
+          <a:xfrm>
+            <a:off x="5265427" y="444006"/>
+            <a:ext cx="2032207" cy="3559849"/>
+            <a:chOff x="2174703" y="471800"/>
+            <a:chExt cx="2384100" cy="3547433"/>
+          </a:xfrm>
+        </p:grpSpPr>
         <p:cxnSp>
           <p:nvCxnSpPr>
-            <p:cNvPr id="232" name="Google Shape;232;p19"/>
+            <p:cNvPr id="236" name="Google Shape;236;p19"/>
             <p:cNvCxnSpPr/>
             <p:nvPr/>
           </p:nvCxnSpPr>
           <p:spPr>
             <a:xfrm>
-              <a:off x="1458695" y="4051860"/>
-              <a:ext cx="2229300" cy="0"/>
+              <a:off x="3107472" y="471800"/>
+              <a:ext cx="0" cy="883500"/>
             </a:xfrm>
             <a:prstGeom prst="straightConnector1">
               <a:avLst/>
@@ -14754,10 +14891,88 @@
               <a:solidFill>
                 <a:srgbClr val="0000FF"/>
               </a:solidFill>
-              <a:prstDash val="solid"/>
+              <a:prstDash val="dash"/>
               <a:round/>
               <a:headEnd len="med" w="med" type="none"/>
-              <a:tailEnd len="med" w="med" type="triangle"/>
+              <a:tailEnd len="med" w="med" type="none"/>
+            </a:ln>
+          </p:spPr>
+        </p:cxnSp>
+        <p:cxnSp>
+          <p:nvCxnSpPr>
+            <p:cNvPr id="237" name="Google Shape;237;p19"/>
+            <p:cNvCxnSpPr/>
+            <p:nvPr/>
+          </p:nvCxnSpPr>
+          <p:spPr>
+            <a:xfrm>
+              <a:off x="4543473" y="1322620"/>
+              <a:ext cx="0" cy="2642100"/>
+            </a:xfrm>
+            <a:prstGeom prst="straightConnector1">
+              <a:avLst/>
+            </a:prstGeom>
+            <a:noFill/>
+            <a:ln cap="flat" cmpd="sng" w="38100">
+              <a:solidFill>
+                <a:srgbClr val="0000FF"/>
+              </a:solidFill>
+              <a:prstDash val="dash"/>
+              <a:round/>
+              <a:headEnd len="med" w="med" type="none"/>
+              <a:tailEnd len="med" w="med" type="none"/>
+            </a:ln>
+          </p:spPr>
+        </p:cxnSp>
+        <p:cxnSp>
+          <p:nvCxnSpPr>
+            <p:cNvPr id="238" name="Google Shape;238;p19"/>
+            <p:cNvCxnSpPr/>
+            <p:nvPr/>
+          </p:nvCxnSpPr>
+          <p:spPr>
+            <a:xfrm>
+              <a:off x="2174703" y="4019233"/>
+              <a:ext cx="2384100" cy="0"/>
+            </a:xfrm>
+            <a:prstGeom prst="straightConnector1">
+              <a:avLst/>
+            </a:prstGeom>
+            <a:noFill/>
+            <a:ln cap="flat" cmpd="sng" w="38100">
+              <a:solidFill>
+                <a:srgbClr val="0000FF"/>
+              </a:solidFill>
+              <a:prstDash val="dash"/>
+              <a:round/>
+              <a:headEnd len="med" w="med" type="triangle"/>
+              <a:tailEnd len="med" w="med" type="none"/>
+            </a:ln>
+          </p:spPr>
+        </p:cxnSp>
+        <p:cxnSp>
+          <p:nvCxnSpPr>
+            <p:cNvPr id="239" name="Google Shape;239;p19"/>
+            <p:cNvCxnSpPr/>
+            <p:nvPr/>
+          </p:nvCxnSpPr>
+          <p:spPr>
+            <a:xfrm>
+              <a:off x="3122268" y="1340835"/>
+              <a:ext cx="1436400" cy="0"/>
+            </a:xfrm>
+            <a:prstGeom prst="straightConnector1">
+              <a:avLst/>
+            </a:prstGeom>
+            <a:noFill/>
+            <a:ln cap="flat" cmpd="sng" w="38100">
+              <a:solidFill>
+                <a:srgbClr val="0000FF"/>
+              </a:solidFill>
+              <a:prstDash val="dash"/>
+              <a:round/>
+              <a:headEnd len="med" w="med" type="none"/>
+              <a:tailEnd len="med" w="med" type="none"/>
             </a:ln>
           </p:spPr>
         </p:cxnSp>
@@ -14771,6 +14986,285 @@
 </file>
 
 <file path=ppt/theme/theme1.xml><?xml version="1.0" encoding="utf-8"?>
+<a:theme xmlns:a="http://schemas.openxmlformats.org/drawingml/2006/main" xmlns:r="http://schemas.openxmlformats.org/officeDocument/2006/relationships" name="Spearmint">
+  <a:themeElements>
+    <a:clrScheme name="Spearmint">
+      <a:dk1>
+        <a:srgbClr val="202729"/>
+      </a:dk1>
+      <a:lt1>
+        <a:srgbClr val="FFFFFF"/>
+      </a:lt1>
+      <a:dk2>
+        <a:srgbClr val="4BA173"/>
+      </a:dk2>
+      <a:lt2>
+        <a:srgbClr val="63D297"/>
+      </a:lt2>
+      <a:accent1>
+        <a:srgbClr val="353744"/>
+      </a:accent1>
+      <a:accent2>
+        <a:srgbClr val="424242"/>
+      </a:accent2>
+      <a:accent3>
+        <a:srgbClr val="616161"/>
+      </a:accent3>
+      <a:accent4>
+        <a:srgbClr val="F0F0F0"/>
+      </a:accent4>
+      <a:accent5>
+        <a:srgbClr val="FF5252"/>
+      </a:accent5>
+      <a:accent6>
+        <a:srgbClr val="FFF176"/>
+      </a:accent6>
+      <a:hlink>
+        <a:srgbClr val="FF5252"/>
+      </a:hlink>
+      <a:folHlink>
+        <a:srgbClr val="FF5252"/>
+      </a:folHlink>
+    </a:clrScheme>
+    <a:fontScheme name="Office">
+      <a:majorFont>
+        <a:latin typeface="Arial"/>
+        <a:ea typeface=""/>
+        <a:cs typeface=""/>
+        <a:font script="Jpan" typeface="ＭＳ Ｐゴシック"/>
+        <a:font script="Hang" typeface="맑은 고딕"/>
+        <a:font script="Hans" typeface="宋体"/>
+        <a:font script="Hant" typeface="新細明體"/>
+        <a:font script="Arab" typeface="Times New Roman"/>
+        <a:font script="Hebr" typeface="Times New Roman"/>
+        <a:font script="Thai" typeface="Angsana New"/>
+        <a:font script="Ethi" typeface="Nyala"/>
+        <a:font script="Beng" typeface="Vrinda"/>
+        <a:font script="Gujr" typeface="Shruti"/>
+        <a:font script="Khmr" typeface="MoolBoran"/>
+        <a:font script="Knda" typeface="Tunga"/>
+        <a:font script="Guru" typeface="Raavi"/>
+        <a:font script="Cans" typeface="Euphemia"/>
+        <a:font script="Cher" typeface="Plantagenet Cherokee"/>
+        <a:font script="Yiii" typeface="Microsoft Yi Baiti"/>
+        <a:font script="Tibt" typeface="Microsoft Himalaya"/>
+        <a:font script="Thaa" typeface="MV Boli"/>
+        <a:font script="Deva" typeface="Mangal"/>
+        <a:font script="Telu" typeface="Gautami"/>
+        <a:font script="Taml" typeface="Latha"/>
+        <a:font script="Syrc" typeface="Estrangelo Edessa"/>
+        <a:font script="Orya" typeface="Kalinga"/>
+        <a:font script="Mlym" typeface="Kartika"/>
+        <a:font script="Laoo" typeface="DokChampa"/>
+        <a:font script="Sinh" typeface="Iskoola Pota"/>
+        <a:font script="Mong" typeface="Mongolian Baiti"/>
+        <a:font script="Viet" typeface="Times New Roman"/>
+        <a:font script="Uigh" typeface="Microsoft Uighur"/>
+        <a:font script="Geor" typeface="Sylfaen"/>
+      </a:majorFont>
+      <a:minorFont>
+        <a:latin typeface="Arial"/>
+        <a:ea typeface=""/>
+        <a:cs typeface=""/>
+        <a:font script="Jpan" typeface="ＭＳ Ｐゴシック"/>
+        <a:font script="Hang" typeface="맑은 고딕"/>
+        <a:font script="Hans" typeface="宋体"/>
+        <a:font script="Hant" typeface="新細明體"/>
+        <a:font script="Arab" typeface="Arial"/>
+        <a:font script="Hebr" typeface="Arial"/>
+        <a:font script="Thai" typeface="Cordia New"/>
+        <a:font script="Ethi" typeface="Nyala"/>
+        <a:font script="Beng" typeface="Vrinda"/>
+        <a:font script="Gujr" typeface="Shruti"/>
+        <a:font script="Khmr" typeface="DaunPenh"/>
+        <a:font script="Knda" typeface="Tunga"/>
+        <a:font script="Guru" typeface="Raavi"/>
+        <a:font script="Cans" typeface="Euphemia"/>
+        <a:font script="Cher" typeface="Plantagenet Cherokee"/>
+        <a:font script="Yiii" typeface="Microsoft Yi Baiti"/>
+        <a:font script="Tibt" typeface="Microsoft Himalaya"/>
+        <a:font script="Thaa" typeface="MV Boli"/>
+        <a:font script="Deva" typeface="Mangal"/>
+        <a:font script="Telu" typeface="Gautami"/>
+        <a:font script="Taml" typeface="Latha"/>
+        <a:font script="Syrc" typeface="Estrangelo Edessa"/>
+        <a:font script="Orya" typeface="Kalinga"/>
+        <a:font script="Mlym" typeface="Kartika"/>
+        <a:font script="Laoo" typeface="DokChampa"/>
+        <a:font script="Sinh" typeface="Iskoola Pota"/>
+        <a:font script="Mong" typeface="Mongolian Baiti"/>
+        <a:font script="Viet" typeface="Arial"/>
+        <a:font script="Uigh" typeface="Microsoft Uighur"/>
+        <a:font script="Geor" typeface="Sylfaen"/>
+      </a:minorFont>
+    </a:fontScheme>
+    <a:fmtScheme name="Office">
+      <a:fillStyleLst>
+        <a:solidFill>
+          <a:schemeClr val="phClr"/>
+        </a:solidFill>
+        <a:gradFill rotWithShape="1">
+          <a:gsLst>
+            <a:gs pos="0">
+              <a:schemeClr val="phClr">
+                <a:tint val="50000"/>
+                <a:satMod val="300000"/>
+              </a:schemeClr>
+            </a:gs>
+            <a:gs pos="35000">
+              <a:schemeClr val="phClr">
+                <a:tint val="37000"/>
+                <a:satMod val="300000"/>
+              </a:schemeClr>
+            </a:gs>
+            <a:gs pos="100000">
+              <a:schemeClr val="phClr">
+                <a:tint val="15000"/>
+                <a:satMod val="350000"/>
+              </a:schemeClr>
+            </a:gs>
+          </a:gsLst>
+          <a:lin ang="16200000" scaled="1"/>
+        </a:gradFill>
+        <a:gradFill rotWithShape="1">
+          <a:gsLst>
+            <a:gs pos="0">
+              <a:schemeClr val="phClr">
+                <a:tint val="100000"/>
+                <a:shade val="100000"/>
+                <a:satMod val="130000"/>
+              </a:schemeClr>
+            </a:gs>
+            <a:gs pos="100000">
+              <a:schemeClr val="phClr">
+                <a:tint val="50000"/>
+                <a:shade val="100000"/>
+                <a:satMod val="350000"/>
+              </a:schemeClr>
+            </a:gs>
+          </a:gsLst>
+          <a:lin ang="16200000" scaled="0"/>
+        </a:gradFill>
+      </a:fillStyleLst>
+      <a:lnStyleLst>
+        <a:ln w="9525" cap="flat" cmpd="sng" algn="ctr">
+          <a:solidFill>
+            <a:schemeClr val="phClr">
+              <a:shade val="95000"/>
+              <a:satMod val="105000"/>
+            </a:schemeClr>
+          </a:solidFill>
+          <a:prstDash val="solid"/>
+        </a:ln>
+        <a:ln w="25400" cap="flat" cmpd="sng" algn="ctr">
+          <a:solidFill>
+            <a:schemeClr val="phClr"/>
+          </a:solidFill>
+          <a:prstDash val="solid"/>
+        </a:ln>
+        <a:ln w="38100" cap="flat" cmpd="sng" algn="ctr">
+          <a:solidFill>
+            <a:schemeClr val="phClr"/>
+          </a:solidFill>
+          <a:prstDash val="solid"/>
+        </a:ln>
+      </a:lnStyleLst>
+      <a:effectStyleLst>
+        <a:effectStyle>
+          <a:effectLst>
+            <a:outerShdw blurRad="40000" dist="20000" dir="5400000" rotWithShape="0">
+              <a:srgbClr val="000000">
+                <a:alpha val="38000"/>
+              </a:srgbClr>
+            </a:outerShdw>
+          </a:effectLst>
+        </a:effectStyle>
+        <a:effectStyle>
+          <a:effectLst>
+            <a:outerShdw blurRad="40000" dist="23000" dir="5400000" rotWithShape="0">
+              <a:srgbClr val="000000">
+                <a:alpha val="35000"/>
+              </a:srgbClr>
+            </a:outerShdw>
+          </a:effectLst>
+        </a:effectStyle>
+        <a:effectStyle>
+          <a:effectLst>
+            <a:outerShdw blurRad="40000" dist="23000" dir="5400000" rotWithShape="0">
+              <a:srgbClr val="000000">
+                <a:alpha val="35000"/>
+              </a:srgbClr>
+            </a:outerShdw>
+          </a:effectLst>
+          <a:scene3d>
+            <a:camera prst="orthographicFront">
+              <a:rot lat="0" lon="0" rev="0"/>
+            </a:camera>
+            <a:lightRig rig="threePt" dir="t">
+              <a:rot lat="0" lon="0" rev="1200000"/>
+            </a:lightRig>
+          </a:scene3d>
+          <a:sp3d>
+            <a:bevelT w="63500" h="25400"/>
+          </a:sp3d>
+        </a:effectStyle>
+      </a:effectStyleLst>
+      <a:bgFillStyleLst>
+        <a:solidFill>
+          <a:schemeClr val="phClr"/>
+        </a:solidFill>
+        <a:gradFill rotWithShape="1">
+          <a:gsLst>
+            <a:gs pos="0">
+              <a:schemeClr val="phClr">
+                <a:tint val="40000"/>
+                <a:satMod val="350000"/>
+              </a:schemeClr>
+            </a:gs>
+            <a:gs pos="40000">
+              <a:schemeClr val="phClr">
+                <a:tint val="45000"/>
+                <a:shade val="99000"/>
+                <a:satMod val="350000"/>
+              </a:schemeClr>
+            </a:gs>
+            <a:gs pos="100000">
+              <a:schemeClr val="phClr">
+                <a:shade val="20000"/>
+                <a:satMod val="255000"/>
+              </a:schemeClr>
+            </a:gs>
+          </a:gsLst>
+          <a:path path="circle">
+            <a:fillToRect l="50000" t="-80000" r="50000" b="180000"/>
+          </a:path>
+        </a:gradFill>
+        <a:gradFill rotWithShape="1">
+          <a:gsLst>
+            <a:gs pos="0">
+              <a:schemeClr val="phClr">
+                <a:tint val="80000"/>
+                <a:satMod val="300000"/>
+              </a:schemeClr>
+            </a:gs>
+            <a:gs pos="100000">
+              <a:schemeClr val="phClr">
+                <a:shade val="30000"/>
+                <a:satMod val="200000"/>
+              </a:schemeClr>
+            </a:gs>
+          </a:gsLst>
+          <a:path path="circle">
+            <a:fillToRect l="50000" t="50000" r="50000" b="50000"/>
+          </a:path>
+        </a:gradFill>
+      </a:bgFillStyleLst>
+    </a:fmtScheme>
+  </a:themeElements>
+</a:theme>
+</file>
+
+<file path=ppt/theme/theme2.xml><?xml version="1.0" encoding="utf-8"?>
 <a:theme xmlns:a="http://schemas.openxmlformats.org/drawingml/2006/main" xmlns:r="http://schemas.openxmlformats.org/officeDocument/2006/relationships">
   <a:themeElements>
     <a:clrScheme name="Default">
@@ -15047,283 +15541,4 @@
     </a:fmtScheme>
   </a:themeElements>
 </a:theme>
-</file>
-
-<file path=ppt/theme/theme2.xml><?xml version="1.0" encoding="utf-8"?>
-<a:theme xmlns:a="http://schemas.openxmlformats.org/drawingml/2006/main" xmlns:r="http://schemas.openxmlformats.org/officeDocument/2006/relationships" name="Spearmint">
-  <a:themeElements>
-    <a:clrScheme name="Spearmint">
-      <a:dk1>
-        <a:srgbClr val="202729"/>
-      </a:dk1>
-      <a:lt1>
-        <a:srgbClr val="FFFFFF"/>
-      </a:lt1>
-      <a:dk2>
-        <a:srgbClr val="4BA173"/>
-      </a:dk2>
-      <a:lt2>
-        <a:srgbClr val="63D297"/>
-      </a:lt2>
-      <a:accent1>
-        <a:srgbClr val="353744"/>
-      </a:accent1>
-      <a:accent2>
-        <a:srgbClr val="424242"/>
-      </a:accent2>
-      <a:accent3>
-        <a:srgbClr val="616161"/>
-      </a:accent3>
-      <a:accent4>
-        <a:srgbClr val="F0F0F0"/>
-      </a:accent4>
-      <a:accent5>
-        <a:srgbClr val="FF5252"/>
-      </a:accent5>
-      <a:accent6>
-        <a:srgbClr val="FFF176"/>
-      </a:accent6>
-      <a:hlink>
-        <a:srgbClr val="FF5252"/>
-      </a:hlink>
-      <a:folHlink>
-        <a:srgbClr val="FF5252"/>
-      </a:folHlink>
-    </a:clrScheme>
-    <a:fontScheme name="Office">
-      <a:majorFont>
-        <a:latin typeface="Arial"/>
-        <a:ea typeface=""/>
-        <a:cs typeface=""/>
-        <a:font script="Jpan" typeface="ＭＳ Ｐゴシック"/>
-        <a:font script="Hang" typeface="맑은 고딕"/>
-        <a:font script="Hans" typeface="宋体"/>
-        <a:font script="Hant" typeface="新細明體"/>
-        <a:font script="Arab" typeface="Times New Roman"/>
-        <a:font script="Hebr" typeface="Times New Roman"/>
-        <a:font script="Thai" typeface="Angsana New"/>
-        <a:font script="Ethi" typeface="Nyala"/>
-        <a:font script="Beng" typeface="Vrinda"/>
-        <a:font script="Gujr" typeface="Shruti"/>
-        <a:font script="Khmr" typeface="MoolBoran"/>
-        <a:font script="Knda" typeface="Tunga"/>
-        <a:font script="Guru" typeface="Raavi"/>
-        <a:font script="Cans" typeface="Euphemia"/>
-        <a:font script="Cher" typeface="Plantagenet Cherokee"/>
-        <a:font script="Yiii" typeface="Microsoft Yi Baiti"/>
-        <a:font script="Tibt" typeface="Microsoft Himalaya"/>
-        <a:font script="Thaa" typeface="MV Boli"/>
-        <a:font script="Deva" typeface="Mangal"/>
-        <a:font script="Telu" typeface="Gautami"/>
-        <a:font script="Taml" typeface="Latha"/>
-        <a:font script="Syrc" typeface="Estrangelo Edessa"/>
-        <a:font script="Orya" typeface="Kalinga"/>
-        <a:font script="Mlym" typeface="Kartika"/>
-        <a:font script="Laoo" typeface="DokChampa"/>
-        <a:font script="Sinh" typeface="Iskoola Pota"/>
-        <a:font script="Mong" typeface="Mongolian Baiti"/>
-        <a:font script="Viet" typeface="Times New Roman"/>
-        <a:font script="Uigh" typeface="Microsoft Uighur"/>
-        <a:font script="Geor" typeface="Sylfaen"/>
-      </a:majorFont>
-      <a:minorFont>
-        <a:latin typeface="Arial"/>
-        <a:ea typeface=""/>
-        <a:cs typeface=""/>
-        <a:font script="Jpan" typeface="ＭＳ Ｐゴシック"/>
-        <a:font script="Hang" typeface="맑은 고딕"/>
-        <a:font script="Hans" typeface="宋体"/>
-        <a:font script="Hant" typeface="新細明體"/>
-        <a:font script="Arab" typeface="Arial"/>
-        <a:font script="Hebr" typeface="Arial"/>
-        <a:font script="Thai" typeface="Cordia New"/>
-        <a:font script="Ethi" typeface="Nyala"/>
-        <a:font script="Beng" typeface="Vrinda"/>
-        <a:font script="Gujr" typeface="Shruti"/>
-        <a:font script="Khmr" typeface="DaunPenh"/>
-        <a:font script="Knda" typeface="Tunga"/>
-        <a:font script="Guru" typeface="Raavi"/>
-        <a:font script="Cans" typeface="Euphemia"/>
-        <a:font script="Cher" typeface="Plantagenet Cherokee"/>
-        <a:font script="Yiii" typeface="Microsoft Yi Baiti"/>
-        <a:font script="Tibt" typeface="Microsoft Himalaya"/>
-        <a:font script="Thaa" typeface="MV Boli"/>
-        <a:font script="Deva" typeface="Mangal"/>
-        <a:font script="Telu" typeface="Gautami"/>
-        <a:font script="Taml" typeface="Latha"/>
-        <a:font script="Syrc" typeface="Estrangelo Edessa"/>
-        <a:font script="Orya" typeface="Kalinga"/>
-        <a:font script="Mlym" typeface="Kartika"/>
-        <a:font script="Laoo" typeface="DokChampa"/>
-        <a:font script="Sinh" typeface="Iskoola Pota"/>
-        <a:font script="Mong" typeface="Mongolian Baiti"/>
-        <a:font script="Viet" typeface="Arial"/>
-        <a:font script="Uigh" typeface="Microsoft Uighur"/>
-        <a:font script="Geor" typeface="Sylfaen"/>
-      </a:minorFont>
-    </a:fontScheme>
-    <a:fmtScheme name="Office">
-      <a:fillStyleLst>
-        <a:solidFill>
-          <a:schemeClr val="phClr"/>
-        </a:solidFill>
-        <a:gradFill rotWithShape="1">
-          <a:gsLst>
-            <a:gs pos="0">
-              <a:schemeClr val="phClr">
-                <a:tint val="50000"/>
-                <a:satMod val="300000"/>
-              </a:schemeClr>
-            </a:gs>
-            <a:gs pos="35000">
-              <a:schemeClr val="phClr">
-                <a:tint val="37000"/>
-                <a:satMod val="300000"/>
-              </a:schemeClr>
-            </a:gs>
-            <a:gs pos="100000">
-              <a:schemeClr val="phClr">
-                <a:tint val="15000"/>
-                <a:satMod val="350000"/>
-              </a:schemeClr>
-            </a:gs>
-          </a:gsLst>
-          <a:lin ang="16200000" scaled="1"/>
-        </a:gradFill>
-        <a:gradFill rotWithShape="1">
-          <a:gsLst>
-            <a:gs pos="0">
-              <a:schemeClr val="phClr">
-                <a:tint val="100000"/>
-                <a:shade val="100000"/>
-                <a:satMod val="130000"/>
-              </a:schemeClr>
-            </a:gs>
-            <a:gs pos="100000">
-              <a:schemeClr val="phClr">
-                <a:tint val="50000"/>
-                <a:shade val="100000"/>
-                <a:satMod val="350000"/>
-              </a:schemeClr>
-            </a:gs>
-          </a:gsLst>
-          <a:lin ang="16200000" scaled="0"/>
-        </a:gradFill>
-      </a:fillStyleLst>
-      <a:lnStyleLst>
-        <a:ln w="9525" cap="flat" cmpd="sng" algn="ctr">
-          <a:solidFill>
-            <a:schemeClr val="phClr">
-              <a:shade val="95000"/>
-              <a:satMod val="105000"/>
-            </a:schemeClr>
-          </a:solidFill>
-          <a:prstDash val="solid"/>
-        </a:ln>
-        <a:ln w="25400" cap="flat" cmpd="sng" algn="ctr">
-          <a:solidFill>
-            <a:schemeClr val="phClr"/>
-          </a:solidFill>
-          <a:prstDash val="solid"/>
-        </a:ln>
-        <a:ln w="38100" cap="flat" cmpd="sng" algn="ctr">
-          <a:solidFill>
-            <a:schemeClr val="phClr"/>
-          </a:solidFill>
-          <a:prstDash val="solid"/>
-        </a:ln>
-      </a:lnStyleLst>
-      <a:effectStyleLst>
-        <a:effectStyle>
-          <a:effectLst>
-            <a:outerShdw blurRad="40000" dist="20000" dir="5400000" rotWithShape="0">
-              <a:srgbClr val="000000">
-                <a:alpha val="38000"/>
-              </a:srgbClr>
-            </a:outerShdw>
-          </a:effectLst>
-        </a:effectStyle>
-        <a:effectStyle>
-          <a:effectLst>
-            <a:outerShdw blurRad="40000" dist="23000" dir="5400000" rotWithShape="0">
-              <a:srgbClr val="000000">
-                <a:alpha val="35000"/>
-              </a:srgbClr>
-            </a:outerShdw>
-          </a:effectLst>
-        </a:effectStyle>
-        <a:effectStyle>
-          <a:effectLst>
-            <a:outerShdw blurRad="40000" dist="23000" dir="5400000" rotWithShape="0">
-              <a:srgbClr val="000000">
-                <a:alpha val="35000"/>
-              </a:srgbClr>
-            </a:outerShdw>
-          </a:effectLst>
-          <a:scene3d>
-            <a:camera prst="orthographicFront">
-              <a:rot lat="0" lon="0" rev="0"/>
-            </a:camera>
-            <a:lightRig rig="threePt" dir="t">
-              <a:rot lat="0" lon="0" rev="1200000"/>
-            </a:lightRig>
-          </a:scene3d>
-          <a:sp3d>
-            <a:bevelT w="63500" h="25400"/>
-          </a:sp3d>
-        </a:effectStyle>
-      </a:effectStyleLst>
-      <a:bgFillStyleLst>
-        <a:solidFill>
-          <a:schemeClr val="phClr"/>
-        </a:solidFill>
-        <a:gradFill rotWithShape="1">
-          <a:gsLst>
-            <a:gs pos="0">
-              <a:schemeClr val="phClr">
-                <a:tint val="40000"/>
-                <a:satMod val="350000"/>
-              </a:schemeClr>
-            </a:gs>
-            <a:gs pos="40000">
-              <a:schemeClr val="phClr">
-                <a:tint val="45000"/>
-                <a:shade val="99000"/>
-                <a:satMod val="350000"/>
-              </a:schemeClr>
-            </a:gs>
-            <a:gs pos="100000">
-              <a:schemeClr val="phClr">
-                <a:shade val="20000"/>
-                <a:satMod val="255000"/>
-              </a:schemeClr>
-            </a:gs>
-          </a:gsLst>
-          <a:path path="circle">
-            <a:fillToRect l="50000" t="-80000" r="50000" b="180000"/>
-          </a:path>
-        </a:gradFill>
-        <a:gradFill rotWithShape="1">
-          <a:gsLst>
-            <a:gs pos="0">
-              <a:schemeClr val="phClr">
-                <a:tint val="80000"/>
-                <a:satMod val="300000"/>
-              </a:schemeClr>
-            </a:gs>
-            <a:gs pos="100000">
-              <a:schemeClr val="phClr">
-                <a:shade val="30000"/>
-                <a:satMod val="200000"/>
-              </a:schemeClr>
-            </a:gs>
-          </a:gsLst>
-          <a:path path="circle">
-            <a:fillToRect l="50000" t="50000" r="50000" b="50000"/>
-          </a:path>
-        </a:gradFill>
-      </a:bgFillStyleLst>
-    </a:fmtScheme>
-  </a:themeElements>
-</a:theme>
 </file>